--- a/HMI/GUI.pptx
+++ b/HMI/GUI.pptx
@@ -8,6 +8,8 @@
     <p:sldId id="256" r:id="rId2"/>
     <p:sldId id="257" r:id="rId3"/>
     <p:sldId id="258" r:id="rId4"/>
+    <p:sldId id="259" r:id="rId5"/>
+    <p:sldId id="260" r:id="rId6"/>
   </p:sldIdLst>
   <p:sldSz cx="7620000" cy="4572000"/>
   <p:notesSz cx="6858000" cy="9144000"/>
@@ -106,6 +108,11 @@
       </a:defRPr>
     </a:lvl9pPr>
   </p:defaultTextStyle>
+  <p:extLst>
+    <p:ext uri="{EFAFB233-063F-42B5-8137-9DF3F51BA10A}">
+      <p15:sldGuideLst xmlns:p15="http://schemas.microsoft.com/office/powerpoint/2012/main"/>
+    </p:ext>
+  </p:extLst>
 </p:presentation>
 </file>
 
@@ -4325,8 +4332,8 @@
         </p:nvSpPr>
         <p:spPr>
           <a:xfrm>
-            <a:off x="7126887" y="1980592"/>
-            <a:ext cx="594069" cy="707886"/>
+            <a:off x="6979101" y="1980592"/>
+            <a:ext cx="741856" cy="707886"/>
           </a:xfrm>
           <a:prstGeom prst="rect">
             <a:avLst/>
@@ -4341,7 +4348,7 @@
           <a:p>
             <a:r>
               <a:rPr lang="en-US" sz="4000" dirty="0"/>
-              <a:t>&gt;</a:t>
+              <a:t>&gt;&gt;</a:t>
             </a:r>
           </a:p>
         </p:txBody>
@@ -4360,8 +4367,8 @@
         </p:nvSpPr>
         <p:spPr>
           <a:xfrm>
-            <a:off x="236609" y="1980951"/>
-            <a:ext cx="594069" cy="707886"/>
+            <a:off x="158518" y="1980592"/>
+            <a:ext cx="741856" cy="707886"/>
           </a:xfrm>
           <a:prstGeom prst="rect">
             <a:avLst/>
@@ -4376,7 +4383,7 @@
           <a:p>
             <a:r>
               <a:rPr lang="en-US" sz="4000" dirty="0"/>
-              <a:t>&lt;</a:t>
+              <a:t>&lt;&lt;</a:t>
             </a:r>
           </a:p>
         </p:txBody>
@@ -5311,7 +5318,7 @@
         </p:blipFill>
         <p:spPr bwMode="auto">
           <a:xfrm>
-            <a:off x="5585897" y="1217259"/>
+            <a:off x="5429130" y="1217259"/>
             <a:ext cx="349452" cy="349452"/>
           </a:xfrm>
           <a:prstGeom prst="rect">
@@ -5358,7 +5365,7 @@
         </p:blipFill>
         <p:spPr bwMode="auto">
           <a:xfrm>
-            <a:off x="6345955" y="1156103"/>
+            <a:off x="6232627" y="1237740"/>
             <a:ext cx="349452" cy="349452"/>
           </a:xfrm>
           <a:prstGeom prst="rect">
@@ -5405,7 +5412,7 @@
         </p:blipFill>
         <p:spPr bwMode="auto">
           <a:xfrm>
-            <a:off x="5585897" y="1739495"/>
+            <a:off x="5429130" y="1739495"/>
             <a:ext cx="349452" cy="349452"/>
           </a:xfrm>
           <a:prstGeom prst="rect">
@@ -5452,7 +5459,7 @@
         </p:blipFill>
         <p:spPr bwMode="auto">
           <a:xfrm>
-            <a:off x="6345955" y="1678339"/>
+            <a:off x="6232627" y="1759976"/>
             <a:ext cx="349452" cy="349452"/>
           </a:xfrm>
           <a:prstGeom prst="rect">
@@ -5499,7 +5506,7 @@
         </p:blipFill>
         <p:spPr bwMode="auto">
           <a:xfrm>
-            <a:off x="5585897" y="2253966"/>
+            <a:off x="5429130" y="2253966"/>
             <a:ext cx="349452" cy="349452"/>
           </a:xfrm>
           <a:prstGeom prst="rect">
@@ -5546,7 +5553,7 @@
         </p:blipFill>
         <p:spPr bwMode="auto">
           <a:xfrm>
-            <a:off x="6345955" y="2192810"/>
+            <a:off x="6232627" y="2274447"/>
             <a:ext cx="349452" cy="349452"/>
           </a:xfrm>
           <a:prstGeom prst="rect">
@@ -5593,7 +5600,7 @@
         </p:blipFill>
         <p:spPr bwMode="auto">
           <a:xfrm>
-            <a:off x="5585897" y="2731552"/>
+            <a:off x="5429130" y="2731552"/>
             <a:ext cx="349452" cy="349452"/>
           </a:xfrm>
           <a:prstGeom prst="rect">
@@ -5640,7 +5647,7 @@
         </p:blipFill>
         <p:spPr bwMode="auto">
           <a:xfrm>
-            <a:off x="6345955" y="2670396"/>
+            <a:off x="6232627" y="2752033"/>
             <a:ext cx="349452" cy="349452"/>
           </a:xfrm>
           <a:prstGeom prst="rect">
@@ -5687,7 +5694,7 @@
         </p:blipFill>
         <p:spPr bwMode="auto">
           <a:xfrm>
-            <a:off x="5585897" y="3204285"/>
+            <a:off x="5429130" y="3204285"/>
             <a:ext cx="349452" cy="349452"/>
           </a:xfrm>
           <a:prstGeom prst="rect">
@@ -5734,7 +5741,7 @@
         </p:blipFill>
         <p:spPr bwMode="auto">
           <a:xfrm>
-            <a:off x="6345955" y="3143129"/>
+            <a:off x="6232627" y="3224766"/>
             <a:ext cx="349452" cy="349452"/>
           </a:xfrm>
           <a:prstGeom prst="rect">
@@ -5766,8 +5773,8 @@
         </p:nvSpPr>
         <p:spPr>
           <a:xfrm>
-            <a:off x="7126887" y="1980592"/>
-            <a:ext cx="594069" cy="707886"/>
+            <a:off x="6834604" y="2002602"/>
+            <a:ext cx="687984" cy="707886"/>
           </a:xfrm>
           <a:prstGeom prst="rect">
             <a:avLst/>
@@ -5782,7 +5789,7 @@
           <a:p>
             <a:r>
               <a:rPr lang="en-US" sz="4000" dirty="0"/>
-              <a:t>&gt;</a:t>
+              <a:t>&gt;&gt;</a:t>
             </a:r>
           </a:p>
         </p:txBody>
@@ -5801,8 +5808,8 @@
         </p:nvSpPr>
         <p:spPr>
           <a:xfrm>
-            <a:off x="236609" y="1980951"/>
-            <a:ext cx="594069" cy="707886"/>
+            <a:off x="170116" y="1980592"/>
+            <a:ext cx="687984" cy="707886"/>
           </a:xfrm>
           <a:prstGeom prst="rect">
             <a:avLst/>
@@ -5817,7 +5824,7 @@
           <a:p>
             <a:r>
               <a:rPr lang="en-US" sz="4000" dirty="0"/>
-              <a:t>&lt;</a:t>
+              <a:t>&lt;&lt;</a:t>
             </a:r>
           </a:p>
         </p:txBody>
@@ -5866,12 +5873,13 @@
         </p:nvSpPr>
         <p:spPr>
           <a:xfrm>
-            <a:off x="401869" y="298005"/>
-            <a:ext cx="1261669" cy="273738"/>
-          </a:xfrm>
-          <a:prstGeom prst="rect">
-            <a:avLst/>
-          </a:prstGeom>
+            <a:off x="282340" y="70479"/>
+            <a:ext cx="1409273" cy="273738"/>
+          </a:xfrm>
+          <a:prstGeom prst="rect">
+            <a:avLst/>
+          </a:prstGeom>
+          <a:noFill/>
         </p:spPr>
         <p:style>
           <a:lnRef idx="2">
@@ -5918,12 +5926,13 @@
         </p:nvSpPr>
         <p:spPr>
           <a:xfrm>
-            <a:off x="533643" y="1139478"/>
-            <a:ext cx="685073" cy="273738"/>
-          </a:xfrm>
-          <a:prstGeom prst="rect">
-            <a:avLst/>
-          </a:prstGeom>
+            <a:off x="677192" y="511195"/>
+            <a:ext cx="683616" cy="273738"/>
+          </a:xfrm>
+          <a:prstGeom prst="rect">
+            <a:avLst/>
+          </a:prstGeom>
+          <a:noFill/>
         </p:spPr>
         <p:style>
           <a:lnRef idx="2">
@@ -5952,7 +5961,7 @@
                   <a:schemeClr val="tx1"/>
                 </a:solidFill>
               </a:rPr>
-              <a:t>Step:  </a:t>
+              <a:t>Type</a:t>
             </a:r>
           </a:p>
         </p:txBody>
@@ -5971,12 +5980,15 @@
         </p:nvSpPr>
         <p:spPr>
           <a:xfrm>
-            <a:off x="978465" y="2254875"/>
+            <a:off x="1691613" y="511195"/>
             <a:ext cx="1261669" cy="273738"/>
           </a:xfrm>
           <a:prstGeom prst="rect">
             <a:avLst/>
           </a:prstGeom>
+          <a:solidFill>
+            <a:schemeClr val="accent6"/>
+          </a:solidFill>
         </p:spPr>
         <p:style>
           <a:lnRef idx="2">
@@ -6005,7 +6017,7 @@
                   <a:schemeClr val="tx1"/>
                 </a:solidFill>
               </a:rPr>
-              <a:t>Program   8</a:t>
+              <a:t>shake</a:t>
             </a:r>
           </a:p>
         </p:txBody>
@@ -6024,12 +6036,13 @@
         </p:nvSpPr>
         <p:spPr>
           <a:xfrm>
-            <a:off x="978465" y="2693694"/>
+            <a:off x="3325922" y="511195"/>
             <a:ext cx="1261669" cy="273738"/>
           </a:xfrm>
           <a:prstGeom prst="rect">
             <a:avLst/>
           </a:prstGeom>
+          <a:noFill/>
         </p:spPr>
         <p:style>
           <a:lnRef idx="2">
@@ -6058,7 +6071,7 @@
                   <a:schemeClr val="tx1"/>
                 </a:solidFill>
               </a:rPr>
-              <a:t>Program   9</a:t>
+              <a:t>washing</a:t>
             </a:r>
           </a:p>
         </p:txBody>
@@ -6077,12 +6090,13 @@
         </p:nvSpPr>
         <p:spPr>
           <a:xfrm>
-            <a:off x="978465" y="3189722"/>
+            <a:off x="4908338" y="511195"/>
             <a:ext cx="1261669" cy="273738"/>
           </a:xfrm>
           <a:prstGeom prst="rect">
             <a:avLst/>
           </a:prstGeom>
+          <a:noFill/>
         </p:spPr>
         <p:style>
           <a:lnRef idx="2">
@@ -6111,7 +6125,7 @@
                   <a:schemeClr val="tx1"/>
                 </a:solidFill>
               </a:rPr>
-              <a:t>Program   10</a:t>
+              <a:t>Drying</a:t>
             </a:r>
           </a:p>
         </p:txBody>
@@ -6130,12 +6144,13 @@
         </p:nvSpPr>
         <p:spPr>
           <a:xfrm>
-            <a:off x="2333563" y="298005"/>
-            <a:ext cx="1685138" cy="273738"/>
-          </a:xfrm>
-          <a:prstGeom prst="rect">
-            <a:avLst/>
-          </a:prstGeom>
+            <a:off x="2214033" y="70479"/>
+            <a:ext cx="2373557" cy="273738"/>
+          </a:xfrm>
+          <a:prstGeom prst="rect">
+            <a:avLst/>
+          </a:prstGeom>
+          <a:noFill/>
         </p:spPr>
         <p:style>
           <a:lnRef idx="2">
@@ -6157,7 +6172,6 @@
           <a:bodyPr rtlCol="0" anchor="ctr"/>
           <a:lstStyle/>
           <a:p>
-            <a:pPr algn="ctr"/>
             <a:r>
               <a:rPr lang="en-US" dirty="0">
                 <a:solidFill>
@@ -6171,10 +6185,10 @@
       </p:sp>
       <p:sp>
         <p:nvSpPr>
-          <p:cNvPr id="17" name="Rectangle 16">
-            <a:extLst>
-              <a:ext uri="{FF2B5EF4-FFF2-40B4-BE49-F238E27FC236}">
-                <a16:creationId xmlns:a16="http://schemas.microsoft.com/office/drawing/2014/main" id="{78336729-B610-44AB-8640-90AD04D2AF30}"/>
+          <p:cNvPr id="12" name="Rectangle 11">
+            <a:extLst>
+              <a:ext uri="{FF2B5EF4-FFF2-40B4-BE49-F238E27FC236}">
+                <a16:creationId xmlns:a16="http://schemas.microsoft.com/office/drawing/2014/main" id="{3142E58C-FEB9-43E7-AC53-5598F7777DDC}"/>
               </a:ext>
             </a:extLst>
           </p:cNvPr>
@@ -6183,12 +6197,13 @@
         </p:nvSpPr>
         <p:spPr>
           <a:xfrm>
-            <a:off x="5009788" y="298004"/>
-            <a:ext cx="1368688" cy="273739"/>
-          </a:xfrm>
-          <a:prstGeom prst="rect">
-            <a:avLst/>
-          </a:prstGeom>
+            <a:off x="282340" y="1688639"/>
+            <a:ext cx="1095008" cy="273738"/>
+          </a:xfrm>
+          <a:prstGeom prst="rect">
+            <a:avLst/>
+          </a:prstGeom>
+          <a:noFill/>
         </p:spPr>
         <p:style>
           <a:lnRef idx="2">
@@ -6212,83 +6227,1701 @@
           <a:p>
             <a:pPr algn="ctr"/>
             <a:r>
-              <a:rPr lang="en-US" dirty="0">
+              <a:rPr lang="en-US" sz="1400" dirty="0">
                 <a:solidFill>
                   <a:schemeClr val="tx1"/>
                 </a:solidFill>
               </a:rPr>
-              <a:t>Total time</a:t>
-            </a:r>
-          </a:p>
-        </p:txBody>
-      </p:sp>
-      <p:sp>
-        <p:nvSpPr>
-          <p:cNvPr id="30" name="TextBox 29">
-            <a:extLst>
-              <a:ext uri="{FF2B5EF4-FFF2-40B4-BE49-F238E27FC236}">
-                <a16:creationId xmlns:a16="http://schemas.microsoft.com/office/drawing/2014/main" id="{2F902173-A0F3-4BFD-8CC6-5C8EC40CC252}"/>
-              </a:ext>
-            </a:extLst>
-          </p:cNvPr>
-          <p:cNvSpPr txBox="1"/>
-          <p:nvPr/>
-        </p:nvSpPr>
-        <p:spPr>
-          <a:xfrm>
-            <a:off x="7126887" y="1980592"/>
-            <a:ext cx="594069" cy="707886"/>
+              <a:t>Target Wells  </a:t>
+            </a:r>
+          </a:p>
+        </p:txBody>
+      </p:sp>
+      <p:pic>
+        <p:nvPicPr>
+          <p:cNvPr id="1026" name="Picture 2" descr="Plus - Free signs icons">
+            <a:extLst>
+              <a:ext uri="{FF2B5EF4-FFF2-40B4-BE49-F238E27FC236}">
+                <a16:creationId xmlns:a16="http://schemas.microsoft.com/office/drawing/2014/main" id="{12396858-872A-4CEA-B3D0-916320B6B086}"/>
+              </a:ext>
+            </a:extLst>
+          </p:cNvPr>
+          <p:cNvPicPr>
+            <a:picLocks noChangeAspect="1" noChangeArrowheads="1"/>
+          </p:cNvPicPr>
+          <p:nvPr/>
+        </p:nvPicPr>
+        <p:blipFill>
+          <a:blip r:embed="rId2">
+            <a:extLst>
+              <a:ext uri="{28A0092B-C50C-407E-A947-70E740481C1C}">
+                <a14:useLocalDpi xmlns:a14="http://schemas.microsoft.com/office/drawing/2010/main" val="0"/>
+              </a:ext>
+            </a:extLst>
+          </a:blip>
+          <a:srcRect/>
+          <a:stretch>
+            <a:fillRect/>
+          </a:stretch>
+        </p:blipFill>
+        <p:spPr bwMode="auto">
+          <a:xfrm>
+            <a:off x="1932916" y="1522400"/>
+            <a:ext cx="243344" cy="243344"/>
           </a:xfrm>
           <a:prstGeom prst="rect">
             <a:avLst/>
           </a:prstGeom>
           <a:noFill/>
-        </p:spPr>
-        <p:txBody>
-          <a:bodyPr wrap="square" rtlCol="0">
-            <a:spAutoFit/>
-          </a:bodyPr>
-          <a:lstStyle/>
-          <a:p>
-            <a:r>
-              <a:rPr lang="en-US" sz="4000" dirty="0"/>
-              <a:t>&gt;</a:t>
-            </a:r>
-          </a:p>
-        </p:txBody>
-      </p:sp>
-      <p:sp>
-        <p:nvSpPr>
-          <p:cNvPr id="51" name="TextBox 50">
-            <a:extLst>
-              <a:ext uri="{FF2B5EF4-FFF2-40B4-BE49-F238E27FC236}">
-                <a16:creationId xmlns:a16="http://schemas.microsoft.com/office/drawing/2014/main" id="{34EC73BA-7A38-4146-9E0F-265E120F26A5}"/>
-              </a:ext>
-            </a:extLst>
-          </p:cNvPr>
-          <p:cNvSpPr txBox="1"/>
-          <p:nvPr/>
-        </p:nvSpPr>
-        <p:spPr>
-          <a:xfrm>
-            <a:off x="236609" y="1980951"/>
-            <a:ext cx="594069" cy="707886"/>
+          <a:extLst>
+            <a:ext uri="{909E8E84-426E-40DD-AFC4-6F175D3DCCD1}">
+              <a14:hiddenFill xmlns:a14="http://schemas.microsoft.com/office/drawing/2010/main">
+                <a:solidFill>
+                  <a:srgbClr val="FFFFFF"/>
+                </a:solidFill>
+              </a14:hiddenFill>
+            </a:ext>
+          </a:extLst>
+        </p:spPr>
+      </p:pic>
+      <p:pic>
+        <p:nvPicPr>
+          <p:cNvPr id="1028" name="Picture 4" descr="Minus - Free interface icons">
+            <a:extLst>
+              <a:ext uri="{FF2B5EF4-FFF2-40B4-BE49-F238E27FC236}">
+                <a16:creationId xmlns:a16="http://schemas.microsoft.com/office/drawing/2014/main" id="{3BD6E533-FA59-491B-B6CE-6407A59955E3}"/>
+              </a:ext>
+            </a:extLst>
+          </p:cNvPr>
+          <p:cNvPicPr>
+            <a:picLocks noChangeAspect="1" noChangeArrowheads="1"/>
+          </p:cNvPicPr>
+          <p:nvPr/>
+        </p:nvPicPr>
+        <p:blipFill>
+          <a:blip r:embed="rId3">
+            <a:extLst>
+              <a:ext uri="{28A0092B-C50C-407E-A947-70E740481C1C}">
+                <a14:useLocalDpi xmlns:a14="http://schemas.microsoft.com/office/drawing/2010/main" val="0"/>
+              </a:ext>
+            </a:extLst>
+          </a:blip>
+          <a:srcRect/>
+          <a:stretch>
+            <a:fillRect/>
+          </a:stretch>
+        </p:blipFill>
+        <p:spPr bwMode="auto">
+          <a:xfrm>
+            <a:off x="1926296" y="1871099"/>
+            <a:ext cx="243344" cy="243344"/>
           </a:xfrm>
           <a:prstGeom prst="rect">
             <a:avLst/>
           </a:prstGeom>
           <a:noFill/>
-        </p:spPr>
-        <p:txBody>
-          <a:bodyPr wrap="square" rtlCol="0">
-            <a:spAutoFit/>
-          </a:bodyPr>
-          <a:lstStyle/>
-          <a:p>
-            <a:r>
-              <a:rPr lang="en-US" sz="4000" dirty="0"/>
-              <a:t>&lt;</a:t>
-            </a:r>
+          <a:extLst>
+            <a:ext uri="{909E8E84-426E-40DD-AFC4-6F175D3DCCD1}">
+              <a14:hiddenFill xmlns:a14="http://schemas.microsoft.com/office/drawing/2010/main">
+                <a:solidFill>
+                  <a:srgbClr val="FFFFFF"/>
+                </a:solidFill>
+              </a14:hiddenFill>
+            </a:ext>
+          </a:extLst>
+        </p:spPr>
+      </p:pic>
+      <p:sp>
+        <p:nvSpPr>
+          <p:cNvPr id="15" name="Rectangle 14">
+            <a:extLst>
+              <a:ext uri="{FF2B5EF4-FFF2-40B4-BE49-F238E27FC236}">
+                <a16:creationId xmlns:a16="http://schemas.microsoft.com/office/drawing/2014/main" id="{9E08408C-AF69-4584-82B4-3CF3E393C951}"/>
+              </a:ext>
+            </a:extLst>
+          </p:cNvPr>
+          <p:cNvSpPr/>
+          <p:nvPr/>
+        </p:nvSpPr>
+        <p:spPr>
+          <a:xfrm>
+            <a:off x="1473106" y="1688639"/>
+            <a:ext cx="372619" cy="273738"/>
+          </a:xfrm>
+          <a:prstGeom prst="rect">
+            <a:avLst/>
+          </a:prstGeom>
+          <a:noFill/>
+        </p:spPr>
+        <p:style>
+          <a:lnRef idx="2">
+            <a:schemeClr val="accent4">
+              <a:shade val="50000"/>
+            </a:schemeClr>
+          </a:lnRef>
+          <a:fillRef idx="1">
+            <a:schemeClr val="accent4"/>
+          </a:fillRef>
+          <a:effectRef idx="0">
+            <a:schemeClr val="accent4"/>
+          </a:effectRef>
+          <a:fontRef idx="minor">
+            <a:schemeClr val="lt1"/>
+          </a:fontRef>
+        </p:style>
+        <p:txBody>
+          <a:bodyPr rtlCol="0" anchor="ctr"/>
+          <a:lstStyle/>
+          <a:p>
+            <a:pPr algn="ctr"/>
+            <a:r>
+              <a:rPr lang="en-US" sz="1600" dirty="0">
+                <a:solidFill>
+                  <a:schemeClr val="tx1"/>
+                </a:solidFill>
+              </a:rPr>
+              <a:t>  </a:t>
+            </a:r>
+          </a:p>
+        </p:txBody>
+      </p:sp>
+      <p:sp>
+        <p:nvSpPr>
+          <p:cNvPr id="16" name="Rectangle 15">
+            <a:extLst>
+              <a:ext uri="{FF2B5EF4-FFF2-40B4-BE49-F238E27FC236}">
+                <a16:creationId xmlns:a16="http://schemas.microsoft.com/office/drawing/2014/main" id="{F4D10381-A6A7-4B36-9A67-FF6A0ED2272F}"/>
+              </a:ext>
+            </a:extLst>
+          </p:cNvPr>
+          <p:cNvSpPr/>
+          <p:nvPr/>
+        </p:nvSpPr>
+        <p:spPr>
+          <a:xfrm>
+            <a:off x="2603537" y="1703187"/>
+            <a:ext cx="559452" cy="273738"/>
+          </a:xfrm>
+          <a:prstGeom prst="rect">
+            <a:avLst/>
+          </a:prstGeom>
+          <a:noFill/>
+        </p:spPr>
+        <p:style>
+          <a:lnRef idx="2">
+            <a:schemeClr val="accent4">
+              <a:shade val="50000"/>
+            </a:schemeClr>
+          </a:lnRef>
+          <a:fillRef idx="1">
+            <a:schemeClr val="accent4"/>
+          </a:fillRef>
+          <a:effectRef idx="0">
+            <a:schemeClr val="accent4"/>
+          </a:effectRef>
+          <a:fontRef idx="minor">
+            <a:schemeClr val="lt1"/>
+          </a:fontRef>
+        </p:style>
+        <p:txBody>
+          <a:bodyPr rtlCol="0" anchor="ctr"/>
+          <a:lstStyle/>
+          <a:p>
+            <a:pPr algn="ctr"/>
+            <a:r>
+              <a:rPr lang="en-US" sz="1400" dirty="0">
+                <a:solidFill>
+                  <a:schemeClr val="tx1"/>
+                </a:solidFill>
+              </a:rPr>
+              <a:t>Wait  </a:t>
+            </a:r>
+          </a:p>
+        </p:txBody>
+      </p:sp>
+      <p:sp>
+        <p:nvSpPr>
+          <p:cNvPr id="21" name="Rectangle 20">
+            <a:extLst>
+              <a:ext uri="{FF2B5EF4-FFF2-40B4-BE49-F238E27FC236}">
+                <a16:creationId xmlns:a16="http://schemas.microsoft.com/office/drawing/2014/main" id="{AC864647-146E-4228-8F70-38B7A909BE46}"/>
+              </a:ext>
+            </a:extLst>
+          </p:cNvPr>
+          <p:cNvSpPr/>
+          <p:nvPr/>
+        </p:nvSpPr>
+        <p:spPr>
+          <a:xfrm>
+            <a:off x="3238734" y="1699591"/>
+            <a:ext cx="506886" cy="273738"/>
+          </a:xfrm>
+          <a:prstGeom prst="rect">
+            <a:avLst/>
+          </a:prstGeom>
+          <a:noFill/>
+        </p:spPr>
+        <p:style>
+          <a:lnRef idx="2">
+            <a:schemeClr val="accent4">
+              <a:shade val="50000"/>
+            </a:schemeClr>
+          </a:lnRef>
+          <a:fillRef idx="1">
+            <a:schemeClr val="accent4"/>
+          </a:fillRef>
+          <a:effectRef idx="0">
+            <a:schemeClr val="accent4"/>
+          </a:effectRef>
+          <a:fontRef idx="minor">
+            <a:schemeClr val="lt1"/>
+          </a:fontRef>
+        </p:style>
+        <p:txBody>
+          <a:bodyPr rtlCol="0" anchor="ctr"/>
+          <a:lstStyle/>
+          <a:p>
+            <a:pPr algn="ctr"/>
+            <a:r>
+              <a:rPr lang="en-US" sz="1600" dirty="0">
+                <a:solidFill>
+                  <a:schemeClr val="tx1"/>
+                </a:solidFill>
+              </a:rPr>
+              <a:t>  </a:t>
+            </a:r>
+          </a:p>
+        </p:txBody>
+      </p:sp>
+      <p:pic>
+        <p:nvPicPr>
+          <p:cNvPr id="22" name="Picture 2" descr="Plus - Free signs icons">
+            <a:extLst>
+              <a:ext uri="{FF2B5EF4-FFF2-40B4-BE49-F238E27FC236}">
+                <a16:creationId xmlns:a16="http://schemas.microsoft.com/office/drawing/2014/main" id="{BF6416D9-2EB4-408A-BEF8-5521CF7C20A5}"/>
+              </a:ext>
+            </a:extLst>
+          </p:cNvPr>
+          <p:cNvPicPr>
+            <a:picLocks noChangeAspect="1" noChangeArrowheads="1"/>
+          </p:cNvPicPr>
+          <p:nvPr/>
+        </p:nvPicPr>
+        <p:blipFill>
+          <a:blip r:embed="rId2">
+            <a:extLst>
+              <a:ext uri="{28A0092B-C50C-407E-A947-70E740481C1C}">
+                <a14:useLocalDpi xmlns:a14="http://schemas.microsoft.com/office/drawing/2010/main" val="0"/>
+              </a:ext>
+            </a:extLst>
+          </a:blip>
+          <a:srcRect/>
+          <a:stretch>
+            <a:fillRect/>
+          </a:stretch>
+        </p:blipFill>
+        <p:spPr bwMode="auto">
+          <a:xfrm>
+            <a:off x="3927421" y="1521240"/>
+            <a:ext cx="243344" cy="243344"/>
+          </a:xfrm>
+          <a:prstGeom prst="rect">
+            <a:avLst/>
+          </a:prstGeom>
+          <a:noFill/>
+          <a:extLst>
+            <a:ext uri="{909E8E84-426E-40DD-AFC4-6F175D3DCCD1}">
+              <a14:hiddenFill xmlns:a14="http://schemas.microsoft.com/office/drawing/2010/main">
+                <a:solidFill>
+                  <a:srgbClr val="FFFFFF"/>
+                </a:solidFill>
+              </a14:hiddenFill>
+            </a:ext>
+          </a:extLst>
+        </p:spPr>
+      </p:pic>
+      <p:pic>
+        <p:nvPicPr>
+          <p:cNvPr id="23" name="Picture 4" descr="Minus - Free interface icons">
+            <a:extLst>
+              <a:ext uri="{FF2B5EF4-FFF2-40B4-BE49-F238E27FC236}">
+                <a16:creationId xmlns:a16="http://schemas.microsoft.com/office/drawing/2014/main" id="{79ADFDFB-AB20-43CE-8497-C87535D457F9}"/>
+              </a:ext>
+            </a:extLst>
+          </p:cNvPr>
+          <p:cNvPicPr>
+            <a:picLocks noChangeAspect="1" noChangeArrowheads="1"/>
+          </p:cNvPicPr>
+          <p:nvPr/>
+        </p:nvPicPr>
+        <p:blipFill>
+          <a:blip r:embed="rId3">
+            <a:extLst>
+              <a:ext uri="{28A0092B-C50C-407E-A947-70E740481C1C}">
+                <a14:useLocalDpi xmlns:a14="http://schemas.microsoft.com/office/drawing/2010/main" val="0"/>
+              </a:ext>
+            </a:extLst>
+          </a:blip>
+          <a:srcRect/>
+          <a:stretch>
+            <a:fillRect/>
+          </a:stretch>
+        </p:blipFill>
+        <p:spPr bwMode="auto">
+          <a:xfrm>
+            <a:off x="3920801" y="1869939"/>
+            <a:ext cx="243344" cy="243344"/>
+          </a:xfrm>
+          <a:prstGeom prst="rect">
+            <a:avLst/>
+          </a:prstGeom>
+          <a:noFill/>
+          <a:extLst>
+            <a:ext uri="{909E8E84-426E-40DD-AFC4-6F175D3DCCD1}">
+              <a14:hiddenFill xmlns:a14="http://schemas.microsoft.com/office/drawing/2010/main">
+                <a:solidFill>
+                  <a:srgbClr val="FFFFFF"/>
+                </a:solidFill>
+              </a14:hiddenFill>
+            </a:ext>
+          </a:extLst>
+        </p:spPr>
+      </p:pic>
+      <p:sp>
+        <p:nvSpPr>
+          <p:cNvPr id="2" name="Arrow: Right 1">
+            <a:extLst>
+              <a:ext uri="{FF2B5EF4-FFF2-40B4-BE49-F238E27FC236}">
+                <a16:creationId xmlns:a16="http://schemas.microsoft.com/office/drawing/2014/main" id="{9BC0A2B0-BA64-47E5-A8CC-C7DEF5B29FCF}"/>
+              </a:ext>
+            </a:extLst>
+          </p:cNvPr>
+          <p:cNvSpPr/>
+          <p:nvPr/>
+        </p:nvSpPr>
+        <p:spPr>
+          <a:xfrm>
+            <a:off x="2274076" y="1722435"/>
+            <a:ext cx="204350" cy="196633"/>
+          </a:xfrm>
+          <a:prstGeom prst="rightArrow">
+            <a:avLst/>
+          </a:prstGeom>
+        </p:spPr>
+        <p:style>
+          <a:lnRef idx="2">
+            <a:schemeClr val="accent1">
+              <a:shade val="50000"/>
+            </a:schemeClr>
+          </a:lnRef>
+          <a:fillRef idx="1">
+            <a:schemeClr val="accent1"/>
+          </a:fillRef>
+          <a:effectRef idx="0">
+            <a:schemeClr val="accent1"/>
+          </a:effectRef>
+          <a:fontRef idx="minor">
+            <a:schemeClr val="lt1"/>
+          </a:fontRef>
+        </p:style>
+        <p:txBody>
+          <a:bodyPr rtlCol="0" anchor="ctr"/>
+          <a:lstStyle/>
+          <a:p>
+            <a:pPr algn="ctr"/>
+            <a:endParaRPr lang="en-US"/>
+          </a:p>
+        </p:txBody>
+      </p:sp>
+      <p:sp>
+        <p:nvSpPr>
+          <p:cNvPr id="24" name="Rectangle 23">
+            <a:extLst>
+              <a:ext uri="{FF2B5EF4-FFF2-40B4-BE49-F238E27FC236}">
+                <a16:creationId xmlns:a16="http://schemas.microsoft.com/office/drawing/2014/main" id="{FD44627D-657B-4B1A-A2A9-FCD8BF101423}"/>
+              </a:ext>
+            </a:extLst>
+          </p:cNvPr>
+          <p:cNvSpPr/>
+          <p:nvPr/>
+        </p:nvSpPr>
+        <p:spPr>
+          <a:xfrm>
+            <a:off x="4448142" y="1699591"/>
+            <a:ext cx="1095008" cy="273738"/>
+          </a:xfrm>
+          <a:prstGeom prst="rect">
+            <a:avLst/>
+          </a:prstGeom>
+          <a:noFill/>
+        </p:spPr>
+        <p:style>
+          <a:lnRef idx="2">
+            <a:schemeClr val="accent4">
+              <a:shade val="50000"/>
+            </a:schemeClr>
+          </a:lnRef>
+          <a:fillRef idx="1">
+            <a:schemeClr val="accent4"/>
+          </a:fillRef>
+          <a:effectRef idx="0">
+            <a:schemeClr val="accent4"/>
+          </a:effectRef>
+          <a:fontRef idx="minor">
+            <a:schemeClr val="lt1"/>
+          </a:fontRef>
+        </p:style>
+        <p:txBody>
+          <a:bodyPr rtlCol="0" anchor="ctr"/>
+          <a:lstStyle/>
+          <a:p>
+            <a:pPr algn="ctr"/>
+            <a:r>
+              <a:rPr lang="en-US" sz="1400" dirty="0">
+                <a:solidFill>
+                  <a:schemeClr val="tx1"/>
+                </a:solidFill>
+              </a:rPr>
+              <a:t>Move Z</a:t>
+            </a:r>
+          </a:p>
+        </p:txBody>
+      </p:sp>
+      <p:sp>
+        <p:nvSpPr>
+          <p:cNvPr id="25" name="Arrow: Right 24">
+            <a:extLst>
+              <a:ext uri="{FF2B5EF4-FFF2-40B4-BE49-F238E27FC236}">
+                <a16:creationId xmlns:a16="http://schemas.microsoft.com/office/drawing/2014/main" id="{61A41F84-1632-4F4A-B455-C6B6746A7647}"/>
+              </a:ext>
+            </a:extLst>
+          </p:cNvPr>
+          <p:cNvSpPr/>
+          <p:nvPr/>
+        </p:nvSpPr>
+        <p:spPr>
+          <a:xfrm>
+            <a:off x="4200658" y="1738143"/>
+            <a:ext cx="204350" cy="196633"/>
+          </a:xfrm>
+          <a:prstGeom prst="rightArrow">
+            <a:avLst/>
+          </a:prstGeom>
+        </p:spPr>
+        <p:style>
+          <a:lnRef idx="2">
+            <a:schemeClr val="accent1">
+              <a:shade val="50000"/>
+            </a:schemeClr>
+          </a:lnRef>
+          <a:fillRef idx="1">
+            <a:schemeClr val="accent1"/>
+          </a:fillRef>
+          <a:effectRef idx="0">
+            <a:schemeClr val="accent1"/>
+          </a:effectRef>
+          <a:fontRef idx="minor">
+            <a:schemeClr val="lt1"/>
+          </a:fontRef>
+        </p:style>
+        <p:txBody>
+          <a:bodyPr rtlCol="0" anchor="ctr"/>
+          <a:lstStyle/>
+          <a:p>
+            <a:pPr algn="ctr"/>
+            <a:endParaRPr lang="en-US"/>
+          </a:p>
+        </p:txBody>
+      </p:sp>
+      <p:sp>
+        <p:nvSpPr>
+          <p:cNvPr id="27" name="Rectangle 26">
+            <a:extLst>
+              <a:ext uri="{FF2B5EF4-FFF2-40B4-BE49-F238E27FC236}">
+                <a16:creationId xmlns:a16="http://schemas.microsoft.com/office/drawing/2014/main" id="{A722B844-2995-4FC1-B5E6-2D5A0225B7D4}"/>
+              </a:ext>
+            </a:extLst>
+          </p:cNvPr>
+          <p:cNvSpPr/>
+          <p:nvPr/>
+        </p:nvSpPr>
+        <p:spPr>
+          <a:xfrm>
+            <a:off x="5957860" y="1687479"/>
+            <a:ext cx="559452" cy="273738"/>
+          </a:xfrm>
+          <a:prstGeom prst="rect">
+            <a:avLst/>
+          </a:prstGeom>
+          <a:noFill/>
+        </p:spPr>
+        <p:style>
+          <a:lnRef idx="2">
+            <a:schemeClr val="accent4">
+              <a:shade val="50000"/>
+            </a:schemeClr>
+          </a:lnRef>
+          <a:fillRef idx="1">
+            <a:schemeClr val="accent4"/>
+          </a:fillRef>
+          <a:effectRef idx="0">
+            <a:schemeClr val="accent4"/>
+          </a:effectRef>
+          <a:fontRef idx="minor">
+            <a:schemeClr val="lt1"/>
+          </a:fontRef>
+        </p:style>
+        <p:txBody>
+          <a:bodyPr rtlCol="0" anchor="ctr"/>
+          <a:lstStyle/>
+          <a:p>
+            <a:pPr algn="ctr"/>
+            <a:r>
+              <a:rPr lang="en-US" sz="1400" dirty="0">
+                <a:solidFill>
+                  <a:schemeClr val="tx1"/>
+                </a:solidFill>
+              </a:rPr>
+              <a:t>Wait  </a:t>
+            </a:r>
+          </a:p>
+        </p:txBody>
+      </p:sp>
+      <p:sp>
+        <p:nvSpPr>
+          <p:cNvPr id="28" name="Rectangle 27">
+            <a:extLst>
+              <a:ext uri="{FF2B5EF4-FFF2-40B4-BE49-F238E27FC236}">
+                <a16:creationId xmlns:a16="http://schemas.microsoft.com/office/drawing/2014/main" id="{E643013E-682F-4489-82A2-0BCD1B3C5E5A}"/>
+              </a:ext>
+            </a:extLst>
+          </p:cNvPr>
+          <p:cNvSpPr/>
+          <p:nvPr/>
+        </p:nvSpPr>
+        <p:spPr>
+          <a:xfrm>
+            <a:off x="6593057" y="1683883"/>
+            <a:ext cx="506886" cy="273738"/>
+          </a:xfrm>
+          <a:prstGeom prst="rect">
+            <a:avLst/>
+          </a:prstGeom>
+          <a:noFill/>
+        </p:spPr>
+        <p:style>
+          <a:lnRef idx="2">
+            <a:schemeClr val="accent4">
+              <a:shade val="50000"/>
+            </a:schemeClr>
+          </a:lnRef>
+          <a:fillRef idx="1">
+            <a:schemeClr val="accent4"/>
+          </a:fillRef>
+          <a:effectRef idx="0">
+            <a:schemeClr val="accent4"/>
+          </a:effectRef>
+          <a:fontRef idx="minor">
+            <a:schemeClr val="lt1"/>
+          </a:fontRef>
+        </p:style>
+        <p:txBody>
+          <a:bodyPr rtlCol="0" anchor="ctr"/>
+          <a:lstStyle/>
+          <a:p>
+            <a:pPr algn="ctr"/>
+            <a:r>
+              <a:rPr lang="en-US" sz="1600" dirty="0">
+                <a:solidFill>
+                  <a:schemeClr val="tx1"/>
+                </a:solidFill>
+              </a:rPr>
+              <a:t>  </a:t>
+            </a:r>
+          </a:p>
+        </p:txBody>
+      </p:sp>
+      <p:pic>
+        <p:nvPicPr>
+          <p:cNvPr id="29" name="Picture 2" descr="Plus - Free signs icons">
+            <a:extLst>
+              <a:ext uri="{FF2B5EF4-FFF2-40B4-BE49-F238E27FC236}">
+                <a16:creationId xmlns:a16="http://schemas.microsoft.com/office/drawing/2014/main" id="{B91E4301-2FF6-409D-A469-90E25CE25466}"/>
+              </a:ext>
+            </a:extLst>
+          </p:cNvPr>
+          <p:cNvPicPr>
+            <a:picLocks noChangeAspect="1" noChangeArrowheads="1"/>
+          </p:cNvPicPr>
+          <p:nvPr/>
+        </p:nvPicPr>
+        <p:blipFill>
+          <a:blip r:embed="rId2">
+            <a:extLst>
+              <a:ext uri="{28A0092B-C50C-407E-A947-70E740481C1C}">
+                <a14:useLocalDpi xmlns:a14="http://schemas.microsoft.com/office/drawing/2010/main" val="0"/>
+              </a:ext>
+            </a:extLst>
+          </a:blip>
+          <a:srcRect/>
+          <a:stretch>
+            <a:fillRect/>
+          </a:stretch>
+        </p:blipFill>
+        <p:spPr bwMode="auto">
+          <a:xfrm>
+            <a:off x="7281744" y="1505532"/>
+            <a:ext cx="243344" cy="243344"/>
+          </a:xfrm>
+          <a:prstGeom prst="rect">
+            <a:avLst/>
+          </a:prstGeom>
+          <a:noFill/>
+          <a:extLst>
+            <a:ext uri="{909E8E84-426E-40DD-AFC4-6F175D3DCCD1}">
+              <a14:hiddenFill xmlns:a14="http://schemas.microsoft.com/office/drawing/2010/main">
+                <a:solidFill>
+                  <a:srgbClr val="FFFFFF"/>
+                </a:solidFill>
+              </a14:hiddenFill>
+            </a:ext>
+          </a:extLst>
+        </p:spPr>
+      </p:pic>
+      <p:pic>
+        <p:nvPicPr>
+          <p:cNvPr id="31" name="Picture 4" descr="Minus - Free interface icons">
+            <a:extLst>
+              <a:ext uri="{FF2B5EF4-FFF2-40B4-BE49-F238E27FC236}">
+                <a16:creationId xmlns:a16="http://schemas.microsoft.com/office/drawing/2014/main" id="{CAD152EB-FBA2-448B-81A8-60EDC1D22A9A}"/>
+              </a:ext>
+            </a:extLst>
+          </p:cNvPr>
+          <p:cNvPicPr>
+            <a:picLocks noChangeAspect="1" noChangeArrowheads="1"/>
+          </p:cNvPicPr>
+          <p:nvPr/>
+        </p:nvPicPr>
+        <p:blipFill>
+          <a:blip r:embed="rId3">
+            <a:extLst>
+              <a:ext uri="{28A0092B-C50C-407E-A947-70E740481C1C}">
+                <a14:useLocalDpi xmlns:a14="http://schemas.microsoft.com/office/drawing/2010/main" val="0"/>
+              </a:ext>
+            </a:extLst>
+          </a:blip>
+          <a:srcRect/>
+          <a:stretch>
+            <a:fillRect/>
+          </a:stretch>
+        </p:blipFill>
+        <p:spPr bwMode="auto">
+          <a:xfrm>
+            <a:off x="7275124" y="1854231"/>
+            <a:ext cx="243344" cy="243344"/>
+          </a:xfrm>
+          <a:prstGeom prst="rect">
+            <a:avLst/>
+          </a:prstGeom>
+          <a:noFill/>
+          <a:extLst>
+            <a:ext uri="{909E8E84-426E-40DD-AFC4-6F175D3DCCD1}">
+              <a14:hiddenFill xmlns:a14="http://schemas.microsoft.com/office/drawing/2010/main">
+                <a:solidFill>
+                  <a:srgbClr val="FFFFFF"/>
+                </a:solidFill>
+              </a14:hiddenFill>
+            </a:ext>
+          </a:extLst>
+        </p:spPr>
+      </p:pic>
+      <p:sp>
+        <p:nvSpPr>
+          <p:cNvPr id="32" name="Arrow: Right 31">
+            <a:extLst>
+              <a:ext uri="{FF2B5EF4-FFF2-40B4-BE49-F238E27FC236}">
+                <a16:creationId xmlns:a16="http://schemas.microsoft.com/office/drawing/2014/main" id="{B7A7C956-7574-409D-9C91-4AD6A7F50B05}"/>
+              </a:ext>
+            </a:extLst>
+          </p:cNvPr>
+          <p:cNvSpPr/>
+          <p:nvPr/>
+        </p:nvSpPr>
+        <p:spPr>
+          <a:xfrm>
+            <a:off x="5625218" y="1705568"/>
+            <a:ext cx="204350" cy="196633"/>
+          </a:xfrm>
+          <a:prstGeom prst="rightArrow">
+            <a:avLst/>
+          </a:prstGeom>
+        </p:spPr>
+        <p:style>
+          <a:lnRef idx="2">
+            <a:schemeClr val="accent1">
+              <a:shade val="50000"/>
+            </a:schemeClr>
+          </a:lnRef>
+          <a:fillRef idx="1">
+            <a:schemeClr val="accent1"/>
+          </a:fillRef>
+          <a:effectRef idx="0">
+            <a:schemeClr val="accent1"/>
+          </a:effectRef>
+          <a:fontRef idx="minor">
+            <a:schemeClr val="lt1"/>
+          </a:fontRef>
+        </p:style>
+        <p:txBody>
+          <a:bodyPr rtlCol="0" anchor="ctr"/>
+          <a:lstStyle/>
+          <a:p>
+            <a:pPr algn="ctr"/>
+            <a:endParaRPr lang="en-US"/>
+          </a:p>
+        </p:txBody>
+      </p:sp>
+      <p:sp>
+        <p:nvSpPr>
+          <p:cNvPr id="33" name="Rectangle 32">
+            <a:extLst>
+              <a:ext uri="{FF2B5EF4-FFF2-40B4-BE49-F238E27FC236}">
+                <a16:creationId xmlns:a16="http://schemas.microsoft.com/office/drawing/2014/main" id="{CCCB5729-2658-4184-8678-A59A631C084D}"/>
+              </a:ext>
+            </a:extLst>
+          </p:cNvPr>
+          <p:cNvSpPr/>
+          <p:nvPr/>
+        </p:nvSpPr>
+        <p:spPr>
+          <a:xfrm>
+            <a:off x="1284201" y="2691389"/>
+            <a:ext cx="987515" cy="273738"/>
+          </a:xfrm>
+          <a:prstGeom prst="rect">
+            <a:avLst/>
+          </a:prstGeom>
+          <a:noFill/>
+        </p:spPr>
+        <p:style>
+          <a:lnRef idx="2">
+            <a:schemeClr val="accent4">
+              <a:shade val="50000"/>
+            </a:schemeClr>
+          </a:lnRef>
+          <a:fillRef idx="1">
+            <a:schemeClr val="accent4"/>
+          </a:fillRef>
+          <a:effectRef idx="0">
+            <a:schemeClr val="accent4"/>
+          </a:effectRef>
+          <a:fontRef idx="minor">
+            <a:schemeClr val="lt1"/>
+          </a:fontRef>
+        </p:style>
+        <p:txBody>
+          <a:bodyPr rtlCol="0" anchor="ctr"/>
+          <a:lstStyle/>
+          <a:p>
+            <a:pPr algn="ctr"/>
+            <a:r>
+              <a:rPr lang="en-US" sz="1400" dirty="0">
+                <a:solidFill>
+                  <a:schemeClr val="tx1"/>
+                </a:solidFill>
+              </a:rPr>
+              <a:t>Shake time  </a:t>
+            </a:r>
+          </a:p>
+        </p:txBody>
+      </p:sp>
+      <p:sp>
+        <p:nvSpPr>
+          <p:cNvPr id="34" name="Rectangle 33">
+            <a:extLst>
+              <a:ext uri="{FF2B5EF4-FFF2-40B4-BE49-F238E27FC236}">
+                <a16:creationId xmlns:a16="http://schemas.microsoft.com/office/drawing/2014/main" id="{840B9307-7241-4B2F-B9E8-52FCE81CF50A}"/>
+              </a:ext>
+            </a:extLst>
+          </p:cNvPr>
+          <p:cNvSpPr/>
+          <p:nvPr/>
+        </p:nvSpPr>
+        <p:spPr>
+          <a:xfrm>
+            <a:off x="2395099" y="2691320"/>
+            <a:ext cx="506886" cy="273738"/>
+          </a:xfrm>
+          <a:prstGeom prst="rect">
+            <a:avLst/>
+          </a:prstGeom>
+          <a:noFill/>
+        </p:spPr>
+        <p:style>
+          <a:lnRef idx="2">
+            <a:schemeClr val="accent4">
+              <a:shade val="50000"/>
+            </a:schemeClr>
+          </a:lnRef>
+          <a:fillRef idx="1">
+            <a:schemeClr val="accent4"/>
+          </a:fillRef>
+          <a:effectRef idx="0">
+            <a:schemeClr val="accent4"/>
+          </a:effectRef>
+          <a:fontRef idx="minor">
+            <a:schemeClr val="lt1"/>
+          </a:fontRef>
+        </p:style>
+        <p:txBody>
+          <a:bodyPr rtlCol="0" anchor="ctr"/>
+          <a:lstStyle/>
+          <a:p>
+            <a:pPr algn="ctr"/>
+            <a:r>
+              <a:rPr lang="en-US" sz="1600" dirty="0">
+                <a:solidFill>
+                  <a:schemeClr val="tx1"/>
+                </a:solidFill>
+              </a:rPr>
+              <a:t>  </a:t>
+            </a:r>
+          </a:p>
+        </p:txBody>
+      </p:sp>
+      <p:pic>
+        <p:nvPicPr>
+          <p:cNvPr id="35" name="Picture 2" descr="Plus - Free signs icons">
+            <a:extLst>
+              <a:ext uri="{FF2B5EF4-FFF2-40B4-BE49-F238E27FC236}">
+                <a16:creationId xmlns:a16="http://schemas.microsoft.com/office/drawing/2014/main" id="{14C862C1-6353-4933-A33B-7FB578EDF74B}"/>
+              </a:ext>
+            </a:extLst>
+          </p:cNvPr>
+          <p:cNvPicPr>
+            <a:picLocks noChangeAspect="1" noChangeArrowheads="1"/>
+          </p:cNvPicPr>
+          <p:nvPr/>
+        </p:nvPicPr>
+        <p:blipFill>
+          <a:blip r:embed="rId2">
+            <a:extLst>
+              <a:ext uri="{28A0092B-C50C-407E-A947-70E740481C1C}">
+                <a14:useLocalDpi xmlns:a14="http://schemas.microsoft.com/office/drawing/2010/main" val="0"/>
+              </a:ext>
+            </a:extLst>
+          </a:blip>
+          <a:srcRect/>
+          <a:stretch>
+            <a:fillRect/>
+          </a:stretch>
+        </p:blipFill>
+        <p:spPr bwMode="auto">
+          <a:xfrm>
+            <a:off x="3083786" y="2512969"/>
+            <a:ext cx="243344" cy="243344"/>
+          </a:xfrm>
+          <a:prstGeom prst="rect">
+            <a:avLst/>
+          </a:prstGeom>
+          <a:noFill/>
+          <a:extLst>
+            <a:ext uri="{909E8E84-426E-40DD-AFC4-6F175D3DCCD1}">
+              <a14:hiddenFill xmlns:a14="http://schemas.microsoft.com/office/drawing/2010/main">
+                <a:solidFill>
+                  <a:srgbClr val="FFFFFF"/>
+                </a:solidFill>
+              </a14:hiddenFill>
+            </a:ext>
+          </a:extLst>
+        </p:spPr>
+      </p:pic>
+      <p:pic>
+        <p:nvPicPr>
+          <p:cNvPr id="36" name="Picture 4" descr="Minus - Free interface icons">
+            <a:extLst>
+              <a:ext uri="{FF2B5EF4-FFF2-40B4-BE49-F238E27FC236}">
+                <a16:creationId xmlns:a16="http://schemas.microsoft.com/office/drawing/2014/main" id="{F66A737C-5533-4A42-B410-05E1336AF4B6}"/>
+              </a:ext>
+            </a:extLst>
+          </p:cNvPr>
+          <p:cNvPicPr>
+            <a:picLocks noChangeAspect="1" noChangeArrowheads="1"/>
+          </p:cNvPicPr>
+          <p:nvPr/>
+        </p:nvPicPr>
+        <p:blipFill>
+          <a:blip r:embed="rId3">
+            <a:extLst>
+              <a:ext uri="{28A0092B-C50C-407E-A947-70E740481C1C}">
+                <a14:useLocalDpi xmlns:a14="http://schemas.microsoft.com/office/drawing/2010/main" val="0"/>
+              </a:ext>
+            </a:extLst>
+          </a:blip>
+          <a:srcRect/>
+          <a:stretch>
+            <a:fillRect/>
+          </a:stretch>
+        </p:blipFill>
+        <p:spPr bwMode="auto">
+          <a:xfrm>
+            <a:off x="3077166" y="2861668"/>
+            <a:ext cx="243344" cy="243344"/>
+          </a:xfrm>
+          <a:prstGeom prst="rect">
+            <a:avLst/>
+          </a:prstGeom>
+          <a:noFill/>
+          <a:extLst>
+            <a:ext uri="{909E8E84-426E-40DD-AFC4-6F175D3DCCD1}">
+              <a14:hiddenFill xmlns:a14="http://schemas.microsoft.com/office/drawing/2010/main">
+                <a:solidFill>
+                  <a:srgbClr val="FFFFFF"/>
+                </a:solidFill>
+              </a14:hiddenFill>
+            </a:ext>
+          </a:extLst>
+        </p:spPr>
+      </p:pic>
+      <p:sp>
+        <p:nvSpPr>
+          <p:cNvPr id="37" name="Arrow: Right 36">
+            <a:extLst>
+              <a:ext uri="{FF2B5EF4-FFF2-40B4-BE49-F238E27FC236}">
+                <a16:creationId xmlns:a16="http://schemas.microsoft.com/office/drawing/2014/main" id="{8A35E329-791B-4CFD-8D0C-733BEECDC741}"/>
+              </a:ext>
+            </a:extLst>
+          </p:cNvPr>
+          <p:cNvSpPr/>
+          <p:nvPr/>
+        </p:nvSpPr>
+        <p:spPr>
+          <a:xfrm>
+            <a:off x="951560" y="2709478"/>
+            <a:ext cx="204350" cy="196633"/>
+          </a:xfrm>
+          <a:prstGeom prst="rightArrow">
+            <a:avLst/>
+          </a:prstGeom>
+        </p:spPr>
+        <p:style>
+          <a:lnRef idx="2">
+            <a:schemeClr val="accent1">
+              <a:shade val="50000"/>
+            </a:schemeClr>
+          </a:lnRef>
+          <a:fillRef idx="1">
+            <a:schemeClr val="accent1"/>
+          </a:fillRef>
+          <a:effectRef idx="0">
+            <a:schemeClr val="accent1"/>
+          </a:effectRef>
+          <a:fontRef idx="minor">
+            <a:schemeClr val="lt1"/>
+          </a:fontRef>
+        </p:style>
+        <p:txBody>
+          <a:bodyPr rtlCol="0" anchor="ctr"/>
+          <a:lstStyle/>
+          <a:p>
+            <a:pPr algn="ctr"/>
+            <a:endParaRPr lang="en-US"/>
+          </a:p>
+        </p:txBody>
+      </p:sp>
+      <p:sp>
+        <p:nvSpPr>
+          <p:cNvPr id="39" name="Rectangle 38">
+            <a:extLst>
+              <a:ext uri="{FF2B5EF4-FFF2-40B4-BE49-F238E27FC236}">
+                <a16:creationId xmlns:a16="http://schemas.microsoft.com/office/drawing/2014/main" id="{DBA08F27-E928-4E84-8A91-BC9CD39FC0F7}"/>
+              </a:ext>
+            </a:extLst>
+          </p:cNvPr>
+          <p:cNvSpPr/>
+          <p:nvPr/>
+        </p:nvSpPr>
+        <p:spPr>
+          <a:xfrm>
+            <a:off x="4125960" y="2686975"/>
+            <a:ext cx="987515" cy="273738"/>
+          </a:xfrm>
+          <a:prstGeom prst="rect">
+            <a:avLst/>
+          </a:prstGeom>
+          <a:noFill/>
+        </p:spPr>
+        <p:style>
+          <a:lnRef idx="2">
+            <a:schemeClr val="accent4">
+              <a:shade val="50000"/>
+            </a:schemeClr>
+          </a:lnRef>
+          <a:fillRef idx="1">
+            <a:schemeClr val="accent4"/>
+          </a:fillRef>
+          <a:effectRef idx="0">
+            <a:schemeClr val="accent4"/>
+          </a:effectRef>
+          <a:fontRef idx="minor">
+            <a:schemeClr val="lt1"/>
+          </a:fontRef>
+        </p:style>
+        <p:txBody>
+          <a:bodyPr rtlCol="0" anchor="ctr"/>
+          <a:lstStyle/>
+          <a:p>
+            <a:pPr algn="ctr"/>
+            <a:r>
+              <a:rPr lang="en-US" sz="1400" dirty="0">
+                <a:solidFill>
+                  <a:schemeClr val="tx1"/>
+                </a:solidFill>
+              </a:rPr>
+              <a:t>wait</a:t>
+            </a:r>
+          </a:p>
+        </p:txBody>
+      </p:sp>
+      <p:sp>
+        <p:nvSpPr>
+          <p:cNvPr id="40" name="Rectangle 39">
+            <a:extLst>
+              <a:ext uri="{FF2B5EF4-FFF2-40B4-BE49-F238E27FC236}">
+                <a16:creationId xmlns:a16="http://schemas.microsoft.com/office/drawing/2014/main" id="{52472898-E182-4890-9AD3-2F5BF864A9C5}"/>
+              </a:ext>
+            </a:extLst>
+          </p:cNvPr>
+          <p:cNvSpPr/>
+          <p:nvPr/>
+        </p:nvSpPr>
+        <p:spPr>
+          <a:xfrm>
+            <a:off x="5236858" y="2686906"/>
+            <a:ext cx="506886" cy="273738"/>
+          </a:xfrm>
+          <a:prstGeom prst="rect">
+            <a:avLst/>
+          </a:prstGeom>
+          <a:noFill/>
+        </p:spPr>
+        <p:style>
+          <a:lnRef idx="2">
+            <a:schemeClr val="accent4">
+              <a:shade val="50000"/>
+            </a:schemeClr>
+          </a:lnRef>
+          <a:fillRef idx="1">
+            <a:schemeClr val="accent4"/>
+          </a:fillRef>
+          <a:effectRef idx="0">
+            <a:schemeClr val="accent4"/>
+          </a:effectRef>
+          <a:fontRef idx="minor">
+            <a:schemeClr val="lt1"/>
+          </a:fontRef>
+        </p:style>
+        <p:txBody>
+          <a:bodyPr rtlCol="0" anchor="ctr"/>
+          <a:lstStyle/>
+          <a:p>
+            <a:pPr algn="ctr"/>
+            <a:r>
+              <a:rPr lang="en-US" sz="1600" dirty="0">
+                <a:solidFill>
+                  <a:schemeClr val="tx1"/>
+                </a:solidFill>
+              </a:rPr>
+              <a:t>  </a:t>
+            </a:r>
+          </a:p>
+        </p:txBody>
+      </p:sp>
+      <p:pic>
+        <p:nvPicPr>
+          <p:cNvPr id="41" name="Picture 2" descr="Plus - Free signs icons">
+            <a:extLst>
+              <a:ext uri="{FF2B5EF4-FFF2-40B4-BE49-F238E27FC236}">
+                <a16:creationId xmlns:a16="http://schemas.microsoft.com/office/drawing/2014/main" id="{1FBD5189-123C-4CCF-8216-F68920B34FC2}"/>
+              </a:ext>
+            </a:extLst>
+          </p:cNvPr>
+          <p:cNvPicPr>
+            <a:picLocks noChangeAspect="1" noChangeArrowheads="1"/>
+          </p:cNvPicPr>
+          <p:nvPr/>
+        </p:nvPicPr>
+        <p:blipFill>
+          <a:blip r:embed="rId2">
+            <a:extLst>
+              <a:ext uri="{28A0092B-C50C-407E-A947-70E740481C1C}">
+                <a14:useLocalDpi xmlns:a14="http://schemas.microsoft.com/office/drawing/2010/main" val="0"/>
+              </a:ext>
+            </a:extLst>
+          </a:blip>
+          <a:srcRect/>
+          <a:stretch>
+            <a:fillRect/>
+          </a:stretch>
+        </p:blipFill>
+        <p:spPr bwMode="auto">
+          <a:xfrm>
+            <a:off x="5925545" y="2508555"/>
+            <a:ext cx="243344" cy="243344"/>
+          </a:xfrm>
+          <a:prstGeom prst="rect">
+            <a:avLst/>
+          </a:prstGeom>
+          <a:noFill/>
+          <a:extLst>
+            <a:ext uri="{909E8E84-426E-40DD-AFC4-6F175D3DCCD1}">
+              <a14:hiddenFill xmlns:a14="http://schemas.microsoft.com/office/drawing/2010/main">
+                <a:solidFill>
+                  <a:srgbClr val="FFFFFF"/>
+                </a:solidFill>
+              </a14:hiddenFill>
+            </a:ext>
+          </a:extLst>
+        </p:spPr>
+      </p:pic>
+      <p:pic>
+        <p:nvPicPr>
+          <p:cNvPr id="42" name="Picture 4" descr="Minus - Free interface icons">
+            <a:extLst>
+              <a:ext uri="{FF2B5EF4-FFF2-40B4-BE49-F238E27FC236}">
+                <a16:creationId xmlns:a16="http://schemas.microsoft.com/office/drawing/2014/main" id="{4AF57B7B-51A8-4F7B-B9F4-564085C0C320}"/>
+              </a:ext>
+            </a:extLst>
+          </p:cNvPr>
+          <p:cNvPicPr>
+            <a:picLocks noChangeAspect="1" noChangeArrowheads="1"/>
+          </p:cNvPicPr>
+          <p:nvPr/>
+        </p:nvPicPr>
+        <p:blipFill>
+          <a:blip r:embed="rId3">
+            <a:extLst>
+              <a:ext uri="{28A0092B-C50C-407E-A947-70E740481C1C}">
+                <a14:useLocalDpi xmlns:a14="http://schemas.microsoft.com/office/drawing/2010/main" val="0"/>
+              </a:ext>
+            </a:extLst>
+          </a:blip>
+          <a:srcRect/>
+          <a:stretch>
+            <a:fillRect/>
+          </a:stretch>
+        </p:blipFill>
+        <p:spPr bwMode="auto">
+          <a:xfrm>
+            <a:off x="5918925" y="2857254"/>
+            <a:ext cx="243344" cy="243344"/>
+          </a:xfrm>
+          <a:prstGeom prst="rect">
+            <a:avLst/>
+          </a:prstGeom>
+          <a:noFill/>
+          <a:extLst>
+            <a:ext uri="{909E8E84-426E-40DD-AFC4-6F175D3DCCD1}">
+              <a14:hiddenFill xmlns:a14="http://schemas.microsoft.com/office/drawing/2010/main">
+                <a:solidFill>
+                  <a:srgbClr val="FFFFFF"/>
+                </a:solidFill>
+              </a14:hiddenFill>
+            </a:ext>
+          </a:extLst>
+        </p:spPr>
+      </p:pic>
+      <p:sp>
+        <p:nvSpPr>
+          <p:cNvPr id="43" name="Arrow: Right 42">
+            <a:extLst>
+              <a:ext uri="{FF2B5EF4-FFF2-40B4-BE49-F238E27FC236}">
+                <a16:creationId xmlns:a16="http://schemas.microsoft.com/office/drawing/2014/main" id="{63A537B7-840E-4809-ADA9-6AB7C6736B8F}"/>
+              </a:ext>
+            </a:extLst>
+          </p:cNvPr>
+          <p:cNvSpPr/>
+          <p:nvPr/>
+        </p:nvSpPr>
+        <p:spPr>
+          <a:xfrm>
+            <a:off x="3793319" y="2705064"/>
+            <a:ext cx="204350" cy="196633"/>
+          </a:xfrm>
+          <a:prstGeom prst="rightArrow">
+            <a:avLst/>
+          </a:prstGeom>
+        </p:spPr>
+        <p:style>
+          <a:lnRef idx="2">
+            <a:schemeClr val="accent1">
+              <a:shade val="50000"/>
+            </a:schemeClr>
+          </a:lnRef>
+          <a:fillRef idx="1">
+            <a:schemeClr val="accent1"/>
+          </a:fillRef>
+          <a:effectRef idx="0">
+            <a:schemeClr val="accent1"/>
+          </a:effectRef>
+          <a:fontRef idx="minor">
+            <a:schemeClr val="lt1"/>
+          </a:fontRef>
+        </p:style>
+        <p:txBody>
+          <a:bodyPr rtlCol="0" anchor="ctr"/>
+          <a:lstStyle/>
+          <a:p>
+            <a:pPr algn="ctr"/>
+            <a:endParaRPr lang="en-US"/>
+          </a:p>
+        </p:txBody>
+      </p:sp>
+      <p:sp>
+        <p:nvSpPr>
+          <p:cNvPr id="44" name="Rectangle 43">
+            <a:extLst>
+              <a:ext uri="{FF2B5EF4-FFF2-40B4-BE49-F238E27FC236}">
+                <a16:creationId xmlns:a16="http://schemas.microsoft.com/office/drawing/2014/main" id="{DED5C515-6D09-4B10-A4F2-08789BB7D348}"/>
+              </a:ext>
+            </a:extLst>
+          </p:cNvPr>
+          <p:cNvSpPr/>
+          <p:nvPr/>
+        </p:nvSpPr>
+        <p:spPr>
+          <a:xfrm>
+            <a:off x="3793319" y="3647182"/>
+            <a:ext cx="987515" cy="273738"/>
+          </a:xfrm>
+          <a:prstGeom prst="rect">
+            <a:avLst/>
+          </a:prstGeom>
+          <a:noFill/>
+        </p:spPr>
+        <p:style>
+          <a:lnRef idx="2">
+            <a:schemeClr val="accent4">
+              <a:shade val="50000"/>
+            </a:schemeClr>
+          </a:lnRef>
+          <a:fillRef idx="1">
+            <a:schemeClr val="accent4"/>
+          </a:fillRef>
+          <a:effectRef idx="0">
+            <a:schemeClr val="accent4"/>
+          </a:effectRef>
+          <a:fontRef idx="minor">
+            <a:schemeClr val="lt1"/>
+          </a:fontRef>
+        </p:style>
+        <p:txBody>
+          <a:bodyPr rtlCol="0" anchor="ctr"/>
+          <a:lstStyle/>
+          <a:p>
+            <a:pPr algn="ctr"/>
+            <a:r>
+              <a:rPr lang="en-US" sz="1400" dirty="0">
+                <a:solidFill>
+                  <a:schemeClr val="tx1"/>
+                </a:solidFill>
+              </a:rPr>
+              <a:t>wait</a:t>
+            </a:r>
+          </a:p>
+        </p:txBody>
+      </p:sp>
+      <p:sp>
+        <p:nvSpPr>
+          <p:cNvPr id="45" name="Rectangle 44">
+            <a:extLst>
+              <a:ext uri="{FF2B5EF4-FFF2-40B4-BE49-F238E27FC236}">
+                <a16:creationId xmlns:a16="http://schemas.microsoft.com/office/drawing/2014/main" id="{46F4099C-E561-477D-B072-FB2E5066BB77}"/>
+              </a:ext>
+            </a:extLst>
+          </p:cNvPr>
+          <p:cNvSpPr/>
+          <p:nvPr/>
+        </p:nvSpPr>
+        <p:spPr>
+          <a:xfrm>
+            <a:off x="4904217" y="3647113"/>
+            <a:ext cx="506886" cy="273738"/>
+          </a:xfrm>
+          <a:prstGeom prst="rect">
+            <a:avLst/>
+          </a:prstGeom>
+          <a:noFill/>
+        </p:spPr>
+        <p:style>
+          <a:lnRef idx="2">
+            <a:schemeClr val="accent4">
+              <a:shade val="50000"/>
+            </a:schemeClr>
+          </a:lnRef>
+          <a:fillRef idx="1">
+            <a:schemeClr val="accent4"/>
+          </a:fillRef>
+          <a:effectRef idx="0">
+            <a:schemeClr val="accent4"/>
+          </a:effectRef>
+          <a:fontRef idx="minor">
+            <a:schemeClr val="lt1"/>
+          </a:fontRef>
+        </p:style>
+        <p:txBody>
+          <a:bodyPr rtlCol="0" anchor="ctr"/>
+          <a:lstStyle/>
+          <a:p>
+            <a:pPr algn="ctr"/>
+            <a:r>
+              <a:rPr lang="en-US" sz="1600" dirty="0">
+                <a:solidFill>
+                  <a:schemeClr val="tx1"/>
+                </a:solidFill>
+              </a:rPr>
+              <a:t>  </a:t>
+            </a:r>
+          </a:p>
+        </p:txBody>
+      </p:sp>
+      <p:pic>
+        <p:nvPicPr>
+          <p:cNvPr id="46" name="Picture 2" descr="Plus - Free signs icons">
+            <a:extLst>
+              <a:ext uri="{FF2B5EF4-FFF2-40B4-BE49-F238E27FC236}">
+                <a16:creationId xmlns:a16="http://schemas.microsoft.com/office/drawing/2014/main" id="{E6378748-8894-4868-9AAE-AE779F5E73DE}"/>
+              </a:ext>
+            </a:extLst>
+          </p:cNvPr>
+          <p:cNvPicPr>
+            <a:picLocks noChangeAspect="1" noChangeArrowheads="1"/>
+          </p:cNvPicPr>
+          <p:nvPr/>
+        </p:nvPicPr>
+        <p:blipFill>
+          <a:blip r:embed="rId2">
+            <a:extLst>
+              <a:ext uri="{28A0092B-C50C-407E-A947-70E740481C1C}">
+                <a14:useLocalDpi xmlns:a14="http://schemas.microsoft.com/office/drawing/2010/main" val="0"/>
+              </a:ext>
+            </a:extLst>
+          </a:blip>
+          <a:srcRect/>
+          <a:stretch>
+            <a:fillRect/>
+          </a:stretch>
+        </p:blipFill>
+        <p:spPr bwMode="auto">
+          <a:xfrm>
+            <a:off x="5592904" y="3468762"/>
+            <a:ext cx="243344" cy="243344"/>
+          </a:xfrm>
+          <a:prstGeom prst="rect">
+            <a:avLst/>
+          </a:prstGeom>
+          <a:noFill/>
+          <a:extLst>
+            <a:ext uri="{909E8E84-426E-40DD-AFC4-6F175D3DCCD1}">
+              <a14:hiddenFill xmlns:a14="http://schemas.microsoft.com/office/drawing/2010/main">
+                <a:solidFill>
+                  <a:srgbClr val="FFFFFF"/>
+                </a:solidFill>
+              </a14:hiddenFill>
+            </a:ext>
+          </a:extLst>
+        </p:spPr>
+      </p:pic>
+      <p:pic>
+        <p:nvPicPr>
+          <p:cNvPr id="47" name="Picture 4" descr="Minus - Free interface icons">
+            <a:extLst>
+              <a:ext uri="{FF2B5EF4-FFF2-40B4-BE49-F238E27FC236}">
+                <a16:creationId xmlns:a16="http://schemas.microsoft.com/office/drawing/2014/main" id="{28240B89-24CB-42D0-8DF9-54995322AB52}"/>
+              </a:ext>
+            </a:extLst>
+          </p:cNvPr>
+          <p:cNvPicPr>
+            <a:picLocks noChangeAspect="1" noChangeArrowheads="1"/>
+          </p:cNvPicPr>
+          <p:nvPr/>
+        </p:nvPicPr>
+        <p:blipFill>
+          <a:blip r:embed="rId3">
+            <a:extLst>
+              <a:ext uri="{28A0092B-C50C-407E-A947-70E740481C1C}">
+                <a14:useLocalDpi xmlns:a14="http://schemas.microsoft.com/office/drawing/2010/main" val="0"/>
+              </a:ext>
+            </a:extLst>
+          </a:blip>
+          <a:srcRect/>
+          <a:stretch>
+            <a:fillRect/>
+          </a:stretch>
+        </p:blipFill>
+        <p:spPr bwMode="auto">
+          <a:xfrm>
+            <a:off x="5586284" y="3817461"/>
+            <a:ext cx="243344" cy="243344"/>
+          </a:xfrm>
+          <a:prstGeom prst="rect">
+            <a:avLst/>
+          </a:prstGeom>
+          <a:noFill/>
+          <a:extLst>
+            <a:ext uri="{909E8E84-426E-40DD-AFC4-6F175D3DCCD1}">
+              <a14:hiddenFill xmlns:a14="http://schemas.microsoft.com/office/drawing/2010/main">
+                <a:solidFill>
+                  <a:srgbClr val="FFFFFF"/>
+                </a:solidFill>
+              </a14:hiddenFill>
+            </a:ext>
+          </a:extLst>
+        </p:spPr>
+      </p:pic>
+      <p:sp>
+        <p:nvSpPr>
+          <p:cNvPr id="48" name="Arrow: Right 47">
+            <a:extLst>
+              <a:ext uri="{FF2B5EF4-FFF2-40B4-BE49-F238E27FC236}">
+                <a16:creationId xmlns:a16="http://schemas.microsoft.com/office/drawing/2014/main" id="{9528B7B5-7D67-40CD-941D-A150B1FD01B0}"/>
+              </a:ext>
+            </a:extLst>
+          </p:cNvPr>
+          <p:cNvSpPr/>
+          <p:nvPr/>
+        </p:nvSpPr>
+        <p:spPr>
+          <a:xfrm>
+            <a:off x="3460678" y="3665271"/>
+            <a:ext cx="204350" cy="196633"/>
+          </a:xfrm>
+          <a:prstGeom prst="rightArrow">
+            <a:avLst/>
+          </a:prstGeom>
+        </p:spPr>
+        <p:style>
+          <a:lnRef idx="2">
+            <a:schemeClr val="accent1">
+              <a:shade val="50000"/>
+            </a:schemeClr>
+          </a:lnRef>
+          <a:fillRef idx="1">
+            <a:schemeClr val="accent1"/>
+          </a:fillRef>
+          <a:effectRef idx="0">
+            <a:schemeClr val="accent1"/>
+          </a:effectRef>
+          <a:fontRef idx="minor">
+            <a:schemeClr val="lt1"/>
+          </a:fontRef>
+        </p:style>
+        <p:txBody>
+          <a:bodyPr rtlCol="0" anchor="ctr"/>
+          <a:lstStyle/>
+          <a:p>
+            <a:pPr algn="ctr"/>
+            <a:endParaRPr lang="en-US"/>
+          </a:p>
+        </p:txBody>
+      </p:sp>
+      <p:sp>
+        <p:nvSpPr>
+          <p:cNvPr id="49" name="Rectangle 48">
+            <a:extLst>
+              <a:ext uri="{FF2B5EF4-FFF2-40B4-BE49-F238E27FC236}">
+                <a16:creationId xmlns:a16="http://schemas.microsoft.com/office/drawing/2014/main" id="{C78C720D-183E-4776-9F5B-F4F199272041}"/>
+              </a:ext>
+            </a:extLst>
+          </p:cNvPr>
+          <p:cNvSpPr/>
+          <p:nvPr/>
+        </p:nvSpPr>
+        <p:spPr>
+          <a:xfrm>
+            <a:off x="1785010" y="3659392"/>
+            <a:ext cx="1187377" cy="273738"/>
+          </a:xfrm>
+          <a:prstGeom prst="rect">
+            <a:avLst/>
+          </a:prstGeom>
+          <a:noFill/>
+        </p:spPr>
+        <p:style>
+          <a:lnRef idx="2">
+            <a:schemeClr val="accent4">
+              <a:shade val="50000"/>
+            </a:schemeClr>
+          </a:lnRef>
+          <a:fillRef idx="1">
+            <a:schemeClr val="accent4"/>
+          </a:fillRef>
+          <a:effectRef idx="0">
+            <a:schemeClr val="accent4"/>
+          </a:effectRef>
+          <a:fontRef idx="minor">
+            <a:schemeClr val="lt1"/>
+          </a:fontRef>
+        </p:style>
+        <p:txBody>
+          <a:bodyPr rtlCol="0" anchor="ctr"/>
+          <a:lstStyle/>
+          <a:p>
+            <a:pPr algn="ctr"/>
+            <a:r>
+              <a:rPr lang="en-US" sz="1400" dirty="0">
+                <a:solidFill>
+                  <a:schemeClr val="tx1"/>
+                </a:solidFill>
+              </a:rPr>
+              <a:t>Move z-&gt; top</a:t>
+            </a:r>
+          </a:p>
+        </p:txBody>
+      </p:sp>
+      <p:sp>
+        <p:nvSpPr>
+          <p:cNvPr id="54" name="Arrow: Right 53">
+            <a:extLst>
+              <a:ext uri="{FF2B5EF4-FFF2-40B4-BE49-F238E27FC236}">
+                <a16:creationId xmlns:a16="http://schemas.microsoft.com/office/drawing/2014/main" id="{4CBB62B8-5076-44F1-BEC1-EDD7FE3B7A4A}"/>
+              </a:ext>
+            </a:extLst>
+          </p:cNvPr>
+          <p:cNvSpPr/>
+          <p:nvPr/>
+        </p:nvSpPr>
+        <p:spPr>
+          <a:xfrm>
+            <a:off x="1452369" y="3677481"/>
+            <a:ext cx="204350" cy="196633"/>
+          </a:xfrm>
+          <a:prstGeom prst="rightArrow">
+            <a:avLst/>
+          </a:prstGeom>
+        </p:spPr>
+        <p:style>
+          <a:lnRef idx="2">
+            <a:schemeClr val="accent1">
+              <a:shade val="50000"/>
+            </a:schemeClr>
+          </a:lnRef>
+          <a:fillRef idx="1">
+            <a:schemeClr val="accent1"/>
+          </a:fillRef>
+          <a:effectRef idx="0">
+            <a:schemeClr val="accent1"/>
+          </a:effectRef>
+          <a:fontRef idx="minor">
+            <a:schemeClr val="lt1"/>
+          </a:fontRef>
+        </p:style>
+        <p:txBody>
+          <a:bodyPr rtlCol="0" anchor="ctr"/>
+          <a:lstStyle/>
+          <a:p>
+            <a:pPr algn="ctr"/>
+            <a:endParaRPr lang="en-US"/>
+          </a:p>
+        </p:txBody>
+      </p:sp>
+      <p:sp>
+        <p:nvSpPr>
+          <p:cNvPr id="55" name="Rectangle 54">
+            <a:extLst>
+              <a:ext uri="{FF2B5EF4-FFF2-40B4-BE49-F238E27FC236}">
+                <a16:creationId xmlns:a16="http://schemas.microsoft.com/office/drawing/2014/main" id="{A707454D-8831-4254-8B47-33A8E071F0C0}"/>
+              </a:ext>
+            </a:extLst>
+          </p:cNvPr>
+          <p:cNvSpPr/>
+          <p:nvPr/>
+        </p:nvSpPr>
+        <p:spPr>
+          <a:xfrm>
+            <a:off x="6418090" y="3647113"/>
+            <a:ext cx="976641" cy="273738"/>
+          </a:xfrm>
+          <a:prstGeom prst="rect">
+            <a:avLst/>
+          </a:prstGeom>
+          <a:noFill/>
+        </p:spPr>
+        <p:style>
+          <a:lnRef idx="2">
+            <a:schemeClr val="accent4">
+              <a:shade val="50000"/>
+            </a:schemeClr>
+          </a:lnRef>
+          <a:fillRef idx="1">
+            <a:schemeClr val="accent4"/>
+          </a:fillRef>
+          <a:effectRef idx="0">
+            <a:schemeClr val="accent4"/>
+          </a:effectRef>
+          <a:fontRef idx="minor">
+            <a:schemeClr val="lt1"/>
+          </a:fontRef>
+        </p:style>
+        <p:txBody>
+          <a:bodyPr rtlCol="0" anchor="ctr"/>
+          <a:lstStyle/>
+          <a:p>
+            <a:pPr algn="ctr"/>
+            <a:r>
+              <a:rPr lang="en-US" sz="1400" dirty="0">
+                <a:solidFill>
+                  <a:schemeClr val="tx1"/>
+                </a:solidFill>
+              </a:rPr>
+              <a:t>END STEP</a:t>
+            </a:r>
+          </a:p>
+        </p:txBody>
+      </p:sp>
+      <p:sp>
+        <p:nvSpPr>
+          <p:cNvPr id="56" name="Arrow: Right 55">
+            <a:extLst>
+              <a:ext uri="{FF2B5EF4-FFF2-40B4-BE49-F238E27FC236}">
+                <a16:creationId xmlns:a16="http://schemas.microsoft.com/office/drawing/2014/main" id="{04E87706-60F9-49F4-8311-6A8CADADA0AA}"/>
+              </a:ext>
+            </a:extLst>
+          </p:cNvPr>
+          <p:cNvSpPr/>
+          <p:nvPr/>
+        </p:nvSpPr>
+        <p:spPr>
+          <a:xfrm>
+            <a:off x="6085449" y="3665202"/>
+            <a:ext cx="204350" cy="196633"/>
+          </a:xfrm>
+          <a:prstGeom prst="rightArrow">
+            <a:avLst/>
+          </a:prstGeom>
+        </p:spPr>
+        <p:style>
+          <a:lnRef idx="2">
+            <a:schemeClr val="accent1">
+              <a:shade val="50000"/>
+            </a:schemeClr>
+          </a:lnRef>
+          <a:fillRef idx="1">
+            <a:schemeClr val="accent1"/>
+          </a:fillRef>
+          <a:effectRef idx="0">
+            <a:schemeClr val="accent1"/>
+          </a:effectRef>
+          <a:fontRef idx="minor">
+            <a:schemeClr val="lt1"/>
+          </a:fontRef>
+        </p:style>
+        <p:txBody>
+          <a:bodyPr rtlCol="0" anchor="ctr"/>
+          <a:lstStyle/>
+          <a:p>
+            <a:pPr algn="ctr"/>
+            <a:endParaRPr lang="en-US"/>
           </a:p>
         </p:txBody>
       </p:sp>
@@ -6296,6 +7929,3808 @@
     <p:extLst>
       <p:ext uri="{BB962C8B-B14F-4D97-AF65-F5344CB8AC3E}">
         <p14:creationId xmlns:p14="http://schemas.microsoft.com/office/powerpoint/2010/main" val="4209010381"/>
+      </p:ext>
+    </p:extLst>
+  </p:cSld>
+  <p:clrMapOvr>
+    <a:masterClrMapping/>
+  </p:clrMapOvr>
+</p:sld>
+</file>
+
+<file path=ppt/slides/slide4.xml><?xml version="1.0" encoding="utf-8"?>
+<p:sld xmlns:a="http://schemas.openxmlformats.org/drawingml/2006/main" xmlns:r="http://schemas.openxmlformats.org/officeDocument/2006/relationships" xmlns:p="http://schemas.openxmlformats.org/presentationml/2006/main">
+  <p:cSld>
+    <p:spTree>
+      <p:nvGrpSpPr>
+        <p:cNvPr id="1" name=""/>
+        <p:cNvGrpSpPr/>
+        <p:nvPr/>
+      </p:nvGrpSpPr>
+      <p:grpSpPr>
+        <a:xfrm>
+          <a:off x="0" y="0"/>
+          <a:ext cx="0" cy="0"/>
+          <a:chOff x="0" y="0"/>
+          <a:chExt cx="0" cy="0"/>
+        </a:xfrm>
+      </p:grpSpPr>
+      <p:sp>
+        <p:nvSpPr>
+          <p:cNvPr id="6" name="Rectangle 5">
+            <a:extLst>
+              <a:ext uri="{FF2B5EF4-FFF2-40B4-BE49-F238E27FC236}">
+                <a16:creationId xmlns:a16="http://schemas.microsoft.com/office/drawing/2014/main" id="{443C37C1-CB50-46ED-95A3-27628BF66220}"/>
+              </a:ext>
+            </a:extLst>
+          </p:cNvPr>
+          <p:cNvSpPr/>
+          <p:nvPr/>
+        </p:nvSpPr>
+        <p:spPr>
+          <a:xfrm>
+            <a:off x="282340" y="70479"/>
+            <a:ext cx="1409273" cy="273738"/>
+          </a:xfrm>
+          <a:prstGeom prst="rect">
+            <a:avLst/>
+          </a:prstGeom>
+          <a:noFill/>
+        </p:spPr>
+        <p:style>
+          <a:lnRef idx="2">
+            <a:schemeClr val="accent4">
+              <a:shade val="50000"/>
+            </a:schemeClr>
+          </a:lnRef>
+          <a:fillRef idx="1">
+            <a:schemeClr val="accent4"/>
+          </a:fillRef>
+          <a:effectRef idx="0">
+            <a:schemeClr val="accent4"/>
+          </a:effectRef>
+          <a:fontRef idx="minor">
+            <a:schemeClr val="lt1"/>
+          </a:fontRef>
+        </p:style>
+        <p:txBody>
+          <a:bodyPr rtlCol="0" anchor="ctr"/>
+          <a:lstStyle/>
+          <a:p>
+            <a:r>
+              <a:rPr lang="en-US" dirty="0">
+                <a:solidFill>
+                  <a:schemeClr val="tx1"/>
+                </a:solidFill>
+              </a:rPr>
+              <a:t>Program   </a:t>
+            </a:r>
+          </a:p>
+        </p:txBody>
+      </p:sp>
+      <p:sp>
+        <p:nvSpPr>
+          <p:cNvPr id="7" name="Rectangle 6">
+            <a:extLst>
+              <a:ext uri="{FF2B5EF4-FFF2-40B4-BE49-F238E27FC236}">
+                <a16:creationId xmlns:a16="http://schemas.microsoft.com/office/drawing/2014/main" id="{78E6CD1E-3FCD-4AD2-8838-98A3EED27834}"/>
+              </a:ext>
+            </a:extLst>
+          </p:cNvPr>
+          <p:cNvSpPr/>
+          <p:nvPr/>
+        </p:nvSpPr>
+        <p:spPr>
+          <a:xfrm>
+            <a:off x="677192" y="511195"/>
+            <a:ext cx="683616" cy="273738"/>
+          </a:xfrm>
+          <a:prstGeom prst="rect">
+            <a:avLst/>
+          </a:prstGeom>
+          <a:noFill/>
+        </p:spPr>
+        <p:style>
+          <a:lnRef idx="2">
+            <a:schemeClr val="accent4">
+              <a:shade val="50000"/>
+            </a:schemeClr>
+          </a:lnRef>
+          <a:fillRef idx="1">
+            <a:schemeClr val="accent4"/>
+          </a:fillRef>
+          <a:effectRef idx="0">
+            <a:schemeClr val="accent4"/>
+          </a:effectRef>
+          <a:fontRef idx="minor">
+            <a:schemeClr val="lt1"/>
+          </a:fontRef>
+        </p:style>
+        <p:txBody>
+          <a:bodyPr rtlCol="0" anchor="ctr"/>
+          <a:lstStyle/>
+          <a:p>
+            <a:pPr algn="ctr"/>
+            <a:r>
+              <a:rPr lang="en-US" dirty="0">
+                <a:solidFill>
+                  <a:schemeClr val="tx1"/>
+                </a:solidFill>
+              </a:rPr>
+              <a:t>Type</a:t>
+            </a:r>
+          </a:p>
+        </p:txBody>
+      </p:sp>
+      <p:sp>
+        <p:nvSpPr>
+          <p:cNvPr id="8" name="Rectangle 7">
+            <a:extLst>
+              <a:ext uri="{FF2B5EF4-FFF2-40B4-BE49-F238E27FC236}">
+                <a16:creationId xmlns:a16="http://schemas.microsoft.com/office/drawing/2014/main" id="{4662F0E8-AC92-47D6-92FC-BA53CBDB686C}"/>
+              </a:ext>
+            </a:extLst>
+          </p:cNvPr>
+          <p:cNvSpPr/>
+          <p:nvPr/>
+        </p:nvSpPr>
+        <p:spPr>
+          <a:xfrm>
+            <a:off x="1691613" y="511195"/>
+            <a:ext cx="1261669" cy="273738"/>
+          </a:xfrm>
+          <a:prstGeom prst="rect">
+            <a:avLst/>
+          </a:prstGeom>
+          <a:noFill/>
+        </p:spPr>
+        <p:style>
+          <a:lnRef idx="2">
+            <a:schemeClr val="accent4">
+              <a:shade val="50000"/>
+            </a:schemeClr>
+          </a:lnRef>
+          <a:fillRef idx="1">
+            <a:schemeClr val="accent4"/>
+          </a:fillRef>
+          <a:effectRef idx="0">
+            <a:schemeClr val="accent4"/>
+          </a:effectRef>
+          <a:fontRef idx="minor">
+            <a:schemeClr val="lt1"/>
+          </a:fontRef>
+        </p:style>
+        <p:txBody>
+          <a:bodyPr rtlCol="0" anchor="ctr"/>
+          <a:lstStyle/>
+          <a:p>
+            <a:pPr algn="ctr"/>
+            <a:r>
+              <a:rPr lang="en-US" dirty="0">
+                <a:solidFill>
+                  <a:schemeClr val="tx1"/>
+                </a:solidFill>
+              </a:rPr>
+              <a:t>shake</a:t>
+            </a:r>
+          </a:p>
+        </p:txBody>
+      </p:sp>
+      <p:sp>
+        <p:nvSpPr>
+          <p:cNvPr id="9" name="Rectangle 8">
+            <a:extLst>
+              <a:ext uri="{FF2B5EF4-FFF2-40B4-BE49-F238E27FC236}">
+                <a16:creationId xmlns:a16="http://schemas.microsoft.com/office/drawing/2014/main" id="{00FFE81A-A289-403E-845C-F4E8B19848E6}"/>
+              </a:ext>
+            </a:extLst>
+          </p:cNvPr>
+          <p:cNvSpPr/>
+          <p:nvPr/>
+        </p:nvSpPr>
+        <p:spPr>
+          <a:xfrm>
+            <a:off x="3325922" y="511195"/>
+            <a:ext cx="1261669" cy="273738"/>
+          </a:xfrm>
+          <a:prstGeom prst="rect">
+            <a:avLst/>
+          </a:prstGeom>
+          <a:solidFill>
+            <a:schemeClr val="accent6"/>
+          </a:solidFill>
+        </p:spPr>
+        <p:style>
+          <a:lnRef idx="2">
+            <a:schemeClr val="accent4">
+              <a:shade val="50000"/>
+            </a:schemeClr>
+          </a:lnRef>
+          <a:fillRef idx="1">
+            <a:schemeClr val="accent4"/>
+          </a:fillRef>
+          <a:effectRef idx="0">
+            <a:schemeClr val="accent4"/>
+          </a:effectRef>
+          <a:fontRef idx="minor">
+            <a:schemeClr val="lt1"/>
+          </a:fontRef>
+        </p:style>
+        <p:txBody>
+          <a:bodyPr rtlCol="0" anchor="ctr"/>
+          <a:lstStyle/>
+          <a:p>
+            <a:pPr algn="ctr"/>
+            <a:r>
+              <a:rPr lang="en-US" dirty="0">
+                <a:solidFill>
+                  <a:schemeClr val="tx1"/>
+                </a:solidFill>
+              </a:rPr>
+              <a:t>washing</a:t>
+            </a:r>
+          </a:p>
+        </p:txBody>
+      </p:sp>
+      <p:sp>
+        <p:nvSpPr>
+          <p:cNvPr id="10" name="Rectangle 9">
+            <a:extLst>
+              <a:ext uri="{FF2B5EF4-FFF2-40B4-BE49-F238E27FC236}">
+                <a16:creationId xmlns:a16="http://schemas.microsoft.com/office/drawing/2014/main" id="{E83EBC90-B2B9-42CE-A532-D1269D54233F}"/>
+              </a:ext>
+            </a:extLst>
+          </p:cNvPr>
+          <p:cNvSpPr/>
+          <p:nvPr/>
+        </p:nvSpPr>
+        <p:spPr>
+          <a:xfrm>
+            <a:off x="4908338" y="511195"/>
+            <a:ext cx="1261669" cy="273738"/>
+          </a:xfrm>
+          <a:prstGeom prst="rect">
+            <a:avLst/>
+          </a:prstGeom>
+          <a:noFill/>
+        </p:spPr>
+        <p:style>
+          <a:lnRef idx="2">
+            <a:schemeClr val="accent4">
+              <a:shade val="50000"/>
+            </a:schemeClr>
+          </a:lnRef>
+          <a:fillRef idx="1">
+            <a:schemeClr val="accent4"/>
+          </a:fillRef>
+          <a:effectRef idx="0">
+            <a:schemeClr val="accent4"/>
+          </a:effectRef>
+          <a:fontRef idx="minor">
+            <a:schemeClr val="lt1"/>
+          </a:fontRef>
+        </p:style>
+        <p:txBody>
+          <a:bodyPr rtlCol="0" anchor="ctr"/>
+          <a:lstStyle/>
+          <a:p>
+            <a:pPr algn="ctr"/>
+            <a:r>
+              <a:rPr lang="en-US" sz="1600" dirty="0">
+                <a:solidFill>
+                  <a:schemeClr val="tx1"/>
+                </a:solidFill>
+              </a:rPr>
+              <a:t>Drying</a:t>
+            </a:r>
+          </a:p>
+        </p:txBody>
+      </p:sp>
+      <p:sp>
+        <p:nvSpPr>
+          <p:cNvPr id="11" name="Rectangle 10">
+            <a:extLst>
+              <a:ext uri="{FF2B5EF4-FFF2-40B4-BE49-F238E27FC236}">
+                <a16:creationId xmlns:a16="http://schemas.microsoft.com/office/drawing/2014/main" id="{36B50A35-EABF-45E2-B98F-E274DD7542BC}"/>
+              </a:ext>
+            </a:extLst>
+          </p:cNvPr>
+          <p:cNvSpPr/>
+          <p:nvPr/>
+        </p:nvSpPr>
+        <p:spPr>
+          <a:xfrm>
+            <a:off x="2214033" y="70479"/>
+            <a:ext cx="2373557" cy="273738"/>
+          </a:xfrm>
+          <a:prstGeom prst="rect">
+            <a:avLst/>
+          </a:prstGeom>
+          <a:noFill/>
+        </p:spPr>
+        <p:style>
+          <a:lnRef idx="2">
+            <a:schemeClr val="accent4">
+              <a:shade val="50000"/>
+            </a:schemeClr>
+          </a:lnRef>
+          <a:fillRef idx="1">
+            <a:schemeClr val="accent4"/>
+          </a:fillRef>
+          <a:effectRef idx="0">
+            <a:schemeClr val="accent4"/>
+          </a:effectRef>
+          <a:fontRef idx="minor">
+            <a:schemeClr val="lt1"/>
+          </a:fontRef>
+        </p:style>
+        <p:txBody>
+          <a:bodyPr rtlCol="0" anchor="ctr"/>
+          <a:lstStyle/>
+          <a:p>
+            <a:r>
+              <a:rPr lang="en-US" dirty="0">
+                <a:solidFill>
+                  <a:schemeClr val="tx1"/>
+                </a:solidFill>
+              </a:rPr>
+              <a:t>Step Number</a:t>
+            </a:r>
+          </a:p>
+        </p:txBody>
+      </p:sp>
+      <p:sp>
+        <p:nvSpPr>
+          <p:cNvPr id="12" name="Rectangle 11">
+            <a:extLst>
+              <a:ext uri="{FF2B5EF4-FFF2-40B4-BE49-F238E27FC236}">
+                <a16:creationId xmlns:a16="http://schemas.microsoft.com/office/drawing/2014/main" id="{3142E58C-FEB9-43E7-AC53-5598F7777DDC}"/>
+              </a:ext>
+            </a:extLst>
+          </p:cNvPr>
+          <p:cNvSpPr/>
+          <p:nvPr/>
+        </p:nvSpPr>
+        <p:spPr>
+          <a:xfrm>
+            <a:off x="282340" y="1688639"/>
+            <a:ext cx="1095008" cy="273738"/>
+          </a:xfrm>
+          <a:prstGeom prst="rect">
+            <a:avLst/>
+          </a:prstGeom>
+          <a:noFill/>
+        </p:spPr>
+        <p:style>
+          <a:lnRef idx="2">
+            <a:schemeClr val="accent4">
+              <a:shade val="50000"/>
+            </a:schemeClr>
+          </a:lnRef>
+          <a:fillRef idx="1">
+            <a:schemeClr val="accent4"/>
+          </a:fillRef>
+          <a:effectRef idx="0">
+            <a:schemeClr val="accent4"/>
+          </a:effectRef>
+          <a:fontRef idx="minor">
+            <a:schemeClr val="lt1"/>
+          </a:fontRef>
+        </p:style>
+        <p:txBody>
+          <a:bodyPr rtlCol="0" anchor="ctr"/>
+          <a:lstStyle/>
+          <a:p>
+            <a:pPr algn="ctr"/>
+            <a:r>
+              <a:rPr lang="en-US" sz="1400" dirty="0">
+                <a:solidFill>
+                  <a:schemeClr val="tx1"/>
+                </a:solidFill>
+              </a:rPr>
+              <a:t>Target Wells  </a:t>
+            </a:r>
+          </a:p>
+        </p:txBody>
+      </p:sp>
+      <p:pic>
+        <p:nvPicPr>
+          <p:cNvPr id="1026" name="Picture 2" descr="Plus - Free signs icons">
+            <a:extLst>
+              <a:ext uri="{FF2B5EF4-FFF2-40B4-BE49-F238E27FC236}">
+                <a16:creationId xmlns:a16="http://schemas.microsoft.com/office/drawing/2014/main" id="{12396858-872A-4CEA-B3D0-916320B6B086}"/>
+              </a:ext>
+            </a:extLst>
+          </p:cNvPr>
+          <p:cNvPicPr>
+            <a:picLocks noChangeAspect="1" noChangeArrowheads="1"/>
+          </p:cNvPicPr>
+          <p:nvPr/>
+        </p:nvPicPr>
+        <p:blipFill>
+          <a:blip r:embed="rId2">
+            <a:extLst>
+              <a:ext uri="{28A0092B-C50C-407E-A947-70E740481C1C}">
+                <a14:useLocalDpi xmlns:a14="http://schemas.microsoft.com/office/drawing/2010/main" val="0"/>
+              </a:ext>
+            </a:extLst>
+          </a:blip>
+          <a:srcRect/>
+          <a:stretch>
+            <a:fillRect/>
+          </a:stretch>
+        </p:blipFill>
+        <p:spPr bwMode="auto">
+          <a:xfrm>
+            <a:off x="1932916" y="1522400"/>
+            <a:ext cx="243344" cy="243344"/>
+          </a:xfrm>
+          <a:prstGeom prst="rect">
+            <a:avLst/>
+          </a:prstGeom>
+          <a:noFill/>
+          <a:extLst>
+            <a:ext uri="{909E8E84-426E-40DD-AFC4-6F175D3DCCD1}">
+              <a14:hiddenFill xmlns:a14="http://schemas.microsoft.com/office/drawing/2010/main">
+                <a:solidFill>
+                  <a:srgbClr val="FFFFFF"/>
+                </a:solidFill>
+              </a14:hiddenFill>
+            </a:ext>
+          </a:extLst>
+        </p:spPr>
+      </p:pic>
+      <p:pic>
+        <p:nvPicPr>
+          <p:cNvPr id="1028" name="Picture 4" descr="Minus - Free interface icons">
+            <a:extLst>
+              <a:ext uri="{FF2B5EF4-FFF2-40B4-BE49-F238E27FC236}">
+                <a16:creationId xmlns:a16="http://schemas.microsoft.com/office/drawing/2014/main" id="{3BD6E533-FA59-491B-B6CE-6407A59955E3}"/>
+              </a:ext>
+            </a:extLst>
+          </p:cNvPr>
+          <p:cNvPicPr>
+            <a:picLocks noChangeAspect="1" noChangeArrowheads="1"/>
+          </p:cNvPicPr>
+          <p:nvPr/>
+        </p:nvPicPr>
+        <p:blipFill>
+          <a:blip r:embed="rId3">
+            <a:extLst>
+              <a:ext uri="{28A0092B-C50C-407E-A947-70E740481C1C}">
+                <a14:useLocalDpi xmlns:a14="http://schemas.microsoft.com/office/drawing/2010/main" val="0"/>
+              </a:ext>
+            </a:extLst>
+          </a:blip>
+          <a:srcRect/>
+          <a:stretch>
+            <a:fillRect/>
+          </a:stretch>
+        </p:blipFill>
+        <p:spPr bwMode="auto">
+          <a:xfrm>
+            <a:off x="1926296" y="1871099"/>
+            <a:ext cx="243344" cy="243344"/>
+          </a:xfrm>
+          <a:prstGeom prst="rect">
+            <a:avLst/>
+          </a:prstGeom>
+          <a:noFill/>
+          <a:extLst>
+            <a:ext uri="{909E8E84-426E-40DD-AFC4-6F175D3DCCD1}">
+              <a14:hiddenFill xmlns:a14="http://schemas.microsoft.com/office/drawing/2010/main">
+                <a:solidFill>
+                  <a:srgbClr val="FFFFFF"/>
+                </a:solidFill>
+              </a14:hiddenFill>
+            </a:ext>
+          </a:extLst>
+        </p:spPr>
+      </p:pic>
+      <p:sp>
+        <p:nvSpPr>
+          <p:cNvPr id="15" name="Rectangle 14">
+            <a:extLst>
+              <a:ext uri="{FF2B5EF4-FFF2-40B4-BE49-F238E27FC236}">
+                <a16:creationId xmlns:a16="http://schemas.microsoft.com/office/drawing/2014/main" id="{9E08408C-AF69-4584-82B4-3CF3E393C951}"/>
+              </a:ext>
+            </a:extLst>
+          </p:cNvPr>
+          <p:cNvSpPr/>
+          <p:nvPr/>
+        </p:nvSpPr>
+        <p:spPr>
+          <a:xfrm>
+            <a:off x="1473106" y="1688639"/>
+            <a:ext cx="372619" cy="273738"/>
+          </a:xfrm>
+          <a:prstGeom prst="rect">
+            <a:avLst/>
+          </a:prstGeom>
+          <a:noFill/>
+        </p:spPr>
+        <p:style>
+          <a:lnRef idx="2">
+            <a:schemeClr val="accent4">
+              <a:shade val="50000"/>
+            </a:schemeClr>
+          </a:lnRef>
+          <a:fillRef idx="1">
+            <a:schemeClr val="accent4"/>
+          </a:fillRef>
+          <a:effectRef idx="0">
+            <a:schemeClr val="accent4"/>
+          </a:effectRef>
+          <a:fontRef idx="minor">
+            <a:schemeClr val="lt1"/>
+          </a:fontRef>
+        </p:style>
+        <p:txBody>
+          <a:bodyPr rtlCol="0" anchor="ctr"/>
+          <a:lstStyle/>
+          <a:p>
+            <a:pPr algn="ctr"/>
+            <a:r>
+              <a:rPr lang="en-US" sz="1600" dirty="0">
+                <a:solidFill>
+                  <a:schemeClr val="tx1"/>
+                </a:solidFill>
+              </a:rPr>
+              <a:t>  </a:t>
+            </a:r>
+          </a:p>
+        </p:txBody>
+      </p:sp>
+      <p:sp>
+        <p:nvSpPr>
+          <p:cNvPr id="16" name="Rectangle 15">
+            <a:extLst>
+              <a:ext uri="{FF2B5EF4-FFF2-40B4-BE49-F238E27FC236}">
+                <a16:creationId xmlns:a16="http://schemas.microsoft.com/office/drawing/2014/main" id="{F4D10381-A6A7-4B36-9A67-FF6A0ED2272F}"/>
+              </a:ext>
+            </a:extLst>
+          </p:cNvPr>
+          <p:cNvSpPr/>
+          <p:nvPr/>
+        </p:nvSpPr>
+        <p:spPr>
+          <a:xfrm>
+            <a:off x="2603537" y="1703187"/>
+            <a:ext cx="559452" cy="273738"/>
+          </a:xfrm>
+          <a:prstGeom prst="rect">
+            <a:avLst/>
+          </a:prstGeom>
+          <a:noFill/>
+        </p:spPr>
+        <p:style>
+          <a:lnRef idx="2">
+            <a:schemeClr val="accent4">
+              <a:shade val="50000"/>
+            </a:schemeClr>
+          </a:lnRef>
+          <a:fillRef idx="1">
+            <a:schemeClr val="accent4"/>
+          </a:fillRef>
+          <a:effectRef idx="0">
+            <a:schemeClr val="accent4"/>
+          </a:effectRef>
+          <a:fontRef idx="minor">
+            <a:schemeClr val="lt1"/>
+          </a:fontRef>
+        </p:style>
+        <p:txBody>
+          <a:bodyPr rtlCol="0" anchor="ctr"/>
+          <a:lstStyle/>
+          <a:p>
+            <a:pPr algn="ctr"/>
+            <a:r>
+              <a:rPr lang="en-US" sz="1400" dirty="0">
+                <a:solidFill>
+                  <a:schemeClr val="tx1"/>
+                </a:solidFill>
+              </a:rPr>
+              <a:t>Wait  </a:t>
+            </a:r>
+          </a:p>
+        </p:txBody>
+      </p:sp>
+      <p:sp>
+        <p:nvSpPr>
+          <p:cNvPr id="21" name="Rectangle 20">
+            <a:extLst>
+              <a:ext uri="{FF2B5EF4-FFF2-40B4-BE49-F238E27FC236}">
+                <a16:creationId xmlns:a16="http://schemas.microsoft.com/office/drawing/2014/main" id="{AC864647-146E-4228-8F70-38B7A909BE46}"/>
+              </a:ext>
+            </a:extLst>
+          </p:cNvPr>
+          <p:cNvSpPr/>
+          <p:nvPr/>
+        </p:nvSpPr>
+        <p:spPr>
+          <a:xfrm>
+            <a:off x="3238734" y="1699591"/>
+            <a:ext cx="506886" cy="273738"/>
+          </a:xfrm>
+          <a:prstGeom prst="rect">
+            <a:avLst/>
+          </a:prstGeom>
+          <a:noFill/>
+        </p:spPr>
+        <p:style>
+          <a:lnRef idx="2">
+            <a:schemeClr val="accent4">
+              <a:shade val="50000"/>
+            </a:schemeClr>
+          </a:lnRef>
+          <a:fillRef idx="1">
+            <a:schemeClr val="accent4"/>
+          </a:fillRef>
+          <a:effectRef idx="0">
+            <a:schemeClr val="accent4"/>
+          </a:effectRef>
+          <a:fontRef idx="minor">
+            <a:schemeClr val="lt1"/>
+          </a:fontRef>
+        </p:style>
+        <p:txBody>
+          <a:bodyPr rtlCol="0" anchor="ctr"/>
+          <a:lstStyle/>
+          <a:p>
+            <a:pPr algn="ctr"/>
+            <a:r>
+              <a:rPr lang="en-US" sz="1600" dirty="0">
+                <a:solidFill>
+                  <a:schemeClr val="tx1"/>
+                </a:solidFill>
+              </a:rPr>
+              <a:t>  </a:t>
+            </a:r>
+          </a:p>
+        </p:txBody>
+      </p:sp>
+      <p:pic>
+        <p:nvPicPr>
+          <p:cNvPr id="22" name="Picture 2" descr="Plus - Free signs icons">
+            <a:extLst>
+              <a:ext uri="{FF2B5EF4-FFF2-40B4-BE49-F238E27FC236}">
+                <a16:creationId xmlns:a16="http://schemas.microsoft.com/office/drawing/2014/main" id="{BF6416D9-2EB4-408A-BEF8-5521CF7C20A5}"/>
+              </a:ext>
+            </a:extLst>
+          </p:cNvPr>
+          <p:cNvPicPr>
+            <a:picLocks noChangeAspect="1" noChangeArrowheads="1"/>
+          </p:cNvPicPr>
+          <p:nvPr/>
+        </p:nvPicPr>
+        <p:blipFill>
+          <a:blip r:embed="rId2">
+            <a:extLst>
+              <a:ext uri="{28A0092B-C50C-407E-A947-70E740481C1C}">
+                <a14:useLocalDpi xmlns:a14="http://schemas.microsoft.com/office/drawing/2010/main" val="0"/>
+              </a:ext>
+            </a:extLst>
+          </a:blip>
+          <a:srcRect/>
+          <a:stretch>
+            <a:fillRect/>
+          </a:stretch>
+        </p:blipFill>
+        <p:spPr bwMode="auto">
+          <a:xfrm>
+            <a:off x="3927421" y="1521240"/>
+            <a:ext cx="243344" cy="243344"/>
+          </a:xfrm>
+          <a:prstGeom prst="rect">
+            <a:avLst/>
+          </a:prstGeom>
+          <a:noFill/>
+          <a:extLst>
+            <a:ext uri="{909E8E84-426E-40DD-AFC4-6F175D3DCCD1}">
+              <a14:hiddenFill xmlns:a14="http://schemas.microsoft.com/office/drawing/2010/main">
+                <a:solidFill>
+                  <a:srgbClr val="FFFFFF"/>
+                </a:solidFill>
+              </a14:hiddenFill>
+            </a:ext>
+          </a:extLst>
+        </p:spPr>
+      </p:pic>
+      <p:pic>
+        <p:nvPicPr>
+          <p:cNvPr id="23" name="Picture 4" descr="Minus - Free interface icons">
+            <a:extLst>
+              <a:ext uri="{FF2B5EF4-FFF2-40B4-BE49-F238E27FC236}">
+                <a16:creationId xmlns:a16="http://schemas.microsoft.com/office/drawing/2014/main" id="{79ADFDFB-AB20-43CE-8497-C87535D457F9}"/>
+              </a:ext>
+            </a:extLst>
+          </p:cNvPr>
+          <p:cNvPicPr>
+            <a:picLocks noChangeAspect="1" noChangeArrowheads="1"/>
+          </p:cNvPicPr>
+          <p:nvPr/>
+        </p:nvPicPr>
+        <p:blipFill>
+          <a:blip r:embed="rId3">
+            <a:extLst>
+              <a:ext uri="{28A0092B-C50C-407E-A947-70E740481C1C}">
+                <a14:useLocalDpi xmlns:a14="http://schemas.microsoft.com/office/drawing/2010/main" val="0"/>
+              </a:ext>
+            </a:extLst>
+          </a:blip>
+          <a:srcRect/>
+          <a:stretch>
+            <a:fillRect/>
+          </a:stretch>
+        </p:blipFill>
+        <p:spPr bwMode="auto">
+          <a:xfrm>
+            <a:off x="3920801" y="1869939"/>
+            <a:ext cx="243344" cy="243344"/>
+          </a:xfrm>
+          <a:prstGeom prst="rect">
+            <a:avLst/>
+          </a:prstGeom>
+          <a:noFill/>
+          <a:extLst>
+            <a:ext uri="{909E8E84-426E-40DD-AFC4-6F175D3DCCD1}">
+              <a14:hiddenFill xmlns:a14="http://schemas.microsoft.com/office/drawing/2010/main">
+                <a:solidFill>
+                  <a:srgbClr val="FFFFFF"/>
+                </a:solidFill>
+              </a14:hiddenFill>
+            </a:ext>
+          </a:extLst>
+        </p:spPr>
+      </p:pic>
+      <p:sp>
+        <p:nvSpPr>
+          <p:cNvPr id="2" name="Arrow: Right 1">
+            <a:extLst>
+              <a:ext uri="{FF2B5EF4-FFF2-40B4-BE49-F238E27FC236}">
+                <a16:creationId xmlns:a16="http://schemas.microsoft.com/office/drawing/2014/main" id="{9BC0A2B0-BA64-47E5-A8CC-C7DEF5B29FCF}"/>
+              </a:ext>
+            </a:extLst>
+          </p:cNvPr>
+          <p:cNvSpPr/>
+          <p:nvPr/>
+        </p:nvSpPr>
+        <p:spPr>
+          <a:xfrm>
+            <a:off x="2274076" y="1722435"/>
+            <a:ext cx="204350" cy="196633"/>
+          </a:xfrm>
+          <a:prstGeom prst="rightArrow">
+            <a:avLst/>
+          </a:prstGeom>
+        </p:spPr>
+        <p:style>
+          <a:lnRef idx="2">
+            <a:schemeClr val="accent1">
+              <a:shade val="50000"/>
+            </a:schemeClr>
+          </a:lnRef>
+          <a:fillRef idx="1">
+            <a:schemeClr val="accent1"/>
+          </a:fillRef>
+          <a:effectRef idx="0">
+            <a:schemeClr val="accent1"/>
+          </a:effectRef>
+          <a:fontRef idx="minor">
+            <a:schemeClr val="lt1"/>
+          </a:fontRef>
+        </p:style>
+        <p:txBody>
+          <a:bodyPr rtlCol="0" anchor="ctr"/>
+          <a:lstStyle/>
+          <a:p>
+            <a:pPr algn="ctr"/>
+            <a:endParaRPr lang="en-US"/>
+          </a:p>
+        </p:txBody>
+      </p:sp>
+      <p:sp>
+        <p:nvSpPr>
+          <p:cNvPr id="24" name="Rectangle 23">
+            <a:extLst>
+              <a:ext uri="{FF2B5EF4-FFF2-40B4-BE49-F238E27FC236}">
+                <a16:creationId xmlns:a16="http://schemas.microsoft.com/office/drawing/2014/main" id="{FD44627D-657B-4B1A-A2A9-FCD8BF101423}"/>
+              </a:ext>
+            </a:extLst>
+          </p:cNvPr>
+          <p:cNvSpPr/>
+          <p:nvPr/>
+        </p:nvSpPr>
+        <p:spPr>
+          <a:xfrm>
+            <a:off x="4448142" y="1699591"/>
+            <a:ext cx="1095008" cy="273738"/>
+          </a:xfrm>
+          <a:prstGeom prst="rect">
+            <a:avLst/>
+          </a:prstGeom>
+          <a:noFill/>
+        </p:spPr>
+        <p:style>
+          <a:lnRef idx="2">
+            <a:schemeClr val="accent4">
+              <a:shade val="50000"/>
+            </a:schemeClr>
+          </a:lnRef>
+          <a:fillRef idx="1">
+            <a:schemeClr val="accent4"/>
+          </a:fillRef>
+          <a:effectRef idx="0">
+            <a:schemeClr val="accent4"/>
+          </a:effectRef>
+          <a:fontRef idx="minor">
+            <a:schemeClr val="lt1"/>
+          </a:fontRef>
+        </p:style>
+        <p:txBody>
+          <a:bodyPr rtlCol="0" anchor="ctr"/>
+          <a:lstStyle/>
+          <a:p>
+            <a:pPr algn="ctr"/>
+            <a:r>
+              <a:rPr lang="en-US" sz="1400" dirty="0">
+                <a:solidFill>
+                  <a:schemeClr val="tx1"/>
+                </a:solidFill>
+              </a:rPr>
+              <a:t>Move Z</a:t>
+            </a:r>
+          </a:p>
+        </p:txBody>
+      </p:sp>
+      <p:sp>
+        <p:nvSpPr>
+          <p:cNvPr id="25" name="Arrow: Right 24">
+            <a:extLst>
+              <a:ext uri="{FF2B5EF4-FFF2-40B4-BE49-F238E27FC236}">
+                <a16:creationId xmlns:a16="http://schemas.microsoft.com/office/drawing/2014/main" id="{61A41F84-1632-4F4A-B455-C6B6746A7647}"/>
+              </a:ext>
+            </a:extLst>
+          </p:cNvPr>
+          <p:cNvSpPr/>
+          <p:nvPr/>
+        </p:nvSpPr>
+        <p:spPr>
+          <a:xfrm>
+            <a:off x="4200658" y="1738143"/>
+            <a:ext cx="204350" cy="196633"/>
+          </a:xfrm>
+          <a:prstGeom prst="rightArrow">
+            <a:avLst/>
+          </a:prstGeom>
+        </p:spPr>
+        <p:style>
+          <a:lnRef idx="2">
+            <a:schemeClr val="accent1">
+              <a:shade val="50000"/>
+            </a:schemeClr>
+          </a:lnRef>
+          <a:fillRef idx="1">
+            <a:schemeClr val="accent1"/>
+          </a:fillRef>
+          <a:effectRef idx="0">
+            <a:schemeClr val="accent1"/>
+          </a:effectRef>
+          <a:fontRef idx="minor">
+            <a:schemeClr val="lt1"/>
+          </a:fontRef>
+        </p:style>
+        <p:txBody>
+          <a:bodyPr rtlCol="0" anchor="ctr"/>
+          <a:lstStyle/>
+          <a:p>
+            <a:pPr algn="ctr"/>
+            <a:endParaRPr lang="en-US"/>
+          </a:p>
+        </p:txBody>
+      </p:sp>
+      <p:sp>
+        <p:nvSpPr>
+          <p:cNvPr id="27" name="Rectangle 26">
+            <a:extLst>
+              <a:ext uri="{FF2B5EF4-FFF2-40B4-BE49-F238E27FC236}">
+                <a16:creationId xmlns:a16="http://schemas.microsoft.com/office/drawing/2014/main" id="{A722B844-2995-4FC1-B5E6-2D5A0225B7D4}"/>
+              </a:ext>
+            </a:extLst>
+          </p:cNvPr>
+          <p:cNvSpPr/>
+          <p:nvPr/>
+        </p:nvSpPr>
+        <p:spPr>
+          <a:xfrm>
+            <a:off x="5957860" y="1687479"/>
+            <a:ext cx="559452" cy="273738"/>
+          </a:xfrm>
+          <a:prstGeom prst="rect">
+            <a:avLst/>
+          </a:prstGeom>
+          <a:noFill/>
+        </p:spPr>
+        <p:style>
+          <a:lnRef idx="2">
+            <a:schemeClr val="accent4">
+              <a:shade val="50000"/>
+            </a:schemeClr>
+          </a:lnRef>
+          <a:fillRef idx="1">
+            <a:schemeClr val="accent4"/>
+          </a:fillRef>
+          <a:effectRef idx="0">
+            <a:schemeClr val="accent4"/>
+          </a:effectRef>
+          <a:fontRef idx="minor">
+            <a:schemeClr val="lt1"/>
+          </a:fontRef>
+        </p:style>
+        <p:txBody>
+          <a:bodyPr rtlCol="0" anchor="ctr"/>
+          <a:lstStyle/>
+          <a:p>
+            <a:pPr algn="ctr"/>
+            <a:r>
+              <a:rPr lang="en-US" sz="1400" dirty="0">
+                <a:solidFill>
+                  <a:schemeClr val="tx1"/>
+                </a:solidFill>
+              </a:rPr>
+              <a:t>Wait  </a:t>
+            </a:r>
+          </a:p>
+        </p:txBody>
+      </p:sp>
+      <p:sp>
+        <p:nvSpPr>
+          <p:cNvPr id="28" name="Rectangle 27">
+            <a:extLst>
+              <a:ext uri="{FF2B5EF4-FFF2-40B4-BE49-F238E27FC236}">
+                <a16:creationId xmlns:a16="http://schemas.microsoft.com/office/drawing/2014/main" id="{E643013E-682F-4489-82A2-0BCD1B3C5E5A}"/>
+              </a:ext>
+            </a:extLst>
+          </p:cNvPr>
+          <p:cNvSpPr/>
+          <p:nvPr/>
+        </p:nvSpPr>
+        <p:spPr>
+          <a:xfrm>
+            <a:off x="6593057" y="1683883"/>
+            <a:ext cx="506886" cy="273738"/>
+          </a:xfrm>
+          <a:prstGeom prst="rect">
+            <a:avLst/>
+          </a:prstGeom>
+          <a:noFill/>
+        </p:spPr>
+        <p:style>
+          <a:lnRef idx="2">
+            <a:schemeClr val="accent4">
+              <a:shade val="50000"/>
+            </a:schemeClr>
+          </a:lnRef>
+          <a:fillRef idx="1">
+            <a:schemeClr val="accent4"/>
+          </a:fillRef>
+          <a:effectRef idx="0">
+            <a:schemeClr val="accent4"/>
+          </a:effectRef>
+          <a:fontRef idx="minor">
+            <a:schemeClr val="lt1"/>
+          </a:fontRef>
+        </p:style>
+        <p:txBody>
+          <a:bodyPr rtlCol="0" anchor="ctr"/>
+          <a:lstStyle/>
+          <a:p>
+            <a:pPr algn="ctr"/>
+            <a:r>
+              <a:rPr lang="en-US" sz="1600" dirty="0">
+                <a:solidFill>
+                  <a:schemeClr val="tx1"/>
+                </a:solidFill>
+              </a:rPr>
+              <a:t>  </a:t>
+            </a:r>
+          </a:p>
+        </p:txBody>
+      </p:sp>
+      <p:pic>
+        <p:nvPicPr>
+          <p:cNvPr id="29" name="Picture 2" descr="Plus - Free signs icons">
+            <a:extLst>
+              <a:ext uri="{FF2B5EF4-FFF2-40B4-BE49-F238E27FC236}">
+                <a16:creationId xmlns:a16="http://schemas.microsoft.com/office/drawing/2014/main" id="{B91E4301-2FF6-409D-A469-90E25CE25466}"/>
+              </a:ext>
+            </a:extLst>
+          </p:cNvPr>
+          <p:cNvPicPr>
+            <a:picLocks noChangeAspect="1" noChangeArrowheads="1"/>
+          </p:cNvPicPr>
+          <p:nvPr/>
+        </p:nvPicPr>
+        <p:blipFill>
+          <a:blip r:embed="rId2">
+            <a:extLst>
+              <a:ext uri="{28A0092B-C50C-407E-A947-70E740481C1C}">
+                <a14:useLocalDpi xmlns:a14="http://schemas.microsoft.com/office/drawing/2010/main" val="0"/>
+              </a:ext>
+            </a:extLst>
+          </a:blip>
+          <a:srcRect/>
+          <a:stretch>
+            <a:fillRect/>
+          </a:stretch>
+        </p:blipFill>
+        <p:spPr bwMode="auto">
+          <a:xfrm>
+            <a:off x="7281744" y="1505532"/>
+            <a:ext cx="243344" cy="243344"/>
+          </a:xfrm>
+          <a:prstGeom prst="rect">
+            <a:avLst/>
+          </a:prstGeom>
+          <a:noFill/>
+          <a:extLst>
+            <a:ext uri="{909E8E84-426E-40DD-AFC4-6F175D3DCCD1}">
+              <a14:hiddenFill xmlns:a14="http://schemas.microsoft.com/office/drawing/2010/main">
+                <a:solidFill>
+                  <a:srgbClr val="FFFFFF"/>
+                </a:solidFill>
+              </a14:hiddenFill>
+            </a:ext>
+          </a:extLst>
+        </p:spPr>
+      </p:pic>
+      <p:pic>
+        <p:nvPicPr>
+          <p:cNvPr id="31" name="Picture 4" descr="Minus - Free interface icons">
+            <a:extLst>
+              <a:ext uri="{FF2B5EF4-FFF2-40B4-BE49-F238E27FC236}">
+                <a16:creationId xmlns:a16="http://schemas.microsoft.com/office/drawing/2014/main" id="{CAD152EB-FBA2-448B-81A8-60EDC1D22A9A}"/>
+              </a:ext>
+            </a:extLst>
+          </p:cNvPr>
+          <p:cNvPicPr>
+            <a:picLocks noChangeAspect="1" noChangeArrowheads="1"/>
+          </p:cNvPicPr>
+          <p:nvPr/>
+        </p:nvPicPr>
+        <p:blipFill>
+          <a:blip r:embed="rId3">
+            <a:extLst>
+              <a:ext uri="{28A0092B-C50C-407E-A947-70E740481C1C}">
+                <a14:useLocalDpi xmlns:a14="http://schemas.microsoft.com/office/drawing/2010/main" val="0"/>
+              </a:ext>
+            </a:extLst>
+          </a:blip>
+          <a:srcRect/>
+          <a:stretch>
+            <a:fillRect/>
+          </a:stretch>
+        </p:blipFill>
+        <p:spPr bwMode="auto">
+          <a:xfrm>
+            <a:off x="7275124" y="1854231"/>
+            <a:ext cx="243344" cy="243344"/>
+          </a:xfrm>
+          <a:prstGeom prst="rect">
+            <a:avLst/>
+          </a:prstGeom>
+          <a:noFill/>
+          <a:extLst>
+            <a:ext uri="{909E8E84-426E-40DD-AFC4-6F175D3DCCD1}">
+              <a14:hiddenFill xmlns:a14="http://schemas.microsoft.com/office/drawing/2010/main">
+                <a:solidFill>
+                  <a:srgbClr val="FFFFFF"/>
+                </a:solidFill>
+              </a14:hiddenFill>
+            </a:ext>
+          </a:extLst>
+        </p:spPr>
+      </p:pic>
+      <p:sp>
+        <p:nvSpPr>
+          <p:cNvPr id="32" name="Arrow: Right 31">
+            <a:extLst>
+              <a:ext uri="{FF2B5EF4-FFF2-40B4-BE49-F238E27FC236}">
+                <a16:creationId xmlns:a16="http://schemas.microsoft.com/office/drawing/2014/main" id="{B7A7C956-7574-409D-9C91-4AD6A7F50B05}"/>
+              </a:ext>
+            </a:extLst>
+          </p:cNvPr>
+          <p:cNvSpPr/>
+          <p:nvPr/>
+        </p:nvSpPr>
+        <p:spPr>
+          <a:xfrm>
+            <a:off x="5625218" y="1705568"/>
+            <a:ext cx="204350" cy="196633"/>
+          </a:xfrm>
+          <a:prstGeom prst="rightArrow">
+            <a:avLst/>
+          </a:prstGeom>
+        </p:spPr>
+        <p:style>
+          <a:lnRef idx="2">
+            <a:schemeClr val="accent1">
+              <a:shade val="50000"/>
+            </a:schemeClr>
+          </a:lnRef>
+          <a:fillRef idx="1">
+            <a:schemeClr val="accent1"/>
+          </a:fillRef>
+          <a:effectRef idx="0">
+            <a:schemeClr val="accent1"/>
+          </a:effectRef>
+          <a:fontRef idx="minor">
+            <a:schemeClr val="lt1"/>
+          </a:fontRef>
+        </p:style>
+        <p:txBody>
+          <a:bodyPr rtlCol="0" anchor="ctr"/>
+          <a:lstStyle/>
+          <a:p>
+            <a:pPr algn="ctr"/>
+            <a:endParaRPr lang="en-US"/>
+          </a:p>
+        </p:txBody>
+      </p:sp>
+      <p:sp>
+        <p:nvSpPr>
+          <p:cNvPr id="33" name="Rectangle 32">
+            <a:extLst>
+              <a:ext uri="{FF2B5EF4-FFF2-40B4-BE49-F238E27FC236}">
+                <a16:creationId xmlns:a16="http://schemas.microsoft.com/office/drawing/2014/main" id="{CCCB5729-2658-4184-8678-A59A631C084D}"/>
+              </a:ext>
+            </a:extLst>
+          </p:cNvPr>
+          <p:cNvSpPr/>
+          <p:nvPr/>
+        </p:nvSpPr>
+        <p:spPr>
+          <a:xfrm>
+            <a:off x="3325922" y="2658769"/>
+            <a:ext cx="987515" cy="273738"/>
+          </a:xfrm>
+          <a:prstGeom prst="rect">
+            <a:avLst/>
+          </a:prstGeom>
+          <a:noFill/>
+        </p:spPr>
+        <p:style>
+          <a:lnRef idx="2">
+            <a:schemeClr val="accent4">
+              <a:shade val="50000"/>
+            </a:schemeClr>
+          </a:lnRef>
+          <a:fillRef idx="1">
+            <a:schemeClr val="accent4"/>
+          </a:fillRef>
+          <a:effectRef idx="0">
+            <a:schemeClr val="accent4"/>
+          </a:effectRef>
+          <a:fontRef idx="minor">
+            <a:schemeClr val="lt1"/>
+          </a:fontRef>
+        </p:style>
+        <p:txBody>
+          <a:bodyPr rtlCol="0" anchor="ctr"/>
+          <a:lstStyle/>
+          <a:p>
+            <a:pPr algn="ctr"/>
+            <a:r>
+              <a:rPr lang="en-US" sz="1400" dirty="0">
+                <a:solidFill>
+                  <a:schemeClr val="tx1"/>
+                </a:solidFill>
+              </a:rPr>
+              <a:t>Shake time  </a:t>
+            </a:r>
+          </a:p>
+        </p:txBody>
+      </p:sp>
+      <p:sp>
+        <p:nvSpPr>
+          <p:cNvPr id="34" name="Rectangle 33">
+            <a:extLst>
+              <a:ext uri="{FF2B5EF4-FFF2-40B4-BE49-F238E27FC236}">
+                <a16:creationId xmlns:a16="http://schemas.microsoft.com/office/drawing/2014/main" id="{840B9307-7241-4B2F-B9E8-52FCE81CF50A}"/>
+              </a:ext>
+            </a:extLst>
+          </p:cNvPr>
+          <p:cNvSpPr/>
+          <p:nvPr/>
+        </p:nvSpPr>
+        <p:spPr>
+          <a:xfrm>
+            <a:off x="4436820" y="2658700"/>
+            <a:ext cx="506886" cy="273738"/>
+          </a:xfrm>
+          <a:prstGeom prst="rect">
+            <a:avLst/>
+          </a:prstGeom>
+          <a:noFill/>
+        </p:spPr>
+        <p:style>
+          <a:lnRef idx="2">
+            <a:schemeClr val="accent4">
+              <a:shade val="50000"/>
+            </a:schemeClr>
+          </a:lnRef>
+          <a:fillRef idx="1">
+            <a:schemeClr val="accent4"/>
+          </a:fillRef>
+          <a:effectRef idx="0">
+            <a:schemeClr val="accent4"/>
+          </a:effectRef>
+          <a:fontRef idx="minor">
+            <a:schemeClr val="lt1"/>
+          </a:fontRef>
+        </p:style>
+        <p:txBody>
+          <a:bodyPr rtlCol="0" anchor="ctr"/>
+          <a:lstStyle/>
+          <a:p>
+            <a:pPr algn="ctr"/>
+            <a:r>
+              <a:rPr lang="en-US" sz="1600" dirty="0">
+                <a:solidFill>
+                  <a:schemeClr val="tx1"/>
+                </a:solidFill>
+              </a:rPr>
+              <a:t>  </a:t>
+            </a:r>
+          </a:p>
+        </p:txBody>
+      </p:sp>
+      <p:pic>
+        <p:nvPicPr>
+          <p:cNvPr id="35" name="Picture 2" descr="Plus - Free signs icons">
+            <a:extLst>
+              <a:ext uri="{FF2B5EF4-FFF2-40B4-BE49-F238E27FC236}">
+                <a16:creationId xmlns:a16="http://schemas.microsoft.com/office/drawing/2014/main" id="{14C862C1-6353-4933-A33B-7FB578EDF74B}"/>
+              </a:ext>
+            </a:extLst>
+          </p:cNvPr>
+          <p:cNvPicPr>
+            <a:picLocks noChangeAspect="1" noChangeArrowheads="1"/>
+          </p:cNvPicPr>
+          <p:nvPr/>
+        </p:nvPicPr>
+        <p:blipFill>
+          <a:blip r:embed="rId2">
+            <a:extLst>
+              <a:ext uri="{28A0092B-C50C-407E-A947-70E740481C1C}">
+                <a14:useLocalDpi xmlns:a14="http://schemas.microsoft.com/office/drawing/2010/main" val="0"/>
+              </a:ext>
+            </a:extLst>
+          </a:blip>
+          <a:srcRect/>
+          <a:stretch>
+            <a:fillRect/>
+          </a:stretch>
+        </p:blipFill>
+        <p:spPr bwMode="auto">
+          <a:xfrm>
+            <a:off x="5125507" y="2480349"/>
+            <a:ext cx="243344" cy="243344"/>
+          </a:xfrm>
+          <a:prstGeom prst="rect">
+            <a:avLst/>
+          </a:prstGeom>
+          <a:noFill/>
+          <a:extLst>
+            <a:ext uri="{909E8E84-426E-40DD-AFC4-6F175D3DCCD1}">
+              <a14:hiddenFill xmlns:a14="http://schemas.microsoft.com/office/drawing/2010/main">
+                <a:solidFill>
+                  <a:srgbClr val="FFFFFF"/>
+                </a:solidFill>
+              </a14:hiddenFill>
+            </a:ext>
+          </a:extLst>
+        </p:spPr>
+      </p:pic>
+      <p:pic>
+        <p:nvPicPr>
+          <p:cNvPr id="36" name="Picture 4" descr="Minus - Free interface icons">
+            <a:extLst>
+              <a:ext uri="{FF2B5EF4-FFF2-40B4-BE49-F238E27FC236}">
+                <a16:creationId xmlns:a16="http://schemas.microsoft.com/office/drawing/2014/main" id="{F66A737C-5533-4A42-B410-05E1336AF4B6}"/>
+              </a:ext>
+            </a:extLst>
+          </p:cNvPr>
+          <p:cNvPicPr>
+            <a:picLocks noChangeAspect="1" noChangeArrowheads="1"/>
+          </p:cNvPicPr>
+          <p:nvPr/>
+        </p:nvPicPr>
+        <p:blipFill>
+          <a:blip r:embed="rId3">
+            <a:extLst>
+              <a:ext uri="{28A0092B-C50C-407E-A947-70E740481C1C}">
+                <a14:useLocalDpi xmlns:a14="http://schemas.microsoft.com/office/drawing/2010/main" val="0"/>
+              </a:ext>
+            </a:extLst>
+          </a:blip>
+          <a:srcRect/>
+          <a:stretch>
+            <a:fillRect/>
+          </a:stretch>
+        </p:blipFill>
+        <p:spPr bwMode="auto">
+          <a:xfrm>
+            <a:off x="5118887" y="2829048"/>
+            <a:ext cx="243344" cy="243344"/>
+          </a:xfrm>
+          <a:prstGeom prst="rect">
+            <a:avLst/>
+          </a:prstGeom>
+          <a:noFill/>
+          <a:extLst>
+            <a:ext uri="{909E8E84-426E-40DD-AFC4-6F175D3DCCD1}">
+              <a14:hiddenFill xmlns:a14="http://schemas.microsoft.com/office/drawing/2010/main">
+                <a:solidFill>
+                  <a:srgbClr val="FFFFFF"/>
+                </a:solidFill>
+              </a14:hiddenFill>
+            </a:ext>
+          </a:extLst>
+        </p:spPr>
+      </p:pic>
+      <p:sp>
+        <p:nvSpPr>
+          <p:cNvPr id="37" name="Arrow: Right 36">
+            <a:extLst>
+              <a:ext uri="{FF2B5EF4-FFF2-40B4-BE49-F238E27FC236}">
+                <a16:creationId xmlns:a16="http://schemas.microsoft.com/office/drawing/2014/main" id="{8A35E329-791B-4CFD-8D0C-733BEECDC741}"/>
+              </a:ext>
+            </a:extLst>
+          </p:cNvPr>
+          <p:cNvSpPr/>
+          <p:nvPr/>
+        </p:nvSpPr>
+        <p:spPr>
+          <a:xfrm>
+            <a:off x="951560" y="2709478"/>
+            <a:ext cx="204350" cy="196633"/>
+          </a:xfrm>
+          <a:prstGeom prst="rightArrow">
+            <a:avLst/>
+          </a:prstGeom>
+        </p:spPr>
+        <p:style>
+          <a:lnRef idx="2">
+            <a:schemeClr val="accent1">
+              <a:shade val="50000"/>
+            </a:schemeClr>
+          </a:lnRef>
+          <a:fillRef idx="1">
+            <a:schemeClr val="accent1"/>
+          </a:fillRef>
+          <a:effectRef idx="0">
+            <a:schemeClr val="accent1"/>
+          </a:effectRef>
+          <a:fontRef idx="minor">
+            <a:schemeClr val="lt1"/>
+          </a:fontRef>
+        </p:style>
+        <p:txBody>
+          <a:bodyPr rtlCol="0" anchor="ctr"/>
+          <a:lstStyle/>
+          <a:p>
+            <a:pPr algn="ctr"/>
+            <a:endParaRPr lang="en-US"/>
+          </a:p>
+        </p:txBody>
+      </p:sp>
+      <p:sp>
+        <p:nvSpPr>
+          <p:cNvPr id="39" name="Rectangle 38">
+            <a:extLst>
+              <a:ext uri="{FF2B5EF4-FFF2-40B4-BE49-F238E27FC236}">
+                <a16:creationId xmlns:a16="http://schemas.microsoft.com/office/drawing/2014/main" id="{DBA08F27-E928-4E84-8A91-BC9CD39FC0F7}"/>
+              </a:ext>
+            </a:extLst>
+          </p:cNvPr>
+          <p:cNvSpPr/>
+          <p:nvPr/>
+        </p:nvSpPr>
+        <p:spPr>
+          <a:xfrm>
+            <a:off x="1219753" y="2679881"/>
+            <a:ext cx="696572" cy="273738"/>
+          </a:xfrm>
+          <a:prstGeom prst="rect">
+            <a:avLst/>
+          </a:prstGeom>
+          <a:noFill/>
+        </p:spPr>
+        <p:style>
+          <a:lnRef idx="2">
+            <a:schemeClr val="accent4">
+              <a:shade val="50000"/>
+            </a:schemeClr>
+          </a:lnRef>
+          <a:fillRef idx="1">
+            <a:schemeClr val="accent4"/>
+          </a:fillRef>
+          <a:effectRef idx="0">
+            <a:schemeClr val="accent4"/>
+          </a:effectRef>
+          <a:fontRef idx="minor">
+            <a:schemeClr val="lt1"/>
+          </a:fontRef>
+        </p:style>
+        <p:txBody>
+          <a:bodyPr rtlCol="0" anchor="ctr"/>
+          <a:lstStyle/>
+          <a:p>
+            <a:pPr algn="ctr"/>
+            <a:r>
+              <a:rPr lang="en-US" sz="1400" dirty="0">
+                <a:solidFill>
+                  <a:schemeClr val="tx1"/>
+                </a:solidFill>
+              </a:rPr>
+              <a:t>wait</a:t>
+            </a:r>
+          </a:p>
+        </p:txBody>
+      </p:sp>
+      <p:sp>
+        <p:nvSpPr>
+          <p:cNvPr id="40" name="Rectangle 39">
+            <a:extLst>
+              <a:ext uri="{FF2B5EF4-FFF2-40B4-BE49-F238E27FC236}">
+                <a16:creationId xmlns:a16="http://schemas.microsoft.com/office/drawing/2014/main" id="{52472898-E182-4890-9AD3-2F5BF864A9C5}"/>
+              </a:ext>
+            </a:extLst>
+          </p:cNvPr>
+          <p:cNvSpPr/>
+          <p:nvPr/>
+        </p:nvSpPr>
+        <p:spPr>
+          <a:xfrm>
+            <a:off x="1986185" y="2685258"/>
+            <a:ext cx="506886" cy="273738"/>
+          </a:xfrm>
+          <a:prstGeom prst="rect">
+            <a:avLst/>
+          </a:prstGeom>
+          <a:noFill/>
+        </p:spPr>
+        <p:style>
+          <a:lnRef idx="2">
+            <a:schemeClr val="accent4">
+              <a:shade val="50000"/>
+            </a:schemeClr>
+          </a:lnRef>
+          <a:fillRef idx="1">
+            <a:schemeClr val="accent4"/>
+          </a:fillRef>
+          <a:effectRef idx="0">
+            <a:schemeClr val="accent4"/>
+          </a:effectRef>
+          <a:fontRef idx="minor">
+            <a:schemeClr val="lt1"/>
+          </a:fontRef>
+        </p:style>
+        <p:txBody>
+          <a:bodyPr rtlCol="0" anchor="ctr"/>
+          <a:lstStyle/>
+          <a:p>
+            <a:pPr algn="ctr"/>
+            <a:r>
+              <a:rPr lang="en-US" sz="1600" dirty="0">
+                <a:solidFill>
+                  <a:schemeClr val="tx1"/>
+                </a:solidFill>
+              </a:rPr>
+              <a:t>  </a:t>
+            </a:r>
+          </a:p>
+        </p:txBody>
+      </p:sp>
+      <p:pic>
+        <p:nvPicPr>
+          <p:cNvPr id="41" name="Picture 2" descr="Plus - Free signs icons">
+            <a:extLst>
+              <a:ext uri="{FF2B5EF4-FFF2-40B4-BE49-F238E27FC236}">
+                <a16:creationId xmlns:a16="http://schemas.microsoft.com/office/drawing/2014/main" id="{1FBD5189-123C-4CCF-8216-F68920B34FC2}"/>
+              </a:ext>
+            </a:extLst>
+          </p:cNvPr>
+          <p:cNvPicPr>
+            <a:picLocks noChangeAspect="1" noChangeArrowheads="1"/>
+          </p:cNvPicPr>
+          <p:nvPr/>
+        </p:nvPicPr>
+        <p:blipFill>
+          <a:blip r:embed="rId2">
+            <a:extLst>
+              <a:ext uri="{28A0092B-C50C-407E-A947-70E740481C1C}">
+                <a14:useLocalDpi xmlns:a14="http://schemas.microsoft.com/office/drawing/2010/main" val="0"/>
+              </a:ext>
+            </a:extLst>
+          </a:blip>
+          <a:srcRect/>
+          <a:stretch>
+            <a:fillRect/>
+          </a:stretch>
+        </p:blipFill>
+        <p:spPr bwMode="auto">
+          <a:xfrm>
+            <a:off x="2674872" y="2506907"/>
+            <a:ext cx="243344" cy="243344"/>
+          </a:xfrm>
+          <a:prstGeom prst="rect">
+            <a:avLst/>
+          </a:prstGeom>
+          <a:noFill/>
+          <a:extLst>
+            <a:ext uri="{909E8E84-426E-40DD-AFC4-6F175D3DCCD1}">
+              <a14:hiddenFill xmlns:a14="http://schemas.microsoft.com/office/drawing/2010/main">
+                <a:solidFill>
+                  <a:srgbClr val="FFFFFF"/>
+                </a:solidFill>
+              </a14:hiddenFill>
+            </a:ext>
+          </a:extLst>
+        </p:spPr>
+      </p:pic>
+      <p:pic>
+        <p:nvPicPr>
+          <p:cNvPr id="42" name="Picture 4" descr="Minus - Free interface icons">
+            <a:extLst>
+              <a:ext uri="{FF2B5EF4-FFF2-40B4-BE49-F238E27FC236}">
+                <a16:creationId xmlns:a16="http://schemas.microsoft.com/office/drawing/2014/main" id="{4AF57B7B-51A8-4F7B-B9F4-564085C0C320}"/>
+              </a:ext>
+            </a:extLst>
+          </p:cNvPr>
+          <p:cNvPicPr>
+            <a:picLocks noChangeAspect="1" noChangeArrowheads="1"/>
+          </p:cNvPicPr>
+          <p:nvPr/>
+        </p:nvPicPr>
+        <p:blipFill>
+          <a:blip r:embed="rId3">
+            <a:extLst>
+              <a:ext uri="{28A0092B-C50C-407E-A947-70E740481C1C}">
+                <a14:useLocalDpi xmlns:a14="http://schemas.microsoft.com/office/drawing/2010/main" val="0"/>
+              </a:ext>
+            </a:extLst>
+          </a:blip>
+          <a:srcRect/>
+          <a:stretch>
+            <a:fillRect/>
+          </a:stretch>
+        </p:blipFill>
+        <p:spPr bwMode="auto">
+          <a:xfrm>
+            <a:off x="2668252" y="2855606"/>
+            <a:ext cx="243344" cy="243344"/>
+          </a:xfrm>
+          <a:prstGeom prst="rect">
+            <a:avLst/>
+          </a:prstGeom>
+          <a:noFill/>
+          <a:extLst>
+            <a:ext uri="{909E8E84-426E-40DD-AFC4-6F175D3DCCD1}">
+              <a14:hiddenFill xmlns:a14="http://schemas.microsoft.com/office/drawing/2010/main">
+                <a:solidFill>
+                  <a:srgbClr val="FFFFFF"/>
+                </a:solidFill>
+              </a14:hiddenFill>
+            </a:ext>
+          </a:extLst>
+        </p:spPr>
+      </p:pic>
+      <p:sp>
+        <p:nvSpPr>
+          <p:cNvPr id="43" name="Arrow: Right 42">
+            <a:extLst>
+              <a:ext uri="{FF2B5EF4-FFF2-40B4-BE49-F238E27FC236}">
+                <a16:creationId xmlns:a16="http://schemas.microsoft.com/office/drawing/2014/main" id="{63A537B7-840E-4809-ADA9-6AB7C6736B8F}"/>
+              </a:ext>
+            </a:extLst>
+          </p:cNvPr>
+          <p:cNvSpPr/>
+          <p:nvPr/>
+        </p:nvSpPr>
+        <p:spPr>
+          <a:xfrm>
+            <a:off x="2986576" y="2719121"/>
+            <a:ext cx="204350" cy="196633"/>
+          </a:xfrm>
+          <a:prstGeom prst="rightArrow">
+            <a:avLst/>
+          </a:prstGeom>
+        </p:spPr>
+        <p:style>
+          <a:lnRef idx="2">
+            <a:schemeClr val="accent1">
+              <a:shade val="50000"/>
+            </a:schemeClr>
+          </a:lnRef>
+          <a:fillRef idx="1">
+            <a:schemeClr val="accent1"/>
+          </a:fillRef>
+          <a:effectRef idx="0">
+            <a:schemeClr val="accent1"/>
+          </a:effectRef>
+          <a:fontRef idx="minor">
+            <a:schemeClr val="lt1"/>
+          </a:fontRef>
+        </p:style>
+        <p:txBody>
+          <a:bodyPr rtlCol="0" anchor="ctr"/>
+          <a:lstStyle/>
+          <a:p>
+            <a:pPr algn="ctr"/>
+            <a:endParaRPr lang="en-US"/>
+          </a:p>
+        </p:txBody>
+      </p:sp>
+      <p:sp>
+        <p:nvSpPr>
+          <p:cNvPr id="44" name="Rectangle 43">
+            <a:extLst>
+              <a:ext uri="{FF2B5EF4-FFF2-40B4-BE49-F238E27FC236}">
+                <a16:creationId xmlns:a16="http://schemas.microsoft.com/office/drawing/2014/main" id="{DED5C515-6D09-4B10-A4F2-08789BB7D348}"/>
+              </a:ext>
+            </a:extLst>
+          </p:cNvPr>
+          <p:cNvSpPr/>
+          <p:nvPr/>
+        </p:nvSpPr>
+        <p:spPr>
+          <a:xfrm>
+            <a:off x="3793319" y="3647182"/>
+            <a:ext cx="987515" cy="273738"/>
+          </a:xfrm>
+          <a:prstGeom prst="rect">
+            <a:avLst/>
+          </a:prstGeom>
+          <a:noFill/>
+        </p:spPr>
+        <p:style>
+          <a:lnRef idx="2">
+            <a:schemeClr val="accent4">
+              <a:shade val="50000"/>
+            </a:schemeClr>
+          </a:lnRef>
+          <a:fillRef idx="1">
+            <a:schemeClr val="accent4"/>
+          </a:fillRef>
+          <a:effectRef idx="0">
+            <a:schemeClr val="accent4"/>
+          </a:effectRef>
+          <a:fontRef idx="minor">
+            <a:schemeClr val="lt1"/>
+          </a:fontRef>
+        </p:style>
+        <p:txBody>
+          <a:bodyPr rtlCol="0" anchor="ctr"/>
+          <a:lstStyle/>
+          <a:p>
+            <a:pPr algn="ctr"/>
+            <a:r>
+              <a:rPr lang="en-US" sz="1400" dirty="0">
+                <a:solidFill>
+                  <a:schemeClr val="tx1"/>
+                </a:solidFill>
+              </a:rPr>
+              <a:t>wait</a:t>
+            </a:r>
+          </a:p>
+        </p:txBody>
+      </p:sp>
+      <p:sp>
+        <p:nvSpPr>
+          <p:cNvPr id="45" name="Rectangle 44">
+            <a:extLst>
+              <a:ext uri="{FF2B5EF4-FFF2-40B4-BE49-F238E27FC236}">
+                <a16:creationId xmlns:a16="http://schemas.microsoft.com/office/drawing/2014/main" id="{46F4099C-E561-477D-B072-FB2E5066BB77}"/>
+              </a:ext>
+            </a:extLst>
+          </p:cNvPr>
+          <p:cNvSpPr/>
+          <p:nvPr/>
+        </p:nvSpPr>
+        <p:spPr>
+          <a:xfrm>
+            <a:off x="4904217" y="3647113"/>
+            <a:ext cx="506886" cy="273738"/>
+          </a:xfrm>
+          <a:prstGeom prst="rect">
+            <a:avLst/>
+          </a:prstGeom>
+          <a:noFill/>
+        </p:spPr>
+        <p:style>
+          <a:lnRef idx="2">
+            <a:schemeClr val="accent4">
+              <a:shade val="50000"/>
+            </a:schemeClr>
+          </a:lnRef>
+          <a:fillRef idx="1">
+            <a:schemeClr val="accent4"/>
+          </a:fillRef>
+          <a:effectRef idx="0">
+            <a:schemeClr val="accent4"/>
+          </a:effectRef>
+          <a:fontRef idx="minor">
+            <a:schemeClr val="lt1"/>
+          </a:fontRef>
+        </p:style>
+        <p:txBody>
+          <a:bodyPr rtlCol="0" anchor="ctr"/>
+          <a:lstStyle/>
+          <a:p>
+            <a:pPr algn="ctr"/>
+            <a:r>
+              <a:rPr lang="en-US" sz="1600" dirty="0">
+                <a:solidFill>
+                  <a:schemeClr val="tx1"/>
+                </a:solidFill>
+              </a:rPr>
+              <a:t>  </a:t>
+            </a:r>
+          </a:p>
+        </p:txBody>
+      </p:sp>
+      <p:pic>
+        <p:nvPicPr>
+          <p:cNvPr id="46" name="Picture 2" descr="Plus - Free signs icons">
+            <a:extLst>
+              <a:ext uri="{FF2B5EF4-FFF2-40B4-BE49-F238E27FC236}">
+                <a16:creationId xmlns:a16="http://schemas.microsoft.com/office/drawing/2014/main" id="{E6378748-8894-4868-9AAE-AE779F5E73DE}"/>
+              </a:ext>
+            </a:extLst>
+          </p:cNvPr>
+          <p:cNvPicPr>
+            <a:picLocks noChangeAspect="1" noChangeArrowheads="1"/>
+          </p:cNvPicPr>
+          <p:nvPr/>
+        </p:nvPicPr>
+        <p:blipFill>
+          <a:blip r:embed="rId2">
+            <a:extLst>
+              <a:ext uri="{28A0092B-C50C-407E-A947-70E740481C1C}">
+                <a14:useLocalDpi xmlns:a14="http://schemas.microsoft.com/office/drawing/2010/main" val="0"/>
+              </a:ext>
+            </a:extLst>
+          </a:blip>
+          <a:srcRect/>
+          <a:stretch>
+            <a:fillRect/>
+          </a:stretch>
+        </p:blipFill>
+        <p:spPr bwMode="auto">
+          <a:xfrm>
+            <a:off x="5592904" y="3468762"/>
+            <a:ext cx="243344" cy="243344"/>
+          </a:xfrm>
+          <a:prstGeom prst="rect">
+            <a:avLst/>
+          </a:prstGeom>
+          <a:noFill/>
+          <a:extLst>
+            <a:ext uri="{909E8E84-426E-40DD-AFC4-6F175D3DCCD1}">
+              <a14:hiddenFill xmlns:a14="http://schemas.microsoft.com/office/drawing/2010/main">
+                <a:solidFill>
+                  <a:srgbClr val="FFFFFF"/>
+                </a:solidFill>
+              </a14:hiddenFill>
+            </a:ext>
+          </a:extLst>
+        </p:spPr>
+      </p:pic>
+      <p:pic>
+        <p:nvPicPr>
+          <p:cNvPr id="47" name="Picture 4" descr="Minus - Free interface icons">
+            <a:extLst>
+              <a:ext uri="{FF2B5EF4-FFF2-40B4-BE49-F238E27FC236}">
+                <a16:creationId xmlns:a16="http://schemas.microsoft.com/office/drawing/2014/main" id="{28240B89-24CB-42D0-8DF9-54995322AB52}"/>
+              </a:ext>
+            </a:extLst>
+          </p:cNvPr>
+          <p:cNvPicPr>
+            <a:picLocks noChangeAspect="1" noChangeArrowheads="1"/>
+          </p:cNvPicPr>
+          <p:nvPr/>
+        </p:nvPicPr>
+        <p:blipFill>
+          <a:blip r:embed="rId3">
+            <a:extLst>
+              <a:ext uri="{28A0092B-C50C-407E-A947-70E740481C1C}">
+                <a14:useLocalDpi xmlns:a14="http://schemas.microsoft.com/office/drawing/2010/main" val="0"/>
+              </a:ext>
+            </a:extLst>
+          </a:blip>
+          <a:srcRect/>
+          <a:stretch>
+            <a:fillRect/>
+          </a:stretch>
+        </p:blipFill>
+        <p:spPr bwMode="auto">
+          <a:xfrm>
+            <a:off x="5586284" y="3817461"/>
+            <a:ext cx="243344" cy="243344"/>
+          </a:xfrm>
+          <a:prstGeom prst="rect">
+            <a:avLst/>
+          </a:prstGeom>
+          <a:noFill/>
+          <a:extLst>
+            <a:ext uri="{909E8E84-426E-40DD-AFC4-6F175D3DCCD1}">
+              <a14:hiddenFill xmlns:a14="http://schemas.microsoft.com/office/drawing/2010/main">
+                <a:solidFill>
+                  <a:srgbClr val="FFFFFF"/>
+                </a:solidFill>
+              </a14:hiddenFill>
+            </a:ext>
+          </a:extLst>
+        </p:spPr>
+      </p:pic>
+      <p:sp>
+        <p:nvSpPr>
+          <p:cNvPr id="48" name="Arrow: Right 47">
+            <a:extLst>
+              <a:ext uri="{FF2B5EF4-FFF2-40B4-BE49-F238E27FC236}">
+                <a16:creationId xmlns:a16="http://schemas.microsoft.com/office/drawing/2014/main" id="{9528B7B5-7D67-40CD-941D-A150B1FD01B0}"/>
+              </a:ext>
+            </a:extLst>
+          </p:cNvPr>
+          <p:cNvSpPr/>
+          <p:nvPr/>
+        </p:nvSpPr>
+        <p:spPr>
+          <a:xfrm>
+            <a:off x="3460678" y="3665271"/>
+            <a:ext cx="204350" cy="196633"/>
+          </a:xfrm>
+          <a:prstGeom prst="rightArrow">
+            <a:avLst/>
+          </a:prstGeom>
+        </p:spPr>
+        <p:style>
+          <a:lnRef idx="2">
+            <a:schemeClr val="accent1">
+              <a:shade val="50000"/>
+            </a:schemeClr>
+          </a:lnRef>
+          <a:fillRef idx="1">
+            <a:schemeClr val="accent1"/>
+          </a:fillRef>
+          <a:effectRef idx="0">
+            <a:schemeClr val="accent1"/>
+          </a:effectRef>
+          <a:fontRef idx="minor">
+            <a:schemeClr val="lt1"/>
+          </a:fontRef>
+        </p:style>
+        <p:txBody>
+          <a:bodyPr rtlCol="0" anchor="ctr"/>
+          <a:lstStyle/>
+          <a:p>
+            <a:pPr algn="ctr"/>
+            <a:endParaRPr lang="en-US"/>
+          </a:p>
+        </p:txBody>
+      </p:sp>
+      <p:sp>
+        <p:nvSpPr>
+          <p:cNvPr id="49" name="Rectangle 48">
+            <a:extLst>
+              <a:ext uri="{FF2B5EF4-FFF2-40B4-BE49-F238E27FC236}">
+                <a16:creationId xmlns:a16="http://schemas.microsoft.com/office/drawing/2014/main" id="{C78C720D-183E-4776-9F5B-F4F199272041}"/>
+              </a:ext>
+            </a:extLst>
+          </p:cNvPr>
+          <p:cNvSpPr/>
+          <p:nvPr/>
+        </p:nvSpPr>
+        <p:spPr>
+          <a:xfrm>
+            <a:off x="731350" y="3644383"/>
+            <a:ext cx="1201566" cy="273738"/>
+          </a:xfrm>
+          <a:prstGeom prst="rect">
+            <a:avLst/>
+          </a:prstGeom>
+          <a:noFill/>
+        </p:spPr>
+        <p:style>
+          <a:lnRef idx="2">
+            <a:schemeClr val="accent4">
+              <a:shade val="50000"/>
+            </a:schemeClr>
+          </a:lnRef>
+          <a:fillRef idx="1">
+            <a:schemeClr val="accent4"/>
+          </a:fillRef>
+          <a:effectRef idx="0">
+            <a:schemeClr val="accent4"/>
+          </a:effectRef>
+          <a:fontRef idx="minor">
+            <a:schemeClr val="lt1"/>
+          </a:fontRef>
+        </p:style>
+        <p:txBody>
+          <a:bodyPr rtlCol="0" anchor="ctr"/>
+          <a:lstStyle/>
+          <a:p>
+            <a:pPr algn="ctr"/>
+            <a:r>
+              <a:rPr lang="en-US" sz="1400" dirty="0">
+                <a:solidFill>
+                  <a:schemeClr val="tx1"/>
+                </a:solidFill>
+              </a:rPr>
+              <a:t>Move z-&gt; top</a:t>
+            </a:r>
+          </a:p>
+        </p:txBody>
+      </p:sp>
+      <p:sp>
+        <p:nvSpPr>
+          <p:cNvPr id="54" name="Arrow: Right 53">
+            <a:extLst>
+              <a:ext uri="{FF2B5EF4-FFF2-40B4-BE49-F238E27FC236}">
+                <a16:creationId xmlns:a16="http://schemas.microsoft.com/office/drawing/2014/main" id="{4CBB62B8-5076-44F1-BEC1-EDD7FE3B7A4A}"/>
+              </a:ext>
+            </a:extLst>
+          </p:cNvPr>
+          <p:cNvSpPr/>
+          <p:nvPr/>
+        </p:nvSpPr>
+        <p:spPr>
+          <a:xfrm>
+            <a:off x="398709" y="3662472"/>
+            <a:ext cx="204350" cy="196633"/>
+          </a:xfrm>
+          <a:prstGeom prst="rightArrow">
+            <a:avLst/>
+          </a:prstGeom>
+        </p:spPr>
+        <p:style>
+          <a:lnRef idx="2">
+            <a:schemeClr val="accent1">
+              <a:shade val="50000"/>
+            </a:schemeClr>
+          </a:lnRef>
+          <a:fillRef idx="1">
+            <a:schemeClr val="accent1"/>
+          </a:fillRef>
+          <a:effectRef idx="0">
+            <a:schemeClr val="accent1"/>
+          </a:effectRef>
+          <a:fontRef idx="minor">
+            <a:schemeClr val="lt1"/>
+          </a:fontRef>
+        </p:style>
+        <p:txBody>
+          <a:bodyPr rtlCol="0" anchor="ctr"/>
+          <a:lstStyle/>
+          <a:p>
+            <a:pPr algn="ctr"/>
+            <a:endParaRPr lang="en-US"/>
+          </a:p>
+        </p:txBody>
+      </p:sp>
+      <p:sp>
+        <p:nvSpPr>
+          <p:cNvPr id="55" name="Rectangle 54">
+            <a:extLst>
+              <a:ext uri="{FF2B5EF4-FFF2-40B4-BE49-F238E27FC236}">
+                <a16:creationId xmlns:a16="http://schemas.microsoft.com/office/drawing/2014/main" id="{A707454D-8831-4254-8B47-33A8E071F0C0}"/>
+              </a:ext>
+            </a:extLst>
+          </p:cNvPr>
+          <p:cNvSpPr/>
+          <p:nvPr/>
+        </p:nvSpPr>
+        <p:spPr>
+          <a:xfrm>
+            <a:off x="6418090" y="3647113"/>
+            <a:ext cx="886462" cy="273738"/>
+          </a:xfrm>
+          <a:prstGeom prst="rect">
+            <a:avLst/>
+          </a:prstGeom>
+          <a:noFill/>
+        </p:spPr>
+        <p:style>
+          <a:lnRef idx="2">
+            <a:schemeClr val="accent4">
+              <a:shade val="50000"/>
+            </a:schemeClr>
+          </a:lnRef>
+          <a:fillRef idx="1">
+            <a:schemeClr val="accent4"/>
+          </a:fillRef>
+          <a:effectRef idx="0">
+            <a:schemeClr val="accent4"/>
+          </a:effectRef>
+          <a:fontRef idx="minor">
+            <a:schemeClr val="lt1"/>
+          </a:fontRef>
+        </p:style>
+        <p:txBody>
+          <a:bodyPr rtlCol="0" anchor="ctr"/>
+          <a:lstStyle/>
+          <a:p>
+            <a:pPr algn="ctr"/>
+            <a:r>
+              <a:rPr lang="en-US" sz="1400" dirty="0">
+                <a:solidFill>
+                  <a:schemeClr val="tx1"/>
+                </a:solidFill>
+              </a:rPr>
+              <a:t>END STEP</a:t>
+            </a:r>
+          </a:p>
+        </p:txBody>
+      </p:sp>
+      <p:sp>
+        <p:nvSpPr>
+          <p:cNvPr id="56" name="Arrow: Right 55">
+            <a:extLst>
+              <a:ext uri="{FF2B5EF4-FFF2-40B4-BE49-F238E27FC236}">
+                <a16:creationId xmlns:a16="http://schemas.microsoft.com/office/drawing/2014/main" id="{04E87706-60F9-49F4-8311-6A8CADADA0AA}"/>
+              </a:ext>
+            </a:extLst>
+          </p:cNvPr>
+          <p:cNvSpPr/>
+          <p:nvPr/>
+        </p:nvSpPr>
+        <p:spPr>
+          <a:xfrm>
+            <a:off x="6085449" y="3665202"/>
+            <a:ext cx="204350" cy="196633"/>
+          </a:xfrm>
+          <a:prstGeom prst="rightArrow">
+            <a:avLst/>
+          </a:prstGeom>
+        </p:spPr>
+        <p:style>
+          <a:lnRef idx="2">
+            <a:schemeClr val="accent1">
+              <a:shade val="50000"/>
+            </a:schemeClr>
+          </a:lnRef>
+          <a:fillRef idx="1">
+            <a:schemeClr val="accent1"/>
+          </a:fillRef>
+          <a:effectRef idx="0">
+            <a:schemeClr val="accent1"/>
+          </a:effectRef>
+          <a:fontRef idx="minor">
+            <a:schemeClr val="lt1"/>
+          </a:fontRef>
+        </p:style>
+        <p:txBody>
+          <a:bodyPr rtlCol="0" anchor="ctr"/>
+          <a:lstStyle/>
+          <a:p>
+            <a:pPr algn="ctr"/>
+            <a:endParaRPr lang="en-US"/>
+          </a:p>
+        </p:txBody>
+      </p:sp>
+      <p:sp>
+        <p:nvSpPr>
+          <p:cNvPr id="50" name="Rectangle 49">
+            <a:extLst>
+              <a:ext uri="{FF2B5EF4-FFF2-40B4-BE49-F238E27FC236}">
+                <a16:creationId xmlns:a16="http://schemas.microsoft.com/office/drawing/2014/main" id="{E48A7F18-E776-46A5-AA28-582C2DC45203}"/>
+              </a:ext>
+            </a:extLst>
+          </p:cNvPr>
+          <p:cNvSpPr/>
+          <p:nvPr/>
+        </p:nvSpPr>
+        <p:spPr>
+          <a:xfrm>
+            <a:off x="111944" y="2542337"/>
+            <a:ext cx="800434" cy="522086"/>
+          </a:xfrm>
+          <a:prstGeom prst="rect">
+            <a:avLst/>
+          </a:prstGeom>
+          <a:noFill/>
+        </p:spPr>
+        <p:style>
+          <a:lnRef idx="2">
+            <a:schemeClr val="accent4">
+              <a:shade val="50000"/>
+            </a:schemeClr>
+          </a:lnRef>
+          <a:fillRef idx="1">
+            <a:schemeClr val="accent4"/>
+          </a:fillRef>
+          <a:effectRef idx="0">
+            <a:schemeClr val="accent4"/>
+          </a:effectRef>
+          <a:fontRef idx="minor">
+            <a:schemeClr val="lt1"/>
+          </a:fontRef>
+        </p:style>
+        <p:txBody>
+          <a:bodyPr rtlCol="0" anchor="ctr"/>
+          <a:lstStyle/>
+          <a:p>
+            <a:pPr algn="ctr"/>
+            <a:r>
+              <a:rPr lang="en-US" sz="1200" dirty="0">
+                <a:solidFill>
+                  <a:schemeClr val="tx1"/>
+                </a:solidFill>
+              </a:rPr>
+              <a:t>Fill washing  solution</a:t>
+            </a:r>
+          </a:p>
+        </p:txBody>
+      </p:sp>
+      <p:sp>
+        <p:nvSpPr>
+          <p:cNvPr id="51" name="Arrow: Right 50">
+            <a:extLst>
+              <a:ext uri="{FF2B5EF4-FFF2-40B4-BE49-F238E27FC236}">
+                <a16:creationId xmlns:a16="http://schemas.microsoft.com/office/drawing/2014/main" id="{A5B6A1AA-DEB8-4347-B08A-948E2A5EDED4}"/>
+              </a:ext>
+            </a:extLst>
+          </p:cNvPr>
+          <p:cNvSpPr/>
+          <p:nvPr/>
+        </p:nvSpPr>
+        <p:spPr>
+          <a:xfrm>
+            <a:off x="5487565" y="2672183"/>
+            <a:ext cx="204350" cy="196633"/>
+          </a:xfrm>
+          <a:prstGeom prst="rightArrow">
+            <a:avLst/>
+          </a:prstGeom>
+        </p:spPr>
+        <p:style>
+          <a:lnRef idx="2">
+            <a:schemeClr val="accent1">
+              <a:shade val="50000"/>
+            </a:schemeClr>
+          </a:lnRef>
+          <a:fillRef idx="1">
+            <a:schemeClr val="accent1"/>
+          </a:fillRef>
+          <a:effectRef idx="0">
+            <a:schemeClr val="accent1"/>
+          </a:effectRef>
+          <a:fontRef idx="minor">
+            <a:schemeClr val="lt1"/>
+          </a:fontRef>
+        </p:style>
+        <p:txBody>
+          <a:bodyPr rtlCol="0" anchor="ctr"/>
+          <a:lstStyle/>
+          <a:p>
+            <a:pPr algn="ctr"/>
+            <a:endParaRPr lang="en-US"/>
+          </a:p>
+        </p:txBody>
+      </p:sp>
+      <p:sp>
+        <p:nvSpPr>
+          <p:cNvPr id="52" name="Rectangle 51">
+            <a:extLst>
+              <a:ext uri="{FF2B5EF4-FFF2-40B4-BE49-F238E27FC236}">
+                <a16:creationId xmlns:a16="http://schemas.microsoft.com/office/drawing/2014/main" id="{85D187F4-0109-478B-8381-9E3C522DCF7F}"/>
+              </a:ext>
+            </a:extLst>
+          </p:cNvPr>
+          <p:cNvSpPr/>
+          <p:nvPr/>
+        </p:nvSpPr>
+        <p:spPr>
+          <a:xfrm>
+            <a:off x="5810629" y="2679006"/>
+            <a:ext cx="681853" cy="273738"/>
+          </a:xfrm>
+          <a:prstGeom prst="rect">
+            <a:avLst/>
+          </a:prstGeom>
+          <a:noFill/>
+        </p:spPr>
+        <p:style>
+          <a:lnRef idx="2">
+            <a:schemeClr val="accent4">
+              <a:shade val="50000"/>
+            </a:schemeClr>
+          </a:lnRef>
+          <a:fillRef idx="1">
+            <a:schemeClr val="accent4"/>
+          </a:fillRef>
+          <a:effectRef idx="0">
+            <a:schemeClr val="accent4"/>
+          </a:effectRef>
+          <a:fontRef idx="minor">
+            <a:schemeClr val="lt1"/>
+          </a:fontRef>
+        </p:style>
+        <p:txBody>
+          <a:bodyPr rtlCol="0" anchor="ctr"/>
+          <a:lstStyle/>
+          <a:p>
+            <a:pPr algn="ctr"/>
+            <a:r>
+              <a:rPr lang="en-US" sz="1400" dirty="0">
+                <a:solidFill>
+                  <a:schemeClr val="tx1"/>
+                </a:solidFill>
+              </a:rPr>
+              <a:t>wait</a:t>
+            </a:r>
+          </a:p>
+        </p:txBody>
+      </p:sp>
+      <p:sp>
+        <p:nvSpPr>
+          <p:cNvPr id="53" name="Rectangle 52">
+            <a:extLst>
+              <a:ext uri="{FF2B5EF4-FFF2-40B4-BE49-F238E27FC236}">
+                <a16:creationId xmlns:a16="http://schemas.microsoft.com/office/drawing/2014/main" id="{73438915-AF0E-419D-881E-7109F2A5B66C}"/>
+              </a:ext>
+            </a:extLst>
+          </p:cNvPr>
+          <p:cNvSpPr/>
+          <p:nvPr/>
+        </p:nvSpPr>
+        <p:spPr>
+          <a:xfrm>
+            <a:off x="6615865" y="2678937"/>
+            <a:ext cx="506886" cy="273738"/>
+          </a:xfrm>
+          <a:prstGeom prst="rect">
+            <a:avLst/>
+          </a:prstGeom>
+          <a:noFill/>
+        </p:spPr>
+        <p:style>
+          <a:lnRef idx="2">
+            <a:schemeClr val="accent4">
+              <a:shade val="50000"/>
+            </a:schemeClr>
+          </a:lnRef>
+          <a:fillRef idx="1">
+            <a:schemeClr val="accent4"/>
+          </a:fillRef>
+          <a:effectRef idx="0">
+            <a:schemeClr val="accent4"/>
+          </a:effectRef>
+          <a:fontRef idx="minor">
+            <a:schemeClr val="lt1"/>
+          </a:fontRef>
+        </p:style>
+        <p:txBody>
+          <a:bodyPr rtlCol="0" anchor="ctr"/>
+          <a:lstStyle/>
+          <a:p>
+            <a:pPr algn="ctr"/>
+            <a:r>
+              <a:rPr lang="en-US" sz="1600" dirty="0">
+                <a:solidFill>
+                  <a:schemeClr val="tx1"/>
+                </a:solidFill>
+              </a:rPr>
+              <a:t>  </a:t>
+            </a:r>
+          </a:p>
+        </p:txBody>
+      </p:sp>
+      <p:pic>
+        <p:nvPicPr>
+          <p:cNvPr id="57" name="Picture 2" descr="Plus - Free signs icons">
+            <a:extLst>
+              <a:ext uri="{FF2B5EF4-FFF2-40B4-BE49-F238E27FC236}">
+                <a16:creationId xmlns:a16="http://schemas.microsoft.com/office/drawing/2014/main" id="{A1AF2120-BFD2-41BF-9E87-774CABE49FF0}"/>
+              </a:ext>
+            </a:extLst>
+          </p:cNvPr>
+          <p:cNvPicPr>
+            <a:picLocks noChangeAspect="1" noChangeArrowheads="1"/>
+          </p:cNvPicPr>
+          <p:nvPr/>
+        </p:nvPicPr>
+        <p:blipFill>
+          <a:blip r:embed="rId2">
+            <a:extLst>
+              <a:ext uri="{28A0092B-C50C-407E-A947-70E740481C1C}">
+                <a14:useLocalDpi xmlns:a14="http://schemas.microsoft.com/office/drawing/2010/main" val="0"/>
+              </a:ext>
+            </a:extLst>
+          </a:blip>
+          <a:srcRect/>
+          <a:stretch>
+            <a:fillRect/>
+          </a:stretch>
+        </p:blipFill>
+        <p:spPr bwMode="auto">
+          <a:xfrm>
+            <a:off x="7304552" y="2500586"/>
+            <a:ext cx="243344" cy="243344"/>
+          </a:xfrm>
+          <a:prstGeom prst="rect">
+            <a:avLst/>
+          </a:prstGeom>
+          <a:noFill/>
+          <a:extLst>
+            <a:ext uri="{909E8E84-426E-40DD-AFC4-6F175D3DCCD1}">
+              <a14:hiddenFill xmlns:a14="http://schemas.microsoft.com/office/drawing/2010/main">
+                <a:solidFill>
+                  <a:srgbClr val="FFFFFF"/>
+                </a:solidFill>
+              </a14:hiddenFill>
+            </a:ext>
+          </a:extLst>
+        </p:spPr>
+      </p:pic>
+      <p:pic>
+        <p:nvPicPr>
+          <p:cNvPr id="58" name="Picture 4" descr="Minus - Free interface icons">
+            <a:extLst>
+              <a:ext uri="{FF2B5EF4-FFF2-40B4-BE49-F238E27FC236}">
+                <a16:creationId xmlns:a16="http://schemas.microsoft.com/office/drawing/2014/main" id="{9473C739-04C5-44F7-B547-9976DAF2315A}"/>
+              </a:ext>
+            </a:extLst>
+          </p:cNvPr>
+          <p:cNvPicPr>
+            <a:picLocks noChangeAspect="1" noChangeArrowheads="1"/>
+          </p:cNvPicPr>
+          <p:nvPr/>
+        </p:nvPicPr>
+        <p:blipFill>
+          <a:blip r:embed="rId3">
+            <a:extLst>
+              <a:ext uri="{28A0092B-C50C-407E-A947-70E740481C1C}">
+                <a14:useLocalDpi xmlns:a14="http://schemas.microsoft.com/office/drawing/2010/main" val="0"/>
+              </a:ext>
+            </a:extLst>
+          </a:blip>
+          <a:srcRect/>
+          <a:stretch>
+            <a:fillRect/>
+          </a:stretch>
+        </p:blipFill>
+        <p:spPr bwMode="auto">
+          <a:xfrm>
+            <a:off x="7297932" y="2849285"/>
+            <a:ext cx="243344" cy="243344"/>
+          </a:xfrm>
+          <a:prstGeom prst="rect">
+            <a:avLst/>
+          </a:prstGeom>
+          <a:noFill/>
+          <a:extLst>
+            <a:ext uri="{909E8E84-426E-40DD-AFC4-6F175D3DCCD1}">
+              <a14:hiddenFill xmlns:a14="http://schemas.microsoft.com/office/drawing/2010/main">
+                <a:solidFill>
+                  <a:srgbClr val="FFFFFF"/>
+                </a:solidFill>
+              </a14:hiddenFill>
+            </a:ext>
+          </a:extLst>
+        </p:spPr>
+      </p:pic>
+      <p:sp>
+        <p:nvSpPr>
+          <p:cNvPr id="59" name="Rectangle 58">
+            <a:extLst>
+              <a:ext uri="{FF2B5EF4-FFF2-40B4-BE49-F238E27FC236}">
+                <a16:creationId xmlns:a16="http://schemas.microsoft.com/office/drawing/2014/main" id="{32097801-DCD6-4A64-9275-F0A00E11586C}"/>
+              </a:ext>
+            </a:extLst>
+          </p:cNvPr>
+          <p:cNvSpPr/>
+          <p:nvPr/>
+        </p:nvSpPr>
+        <p:spPr>
+          <a:xfrm>
+            <a:off x="2482035" y="3489342"/>
+            <a:ext cx="800434" cy="522086"/>
+          </a:xfrm>
+          <a:prstGeom prst="rect">
+            <a:avLst/>
+          </a:prstGeom>
+          <a:noFill/>
+        </p:spPr>
+        <p:style>
+          <a:lnRef idx="2">
+            <a:schemeClr val="accent4">
+              <a:shade val="50000"/>
+            </a:schemeClr>
+          </a:lnRef>
+          <a:fillRef idx="1">
+            <a:schemeClr val="accent4"/>
+          </a:fillRef>
+          <a:effectRef idx="0">
+            <a:schemeClr val="accent4"/>
+          </a:effectRef>
+          <a:fontRef idx="minor">
+            <a:schemeClr val="lt1"/>
+          </a:fontRef>
+        </p:style>
+        <p:txBody>
+          <a:bodyPr rtlCol="0" anchor="ctr"/>
+          <a:lstStyle/>
+          <a:p>
+            <a:pPr algn="ctr"/>
+            <a:r>
+              <a:rPr lang="en-US" sz="1200" dirty="0">
+                <a:solidFill>
+                  <a:schemeClr val="tx1"/>
+                </a:solidFill>
+              </a:rPr>
+              <a:t>Fill washing  solution</a:t>
+            </a:r>
+          </a:p>
+        </p:txBody>
+      </p:sp>
+      <p:sp>
+        <p:nvSpPr>
+          <p:cNvPr id="60" name="Arrow: Right 59">
+            <a:extLst>
+              <a:ext uri="{FF2B5EF4-FFF2-40B4-BE49-F238E27FC236}">
+                <a16:creationId xmlns:a16="http://schemas.microsoft.com/office/drawing/2014/main" id="{CCA6E501-ED7E-4363-9DEF-6BD83D288D08}"/>
+              </a:ext>
+            </a:extLst>
+          </p:cNvPr>
+          <p:cNvSpPr/>
+          <p:nvPr/>
+        </p:nvSpPr>
+        <p:spPr>
+          <a:xfrm>
+            <a:off x="2118046" y="3677285"/>
+            <a:ext cx="204350" cy="196633"/>
+          </a:xfrm>
+          <a:prstGeom prst="rightArrow">
+            <a:avLst/>
+          </a:prstGeom>
+        </p:spPr>
+        <p:style>
+          <a:lnRef idx="2">
+            <a:schemeClr val="accent1">
+              <a:shade val="50000"/>
+            </a:schemeClr>
+          </a:lnRef>
+          <a:fillRef idx="1">
+            <a:schemeClr val="accent1"/>
+          </a:fillRef>
+          <a:effectRef idx="0">
+            <a:schemeClr val="accent1"/>
+          </a:effectRef>
+          <a:fontRef idx="minor">
+            <a:schemeClr val="lt1"/>
+          </a:fontRef>
+        </p:style>
+        <p:txBody>
+          <a:bodyPr rtlCol="0" anchor="ctr"/>
+          <a:lstStyle/>
+          <a:p>
+            <a:pPr algn="ctr"/>
+            <a:endParaRPr lang="en-US"/>
+          </a:p>
+        </p:txBody>
+      </p:sp>
+    </p:spTree>
+    <p:extLst>
+      <p:ext uri="{BB962C8B-B14F-4D97-AF65-F5344CB8AC3E}">
+        <p14:creationId xmlns:p14="http://schemas.microsoft.com/office/powerpoint/2010/main" val="3517913259"/>
+      </p:ext>
+    </p:extLst>
+  </p:cSld>
+  <p:clrMapOvr>
+    <a:masterClrMapping/>
+  </p:clrMapOvr>
+</p:sld>
+</file>
+
+<file path=ppt/slides/slide5.xml><?xml version="1.0" encoding="utf-8"?>
+<p:sld xmlns:a="http://schemas.openxmlformats.org/drawingml/2006/main" xmlns:r="http://schemas.openxmlformats.org/officeDocument/2006/relationships" xmlns:p="http://schemas.openxmlformats.org/presentationml/2006/main">
+  <p:cSld>
+    <p:spTree>
+      <p:nvGrpSpPr>
+        <p:cNvPr id="1" name=""/>
+        <p:cNvGrpSpPr/>
+        <p:nvPr/>
+      </p:nvGrpSpPr>
+      <p:grpSpPr>
+        <a:xfrm>
+          <a:off x="0" y="0"/>
+          <a:ext cx="0" cy="0"/>
+          <a:chOff x="0" y="0"/>
+          <a:chExt cx="0" cy="0"/>
+        </a:xfrm>
+      </p:grpSpPr>
+      <p:sp>
+        <p:nvSpPr>
+          <p:cNvPr id="6" name="Rectangle 5">
+            <a:extLst>
+              <a:ext uri="{FF2B5EF4-FFF2-40B4-BE49-F238E27FC236}">
+                <a16:creationId xmlns:a16="http://schemas.microsoft.com/office/drawing/2014/main" id="{443C37C1-CB50-46ED-95A3-27628BF66220}"/>
+              </a:ext>
+            </a:extLst>
+          </p:cNvPr>
+          <p:cNvSpPr/>
+          <p:nvPr/>
+        </p:nvSpPr>
+        <p:spPr>
+          <a:xfrm>
+            <a:off x="278355" y="138992"/>
+            <a:ext cx="1409273" cy="273738"/>
+          </a:xfrm>
+          <a:prstGeom prst="rect">
+            <a:avLst/>
+          </a:prstGeom>
+          <a:noFill/>
+        </p:spPr>
+        <p:style>
+          <a:lnRef idx="2">
+            <a:schemeClr val="accent4">
+              <a:shade val="50000"/>
+            </a:schemeClr>
+          </a:lnRef>
+          <a:fillRef idx="1">
+            <a:schemeClr val="accent4"/>
+          </a:fillRef>
+          <a:effectRef idx="0">
+            <a:schemeClr val="accent4"/>
+          </a:effectRef>
+          <a:fontRef idx="minor">
+            <a:schemeClr val="lt1"/>
+          </a:fontRef>
+        </p:style>
+        <p:txBody>
+          <a:bodyPr rtlCol="0" anchor="ctr"/>
+          <a:lstStyle/>
+          <a:p>
+            <a:r>
+              <a:rPr lang="en-US" dirty="0">
+                <a:solidFill>
+                  <a:schemeClr val="tx1"/>
+                </a:solidFill>
+              </a:rPr>
+              <a:t>Program   </a:t>
+            </a:r>
+          </a:p>
+        </p:txBody>
+      </p:sp>
+      <p:sp>
+        <p:nvSpPr>
+          <p:cNvPr id="7" name="Rectangle 6">
+            <a:extLst>
+              <a:ext uri="{FF2B5EF4-FFF2-40B4-BE49-F238E27FC236}">
+                <a16:creationId xmlns:a16="http://schemas.microsoft.com/office/drawing/2014/main" id="{78E6CD1E-3FCD-4AD2-8838-98A3EED27834}"/>
+              </a:ext>
+            </a:extLst>
+          </p:cNvPr>
+          <p:cNvSpPr/>
+          <p:nvPr/>
+        </p:nvSpPr>
+        <p:spPr>
+          <a:xfrm>
+            <a:off x="673207" y="579708"/>
+            <a:ext cx="683616" cy="273738"/>
+          </a:xfrm>
+          <a:prstGeom prst="rect">
+            <a:avLst/>
+          </a:prstGeom>
+          <a:noFill/>
+        </p:spPr>
+        <p:style>
+          <a:lnRef idx="2">
+            <a:schemeClr val="accent4">
+              <a:shade val="50000"/>
+            </a:schemeClr>
+          </a:lnRef>
+          <a:fillRef idx="1">
+            <a:schemeClr val="accent4"/>
+          </a:fillRef>
+          <a:effectRef idx="0">
+            <a:schemeClr val="accent4"/>
+          </a:effectRef>
+          <a:fontRef idx="minor">
+            <a:schemeClr val="lt1"/>
+          </a:fontRef>
+        </p:style>
+        <p:txBody>
+          <a:bodyPr rtlCol="0" anchor="ctr"/>
+          <a:lstStyle/>
+          <a:p>
+            <a:pPr algn="ctr"/>
+            <a:r>
+              <a:rPr lang="en-US" dirty="0">
+                <a:solidFill>
+                  <a:schemeClr val="tx1"/>
+                </a:solidFill>
+              </a:rPr>
+              <a:t>Type</a:t>
+            </a:r>
+          </a:p>
+        </p:txBody>
+      </p:sp>
+      <p:sp>
+        <p:nvSpPr>
+          <p:cNvPr id="8" name="Rectangle 7">
+            <a:extLst>
+              <a:ext uri="{FF2B5EF4-FFF2-40B4-BE49-F238E27FC236}">
+                <a16:creationId xmlns:a16="http://schemas.microsoft.com/office/drawing/2014/main" id="{4662F0E8-AC92-47D6-92FC-BA53CBDB686C}"/>
+              </a:ext>
+            </a:extLst>
+          </p:cNvPr>
+          <p:cNvSpPr/>
+          <p:nvPr/>
+        </p:nvSpPr>
+        <p:spPr>
+          <a:xfrm>
+            <a:off x="1687628" y="579708"/>
+            <a:ext cx="1261669" cy="273738"/>
+          </a:xfrm>
+          <a:prstGeom prst="rect">
+            <a:avLst/>
+          </a:prstGeom>
+          <a:noFill/>
+        </p:spPr>
+        <p:style>
+          <a:lnRef idx="2">
+            <a:schemeClr val="accent4">
+              <a:shade val="50000"/>
+            </a:schemeClr>
+          </a:lnRef>
+          <a:fillRef idx="1">
+            <a:schemeClr val="accent4"/>
+          </a:fillRef>
+          <a:effectRef idx="0">
+            <a:schemeClr val="accent4"/>
+          </a:effectRef>
+          <a:fontRef idx="minor">
+            <a:schemeClr val="lt1"/>
+          </a:fontRef>
+        </p:style>
+        <p:txBody>
+          <a:bodyPr rtlCol="0" anchor="ctr"/>
+          <a:lstStyle/>
+          <a:p>
+            <a:pPr algn="ctr"/>
+            <a:r>
+              <a:rPr lang="en-US" dirty="0">
+                <a:solidFill>
+                  <a:schemeClr val="tx1"/>
+                </a:solidFill>
+              </a:rPr>
+              <a:t>shake</a:t>
+            </a:r>
+          </a:p>
+        </p:txBody>
+      </p:sp>
+      <p:sp>
+        <p:nvSpPr>
+          <p:cNvPr id="9" name="Rectangle 8">
+            <a:extLst>
+              <a:ext uri="{FF2B5EF4-FFF2-40B4-BE49-F238E27FC236}">
+                <a16:creationId xmlns:a16="http://schemas.microsoft.com/office/drawing/2014/main" id="{00FFE81A-A289-403E-845C-F4E8B19848E6}"/>
+              </a:ext>
+            </a:extLst>
+          </p:cNvPr>
+          <p:cNvSpPr/>
+          <p:nvPr/>
+        </p:nvSpPr>
+        <p:spPr>
+          <a:xfrm>
+            <a:off x="3321937" y="579708"/>
+            <a:ext cx="1261669" cy="273738"/>
+          </a:xfrm>
+          <a:prstGeom prst="rect">
+            <a:avLst/>
+          </a:prstGeom>
+          <a:noFill/>
+        </p:spPr>
+        <p:style>
+          <a:lnRef idx="2">
+            <a:schemeClr val="accent4">
+              <a:shade val="50000"/>
+            </a:schemeClr>
+          </a:lnRef>
+          <a:fillRef idx="1">
+            <a:schemeClr val="accent4"/>
+          </a:fillRef>
+          <a:effectRef idx="0">
+            <a:schemeClr val="accent4"/>
+          </a:effectRef>
+          <a:fontRef idx="minor">
+            <a:schemeClr val="lt1"/>
+          </a:fontRef>
+        </p:style>
+        <p:txBody>
+          <a:bodyPr rtlCol="0" anchor="ctr"/>
+          <a:lstStyle/>
+          <a:p>
+            <a:pPr algn="ctr"/>
+            <a:r>
+              <a:rPr lang="en-US" dirty="0">
+                <a:solidFill>
+                  <a:schemeClr val="tx1"/>
+                </a:solidFill>
+              </a:rPr>
+              <a:t>washing</a:t>
+            </a:r>
+          </a:p>
+        </p:txBody>
+      </p:sp>
+      <p:sp>
+        <p:nvSpPr>
+          <p:cNvPr id="10" name="Rectangle 9">
+            <a:extLst>
+              <a:ext uri="{FF2B5EF4-FFF2-40B4-BE49-F238E27FC236}">
+                <a16:creationId xmlns:a16="http://schemas.microsoft.com/office/drawing/2014/main" id="{E83EBC90-B2B9-42CE-A532-D1269D54233F}"/>
+              </a:ext>
+            </a:extLst>
+          </p:cNvPr>
+          <p:cNvSpPr/>
+          <p:nvPr/>
+        </p:nvSpPr>
+        <p:spPr>
+          <a:xfrm>
+            <a:off x="4904353" y="579708"/>
+            <a:ext cx="1261669" cy="273738"/>
+          </a:xfrm>
+          <a:prstGeom prst="rect">
+            <a:avLst/>
+          </a:prstGeom>
+          <a:solidFill>
+            <a:schemeClr val="accent6"/>
+          </a:solidFill>
+        </p:spPr>
+        <p:style>
+          <a:lnRef idx="2">
+            <a:schemeClr val="accent4">
+              <a:shade val="50000"/>
+            </a:schemeClr>
+          </a:lnRef>
+          <a:fillRef idx="1">
+            <a:schemeClr val="accent4"/>
+          </a:fillRef>
+          <a:effectRef idx="0">
+            <a:schemeClr val="accent4"/>
+          </a:effectRef>
+          <a:fontRef idx="minor">
+            <a:schemeClr val="lt1"/>
+          </a:fontRef>
+        </p:style>
+        <p:txBody>
+          <a:bodyPr rtlCol="0" anchor="ctr"/>
+          <a:lstStyle/>
+          <a:p>
+            <a:pPr algn="ctr"/>
+            <a:r>
+              <a:rPr lang="en-US" sz="1600" dirty="0">
+                <a:solidFill>
+                  <a:schemeClr val="tx1"/>
+                </a:solidFill>
+              </a:rPr>
+              <a:t>Drying</a:t>
+            </a:r>
+          </a:p>
+        </p:txBody>
+      </p:sp>
+      <p:sp>
+        <p:nvSpPr>
+          <p:cNvPr id="11" name="Rectangle 10">
+            <a:extLst>
+              <a:ext uri="{FF2B5EF4-FFF2-40B4-BE49-F238E27FC236}">
+                <a16:creationId xmlns:a16="http://schemas.microsoft.com/office/drawing/2014/main" id="{36B50A35-EABF-45E2-B98F-E274DD7542BC}"/>
+              </a:ext>
+            </a:extLst>
+          </p:cNvPr>
+          <p:cNvSpPr/>
+          <p:nvPr/>
+        </p:nvSpPr>
+        <p:spPr>
+          <a:xfrm>
+            <a:off x="2210048" y="138992"/>
+            <a:ext cx="2373557" cy="273738"/>
+          </a:xfrm>
+          <a:prstGeom prst="rect">
+            <a:avLst/>
+          </a:prstGeom>
+          <a:noFill/>
+        </p:spPr>
+        <p:style>
+          <a:lnRef idx="2">
+            <a:schemeClr val="accent4">
+              <a:shade val="50000"/>
+            </a:schemeClr>
+          </a:lnRef>
+          <a:fillRef idx="1">
+            <a:schemeClr val="accent4"/>
+          </a:fillRef>
+          <a:effectRef idx="0">
+            <a:schemeClr val="accent4"/>
+          </a:effectRef>
+          <a:fontRef idx="minor">
+            <a:schemeClr val="lt1"/>
+          </a:fontRef>
+        </p:style>
+        <p:txBody>
+          <a:bodyPr rtlCol="0" anchor="ctr"/>
+          <a:lstStyle/>
+          <a:p>
+            <a:r>
+              <a:rPr lang="en-US" dirty="0">
+                <a:solidFill>
+                  <a:schemeClr val="tx1"/>
+                </a:solidFill>
+              </a:rPr>
+              <a:t>Step Number</a:t>
+            </a:r>
+          </a:p>
+        </p:txBody>
+      </p:sp>
+      <p:sp>
+        <p:nvSpPr>
+          <p:cNvPr id="12" name="Rectangle 11">
+            <a:extLst>
+              <a:ext uri="{FF2B5EF4-FFF2-40B4-BE49-F238E27FC236}">
+                <a16:creationId xmlns:a16="http://schemas.microsoft.com/office/drawing/2014/main" id="{3142E58C-FEB9-43E7-AC53-5598F7777DDC}"/>
+              </a:ext>
+            </a:extLst>
+          </p:cNvPr>
+          <p:cNvSpPr/>
+          <p:nvPr/>
+        </p:nvSpPr>
+        <p:spPr>
+          <a:xfrm>
+            <a:off x="282340" y="1688639"/>
+            <a:ext cx="1095008" cy="273738"/>
+          </a:xfrm>
+          <a:prstGeom prst="rect">
+            <a:avLst/>
+          </a:prstGeom>
+          <a:noFill/>
+        </p:spPr>
+        <p:style>
+          <a:lnRef idx="2">
+            <a:schemeClr val="accent4">
+              <a:shade val="50000"/>
+            </a:schemeClr>
+          </a:lnRef>
+          <a:fillRef idx="1">
+            <a:schemeClr val="accent4"/>
+          </a:fillRef>
+          <a:effectRef idx="0">
+            <a:schemeClr val="accent4"/>
+          </a:effectRef>
+          <a:fontRef idx="minor">
+            <a:schemeClr val="lt1"/>
+          </a:fontRef>
+        </p:style>
+        <p:txBody>
+          <a:bodyPr rtlCol="0" anchor="ctr"/>
+          <a:lstStyle/>
+          <a:p>
+            <a:pPr algn="ctr"/>
+            <a:r>
+              <a:rPr lang="en-US" sz="1400" dirty="0">
+                <a:solidFill>
+                  <a:schemeClr val="tx1"/>
+                </a:solidFill>
+              </a:rPr>
+              <a:t>Target Wells  </a:t>
+            </a:r>
+          </a:p>
+        </p:txBody>
+      </p:sp>
+      <p:pic>
+        <p:nvPicPr>
+          <p:cNvPr id="1026" name="Picture 2" descr="Plus - Free signs icons">
+            <a:extLst>
+              <a:ext uri="{FF2B5EF4-FFF2-40B4-BE49-F238E27FC236}">
+                <a16:creationId xmlns:a16="http://schemas.microsoft.com/office/drawing/2014/main" id="{12396858-872A-4CEA-B3D0-916320B6B086}"/>
+              </a:ext>
+            </a:extLst>
+          </p:cNvPr>
+          <p:cNvPicPr>
+            <a:picLocks noChangeAspect="1" noChangeArrowheads="1"/>
+          </p:cNvPicPr>
+          <p:nvPr/>
+        </p:nvPicPr>
+        <p:blipFill>
+          <a:blip r:embed="rId2">
+            <a:extLst>
+              <a:ext uri="{28A0092B-C50C-407E-A947-70E740481C1C}">
+                <a14:useLocalDpi xmlns:a14="http://schemas.microsoft.com/office/drawing/2010/main" val="0"/>
+              </a:ext>
+            </a:extLst>
+          </a:blip>
+          <a:srcRect/>
+          <a:stretch>
+            <a:fillRect/>
+          </a:stretch>
+        </p:blipFill>
+        <p:spPr bwMode="auto">
+          <a:xfrm>
+            <a:off x="1932916" y="1522400"/>
+            <a:ext cx="243344" cy="243344"/>
+          </a:xfrm>
+          <a:prstGeom prst="rect">
+            <a:avLst/>
+          </a:prstGeom>
+          <a:noFill/>
+          <a:extLst>
+            <a:ext uri="{909E8E84-426E-40DD-AFC4-6F175D3DCCD1}">
+              <a14:hiddenFill xmlns:a14="http://schemas.microsoft.com/office/drawing/2010/main">
+                <a:solidFill>
+                  <a:srgbClr val="FFFFFF"/>
+                </a:solidFill>
+              </a14:hiddenFill>
+            </a:ext>
+          </a:extLst>
+        </p:spPr>
+      </p:pic>
+      <p:pic>
+        <p:nvPicPr>
+          <p:cNvPr id="1028" name="Picture 4" descr="Minus - Free interface icons">
+            <a:extLst>
+              <a:ext uri="{FF2B5EF4-FFF2-40B4-BE49-F238E27FC236}">
+                <a16:creationId xmlns:a16="http://schemas.microsoft.com/office/drawing/2014/main" id="{3BD6E533-FA59-491B-B6CE-6407A59955E3}"/>
+              </a:ext>
+            </a:extLst>
+          </p:cNvPr>
+          <p:cNvPicPr>
+            <a:picLocks noChangeAspect="1" noChangeArrowheads="1"/>
+          </p:cNvPicPr>
+          <p:nvPr/>
+        </p:nvPicPr>
+        <p:blipFill>
+          <a:blip r:embed="rId3">
+            <a:extLst>
+              <a:ext uri="{28A0092B-C50C-407E-A947-70E740481C1C}">
+                <a14:useLocalDpi xmlns:a14="http://schemas.microsoft.com/office/drawing/2010/main" val="0"/>
+              </a:ext>
+            </a:extLst>
+          </a:blip>
+          <a:srcRect/>
+          <a:stretch>
+            <a:fillRect/>
+          </a:stretch>
+        </p:blipFill>
+        <p:spPr bwMode="auto">
+          <a:xfrm>
+            <a:off x="1926296" y="1871099"/>
+            <a:ext cx="243344" cy="243344"/>
+          </a:xfrm>
+          <a:prstGeom prst="rect">
+            <a:avLst/>
+          </a:prstGeom>
+          <a:noFill/>
+          <a:extLst>
+            <a:ext uri="{909E8E84-426E-40DD-AFC4-6F175D3DCCD1}">
+              <a14:hiddenFill xmlns:a14="http://schemas.microsoft.com/office/drawing/2010/main">
+                <a:solidFill>
+                  <a:srgbClr val="FFFFFF"/>
+                </a:solidFill>
+              </a14:hiddenFill>
+            </a:ext>
+          </a:extLst>
+        </p:spPr>
+      </p:pic>
+      <p:sp>
+        <p:nvSpPr>
+          <p:cNvPr id="15" name="Rectangle 14">
+            <a:extLst>
+              <a:ext uri="{FF2B5EF4-FFF2-40B4-BE49-F238E27FC236}">
+                <a16:creationId xmlns:a16="http://schemas.microsoft.com/office/drawing/2014/main" id="{9E08408C-AF69-4584-82B4-3CF3E393C951}"/>
+              </a:ext>
+            </a:extLst>
+          </p:cNvPr>
+          <p:cNvSpPr/>
+          <p:nvPr/>
+        </p:nvSpPr>
+        <p:spPr>
+          <a:xfrm>
+            <a:off x="1473106" y="1688639"/>
+            <a:ext cx="372619" cy="273738"/>
+          </a:xfrm>
+          <a:prstGeom prst="rect">
+            <a:avLst/>
+          </a:prstGeom>
+          <a:noFill/>
+        </p:spPr>
+        <p:style>
+          <a:lnRef idx="2">
+            <a:schemeClr val="accent4">
+              <a:shade val="50000"/>
+            </a:schemeClr>
+          </a:lnRef>
+          <a:fillRef idx="1">
+            <a:schemeClr val="accent4"/>
+          </a:fillRef>
+          <a:effectRef idx="0">
+            <a:schemeClr val="accent4"/>
+          </a:effectRef>
+          <a:fontRef idx="minor">
+            <a:schemeClr val="lt1"/>
+          </a:fontRef>
+        </p:style>
+        <p:txBody>
+          <a:bodyPr rtlCol="0" anchor="ctr"/>
+          <a:lstStyle/>
+          <a:p>
+            <a:pPr algn="ctr"/>
+            <a:r>
+              <a:rPr lang="en-US" sz="1600" dirty="0">
+                <a:solidFill>
+                  <a:schemeClr val="tx1"/>
+                </a:solidFill>
+              </a:rPr>
+              <a:t>  </a:t>
+            </a:r>
+          </a:p>
+        </p:txBody>
+      </p:sp>
+      <p:sp>
+        <p:nvSpPr>
+          <p:cNvPr id="24" name="Rectangle 23">
+            <a:extLst>
+              <a:ext uri="{FF2B5EF4-FFF2-40B4-BE49-F238E27FC236}">
+                <a16:creationId xmlns:a16="http://schemas.microsoft.com/office/drawing/2014/main" id="{FD44627D-657B-4B1A-A2A9-FCD8BF101423}"/>
+              </a:ext>
+            </a:extLst>
+          </p:cNvPr>
+          <p:cNvSpPr/>
+          <p:nvPr/>
+        </p:nvSpPr>
+        <p:spPr>
+          <a:xfrm>
+            <a:off x="2674555" y="1693152"/>
+            <a:ext cx="1095008" cy="273738"/>
+          </a:xfrm>
+          <a:prstGeom prst="rect">
+            <a:avLst/>
+          </a:prstGeom>
+          <a:noFill/>
+        </p:spPr>
+        <p:style>
+          <a:lnRef idx="2">
+            <a:schemeClr val="accent4">
+              <a:shade val="50000"/>
+            </a:schemeClr>
+          </a:lnRef>
+          <a:fillRef idx="1">
+            <a:schemeClr val="accent4"/>
+          </a:fillRef>
+          <a:effectRef idx="0">
+            <a:schemeClr val="accent4"/>
+          </a:effectRef>
+          <a:fontRef idx="minor">
+            <a:schemeClr val="lt1"/>
+          </a:fontRef>
+        </p:style>
+        <p:txBody>
+          <a:bodyPr rtlCol="0" anchor="ctr"/>
+          <a:lstStyle/>
+          <a:p>
+            <a:pPr algn="ctr"/>
+            <a:r>
+              <a:rPr lang="en-US" sz="1400" dirty="0">
+                <a:solidFill>
+                  <a:schemeClr val="tx1"/>
+                </a:solidFill>
+              </a:rPr>
+              <a:t>Move Z</a:t>
+            </a:r>
+          </a:p>
+        </p:txBody>
+      </p:sp>
+      <p:sp>
+        <p:nvSpPr>
+          <p:cNvPr id="25" name="Arrow: Right 24">
+            <a:extLst>
+              <a:ext uri="{FF2B5EF4-FFF2-40B4-BE49-F238E27FC236}">
+                <a16:creationId xmlns:a16="http://schemas.microsoft.com/office/drawing/2014/main" id="{61A41F84-1632-4F4A-B455-C6B6746A7647}"/>
+              </a:ext>
+            </a:extLst>
+          </p:cNvPr>
+          <p:cNvSpPr/>
+          <p:nvPr/>
+        </p:nvSpPr>
+        <p:spPr>
+          <a:xfrm>
+            <a:off x="2427071" y="1731704"/>
+            <a:ext cx="204350" cy="196633"/>
+          </a:xfrm>
+          <a:prstGeom prst="rightArrow">
+            <a:avLst/>
+          </a:prstGeom>
+        </p:spPr>
+        <p:style>
+          <a:lnRef idx="2">
+            <a:schemeClr val="accent1">
+              <a:shade val="50000"/>
+            </a:schemeClr>
+          </a:lnRef>
+          <a:fillRef idx="1">
+            <a:schemeClr val="accent1"/>
+          </a:fillRef>
+          <a:effectRef idx="0">
+            <a:schemeClr val="accent1"/>
+          </a:effectRef>
+          <a:fontRef idx="minor">
+            <a:schemeClr val="lt1"/>
+          </a:fontRef>
+        </p:style>
+        <p:txBody>
+          <a:bodyPr rtlCol="0" anchor="ctr"/>
+          <a:lstStyle/>
+          <a:p>
+            <a:pPr algn="ctr"/>
+            <a:endParaRPr lang="en-US"/>
+          </a:p>
+        </p:txBody>
+      </p:sp>
+      <p:sp>
+        <p:nvSpPr>
+          <p:cNvPr id="27" name="Rectangle 26">
+            <a:extLst>
+              <a:ext uri="{FF2B5EF4-FFF2-40B4-BE49-F238E27FC236}">
+                <a16:creationId xmlns:a16="http://schemas.microsoft.com/office/drawing/2014/main" id="{A722B844-2995-4FC1-B5E6-2D5A0225B7D4}"/>
+              </a:ext>
+            </a:extLst>
+          </p:cNvPr>
+          <p:cNvSpPr/>
+          <p:nvPr/>
+        </p:nvSpPr>
+        <p:spPr>
+          <a:xfrm>
+            <a:off x="5768121" y="1693152"/>
+            <a:ext cx="559452" cy="273738"/>
+          </a:xfrm>
+          <a:prstGeom prst="rect">
+            <a:avLst/>
+          </a:prstGeom>
+          <a:noFill/>
+        </p:spPr>
+        <p:style>
+          <a:lnRef idx="2">
+            <a:schemeClr val="accent4">
+              <a:shade val="50000"/>
+            </a:schemeClr>
+          </a:lnRef>
+          <a:fillRef idx="1">
+            <a:schemeClr val="accent4"/>
+          </a:fillRef>
+          <a:effectRef idx="0">
+            <a:schemeClr val="accent4"/>
+          </a:effectRef>
+          <a:fontRef idx="minor">
+            <a:schemeClr val="lt1"/>
+          </a:fontRef>
+        </p:style>
+        <p:txBody>
+          <a:bodyPr rtlCol="0" anchor="ctr"/>
+          <a:lstStyle/>
+          <a:p>
+            <a:pPr algn="ctr"/>
+            <a:r>
+              <a:rPr lang="en-US" sz="1400" dirty="0">
+                <a:solidFill>
+                  <a:schemeClr val="tx1"/>
+                </a:solidFill>
+              </a:rPr>
+              <a:t>Wait  </a:t>
+            </a:r>
+          </a:p>
+        </p:txBody>
+      </p:sp>
+      <p:sp>
+        <p:nvSpPr>
+          <p:cNvPr id="28" name="Rectangle 27">
+            <a:extLst>
+              <a:ext uri="{FF2B5EF4-FFF2-40B4-BE49-F238E27FC236}">
+                <a16:creationId xmlns:a16="http://schemas.microsoft.com/office/drawing/2014/main" id="{E643013E-682F-4489-82A2-0BCD1B3C5E5A}"/>
+              </a:ext>
+            </a:extLst>
+          </p:cNvPr>
+          <p:cNvSpPr/>
+          <p:nvPr/>
+        </p:nvSpPr>
+        <p:spPr>
+          <a:xfrm>
+            <a:off x="6403318" y="1689556"/>
+            <a:ext cx="506886" cy="273738"/>
+          </a:xfrm>
+          <a:prstGeom prst="rect">
+            <a:avLst/>
+          </a:prstGeom>
+          <a:noFill/>
+        </p:spPr>
+        <p:style>
+          <a:lnRef idx="2">
+            <a:schemeClr val="accent4">
+              <a:shade val="50000"/>
+            </a:schemeClr>
+          </a:lnRef>
+          <a:fillRef idx="1">
+            <a:schemeClr val="accent4"/>
+          </a:fillRef>
+          <a:effectRef idx="0">
+            <a:schemeClr val="accent4"/>
+          </a:effectRef>
+          <a:fontRef idx="minor">
+            <a:schemeClr val="lt1"/>
+          </a:fontRef>
+        </p:style>
+        <p:txBody>
+          <a:bodyPr rtlCol="0" anchor="ctr"/>
+          <a:lstStyle/>
+          <a:p>
+            <a:pPr algn="ctr"/>
+            <a:r>
+              <a:rPr lang="en-US" sz="1600" dirty="0">
+                <a:solidFill>
+                  <a:schemeClr val="tx1"/>
+                </a:solidFill>
+              </a:rPr>
+              <a:t>  </a:t>
+            </a:r>
+          </a:p>
+        </p:txBody>
+      </p:sp>
+      <p:pic>
+        <p:nvPicPr>
+          <p:cNvPr id="29" name="Picture 2" descr="Plus - Free signs icons">
+            <a:extLst>
+              <a:ext uri="{FF2B5EF4-FFF2-40B4-BE49-F238E27FC236}">
+                <a16:creationId xmlns:a16="http://schemas.microsoft.com/office/drawing/2014/main" id="{B91E4301-2FF6-409D-A469-90E25CE25466}"/>
+              </a:ext>
+            </a:extLst>
+          </p:cNvPr>
+          <p:cNvPicPr>
+            <a:picLocks noChangeAspect="1" noChangeArrowheads="1"/>
+          </p:cNvPicPr>
+          <p:nvPr/>
+        </p:nvPicPr>
+        <p:blipFill>
+          <a:blip r:embed="rId2">
+            <a:extLst>
+              <a:ext uri="{28A0092B-C50C-407E-A947-70E740481C1C}">
+                <a14:useLocalDpi xmlns:a14="http://schemas.microsoft.com/office/drawing/2010/main" val="0"/>
+              </a:ext>
+            </a:extLst>
+          </a:blip>
+          <a:srcRect/>
+          <a:stretch>
+            <a:fillRect/>
+          </a:stretch>
+        </p:blipFill>
+        <p:spPr bwMode="auto">
+          <a:xfrm>
+            <a:off x="7092005" y="1511205"/>
+            <a:ext cx="243344" cy="243344"/>
+          </a:xfrm>
+          <a:prstGeom prst="rect">
+            <a:avLst/>
+          </a:prstGeom>
+          <a:noFill/>
+          <a:extLst>
+            <a:ext uri="{909E8E84-426E-40DD-AFC4-6F175D3DCCD1}">
+              <a14:hiddenFill xmlns:a14="http://schemas.microsoft.com/office/drawing/2010/main">
+                <a:solidFill>
+                  <a:srgbClr val="FFFFFF"/>
+                </a:solidFill>
+              </a14:hiddenFill>
+            </a:ext>
+          </a:extLst>
+        </p:spPr>
+      </p:pic>
+      <p:pic>
+        <p:nvPicPr>
+          <p:cNvPr id="31" name="Picture 4" descr="Minus - Free interface icons">
+            <a:extLst>
+              <a:ext uri="{FF2B5EF4-FFF2-40B4-BE49-F238E27FC236}">
+                <a16:creationId xmlns:a16="http://schemas.microsoft.com/office/drawing/2014/main" id="{CAD152EB-FBA2-448B-81A8-60EDC1D22A9A}"/>
+              </a:ext>
+            </a:extLst>
+          </p:cNvPr>
+          <p:cNvPicPr>
+            <a:picLocks noChangeAspect="1" noChangeArrowheads="1"/>
+          </p:cNvPicPr>
+          <p:nvPr/>
+        </p:nvPicPr>
+        <p:blipFill>
+          <a:blip r:embed="rId3">
+            <a:extLst>
+              <a:ext uri="{28A0092B-C50C-407E-A947-70E740481C1C}">
+                <a14:useLocalDpi xmlns:a14="http://schemas.microsoft.com/office/drawing/2010/main" val="0"/>
+              </a:ext>
+            </a:extLst>
+          </a:blip>
+          <a:srcRect/>
+          <a:stretch>
+            <a:fillRect/>
+          </a:stretch>
+        </p:blipFill>
+        <p:spPr bwMode="auto">
+          <a:xfrm>
+            <a:off x="7085385" y="1859904"/>
+            <a:ext cx="243344" cy="243344"/>
+          </a:xfrm>
+          <a:prstGeom prst="rect">
+            <a:avLst/>
+          </a:prstGeom>
+          <a:noFill/>
+          <a:extLst>
+            <a:ext uri="{909E8E84-426E-40DD-AFC4-6F175D3DCCD1}">
+              <a14:hiddenFill xmlns:a14="http://schemas.microsoft.com/office/drawing/2010/main">
+                <a:solidFill>
+                  <a:srgbClr val="FFFFFF"/>
+                </a:solidFill>
+              </a14:hiddenFill>
+            </a:ext>
+          </a:extLst>
+        </p:spPr>
+      </p:pic>
+      <p:sp>
+        <p:nvSpPr>
+          <p:cNvPr id="32" name="Arrow: Right 31">
+            <a:extLst>
+              <a:ext uri="{FF2B5EF4-FFF2-40B4-BE49-F238E27FC236}">
+                <a16:creationId xmlns:a16="http://schemas.microsoft.com/office/drawing/2014/main" id="{B7A7C956-7574-409D-9C91-4AD6A7F50B05}"/>
+              </a:ext>
+            </a:extLst>
+          </p:cNvPr>
+          <p:cNvSpPr/>
+          <p:nvPr/>
+        </p:nvSpPr>
+        <p:spPr>
+          <a:xfrm>
+            <a:off x="5435479" y="1711241"/>
+            <a:ext cx="204350" cy="196633"/>
+          </a:xfrm>
+          <a:prstGeom prst="rightArrow">
+            <a:avLst/>
+          </a:prstGeom>
+        </p:spPr>
+        <p:style>
+          <a:lnRef idx="2">
+            <a:schemeClr val="accent1">
+              <a:shade val="50000"/>
+            </a:schemeClr>
+          </a:lnRef>
+          <a:fillRef idx="1">
+            <a:schemeClr val="accent1"/>
+          </a:fillRef>
+          <a:effectRef idx="0">
+            <a:schemeClr val="accent1"/>
+          </a:effectRef>
+          <a:fontRef idx="minor">
+            <a:schemeClr val="lt1"/>
+          </a:fontRef>
+        </p:style>
+        <p:txBody>
+          <a:bodyPr rtlCol="0" anchor="ctr"/>
+          <a:lstStyle/>
+          <a:p>
+            <a:pPr algn="ctr"/>
+            <a:endParaRPr lang="en-US"/>
+          </a:p>
+        </p:txBody>
+      </p:sp>
+      <p:sp>
+        <p:nvSpPr>
+          <p:cNvPr id="37" name="Arrow: Right 36">
+            <a:extLst>
+              <a:ext uri="{FF2B5EF4-FFF2-40B4-BE49-F238E27FC236}">
+                <a16:creationId xmlns:a16="http://schemas.microsoft.com/office/drawing/2014/main" id="{8A35E329-791B-4CFD-8D0C-733BEECDC741}"/>
+              </a:ext>
+            </a:extLst>
+          </p:cNvPr>
+          <p:cNvSpPr/>
+          <p:nvPr/>
+        </p:nvSpPr>
+        <p:spPr>
+          <a:xfrm>
+            <a:off x="951560" y="2709478"/>
+            <a:ext cx="204350" cy="196633"/>
+          </a:xfrm>
+          <a:prstGeom prst="rightArrow">
+            <a:avLst/>
+          </a:prstGeom>
+        </p:spPr>
+        <p:style>
+          <a:lnRef idx="2">
+            <a:schemeClr val="accent1">
+              <a:shade val="50000"/>
+            </a:schemeClr>
+          </a:lnRef>
+          <a:fillRef idx="1">
+            <a:schemeClr val="accent1"/>
+          </a:fillRef>
+          <a:effectRef idx="0">
+            <a:schemeClr val="accent1"/>
+          </a:effectRef>
+          <a:fontRef idx="minor">
+            <a:schemeClr val="lt1"/>
+          </a:fontRef>
+        </p:style>
+        <p:txBody>
+          <a:bodyPr rtlCol="0" anchor="ctr"/>
+          <a:lstStyle/>
+          <a:p>
+            <a:pPr algn="ctr"/>
+            <a:endParaRPr lang="en-US"/>
+          </a:p>
+        </p:txBody>
+      </p:sp>
+      <p:sp>
+        <p:nvSpPr>
+          <p:cNvPr id="49" name="Rectangle 48">
+            <a:extLst>
+              <a:ext uri="{FF2B5EF4-FFF2-40B4-BE49-F238E27FC236}">
+                <a16:creationId xmlns:a16="http://schemas.microsoft.com/office/drawing/2014/main" id="{C78C720D-183E-4776-9F5B-F4F199272041}"/>
+              </a:ext>
+            </a:extLst>
+          </p:cNvPr>
+          <p:cNvSpPr/>
+          <p:nvPr/>
+        </p:nvSpPr>
+        <p:spPr>
+          <a:xfrm>
+            <a:off x="3016220" y="2734504"/>
+            <a:ext cx="1187377" cy="273738"/>
+          </a:xfrm>
+          <a:prstGeom prst="rect">
+            <a:avLst/>
+          </a:prstGeom>
+          <a:noFill/>
+        </p:spPr>
+        <p:style>
+          <a:lnRef idx="2">
+            <a:schemeClr val="accent4">
+              <a:shade val="50000"/>
+            </a:schemeClr>
+          </a:lnRef>
+          <a:fillRef idx="1">
+            <a:schemeClr val="accent4"/>
+          </a:fillRef>
+          <a:effectRef idx="0">
+            <a:schemeClr val="accent4"/>
+          </a:effectRef>
+          <a:fontRef idx="minor">
+            <a:schemeClr val="lt1"/>
+          </a:fontRef>
+        </p:style>
+        <p:txBody>
+          <a:bodyPr rtlCol="0" anchor="ctr"/>
+          <a:lstStyle/>
+          <a:p>
+            <a:pPr algn="ctr"/>
+            <a:r>
+              <a:rPr lang="en-US" sz="1400" dirty="0">
+                <a:solidFill>
+                  <a:schemeClr val="tx1"/>
+                </a:solidFill>
+              </a:rPr>
+              <a:t>Move z-&gt; top</a:t>
+            </a:r>
+          </a:p>
+        </p:txBody>
+      </p:sp>
+      <p:sp>
+        <p:nvSpPr>
+          <p:cNvPr id="54" name="Arrow: Right 53">
+            <a:extLst>
+              <a:ext uri="{FF2B5EF4-FFF2-40B4-BE49-F238E27FC236}">
+                <a16:creationId xmlns:a16="http://schemas.microsoft.com/office/drawing/2014/main" id="{4CBB62B8-5076-44F1-BEC1-EDD7FE3B7A4A}"/>
+              </a:ext>
+            </a:extLst>
+          </p:cNvPr>
+          <p:cNvSpPr/>
+          <p:nvPr/>
+        </p:nvSpPr>
+        <p:spPr>
+          <a:xfrm>
+            <a:off x="2683579" y="2752593"/>
+            <a:ext cx="204350" cy="196633"/>
+          </a:xfrm>
+          <a:prstGeom prst="rightArrow">
+            <a:avLst/>
+          </a:prstGeom>
+        </p:spPr>
+        <p:style>
+          <a:lnRef idx="2">
+            <a:schemeClr val="accent1">
+              <a:shade val="50000"/>
+            </a:schemeClr>
+          </a:lnRef>
+          <a:fillRef idx="1">
+            <a:schemeClr val="accent1"/>
+          </a:fillRef>
+          <a:effectRef idx="0">
+            <a:schemeClr val="accent1"/>
+          </a:effectRef>
+          <a:fontRef idx="minor">
+            <a:schemeClr val="lt1"/>
+          </a:fontRef>
+        </p:style>
+        <p:txBody>
+          <a:bodyPr rtlCol="0" anchor="ctr"/>
+          <a:lstStyle/>
+          <a:p>
+            <a:pPr algn="ctr"/>
+            <a:endParaRPr lang="en-US"/>
+          </a:p>
+        </p:txBody>
+      </p:sp>
+      <p:sp>
+        <p:nvSpPr>
+          <p:cNvPr id="55" name="Rectangle 54">
+            <a:extLst>
+              <a:ext uri="{FF2B5EF4-FFF2-40B4-BE49-F238E27FC236}">
+                <a16:creationId xmlns:a16="http://schemas.microsoft.com/office/drawing/2014/main" id="{A707454D-8831-4254-8B47-33A8E071F0C0}"/>
+              </a:ext>
+            </a:extLst>
+          </p:cNvPr>
+          <p:cNvSpPr/>
+          <p:nvPr/>
+        </p:nvSpPr>
+        <p:spPr>
+          <a:xfrm>
+            <a:off x="4881597" y="2752593"/>
+            <a:ext cx="1018927" cy="273738"/>
+          </a:xfrm>
+          <a:prstGeom prst="rect">
+            <a:avLst/>
+          </a:prstGeom>
+          <a:noFill/>
+        </p:spPr>
+        <p:style>
+          <a:lnRef idx="2">
+            <a:schemeClr val="accent4">
+              <a:shade val="50000"/>
+            </a:schemeClr>
+          </a:lnRef>
+          <a:fillRef idx="1">
+            <a:schemeClr val="accent4"/>
+          </a:fillRef>
+          <a:effectRef idx="0">
+            <a:schemeClr val="accent4"/>
+          </a:effectRef>
+          <a:fontRef idx="minor">
+            <a:schemeClr val="lt1"/>
+          </a:fontRef>
+        </p:style>
+        <p:txBody>
+          <a:bodyPr rtlCol="0" anchor="ctr"/>
+          <a:lstStyle/>
+          <a:p>
+            <a:pPr algn="ctr"/>
+            <a:r>
+              <a:rPr lang="en-US" sz="1400" dirty="0">
+                <a:solidFill>
+                  <a:schemeClr val="tx1"/>
+                </a:solidFill>
+              </a:rPr>
+              <a:t>END STEP</a:t>
+            </a:r>
+          </a:p>
+        </p:txBody>
+      </p:sp>
+      <p:sp>
+        <p:nvSpPr>
+          <p:cNvPr id="56" name="Arrow: Right 55">
+            <a:extLst>
+              <a:ext uri="{FF2B5EF4-FFF2-40B4-BE49-F238E27FC236}">
+                <a16:creationId xmlns:a16="http://schemas.microsoft.com/office/drawing/2014/main" id="{04E87706-60F9-49F4-8311-6A8CADADA0AA}"/>
+              </a:ext>
+            </a:extLst>
+          </p:cNvPr>
+          <p:cNvSpPr/>
+          <p:nvPr/>
+        </p:nvSpPr>
+        <p:spPr>
+          <a:xfrm>
+            <a:off x="4548956" y="2770682"/>
+            <a:ext cx="204350" cy="196633"/>
+          </a:xfrm>
+          <a:prstGeom prst="rightArrow">
+            <a:avLst/>
+          </a:prstGeom>
+        </p:spPr>
+        <p:style>
+          <a:lnRef idx="2">
+            <a:schemeClr val="accent1">
+              <a:shade val="50000"/>
+            </a:schemeClr>
+          </a:lnRef>
+          <a:fillRef idx="1">
+            <a:schemeClr val="accent1"/>
+          </a:fillRef>
+          <a:effectRef idx="0">
+            <a:schemeClr val="accent1"/>
+          </a:effectRef>
+          <a:fontRef idx="minor">
+            <a:schemeClr val="lt1"/>
+          </a:fontRef>
+        </p:style>
+        <p:txBody>
+          <a:bodyPr rtlCol="0" anchor="ctr"/>
+          <a:lstStyle/>
+          <a:p>
+            <a:pPr algn="ctr"/>
+            <a:endParaRPr lang="en-US"/>
+          </a:p>
+        </p:txBody>
+      </p:sp>
+      <p:sp>
+        <p:nvSpPr>
+          <p:cNvPr id="50" name="Rectangle 49">
+            <a:extLst>
+              <a:ext uri="{FF2B5EF4-FFF2-40B4-BE49-F238E27FC236}">
+                <a16:creationId xmlns:a16="http://schemas.microsoft.com/office/drawing/2014/main" id="{35604B6C-77AC-477A-9EEE-4D2A043AB249}"/>
+              </a:ext>
+            </a:extLst>
+          </p:cNvPr>
+          <p:cNvSpPr/>
+          <p:nvPr/>
+        </p:nvSpPr>
+        <p:spPr>
+          <a:xfrm>
+            <a:off x="4203597" y="1569474"/>
+            <a:ext cx="1018927" cy="528038"/>
+          </a:xfrm>
+          <a:prstGeom prst="rect">
+            <a:avLst/>
+          </a:prstGeom>
+          <a:noFill/>
+        </p:spPr>
+        <p:style>
+          <a:lnRef idx="2">
+            <a:schemeClr val="accent4">
+              <a:shade val="50000"/>
+            </a:schemeClr>
+          </a:lnRef>
+          <a:fillRef idx="1">
+            <a:schemeClr val="accent4"/>
+          </a:fillRef>
+          <a:effectRef idx="0">
+            <a:schemeClr val="accent4"/>
+          </a:effectRef>
+          <a:fontRef idx="minor">
+            <a:schemeClr val="lt1"/>
+          </a:fontRef>
+        </p:style>
+        <p:txBody>
+          <a:bodyPr rtlCol="0" anchor="ctr"/>
+          <a:lstStyle/>
+          <a:p>
+            <a:pPr algn="ctr"/>
+            <a:r>
+              <a:rPr lang="en-US" sz="1400" dirty="0">
+                <a:solidFill>
+                  <a:schemeClr val="tx1"/>
+                </a:solidFill>
+              </a:rPr>
+              <a:t>Heater on</a:t>
+            </a:r>
+          </a:p>
+        </p:txBody>
+      </p:sp>
+      <p:sp>
+        <p:nvSpPr>
+          <p:cNvPr id="51" name="Arrow: Right 50">
+            <a:extLst>
+              <a:ext uri="{FF2B5EF4-FFF2-40B4-BE49-F238E27FC236}">
+                <a16:creationId xmlns:a16="http://schemas.microsoft.com/office/drawing/2014/main" id="{52E03565-4AF6-47BA-A5E2-A024EE1C30E2}"/>
+              </a:ext>
+            </a:extLst>
+          </p:cNvPr>
+          <p:cNvSpPr/>
+          <p:nvPr/>
+        </p:nvSpPr>
+        <p:spPr>
+          <a:xfrm>
+            <a:off x="3864336" y="1743722"/>
+            <a:ext cx="204350" cy="196633"/>
+          </a:xfrm>
+          <a:prstGeom prst="rightArrow">
+            <a:avLst/>
+          </a:prstGeom>
+        </p:spPr>
+        <p:style>
+          <a:lnRef idx="2">
+            <a:schemeClr val="accent1">
+              <a:shade val="50000"/>
+            </a:schemeClr>
+          </a:lnRef>
+          <a:fillRef idx="1">
+            <a:schemeClr val="accent1"/>
+          </a:fillRef>
+          <a:effectRef idx="0">
+            <a:schemeClr val="accent1"/>
+          </a:effectRef>
+          <a:fontRef idx="minor">
+            <a:schemeClr val="lt1"/>
+          </a:fontRef>
+        </p:style>
+        <p:txBody>
+          <a:bodyPr rtlCol="0" anchor="ctr"/>
+          <a:lstStyle/>
+          <a:p>
+            <a:pPr algn="ctr"/>
+            <a:endParaRPr lang="en-US"/>
+          </a:p>
+        </p:txBody>
+      </p:sp>
+      <p:sp>
+        <p:nvSpPr>
+          <p:cNvPr id="52" name="Rectangle 51">
+            <a:extLst>
+              <a:ext uri="{FF2B5EF4-FFF2-40B4-BE49-F238E27FC236}">
+                <a16:creationId xmlns:a16="http://schemas.microsoft.com/office/drawing/2014/main" id="{CE7DA00C-E777-446B-B909-B2653F0CDF69}"/>
+              </a:ext>
+            </a:extLst>
+          </p:cNvPr>
+          <p:cNvSpPr/>
+          <p:nvPr/>
+        </p:nvSpPr>
+        <p:spPr>
+          <a:xfrm>
+            <a:off x="1359771" y="2545948"/>
+            <a:ext cx="1018927" cy="528038"/>
+          </a:xfrm>
+          <a:prstGeom prst="rect">
+            <a:avLst/>
+          </a:prstGeom>
+          <a:noFill/>
+        </p:spPr>
+        <p:style>
+          <a:lnRef idx="2">
+            <a:schemeClr val="accent4">
+              <a:shade val="50000"/>
+            </a:schemeClr>
+          </a:lnRef>
+          <a:fillRef idx="1">
+            <a:schemeClr val="accent4"/>
+          </a:fillRef>
+          <a:effectRef idx="0">
+            <a:schemeClr val="accent4"/>
+          </a:effectRef>
+          <a:fontRef idx="minor">
+            <a:schemeClr val="lt1"/>
+          </a:fontRef>
+        </p:style>
+        <p:txBody>
+          <a:bodyPr rtlCol="0" anchor="ctr"/>
+          <a:lstStyle/>
+          <a:p>
+            <a:pPr algn="ctr"/>
+            <a:r>
+              <a:rPr lang="en-US" sz="1400" dirty="0">
+                <a:solidFill>
+                  <a:schemeClr val="tx1"/>
+                </a:solidFill>
+              </a:rPr>
+              <a:t>Heater off</a:t>
+            </a:r>
+          </a:p>
+        </p:txBody>
+      </p:sp>
+    </p:spTree>
+    <p:extLst>
+      <p:ext uri="{BB962C8B-B14F-4D97-AF65-F5344CB8AC3E}">
+        <p14:creationId xmlns:p14="http://schemas.microsoft.com/office/powerpoint/2010/main" val="3170927110"/>
       </p:ext>
     </p:extLst>
   </p:cSld>

--- a/HMI/GUI.pptx
+++ b/HMI/GUI.pptx
@@ -247,7 +247,7 @@
           <a:p>
             <a:fld id="{7978111C-3D4E-4C98-A10E-01288CAEB423}" type="datetimeFigureOut">
               <a:rPr lang="en-US" smtClean="0"/>
-              <a:t>3/11/2023</a:t>
+              <a:t>3/12/2023</a:t>
             </a:fld>
             <a:endParaRPr lang="en-US"/>
           </a:p>
@@ -417,7 +417,7 @@
           <a:p>
             <a:fld id="{7978111C-3D4E-4C98-A10E-01288CAEB423}" type="datetimeFigureOut">
               <a:rPr lang="en-US" smtClean="0"/>
-              <a:t>3/11/2023</a:t>
+              <a:t>3/12/2023</a:t>
             </a:fld>
             <a:endParaRPr lang="en-US"/>
           </a:p>
@@ -597,7 +597,7 @@
           <a:p>
             <a:fld id="{7978111C-3D4E-4C98-A10E-01288CAEB423}" type="datetimeFigureOut">
               <a:rPr lang="en-US" smtClean="0"/>
-              <a:t>3/11/2023</a:t>
+              <a:t>3/12/2023</a:t>
             </a:fld>
             <a:endParaRPr lang="en-US"/>
           </a:p>
@@ -767,7 +767,7 @@
           <a:p>
             <a:fld id="{7978111C-3D4E-4C98-A10E-01288CAEB423}" type="datetimeFigureOut">
               <a:rPr lang="en-US" smtClean="0"/>
-              <a:t>3/11/2023</a:t>
+              <a:t>3/12/2023</a:t>
             </a:fld>
             <a:endParaRPr lang="en-US"/>
           </a:p>
@@ -1013,7 +1013,7 @@
           <a:p>
             <a:fld id="{7978111C-3D4E-4C98-A10E-01288CAEB423}" type="datetimeFigureOut">
               <a:rPr lang="en-US" smtClean="0"/>
-              <a:t>3/11/2023</a:t>
+              <a:t>3/12/2023</a:t>
             </a:fld>
             <a:endParaRPr lang="en-US"/>
           </a:p>
@@ -1245,7 +1245,7 @@
           <a:p>
             <a:fld id="{7978111C-3D4E-4C98-A10E-01288CAEB423}" type="datetimeFigureOut">
               <a:rPr lang="en-US" smtClean="0"/>
-              <a:t>3/11/2023</a:t>
+              <a:t>3/12/2023</a:t>
             </a:fld>
             <a:endParaRPr lang="en-US"/>
           </a:p>
@@ -1612,7 +1612,7 @@
           <a:p>
             <a:fld id="{7978111C-3D4E-4C98-A10E-01288CAEB423}" type="datetimeFigureOut">
               <a:rPr lang="en-US" smtClean="0"/>
-              <a:t>3/11/2023</a:t>
+              <a:t>3/12/2023</a:t>
             </a:fld>
             <a:endParaRPr lang="en-US"/>
           </a:p>
@@ -1730,7 +1730,7 @@
           <a:p>
             <a:fld id="{7978111C-3D4E-4C98-A10E-01288CAEB423}" type="datetimeFigureOut">
               <a:rPr lang="en-US" smtClean="0"/>
-              <a:t>3/11/2023</a:t>
+              <a:t>3/12/2023</a:t>
             </a:fld>
             <a:endParaRPr lang="en-US"/>
           </a:p>
@@ -1825,7 +1825,7 @@
           <a:p>
             <a:fld id="{7978111C-3D4E-4C98-A10E-01288CAEB423}" type="datetimeFigureOut">
               <a:rPr lang="en-US" smtClean="0"/>
-              <a:t>3/11/2023</a:t>
+              <a:t>3/12/2023</a:t>
             </a:fld>
             <a:endParaRPr lang="en-US"/>
           </a:p>
@@ -2102,7 +2102,7 @@
           <a:p>
             <a:fld id="{7978111C-3D4E-4C98-A10E-01288CAEB423}" type="datetimeFigureOut">
               <a:rPr lang="en-US" smtClean="0"/>
-              <a:t>3/11/2023</a:t>
+              <a:t>3/12/2023</a:t>
             </a:fld>
             <a:endParaRPr lang="en-US"/>
           </a:p>
@@ -2359,7 +2359,7 @@
           <a:p>
             <a:fld id="{7978111C-3D4E-4C98-A10E-01288CAEB423}" type="datetimeFigureOut">
               <a:rPr lang="en-US" smtClean="0"/>
-              <a:t>3/11/2023</a:t>
+              <a:t>3/12/2023</a:t>
             </a:fld>
             <a:endParaRPr lang="en-US"/>
           </a:p>
@@ -2572,7 +2572,7 @@
           <a:p>
             <a:fld id="{7978111C-3D4E-4C98-A10E-01288CAEB423}" type="datetimeFigureOut">
               <a:rPr lang="en-US" smtClean="0"/>
-              <a:t>3/11/2023</a:t>
+              <a:t>3/12/2023</a:t>
             </a:fld>
             <a:endParaRPr lang="en-US"/>
           </a:p>
@@ -6352,6 +6352,13 @@
             <a:avLst/>
           </a:prstGeom>
           <a:noFill/>
+          <a:ln>
+            <a:solidFill>
+              <a:schemeClr val="accent6">
+                <a:lumMod val="50000"/>
+              </a:schemeClr>
+            </a:solidFill>
+          </a:ln>
         </p:spPr>
         <p:style>
           <a:lnRef idx="2">
@@ -6460,6 +6467,13 @@
             <a:avLst/>
           </a:prstGeom>
           <a:noFill/>
+          <a:ln>
+            <a:solidFill>
+              <a:schemeClr val="accent6">
+                <a:lumMod val="50000"/>
+              </a:schemeClr>
+            </a:solidFill>
+          </a:ln>
         </p:spPr>
         <p:style>
           <a:lnRef idx="2">
@@ -6808,6 +6822,13 @@
             <a:avLst/>
           </a:prstGeom>
           <a:noFill/>
+          <a:ln>
+            <a:solidFill>
+              <a:schemeClr val="accent6">
+                <a:lumMod val="50000"/>
+              </a:schemeClr>
+            </a:solidFill>
+          </a:ln>
         </p:spPr>
         <p:style>
           <a:lnRef idx="2">
@@ -6995,7 +7016,7 @@
         </p:nvSpPr>
         <p:spPr>
           <a:xfrm>
-            <a:off x="1284201" y="2691389"/>
+            <a:off x="1290942" y="2508963"/>
             <a:ext cx="987515" cy="273738"/>
           </a:xfrm>
           <a:prstGeom prst="rect">
@@ -7049,13 +7070,20 @@
         </p:nvSpPr>
         <p:spPr>
           <a:xfrm>
-            <a:off x="2395099" y="2691320"/>
+            <a:off x="2401840" y="2508894"/>
             <a:ext cx="506886" cy="273738"/>
           </a:xfrm>
           <a:prstGeom prst="rect">
             <a:avLst/>
           </a:prstGeom>
           <a:noFill/>
+          <a:ln>
+            <a:solidFill>
+              <a:schemeClr val="accent6">
+                <a:lumMod val="50000"/>
+              </a:schemeClr>
+            </a:solidFill>
+          </a:ln>
         </p:spPr>
         <p:style>
           <a:lnRef idx="2">
@@ -7118,7 +7146,7 @@
         </p:blipFill>
         <p:spPr bwMode="auto">
           <a:xfrm>
-            <a:off x="3083786" y="2512969"/>
+            <a:off x="3090527" y="2330543"/>
             <a:ext cx="243344" cy="243344"/>
           </a:xfrm>
           <a:prstGeom prst="rect">
@@ -7165,7 +7193,7 @@
         </p:blipFill>
         <p:spPr bwMode="auto">
           <a:xfrm>
-            <a:off x="3077166" y="2861668"/>
+            <a:off x="3083907" y="2679242"/>
             <a:ext cx="243344" cy="243344"/>
           </a:xfrm>
           <a:prstGeom prst="rect">
@@ -7197,7 +7225,7 @@
         </p:nvSpPr>
         <p:spPr>
           <a:xfrm>
-            <a:off x="951560" y="2709478"/>
+            <a:off x="958301" y="2527052"/>
             <a:ext cx="204350" cy="196633"/>
           </a:xfrm>
           <a:prstGeom prst="rightArrow">
@@ -7243,7 +7271,7 @@
         </p:nvSpPr>
         <p:spPr>
           <a:xfrm>
-            <a:off x="4125960" y="2686975"/>
+            <a:off x="4132701" y="2504549"/>
             <a:ext cx="987515" cy="273738"/>
           </a:xfrm>
           <a:prstGeom prst="rect">
@@ -7297,13 +7325,20 @@
         </p:nvSpPr>
         <p:spPr>
           <a:xfrm>
-            <a:off x="5236858" y="2686906"/>
+            <a:off x="5243599" y="2504480"/>
             <a:ext cx="506886" cy="273738"/>
           </a:xfrm>
           <a:prstGeom prst="rect">
             <a:avLst/>
           </a:prstGeom>
           <a:noFill/>
+          <a:ln>
+            <a:solidFill>
+              <a:schemeClr val="accent6">
+                <a:lumMod val="50000"/>
+              </a:schemeClr>
+            </a:solidFill>
+          </a:ln>
         </p:spPr>
         <p:style>
           <a:lnRef idx="2">
@@ -7366,7 +7401,7 @@
         </p:blipFill>
         <p:spPr bwMode="auto">
           <a:xfrm>
-            <a:off x="5925545" y="2508555"/>
+            <a:off x="5932286" y="2326129"/>
             <a:ext cx="243344" cy="243344"/>
           </a:xfrm>
           <a:prstGeom prst="rect">
@@ -7413,7 +7448,7 @@
         </p:blipFill>
         <p:spPr bwMode="auto">
           <a:xfrm>
-            <a:off x="5918925" y="2857254"/>
+            <a:off x="5925666" y="2674828"/>
             <a:ext cx="243344" cy="243344"/>
           </a:xfrm>
           <a:prstGeom prst="rect">
@@ -7445,7 +7480,7 @@
         </p:nvSpPr>
         <p:spPr>
           <a:xfrm>
-            <a:off x="3793319" y="2705064"/>
+            <a:off x="3800060" y="2522638"/>
             <a:ext cx="204350" cy="196633"/>
           </a:xfrm>
           <a:prstGeom prst="rightArrow">
@@ -7491,7 +7526,7 @@
         </p:nvSpPr>
         <p:spPr>
           <a:xfrm>
-            <a:off x="3793319" y="3647182"/>
+            <a:off x="3800060" y="3464756"/>
             <a:ext cx="987515" cy="273738"/>
           </a:xfrm>
           <a:prstGeom prst="rect">
@@ -7545,13 +7580,20 @@
         </p:nvSpPr>
         <p:spPr>
           <a:xfrm>
-            <a:off x="4904217" y="3647113"/>
+            <a:off x="4910958" y="3464687"/>
             <a:ext cx="506886" cy="273738"/>
           </a:xfrm>
           <a:prstGeom prst="rect">
             <a:avLst/>
           </a:prstGeom>
           <a:noFill/>
+          <a:ln>
+            <a:solidFill>
+              <a:schemeClr val="accent6">
+                <a:lumMod val="50000"/>
+              </a:schemeClr>
+            </a:solidFill>
+          </a:ln>
         </p:spPr>
         <p:style>
           <a:lnRef idx="2">
@@ -7614,7 +7656,7 @@
         </p:blipFill>
         <p:spPr bwMode="auto">
           <a:xfrm>
-            <a:off x="5592904" y="3468762"/>
+            <a:off x="5599645" y="3286336"/>
             <a:ext cx="243344" cy="243344"/>
           </a:xfrm>
           <a:prstGeom prst="rect">
@@ -7661,7 +7703,7 @@
         </p:blipFill>
         <p:spPr bwMode="auto">
           <a:xfrm>
-            <a:off x="5586284" y="3817461"/>
+            <a:off x="5593025" y="3635035"/>
             <a:ext cx="243344" cy="243344"/>
           </a:xfrm>
           <a:prstGeom prst="rect">
@@ -7693,7 +7735,7 @@
         </p:nvSpPr>
         <p:spPr>
           <a:xfrm>
-            <a:off x="3460678" y="3665271"/>
+            <a:off x="3467419" y="3482845"/>
             <a:ext cx="204350" cy="196633"/>
           </a:xfrm>
           <a:prstGeom prst="rightArrow">
@@ -7739,7 +7781,7 @@
         </p:nvSpPr>
         <p:spPr>
           <a:xfrm>
-            <a:off x="1785010" y="3659392"/>
+            <a:off x="1791751" y="3476966"/>
             <a:ext cx="1187377" cy="273738"/>
           </a:xfrm>
           <a:prstGeom prst="rect">
@@ -7793,7 +7835,7 @@
         </p:nvSpPr>
         <p:spPr>
           <a:xfrm>
-            <a:off x="1452369" y="3677481"/>
+            <a:off x="1459110" y="3495055"/>
             <a:ext cx="204350" cy="196633"/>
           </a:xfrm>
           <a:prstGeom prst="rightArrow">
@@ -7839,7 +7881,7 @@
         </p:nvSpPr>
         <p:spPr>
           <a:xfrm>
-            <a:off x="6418090" y="3647113"/>
+            <a:off x="6482565" y="3464687"/>
             <a:ext cx="976641" cy="273738"/>
           </a:xfrm>
           <a:prstGeom prst="rect">
@@ -7893,7 +7935,7 @@
         </p:nvSpPr>
         <p:spPr>
           <a:xfrm>
-            <a:off x="6085449" y="3665202"/>
+            <a:off x="6092190" y="3482776"/>
             <a:ext cx="204350" cy="196633"/>
           </a:xfrm>
           <a:prstGeom prst="rightArrow">
@@ -7922,6 +7964,230 @@
           <a:p>
             <a:pPr algn="ctr"/>
             <a:endParaRPr lang="en-US"/>
+          </a:p>
+        </p:txBody>
+      </p:sp>
+      <p:sp>
+        <p:nvSpPr>
+          <p:cNvPr id="51" name="Rectangle 50">
+            <a:extLst>
+              <a:ext uri="{FF2B5EF4-FFF2-40B4-BE49-F238E27FC236}">
+                <a16:creationId xmlns:a16="http://schemas.microsoft.com/office/drawing/2014/main" id="{BEA837DD-9107-4413-832F-9EC5F23D2672}"/>
+              </a:ext>
+            </a:extLst>
+          </p:cNvPr>
+          <p:cNvSpPr/>
+          <p:nvPr/>
+        </p:nvSpPr>
+        <p:spPr>
+          <a:xfrm>
+            <a:off x="6482565" y="4069686"/>
+            <a:ext cx="595158" cy="273738"/>
+          </a:xfrm>
+          <a:prstGeom prst="rect">
+            <a:avLst/>
+          </a:prstGeom>
+          <a:solidFill>
+            <a:schemeClr val="accent2"/>
+          </a:solidFill>
+        </p:spPr>
+        <p:style>
+          <a:lnRef idx="2">
+            <a:schemeClr val="accent4">
+              <a:shade val="50000"/>
+            </a:schemeClr>
+          </a:lnRef>
+          <a:fillRef idx="1">
+            <a:schemeClr val="accent4"/>
+          </a:fillRef>
+          <a:effectRef idx="0">
+            <a:schemeClr val="accent4"/>
+          </a:effectRef>
+          <a:fontRef idx="minor">
+            <a:schemeClr val="lt1"/>
+          </a:fontRef>
+        </p:style>
+        <p:txBody>
+          <a:bodyPr rtlCol="0" anchor="ctr"/>
+          <a:lstStyle/>
+          <a:p>
+            <a:pPr algn="ctr"/>
+            <a:r>
+              <a:rPr lang="en-US" sz="1400" dirty="0">
+                <a:solidFill>
+                  <a:schemeClr val="tx1"/>
+                </a:solidFill>
+              </a:rPr>
+              <a:t>apply</a:t>
+            </a:r>
+          </a:p>
+        </p:txBody>
+      </p:sp>
+      <p:sp>
+        <p:nvSpPr>
+          <p:cNvPr id="52" name="Rectangle 51">
+            <a:extLst>
+              <a:ext uri="{FF2B5EF4-FFF2-40B4-BE49-F238E27FC236}">
+                <a16:creationId xmlns:a16="http://schemas.microsoft.com/office/drawing/2014/main" id="{EF2A5287-B9FC-4512-BC95-36F39E2AE1FB}"/>
+              </a:ext>
+            </a:extLst>
+          </p:cNvPr>
+          <p:cNvSpPr/>
+          <p:nvPr/>
+        </p:nvSpPr>
+        <p:spPr>
+          <a:xfrm>
+            <a:off x="5756379" y="4069686"/>
+            <a:ext cx="595158" cy="273738"/>
+          </a:xfrm>
+          <a:prstGeom prst="rect">
+            <a:avLst/>
+          </a:prstGeom>
+          <a:solidFill>
+            <a:schemeClr val="accent2"/>
+          </a:solidFill>
+        </p:spPr>
+        <p:style>
+          <a:lnRef idx="2">
+            <a:schemeClr val="accent4">
+              <a:shade val="50000"/>
+            </a:schemeClr>
+          </a:lnRef>
+          <a:fillRef idx="1">
+            <a:schemeClr val="accent4"/>
+          </a:fillRef>
+          <a:effectRef idx="0">
+            <a:schemeClr val="accent4"/>
+          </a:effectRef>
+          <a:fontRef idx="minor">
+            <a:schemeClr val="lt1"/>
+          </a:fontRef>
+        </p:style>
+        <p:txBody>
+          <a:bodyPr rtlCol="0" anchor="ctr"/>
+          <a:lstStyle/>
+          <a:p>
+            <a:pPr algn="ctr"/>
+            <a:r>
+              <a:rPr lang="en-US" sz="1400" dirty="0">
+                <a:solidFill>
+                  <a:schemeClr val="tx1"/>
+                </a:solidFill>
+              </a:rPr>
+              <a:t>exit</a:t>
+            </a:r>
+          </a:p>
+        </p:txBody>
+      </p:sp>
+      <p:sp>
+        <p:nvSpPr>
+          <p:cNvPr id="57" name="Rectangle 56">
+            <a:extLst>
+              <a:ext uri="{FF2B5EF4-FFF2-40B4-BE49-F238E27FC236}">
+                <a16:creationId xmlns:a16="http://schemas.microsoft.com/office/drawing/2014/main" id="{EC5CEB50-9F69-4B22-8CC6-D78724FB1EED}"/>
+              </a:ext>
+            </a:extLst>
+          </p:cNvPr>
+          <p:cNvSpPr/>
+          <p:nvPr/>
+        </p:nvSpPr>
+        <p:spPr>
+          <a:xfrm>
+            <a:off x="3537543" y="4091918"/>
+            <a:ext cx="595158" cy="273738"/>
+          </a:xfrm>
+          <a:prstGeom prst="rect">
+            <a:avLst/>
+          </a:prstGeom>
+          <a:solidFill>
+            <a:schemeClr val="accent2"/>
+          </a:solidFill>
+        </p:spPr>
+        <p:style>
+          <a:lnRef idx="2">
+            <a:schemeClr val="accent4">
+              <a:shade val="50000"/>
+            </a:schemeClr>
+          </a:lnRef>
+          <a:fillRef idx="1">
+            <a:schemeClr val="accent4"/>
+          </a:fillRef>
+          <a:effectRef idx="0">
+            <a:schemeClr val="accent4"/>
+          </a:effectRef>
+          <a:fontRef idx="minor">
+            <a:schemeClr val="lt1"/>
+          </a:fontRef>
+        </p:style>
+        <p:txBody>
+          <a:bodyPr rtlCol="0" anchor="ctr"/>
+          <a:lstStyle/>
+          <a:p>
+            <a:pPr algn="ctr"/>
+            <a:r>
+              <a:rPr lang="en-US" sz="1400" dirty="0">
+                <a:solidFill>
+                  <a:schemeClr val="tx1"/>
+                </a:solidFill>
+              </a:rPr>
+              <a:t>&lt;&lt;</a:t>
+            </a:r>
+          </a:p>
+        </p:txBody>
+      </p:sp>
+      <p:sp>
+        <p:nvSpPr>
+          <p:cNvPr id="58" name="Rectangle 57">
+            <a:extLst>
+              <a:ext uri="{FF2B5EF4-FFF2-40B4-BE49-F238E27FC236}">
+                <a16:creationId xmlns:a16="http://schemas.microsoft.com/office/drawing/2014/main" id="{2E525167-D13A-46AF-B7AA-717CB677C4F7}"/>
+              </a:ext>
+            </a:extLst>
+          </p:cNvPr>
+          <p:cNvSpPr/>
+          <p:nvPr/>
+        </p:nvSpPr>
+        <p:spPr>
+          <a:xfrm>
+            <a:off x="4263729" y="4091918"/>
+            <a:ext cx="595158" cy="273738"/>
+          </a:xfrm>
+          <a:prstGeom prst="rect">
+            <a:avLst/>
+          </a:prstGeom>
+          <a:solidFill>
+            <a:schemeClr val="accent2"/>
+          </a:solidFill>
+        </p:spPr>
+        <p:style>
+          <a:lnRef idx="2">
+            <a:schemeClr val="accent4">
+              <a:shade val="50000"/>
+            </a:schemeClr>
+          </a:lnRef>
+          <a:fillRef idx="1">
+            <a:schemeClr val="accent4"/>
+          </a:fillRef>
+          <a:effectRef idx="0">
+            <a:schemeClr val="accent4"/>
+          </a:effectRef>
+          <a:fontRef idx="minor">
+            <a:schemeClr val="lt1"/>
+          </a:fontRef>
+        </p:style>
+        <p:txBody>
+          <a:bodyPr rtlCol="0" anchor="ctr"/>
+          <a:lstStyle/>
+          <a:p>
+            <a:pPr algn="ctr"/>
+            <a:r>
+              <a:rPr lang="en-US" sz="1400" dirty="0">
+                <a:solidFill>
+                  <a:schemeClr val="tx1"/>
+                </a:solidFill>
+              </a:rPr>
+              <a:t>&gt;&gt;</a:t>
+            </a:r>
           </a:p>
         </p:txBody>
       </p:sp>
@@ -8293,7 +8559,7 @@
         </p:nvSpPr>
         <p:spPr>
           <a:xfrm>
-            <a:off x="282340" y="1688639"/>
+            <a:off x="240505" y="1555799"/>
             <a:ext cx="1095008" cy="273738"/>
           </a:xfrm>
           <a:prstGeom prst="rect">
@@ -8362,7 +8628,7 @@
         </p:blipFill>
         <p:spPr bwMode="auto">
           <a:xfrm>
-            <a:off x="1932916" y="1522400"/>
+            <a:off x="1891081" y="1389560"/>
             <a:ext cx="243344" cy="243344"/>
           </a:xfrm>
           <a:prstGeom prst="rect">
@@ -8409,7 +8675,7 @@
         </p:blipFill>
         <p:spPr bwMode="auto">
           <a:xfrm>
-            <a:off x="1926296" y="1871099"/>
+            <a:off x="1884461" y="1738259"/>
             <a:ext cx="243344" cy="243344"/>
           </a:xfrm>
           <a:prstGeom prst="rect">
@@ -8441,7 +8707,7 @@
         </p:nvSpPr>
         <p:spPr>
           <a:xfrm>
-            <a:off x="1473106" y="1688639"/>
+            <a:off x="1431271" y="1555799"/>
             <a:ext cx="372619" cy="273738"/>
           </a:xfrm>
           <a:prstGeom prst="rect">
@@ -8495,7 +8761,7 @@
         </p:nvSpPr>
         <p:spPr>
           <a:xfrm>
-            <a:off x="2603537" y="1703187"/>
+            <a:off x="2561702" y="1570347"/>
             <a:ext cx="559452" cy="273738"/>
           </a:xfrm>
           <a:prstGeom prst="rect">
@@ -8549,7 +8815,7 @@
         </p:nvSpPr>
         <p:spPr>
           <a:xfrm>
-            <a:off x="3238734" y="1699591"/>
+            <a:off x="3196899" y="1566751"/>
             <a:ext cx="506886" cy="273738"/>
           </a:xfrm>
           <a:prstGeom prst="rect">
@@ -8618,7 +8884,7 @@
         </p:blipFill>
         <p:spPr bwMode="auto">
           <a:xfrm>
-            <a:off x="3927421" y="1521240"/>
+            <a:off x="3885586" y="1388400"/>
             <a:ext cx="243344" cy="243344"/>
           </a:xfrm>
           <a:prstGeom prst="rect">
@@ -8665,7 +8931,7 @@
         </p:blipFill>
         <p:spPr bwMode="auto">
           <a:xfrm>
-            <a:off x="3920801" y="1869939"/>
+            <a:off x="3878966" y="1737099"/>
             <a:ext cx="243344" cy="243344"/>
           </a:xfrm>
           <a:prstGeom prst="rect">
@@ -8697,7 +8963,7 @@
         </p:nvSpPr>
         <p:spPr>
           <a:xfrm>
-            <a:off x="2274076" y="1722435"/>
+            <a:off x="2232241" y="1589595"/>
             <a:ext cx="204350" cy="196633"/>
           </a:xfrm>
           <a:prstGeom prst="rightArrow">
@@ -8743,7 +9009,7 @@
         </p:nvSpPr>
         <p:spPr>
           <a:xfrm>
-            <a:off x="4448142" y="1699591"/>
+            <a:off x="4406307" y="1566751"/>
             <a:ext cx="1095008" cy="273738"/>
           </a:xfrm>
           <a:prstGeom prst="rect">
@@ -8797,7 +9063,7 @@
         </p:nvSpPr>
         <p:spPr>
           <a:xfrm>
-            <a:off x="4200658" y="1738143"/>
+            <a:off x="4158823" y="1605303"/>
             <a:ext cx="204350" cy="196633"/>
           </a:xfrm>
           <a:prstGeom prst="rightArrow">
@@ -8843,7 +9109,7 @@
         </p:nvSpPr>
         <p:spPr>
           <a:xfrm>
-            <a:off x="5957860" y="1687479"/>
+            <a:off x="5916025" y="1554639"/>
             <a:ext cx="559452" cy="273738"/>
           </a:xfrm>
           <a:prstGeom prst="rect">
@@ -8897,7 +9163,7 @@
         </p:nvSpPr>
         <p:spPr>
           <a:xfrm>
-            <a:off x="6593057" y="1683883"/>
+            <a:off x="6551222" y="1551043"/>
             <a:ext cx="506886" cy="273738"/>
           </a:xfrm>
           <a:prstGeom prst="rect">
@@ -8966,7 +9232,7 @@
         </p:blipFill>
         <p:spPr bwMode="auto">
           <a:xfrm>
-            <a:off x="7281744" y="1505532"/>
+            <a:off x="7239909" y="1372692"/>
             <a:ext cx="243344" cy="243344"/>
           </a:xfrm>
           <a:prstGeom prst="rect">
@@ -9013,7 +9279,7 @@
         </p:blipFill>
         <p:spPr bwMode="auto">
           <a:xfrm>
-            <a:off x="7275124" y="1854231"/>
+            <a:off x="7233289" y="1721391"/>
             <a:ext cx="243344" cy="243344"/>
           </a:xfrm>
           <a:prstGeom prst="rect">
@@ -9045,7 +9311,7 @@
         </p:nvSpPr>
         <p:spPr>
           <a:xfrm>
-            <a:off x="5625218" y="1705568"/>
+            <a:off x="5583383" y="1572728"/>
             <a:ext cx="204350" cy="196633"/>
           </a:xfrm>
           <a:prstGeom prst="rightArrow">
@@ -9091,7 +9357,7 @@
         </p:nvSpPr>
         <p:spPr>
           <a:xfrm>
-            <a:off x="3325922" y="2658769"/>
+            <a:off x="3284087" y="2525929"/>
             <a:ext cx="987515" cy="273738"/>
           </a:xfrm>
           <a:prstGeom prst="rect">
@@ -9145,7 +9411,7 @@
         </p:nvSpPr>
         <p:spPr>
           <a:xfrm>
-            <a:off x="4436820" y="2658700"/>
+            <a:off x="4394985" y="2525860"/>
             <a:ext cx="506886" cy="273738"/>
           </a:xfrm>
           <a:prstGeom prst="rect">
@@ -9214,7 +9480,7 @@
         </p:blipFill>
         <p:spPr bwMode="auto">
           <a:xfrm>
-            <a:off x="5125507" y="2480349"/>
+            <a:off x="5083672" y="2347509"/>
             <a:ext cx="243344" cy="243344"/>
           </a:xfrm>
           <a:prstGeom prst="rect">
@@ -9261,7 +9527,7 @@
         </p:blipFill>
         <p:spPr bwMode="auto">
           <a:xfrm>
-            <a:off x="5118887" y="2829048"/>
+            <a:off x="5077052" y="2696208"/>
             <a:ext cx="243344" cy="243344"/>
           </a:xfrm>
           <a:prstGeom prst="rect">
@@ -9293,7 +9559,7 @@
         </p:nvSpPr>
         <p:spPr>
           <a:xfrm>
-            <a:off x="951560" y="2709478"/>
+            <a:off x="909725" y="2576638"/>
             <a:ext cx="204350" cy="196633"/>
           </a:xfrm>
           <a:prstGeom prst="rightArrow">
@@ -9339,7 +9605,7 @@
         </p:nvSpPr>
         <p:spPr>
           <a:xfrm>
-            <a:off x="1219753" y="2679881"/>
+            <a:off x="1177918" y="2547041"/>
             <a:ext cx="696572" cy="273738"/>
           </a:xfrm>
           <a:prstGeom prst="rect">
@@ -9393,7 +9659,7 @@
         </p:nvSpPr>
         <p:spPr>
           <a:xfrm>
-            <a:off x="1986185" y="2685258"/>
+            <a:off x="1944350" y="2552418"/>
             <a:ext cx="506886" cy="273738"/>
           </a:xfrm>
           <a:prstGeom prst="rect">
@@ -9462,7 +9728,7 @@
         </p:blipFill>
         <p:spPr bwMode="auto">
           <a:xfrm>
-            <a:off x="2674872" y="2506907"/>
+            <a:off x="2633037" y="2374067"/>
             <a:ext cx="243344" cy="243344"/>
           </a:xfrm>
           <a:prstGeom prst="rect">
@@ -9509,7 +9775,7 @@
         </p:blipFill>
         <p:spPr bwMode="auto">
           <a:xfrm>
-            <a:off x="2668252" y="2855606"/>
+            <a:off x="2626417" y="2722766"/>
             <a:ext cx="243344" cy="243344"/>
           </a:xfrm>
           <a:prstGeom prst="rect">
@@ -9541,7 +9807,7 @@
         </p:nvSpPr>
         <p:spPr>
           <a:xfrm>
-            <a:off x="2986576" y="2719121"/>
+            <a:off x="2944741" y="2586281"/>
             <a:ext cx="204350" cy="196633"/>
           </a:xfrm>
           <a:prstGeom prst="rightArrow">
@@ -9587,7 +9853,7 @@
         </p:nvSpPr>
         <p:spPr>
           <a:xfrm>
-            <a:off x="3793319" y="3647182"/>
+            <a:off x="3965400" y="3329940"/>
             <a:ext cx="987515" cy="273738"/>
           </a:xfrm>
           <a:prstGeom prst="rect">
@@ -9641,7 +9907,7 @@
         </p:nvSpPr>
         <p:spPr>
           <a:xfrm>
-            <a:off x="4904217" y="3647113"/>
+            <a:off x="5076298" y="3329871"/>
             <a:ext cx="506886" cy="273738"/>
           </a:xfrm>
           <a:prstGeom prst="rect">
@@ -9710,7 +9976,7 @@
         </p:blipFill>
         <p:spPr bwMode="auto">
           <a:xfrm>
-            <a:off x="5592904" y="3468762"/>
+            <a:off x="5764985" y="3151520"/>
             <a:ext cx="243344" cy="243344"/>
           </a:xfrm>
           <a:prstGeom prst="rect">
@@ -9757,7 +10023,7 @@
         </p:blipFill>
         <p:spPr bwMode="auto">
           <a:xfrm>
-            <a:off x="5586284" y="3817461"/>
+            <a:off x="5758365" y="3500219"/>
             <a:ext cx="243344" cy="243344"/>
           </a:xfrm>
           <a:prstGeom prst="rect">
@@ -9789,7 +10055,7 @@
         </p:nvSpPr>
         <p:spPr>
           <a:xfrm>
-            <a:off x="3460678" y="3665271"/>
+            <a:off x="3632759" y="3348029"/>
             <a:ext cx="204350" cy="196633"/>
           </a:xfrm>
           <a:prstGeom prst="rightArrow">
@@ -9835,7 +10101,7 @@
         </p:nvSpPr>
         <p:spPr>
           <a:xfrm>
-            <a:off x="731350" y="3644383"/>
+            <a:off x="903431" y="3327141"/>
             <a:ext cx="1201566" cy="273738"/>
           </a:xfrm>
           <a:prstGeom prst="rect">
@@ -9889,7 +10155,7 @@
         </p:nvSpPr>
         <p:spPr>
           <a:xfrm>
-            <a:off x="398709" y="3662472"/>
+            <a:off x="570790" y="3345230"/>
             <a:ext cx="204350" cy="196633"/>
           </a:xfrm>
           <a:prstGeom prst="rightArrow">
@@ -9935,7 +10201,7 @@
         </p:nvSpPr>
         <p:spPr>
           <a:xfrm>
-            <a:off x="6418090" y="3647113"/>
+            <a:off x="6590171" y="3329871"/>
             <a:ext cx="886462" cy="273738"/>
           </a:xfrm>
           <a:prstGeom prst="rect">
@@ -9989,7 +10255,7 @@
         </p:nvSpPr>
         <p:spPr>
           <a:xfrm>
-            <a:off x="6085449" y="3665202"/>
+            <a:off x="6257530" y="3347960"/>
             <a:ext cx="204350" cy="196633"/>
           </a:xfrm>
           <a:prstGeom prst="rightArrow">
@@ -10035,7 +10301,7 @@
         </p:nvSpPr>
         <p:spPr>
           <a:xfrm>
-            <a:off x="111944" y="2542337"/>
+            <a:off x="70109" y="2409497"/>
             <a:ext cx="800434" cy="522086"/>
           </a:xfrm>
           <a:prstGeom prst="rect">
@@ -10089,7 +10355,7 @@
         </p:nvSpPr>
         <p:spPr>
           <a:xfrm>
-            <a:off x="5487565" y="2672183"/>
+            <a:off x="5445730" y="2539343"/>
             <a:ext cx="204350" cy="196633"/>
           </a:xfrm>
           <a:prstGeom prst="rightArrow">
@@ -10135,7 +10401,7 @@
         </p:nvSpPr>
         <p:spPr>
           <a:xfrm>
-            <a:off x="5810629" y="2679006"/>
+            <a:off x="5768794" y="2546166"/>
             <a:ext cx="681853" cy="273738"/>
           </a:xfrm>
           <a:prstGeom prst="rect">
@@ -10189,7 +10455,7 @@
         </p:nvSpPr>
         <p:spPr>
           <a:xfrm>
-            <a:off x="6615865" y="2678937"/>
+            <a:off x="6574030" y="2546097"/>
             <a:ext cx="506886" cy="273738"/>
           </a:xfrm>
           <a:prstGeom prst="rect">
@@ -10258,7 +10524,7 @@
         </p:blipFill>
         <p:spPr bwMode="auto">
           <a:xfrm>
-            <a:off x="7304552" y="2500586"/>
+            <a:off x="7262717" y="2367746"/>
             <a:ext cx="243344" cy="243344"/>
           </a:xfrm>
           <a:prstGeom prst="rect">
@@ -10305,7 +10571,7 @@
         </p:blipFill>
         <p:spPr bwMode="auto">
           <a:xfrm>
-            <a:off x="7297932" y="2849285"/>
+            <a:off x="7256097" y="2716445"/>
             <a:ext cx="243344" cy="243344"/>
           </a:xfrm>
           <a:prstGeom prst="rect">
@@ -10337,7 +10603,7 @@
         </p:nvSpPr>
         <p:spPr>
           <a:xfrm>
-            <a:off x="2482035" y="3489342"/>
+            <a:off x="2654116" y="3172100"/>
             <a:ext cx="800434" cy="522086"/>
           </a:xfrm>
           <a:prstGeom prst="rect">
@@ -10391,7 +10657,7 @@
         </p:nvSpPr>
         <p:spPr>
           <a:xfrm>
-            <a:off x="2118046" y="3677285"/>
+            <a:off x="2290127" y="3360043"/>
             <a:ext cx="204350" cy="196633"/>
           </a:xfrm>
           <a:prstGeom prst="rightArrow">
@@ -10420,6 +10686,230 @@
           <a:p>
             <a:pPr algn="ctr"/>
             <a:endParaRPr lang="en-US"/>
+          </a:p>
+        </p:txBody>
+      </p:sp>
+      <p:sp>
+        <p:nvSpPr>
+          <p:cNvPr id="61" name="Rectangle 60">
+            <a:extLst>
+              <a:ext uri="{FF2B5EF4-FFF2-40B4-BE49-F238E27FC236}">
+                <a16:creationId xmlns:a16="http://schemas.microsoft.com/office/drawing/2014/main" id="{9C10A629-F7B1-4CC4-81E7-B91527B6A276}"/>
+              </a:ext>
+            </a:extLst>
+          </p:cNvPr>
+          <p:cNvSpPr/>
+          <p:nvPr/>
+        </p:nvSpPr>
+        <p:spPr>
+          <a:xfrm>
+            <a:off x="6482565" y="4069686"/>
+            <a:ext cx="595158" cy="273738"/>
+          </a:xfrm>
+          <a:prstGeom prst="rect">
+            <a:avLst/>
+          </a:prstGeom>
+          <a:solidFill>
+            <a:schemeClr val="accent2"/>
+          </a:solidFill>
+        </p:spPr>
+        <p:style>
+          <a:lnRef idx="2">
+            <a:schemeClr val="accent4">
+              <a:shade val="50000"/>
+            </a:schemeClr>
+          </a:lnRef>
+          <a:fillRef idx="1">
+            <a:schemeClr val="accent4"/>
+          </a:fillRef>
+          <a:effectRef idx="0">
+            <a:schemeClr val="accent4"/>
+          </a:effectRef>
+          <a:fontRef idx="minor">
+            <a:schemeClr val="lt1"/>
+          </a:fontRef>
+        </p:style>
+        <p:txBody>
+          <a:bodyPr rtlCol="0" anchor="ctr"/>
+          <a:lstStyle/>
+          <a:p>
+            <a:pPr algn="ctr"/>
+            <a:r>
+              <a:rPr lang="en-US" sz="1400" dirty="0">
+                <a:solidFill>
+                  <a:schemeClr val="tx1"/>
+                </a:solidFill>
+              </a:rPr>
+              <a:t>apply</a:t>
+            </a:r>
+          </a:p>
+        </p:txBody>
+      </p:sp>
+      <p:sp>
+        <p:nvSpPr>
+          <p:cNvPr id="62" name="Rectangle 61">
+            <a:extLst>
+              <a:ext uri="{FF2B5EF4-FFF2-40B4-BE49-F238E27FC236}">
+                <a16:creationId xmlns:a16="http://schemas.microsoft.com/office/drawing/2014/main" id="{3970A4CB-0703-4F95-B5CB-1EC8E29938A3}"/>
+              </a:ext>
+            </a:extLst>
+          </p:cNvPr>
+          <p:cNvSpPr/>
+          <p:nvPr/>
+        </p:nvSpPr>
+        <p:spPr>
+          <a:xfrm>
+            <a:off x="5756379" y="4069686"/>
+            <a:ext cx="595158" cy="273738"/>
+          </a:xfrm>
+          <a:prstGeom prst="rect">
+            <a:avLst/>
+          </a:prstGeom>
+          <a:solidFill>
+            <a:schemeClr val="accent2"/>
+          </a:solidFill>
+        </p:spPr>
+        <p:style>
+          <a:lnRef idx="2">
+            <a:schemeClr val="accent4">
+              <a:shade val="50000"/>
+            </a:schemeClr>
+          </a:lnRef>
+          <a:fillRef idx="1">
+            <a:schemeClr val="accent4"/>
+          </a:fillRef>
+          <a:effectRef idx="0">
+            <a:schemeClr val="accent4"/>
+          </a:effectRef>
+          <a:fontRef idx="minor">
+            <a:schemeClr val="lt1"/>
+          </a:fontRef>
+        </p:style>
+        <p:txBody>
+          <a:bodyPr rtlCol="0" anchor="ctr"/>
+          <a:lstStyle/>
+          <a:p>
+            <a:pPr algn="ctr"/>
+            <a:r>
+              <a:rPr lang="en-US" sz="1400" dirty="0">
+                <a:solidFill>
+                  <a:schemeClr val="tx1"/>
+                </a:solidFill>
+              </a:rPr>
+              <a:t>exit</a:t>
+            </a:r>
+          </a:p>
+        </p:txBody>
+      </p:sp>
+      <p:sp>
+        <p:nvSpPr>
+          <p:cNvPr id="63" name="Rectangle 62">
+            <a:extLst>
+              <a:ext uri="{FF2B5EF4-FFF2-40B4-BE49-F238E27FC236}">
+                <a16:creationId xmlns:a16="http://schemas.microsoft.com/office/drawing/2014/main" id="{D5CB56A6-472F-48D3-AE18-DDFE49EA992B}"/>
+              </a:ext>
+            </a:extLst>
+          </p:cNvPr>
+          <p:cNvSpPr/>
+          <p:nvPr/>
+        </p:nvSpPr>
+        <p:spPr>
+          <a:xfrm>
+            <a:off x="3459490" y="4060805"/>
+            <a:ext cx="595158" cy="273738"/>
+          </a:xfrm>
+          <a:prstGeom prst="rect">
+            <a:avLst/>
+          </a:prstGeom>
+          <a:solidFill>
+            <a:schemeClr val="accent2"/>
+          </a:solidFill>
+        </p:spPr>
+        <p:style>
+          <a:lnRef idx="2">
+            <a:schemeClr val="accent4">
+              <a:shade val="50000"/>
+            </a:schemeClr>
+          </a:lnRef>
+          <a:fillRef idx="1">
+            <a:schemeClr val="accent4"/>
+          </a:fillRef>
+          <a:effectRef idx="0">
+            <a:schemeClr val="accent4"/>
+          </a:effectRef>
+          <a:fontRef idx="minor">
+            <a:schemeClr val="lt1"/>
+          </a:fontRef>
+        </p:style>
+        <p:txBody>
+          <a:bodyPr rtlCol="0" anchor="ctr"/>
+          <a:lstStyle/>
+          <a:p>
+            <a:pPr algn="ctr"/>
+            <a:r>
+              <a:rPr lang="en-US" sz="1400" dirty="0">
+                <a:solidFill>
+                  <a:schemeClr val="tx1"/>
+                </a:solidFill>
+              </a:rPr>
+              <a:t>&lt;&lt;</a:t>
+            </a:r>
+          </a:p>
+        </p:txBody>
+      </p:sp>
+      <p:sp>
+        <p:nvSpPr>
+          <p:cNvPr id="64" name="Rectangle 63">
+            <a:extLst>
+              <a:ext uri="{FF2B5EF4-FFF2-40B4-BE49-F238E27FC236}">
+                <a16:creationId xmlns:a16="http://schemas.microsoft.com/office/drawing/2014/main" id="{947ACD6B-5CB9-4B5A-8C3A-2B6EC548C583}"/>
+              </a:ext>
+            </a:extLst>
+          </p:cNvPr>
+          <p:cNvSpPr/>
+          <p:nvPr/>
+        </p:nvSpPr>
+        <p:spPr>
+          <a:xfrm>
+            <a:off x="4185676" y="4060805"/>
+            <a:ext cx="595158" cy="273738"/>
+          </a:xfrm>
+          <a:prstGeom prst="rect">
+            <a:avLst/>
+          </a:prstGeom>
+          <a:solidFill>
+            <a:schemeClr val="accent2"/>
+          </a:solidFill>
+        </p:spPr>
+        <p:style>
+          <a:lnRef idx="2">
+            <a:schemeClr val="accent4">
+              <a:shade val="50000"/>
+            </a:schemeClr>
+          </a:lnRef>
+          <a:fillRef idx="1">
+            <a:schemeClr val="accent4"/>
+          </a:fillRef>
+          <a:effectRef idx="0">
+            <a:schemeClr val="accent4"/>
+          </a:effectRef>
+          <a:fontRef idx="minor">
+            <a:schemeClr val="lt1"/>
+          </a:fontRef>
+        </p:style>
+        <p:txBody>
+          <a:bodyPr rtlCol="0" anchor="ctr"/>
+          <a:lstStyle/>
+          <a:p>
+            <a:pPr algn="ctr"/>
+            <a:r>
+              <a:rPr lang="en-US" sz="1400" dirty="0">
+                <a:solidFill>
+                  <a:schemeClr val="tx1"/>
+                </a:solidFill>
+              </a:rPr>
+              <a:t>&gt;&gt;</a:t>
+            </a:r>
           </a:p>
         </p:txBody>
       </p:sp>
@@ -11723,6 +12213,230 @@
                 </a:solidFill>
               </a:rPr>
               <a:t>Heater off</a:t>
+            </a:r>
+          </a:p>
+        </p:txBody>
+      </p:sp>
+      <p:sp>
+        <p:nvSpPr>
+          <p:cNvPr id="30" name="Rectangle 29">
+            <a:extLst>
+              <a:ext uri="{FF2B5EF4-FFF2-40B4-BE49-F238E27FC236}">
+                <a16:creationId xmlns:a16="http://schemas.microsoft.com/office/drawing/2014/main" id="{D5AA16EE-2924-40C5-808B-C37CDF7FEC13}"/>
+              </a:ext>
+            </a:extLst>
+          </p:cNvPr>
+          <p:cNvSpPr/>
+          <p:nvPr/>
+        </p:nvSpPr>
+        <p:spPr>
+          <a:xfrm>
+            <a:off x="6482565" y="4069686"/>
+            <a:ext cx="595158" cy="273738"/>
+          </a:xfrm>
+          <a:prstGeom prst="rect">
+            <a:avLst/>
+          </a:prstGeom>
+          <a:solidFill>
+            <a:schemeClr val="accent2"/>
+          </a:solidFill>
+        </p:spPr>
+        <p:style>
+          <a:lnRef idx="2">
+            <a:schemeClr val="accent4">
+              <a:shade val="50000"/>
+            </a:schemeClr>
+          </a:lnRef>
+          <a:fillRef idx="1">
+            <a:schemeClr val="accent4"/>
+          </a:fillRef>
+          <a:effectRef idx="0">
+            <a:schemeClr val="accent4"/>
+          </a:effectRef>
+          <a:fontRef idx="minor">
+            <a:schemeClr val="lt1"/>
+          </a:fontRef>
+        </p:style>
+        <p:txBody>
+          <a:bodyPr rtlCol="0" anchor="ctr"/>
+          <a:lstStyle/>
+          <a:p>
+            <a:pPr algn="ctr"/>
+            <a:r>
+              <a:rPr lang="en-US" sz="1400" dirty="0">
+                <a:solidFill>
+                  <a:schemeClr val="tx1"/>
+                </a:solidFill>
+              </a:rPr>
+              <a:t>apply</a:t>
+            </a:r>
+          </a:p>
+        </p:txBody>
+      </p:sp>
+      <p:sp>
+        <p:nvSpPr>
+          <p:cNvPr id="33" name="Rectangle 32">
+            <a:extLst>
+              <a:ext uri="{FF2B5EF4-FFF2-40B4-BE49-F238E27FC236}">
+                <a16:creationId xmlns:a16="http://schemas.microsoft.com/office/drawing/2014/main" id="{5FC9E712-94F6-4BB7-90A4-6827155D36DC}"/>
+              </a:ext>
+            </a:extLst>
+          </p:cNvPr>
+          <p:cNvSpPr/>
+          <p:nvPr/>
+        </p:nvSpPr>
+        <p:spPr>
+          <a:xfrm>
+            <a:off x="5756379" y="4069686"/>
+            <a:ext cx="595158" cy="273738"/>
+          </a:xfrm>
+          <a:prstGeom prst="rect">
+            <a:avLst/>
+          </a:prstGeom>
+          <a:solidFill>
+            <a:schemeClr val="accent2"/>
+          </a:solidFill>
+        </p:spPr>
+        <p:style>
+          <a:lnRef idx="2">
+            <a:schemeClr val="accent4">
+              <a:shade val="50000"/>
+            </a:schemeClr>
+          </a:lnRef>
+          <a:fillRef idx="1">
+            <a:schemeClr val="accent4"/>
+          </a:fillRef>
+          <a:effectRef idx="0">
+            <a:schemeClr val="accent4"/>
+          </a:effectRef>
+          <a:fontRef idx="minor">
+            <a:schemeClr val="lt1"/>
+          </a:fontRef>
+        </p:style>
+        <p:txBody>
+          <a:bodyPr rtlCol="0" anchor="ctr"/>
+          <a:lstStyle/>
+          <a:p>
+            <a:pPr algn="ctr"/>
+            <a:r>
+              <a:rPr lang="en-US" sz="1400" dirty="0">
+                <a:solidFill>
+                  <a:schemeClr val="tx1"/>
+                </a:solidFill>
+              </a:rPr>
+              <a:t>exit</a:t>
+            </a:r>
+          </a:p>
+        </p:txBody>
+      </p:sp>
+      <p:sp>
+        <p:nvSpPr>
+          <p:cNvPr id="34" name="Rectangle 33">
+            <a:extLst>
+              <a:ext uri="{FF2B5EF4-FFF2-40B4-BE49-F238E27FC236}">
+                <a16:creationId xmlns:a16="http://schemas.microsoft.com/office/drawing/2014/main" id="{AF8AF5DE-4FBE-4FB9-8E4E-3F924C10AE3F}"/>
+              </a:ext>
+            </a:extLst>
+          </p:cNvPr>
+          <p:cNvSpPr/>
+          <p:nvPr/>
+        </p:nvSpPr>
+        <p:spPr>
+          <a:xfrm>
+            <a:off x="3431962" y="4069686"/>
+            <a:ext cx="595158" cy="273738"/>
+          </a:xfrm>
+          <a:prstGeom prst="rect">
+            <a:avLst/>
+          </a:prstGeom>
+          <a:solidFill>
+            <a:schemeClr val="accent2"/>
+          </a:solidFill>
+        </p:spPr>
+        <p:style>
+          <a:lnRef idx="2">
+            <a:schemeClr val="accent4">
+              <a:shade val="50000"/>
+            </a:schemeClr>
+          </a:lnRef>
+          <a:fillRef idx="1">
+            <a:schemeClr val="accent4"/>
+          </a:fillRef>
+          <a:effectRef idx="0">
+            <a:schemeClr val="accent4"/>
+          </a:effectRef>
+          <a:fontRef idx="minor">
+            <a:schemeClr val="lt1"/>
+          </a:fontRef>
+        </p:style>
+        <p:txBody>
+          <a:bodyPr rtlCol="0" anchor="ctr"/>
+          <a:lstStyle/>
+          <a:p>
+            <a:pPr algn="ctr"/>
+            <a:r>
+              <a:rPr lang="en-US" sz="1400" dirty="0">
+                <a:solidFill>
+                  <a:schemeClr val="tx1"/>
+                </a:solidFill>
+              </a:rPr>
+              <a:t>&lt;&lt;</a:t>
+            </a:r>
+          </a:p>
+        </p:txBody>
+      </p:sp>
+      <p:sp>
+        <p:nvSpPr>
+          <p:cNvPr id="35" name="Rectangle 34">
+            <a:extLst>
+              <a:ext uri="{FF2B5EF4-FFF2-40B4-BE49-F238E27FC236}">
+                <a16:creationId xmlns:a16="http://schemas.microsoft.com/office/drawing/2014/main" id="{1D36FAC9-9619-4EC8-9A71-6FEFC5073F7D}"/>
+              </a:ext>
+            </a:extLst>
+          </p:cNvPr>
+          <p:cNvSpPr/>
+          <p:nvPr/>
+        </p:nvSpPr>
+        <p:spPr>
+          <a:xfrm>
+            <a:off x="4158148" y="4069686"/>
+            <a:ext cx="595158" cy="273738"/>
+          </a:xfrm>
+          <a:prstGeom prst="rect">
+            <a:avLst/>
+          </a:prstGeom>
+          <a:solidFill>
+            <a:schemeClr val="accent2"/>
+          </a:solidFill>
+        </p:spPr>
+        <p:style>
+          <a:lnRef idx="2">
+            <a:schemeClr val="accent4">
+              <a:shade val="50000"/>
+            </a:schemeClr>
+          </a:lnRef>
+          <a:fillRef idx="1">
+            <a:schemeClr val="accent4"/>
+          </a:fillRef>
+          <a:effectRef idx="0">
+            <a:schemeClr val="accent4"/>
+          </a:effectRef>
+          <a:fontRef idx="minor">
+            <a:schemeClr val="lt1"/>
+          </a:fontRef>
+        </p:style>
+        <p:txBody>
+          <a:bodyPr rtlCol="0" anchor="ctr"/>
+          <a:lstStyle/>
+          <a:p>
+            <a:pPr algn="ctr"/>
+            <a:r>
+              <a:rPr lang="en-US" sz="1400" dirty="0">
+                <a:solidFill>
+                  <a:schemeClr val="tx1"/>
+                </a:solidFill>
+              </a:rPr>
+              <a:t>&gt;&gt;</a:t>
             </a:r>
           </a:p>
         </p:txBody>

--- a/HMI/GUI.pptx
+++ b/HMI/GUI.pptx
@@ -10,6 +10,9 @@
     <p:sldId id="258" r:id="rId4"/>
     <p:sldId id="259" r:id="rId5"/>
     <p:sldId id="260" r:id="rId6"/>
+    <p:sldId id="262" r:id="rId7"/>
+    <p:sldId id="263" r:id="rId8"/>
+    <p:sldId id="261" r:id="rId9"/>
   </p:sldIdLst>
   <p:sldSz cx="7620000" cy="4572000"/>
   <p:notesSz cx="6858000" cy="9144000"/>
@@ -247,7 +250,7 @@
           <a:p>
             <a:fld id="{7978111C-3D4E-4C98-A10E-01288CAEB423}" type="datetimeFigureOut">
               <a:rPr lang="en-US" smtClean="0"/>
-              <a:t>3/12/2023</a:t>
+              <a:t>3/18/2023</a:t>
             </a:fld>
             <a:endParaRPr lang="en-US"/>
           </a:p>
@@ -417,7 +420,7 @@
           <a:p>
             <a:fld id="{7978111C-3D4E-4C98-A10E-01288CAEB423}" type="datetimeFigureOut">
               <a:rPr lang="en-US" smtClean="0"/>
-              <a:t>3/12/2023</a:t>
+              <a:t>3/18/2023</a:t>
             </a:fld>
             <a:endParaRPr lang="en-US"/>
           </a:p>
@@ -597,7 +600,7 @@
           <a:p>
             <a:fld id="{7978111C-3D4E-4C98-A10E-01288CAEB423}" type="datetimeFigureOut">
               <a:rPr lang="en-US" smtClean="0"/>
-              <a:t>3/12/2023</a:t>
+              <a:t>3/18/2023</a:t>
             </a:fld>
             <a:endParaRPr lang="en-US"/>
           </a:p>
@@ -767,7 +770,7 @@
           <a:p>
             <a:fld id="{7978111C-3D4E-4C98-A10E-01288CAEB423}" type="datetimeFigureOut">
               <a:rPr lang="en-US" smtClean="0"/>
-              <a:t>3/12/2023</a:t>
+              <a:t>3/18/2023</a:t>
             </a:fld>
             <a:endParaRPr lang="en-US"/>
           </a:p>
@@ -1013,7 +1016,7 @@
           <a:p>
             <a:fld id="{7978111C-3D4E-4C98-A10E-01288CAEB423}" type="datetimeFigureOut">
               <a:rPr lang="en-US" smtClean="0"/>
-              <a:t>3/12/2023</a:t>
+              <a:t>3/18/2023</a:t>
             </a:fld>
             <a:endParaRPr lang="en-US"/>
           </a:p>
@@ -1245,7 +1248,7 @@
           <a:p>
             <a:fld id="{7978111C-3D4E-4C98-A10E-01288CAEB423}" type="datetimeFigureOut">
               <a:rPr lang="en-US" smtClean="0"/>
-              <a:t>3/12/2023</a:t>
+              <a:t>3/18/2023</a:t>
             </a:fld>
             <a:endParaRPr lang="en-US"/>
           </a:p>
@@ -1612,7 +1615,7 @@
           <a:p>
             <a:fld id="{7978111C-3D4E-4C98-A10E-01288CAEB423}" type="datetimeFigureOut">
               <a:rPr lang="en-US" smtClean="0"/>
-              <a:t>3/12/2023</a:t>
+              <a:t>3/18/2023</a:t>
             </a:fld>
             <a:endParaRPr lang="en-US"/>
           </a:p>
@@ -1730,7 +1733,7 @@
           <a:p>
             <a:fld id="{7978111C-3D4E-4C98-A10E-01288CAEB423}" type="datetimeFigureOut">
               <a:rPr lang="en-US" smtClean="0"/>
-              <a:t>3/12/2023</a:t>
+              <a:t>3/18/2023</a:t>
             </a:fld>
             <a:endParaRPr lang="en-US"/>
           </a:p>
@@ -1825,7 +1828,7 @@
           <a:p>
             <a:fld id="{7978111C-3D4E-4C98-A10E-01288CAEB423}" type="datetimeFigureOut">
               <a:rPr lang="en-US" smtClean="0"/>
-              <a:t>3/12/2023</a:t>
+              <a:t>3/18/2023</a:t>
             </a:fld>
             <a:endParaRPr lang="en-US"/>
           </a:p>
@@ -2102,7 +2105,7 @@
           <a:p>
             <a:fld id="{7978111C-3D4E-4C98-A10E-01288CAEB423}" type="datetimeFigureOut">
               <a:rPr lang="en-US" smtClean="0"/>
-              <a:t>3/12/2023</a:t>
+              <a:t>3/18/2023</a:t>
             </a:fld>
             <a:endParaRPr lang="en-US"/>
           </a:p>
@@ -2359,7 +2362,7 @@
           <a:p>
             <a:fld id="{7978111C-3D4E-4C98-A10E-01288CAEB423}" type="datetimeFigureOut">
               <a:rPr lang="en-US" smtClean="0"/>
-              <a:t>3/12/2023</a:t>
+              <a:t>3/18/2023</a:t>
             </a:fld>
             <a:endParaRPr lang="en-US"/>
           </a:p>
@@ -2572,7 +2575,7 @@
           <a:p>
             <a:fld id="{7978111C-3D4E-4C98-A10E-01288CAEB423}" type="datetimeFigureOut">
               <a:rPr lang="en-US" smtClean="0"/>
-              <a:t>3/12/2023</a:t>
+              <a:t>3/18/2023</a:t>
             </a:fld>
             <a:endParaRPr lang="en-US"/>
           </a:p>
@@ -2991,7 +2994,7 @@
         </p:nvSpPr>
         <p:spPr>
           <a:xfrm>
-            <a:off x="978465" y="1205610"/>
+            <a:off x="784672" y="1214580"/>
             <a:ext cx="1261669" cy="273738"/>
           </a:xfrm>
           <a:prstGeom prst="rect">
@@ -3044,7 +3047,7 @@
         </p:nvSpPr>
         <p:spPr>
           <a:xfrm>
-            <a:off x="978465" y="1701638"/>
+            <a:off x="784672" y="1710608"/>
             <a:ext cx="1261669" cy="273738"/>
           </a:xfrm>
           <a:prstGeom prst="rect">
@@ -3097,7 +3100,7 @@
         </p:nvSpPr>
         <p:spPr>
           <a:xfrm>
-            <a:off x="978465" y="2197666"/>
+            <a:off x="784672" y="2206636"/>
             <a:ext cx="1261669" cy="273738"/>
           </a:xfrm>
           <a:prstGeom prst="rect">
@@ -3150,7 +3153,7 @@
         </p:nvSpPr>
         <p:spPr>
           <a:xfrm>
-            <a:off x="978465" y="2693694"/>
+            <a:off x="784672" y="2702664"/>
             <a:ext cx="1261669" cy="273738"/>
           </a:xfrm>
           <a:prstGeom prst="rect">
@@ -3203,7 +3206,7 @@
         </p:nvSpPr>
         <p:spPr>
           <a:xfrm>
-            <a:off x="978465" y="3189722"/>
+            <a:off x="784672" y="3198692"/>
             <a:ext cx="1261669" cy="273738"/>
           </a:xfrm>
           <a:prstGeom prst="rect">
@@ -3924,7 +3927,7 @@
         </p:blipFill>
         <p:spPr bwMode="auto">
           <a:xfrm>
-            <a:off x="6345955" y="1156103"/>
+            <a:off x="6345955" y="1179402"/>
             <a:ext cx="349452" cy="349452"/>
           </a:xfrm>
           <a:prstGeom prst="rect">
@@ -4332,7 +4335,7 @@
         </p:nvSpPr>
         <p:spPr>
           <a:xfrm>
-            <a:off x="6979101" y="1980592"/>
+            <a:off x="7249072" y="1950590"/>
             <a:ext cx="741856" cy="707886"/>
           </a:xfrm>
           <a:prstGeom prst="rect">
@@ -4348,7 +4351,7 @@
           <a:p>
             <a:r>
               <a:rPr lang="en-US" sz="4000" dirty="0"/>
-              <a:t>&gt;&gt;</a:t>
+              <a:t>&gt;</a:t>
             </a:r>
           </a:p>
         </p:txBody>
@@ -4367,7 +4370,7 @@
         </p:nvSpPr>
         <p:spPr>
           <a:xfrm>
-            <a:off x="158518" y="1980592"/>
+            <a:off x="143180" y="1969552"/>
             <a:ext cx="741856" cy="707886"/>
           </a:xfrm>
           <a:prstGeom prst="rect">
@@ -4383,7 +4386,7 @@
           <a:p>
             <a:r>
               <a:rPr lang="en-US" sz="4000" dirty="0"/>
-              <a:t>&lt;&lt;</a:t>
+              <a:t>&lt;</a:t>
             </a:r>
           </a:p>
         </p:txBody>
@@ -5981,7 +5984,7 @@
         <p:spPr>
           <a:xfrm>
             <a:off x="1691613" y="511195"/>
-            <a:ext cx="1261669" cy="273738"/>
+            <a:ext cx="987515" cy="273738"/>
           </a:xfrm>
           <a:prstGeom prst="rect">
             <a:avLst/>
@@ -6036,8 +6039,8 @@
         </p:nvSpPr>
         <p:spPr>
           <a:xfrm>
-            <a:off x="3325922" y="511195"/>
-            <a:ext cx="1261669" cy="273738"/>
+            <a:off x="2979128" y="527554"/>
+            <a:ext cx="987515" cy="273738"/>
           </a:xfrm>
           <a:prstGeom prst="rect">
             <a:avLst/>
@@ -6090,8 +6093,8 @@
         </p:nvSpPr>
         <p:spPr>
           <a:xfrm>
-            <a:off x="4908338" y="511195"/>
-            <a:ext cx="1261669" cy="273738"/>
+            <a:off x="4392443" y="527554"/>
+            <a:ext cx="1025401" cy="273738"/>
           </a:xfrm>
           <a:prstGeom prst="rect">
             <a:avLst/>
@@ -8187,6 +8190,60 @@
                 </a:solidFill>
               </a:rPr>
               <a:t>&gt;&gt;</a:t>
+            </a:r>
+          </a:p>
+        </p:txBody>
+      </p:sp>
+      <p:sp>
+        <p:nvSpPr>
+          <p:cNvPr id="53" name="Rectangle 52">
+            <a:extLst>
+              <a:ext uri="{FF2B5EF4-FFF2-40B4-BE49-F238E27FC236}">
+                <a16:creationId xmlns:a16="http://schemas.microsoft.com/office/drawing/2014/main" id="{8EFB9C9B-D392-43F1-8C16-DAD194BC67BD}"/>
+              </a:ext>
+            </a:extLst>
+          </p:cNvPr>
+          <p:cNvSpPr/>
+          <p:nvPr/>
+        </p:nvSpPr>
+        <p:spPr>
+          <a:xfrm>
+            <a:off x="6004611" y="511195"/>
+            <a:ext cx="1025401" cy="273738"/>
+          </a:xfrm>
+          <a:prstGeom prst="rect">
+            <a:avLst/>
+          </a:prstGeom>
+          <a:noFill/>
+        </p:spPr>
+        <p:style>
+          <a:lnRef idx="2">
+            <a:schemeClr val="accent4">
+              <a:shade val="50000"/>
+            </a:schemeClr>
+          </a:lnRef>
+          <a:fillRef idx="1">
+            <a:schemeClr val="accent4"/>
+          </a:fillRef>
+          <a:effectRef idx="0">
+            <a:schemeClr val="accent4"/>
+          </a:effectRef>
+          <a:fontRef idx="minor">
+            <a:schemeClr val="lt1"/>
+          </a:fontRef>
+        </p:style>
+        <p:txBody>
+          <a:bodyPr rtlCol="0" anchor="ctr"/>
+          <a:lstStyle/>
+          <a:p>
+            <a:pPr algn="ctr"/>
+            <a:r>
+              <a:rPr lang="en-US" sz="1600" dirty="0">
+                <a:solidFill>
+                  <a:schemeClr val="tx1"/>
+                </a:solidFill>
+              </a:rPr>
+              <a:t>ENABLE</a:t>
             </a:r>
           </a:p>
         </p:txBody>
@@ -8223,330 +8280,6 @@
       </p:grpSpPr>
       <p:sp>
         <p:nvSpPr>
-          <p:cNvPr id="6" name="Rectangle 5">
-            <a:extLst>
-              <a:ext uri="{FF2B5EF4-FFF2-40B4-BE49-F238E27FC236}">
-                <a16:creationId xmlns:a16="http://schemas.microsoft.com/office/drawing/2014/main" id="{443C37C1-CB50-46ED-95A3-27628BF66220}"/>
-              </a:ext>
-            </a:extLst>
-          </p:cNvPr>
-          <p:cNvSpPr/>
-          <p:nvPr/>
-        </p:nvSpPr>
-        <p:spPr>
-          <a:xfrm>
-            <a:off x="282340" y="70479"/>
-            <a:ext cx="1409273" cy="273738"/>
-          </a:xfrm>
-          <a:prstGeom prst="rect">
-            <a:avLst/>
-          </a:prstGeom>
-          <a:noFill/>
-        </p:spPr>
-        <p:style>
-          <a:lnRef idx="2">
-            <a:schemeClr val="accent4">
-              <a:shade val="50000"/>
-            </a:schemeClr>
-          </a:lnRef>
-          <a:fillRef idx="1">
-            <a:schemeClr val="accent4"/>
-          </a:fillRef>
-          <a:effectRef idx="0">
-            <a:schemeClr val="accent4"/>
-          </a:effectRef>
-          <a:fontRef idx="minor">
-            <a:schemeClr val="lt1"/>
-          </a:fontRef>
-        </p:style>
-        <p:txBody>
-          <a:bodyPr rtlCol="0" anchor="ctr"/>
-          <a:lstStyle/>
-          <a:p>
-            <a:r>
-              <a:rPr lang="en-US" dirty="0">
-                <a:solidFill>
-                  <a:schemeClr val="tx1"/>
-                </a:solidFill>
-              </a:rPr>
-              <a:t>Program   </a:t>
-            </a:r>
-          </a:p>
-        </p:txBody>
-      </p:sp>
-      <p:sp>
-        <p:nvSpPr>
-          <p:cNvPr id="7" name="Rectangle 6">
-            <a:extLst>
-              <a:ext uri="{FF2B5EF4-FFF2-40B4-BE49-F238E27FC236}">
-                <a16:creationId xmlns:a16="http://schemas.microsoft.com/office/drawing/2014/main" id="{78E6CD1E-3FCD-4AD2-8838-98A3EED27834}"/>
-              </a:ext>
-            </a:extLst>
-          </p:cNvPr>
-          <p:cNvSpPr/>
-          <p:nvPr/>
-        </p:nvSpPr>
-        <p:spPr>
-          <a:xfrm>
-            <a:off x="677192" y="511195"/>
-            <a:ext cx="683616" cy="273738"/>
-          </a:xfrm>
-          <a:prstGeom prst="rect">
-            <a:avLst/>
-          </a:prstGeom>
-          <a:noFill/>
-        </p:spPr>
-        <p:style>
-          <a:lnRef idx="2">
-            <a:schemeClr val="accent4">
-              <a:shade val="50000"/>
-            </a:schemeClr>
-          </a:lnRef>
-          <a:fillRef idx="1">
-            <a:schemeClr val="accent4"/>
-          </a:fillRef>
-          <a:effectRef idx="0">
-            <a:schemeClr val="accent4"/>
-          </a:effectRef>
-          <a:fontRef idx="minor">
-            <a:schemeClr val="lt1"/>
-          </a:fontRef>
-        </p:style>
-        <p:txBody>
-          <a:bodyPr rtlCol="0" anchor="ctr"/>
-          <a:lstStyle/>
-          <a:p>
-            <a:pPr algn="ctr"/>
-            <a:r>
-              <a:rPr lang="en-US" dirty="0">
-                <a:solidFill>
-                  <a:schemeClr val="tx1"/>
-                </a:solidFill>
-              </a:rPr>
-              <a:t>Type</a:t>
-            </a:r>
-          </a:p>
-        </p:txBody>
-      </p:sp>
-      <p:sp>
-        <p:nvSpPr>
-          <p:cNvPr id="8" name="Rectangle 7">
-            <a:extLst>
-              <a:ext uri="{FF2B5EF4-FFF2-40B4-BE49-F238E27FC236}">
-                <a16:creationId xmlns:a16="http://schemas.microsoft.com/office/drawing/2014/main" id="{4662F0E8-AC92-47D6-92FC-BA53CBDB686C}"/>
-              </a:ext>
-            </a:extLst>
-          </p:cNvPr>
-          <p:cNvSpPr/>
-          <p:nvPr/>
-        </p:nvSpPr>
-        <p:spPr>
-          <a:xfrm>
-            <a:off x="1691613" y="511195"/>
-            <a:ext cx="1261669" cy="273738"/>
-          </a:xfrm>
-          <a:prstGeom prst="rect">
-            <a:avLst/>
-          </a:prstGeom>
-          <a:noFill/>
-        </p:spPr>
-        <p:style>
-          <a:lnRef idx="2">
-            <a:schemeClr val="accent4">
-              <a:shade val="50000"/>
-            </a:schemeClr>
-          </a:lnRef>
-          <a:fillRef idx="1">
-            <a:schemeClr val="accent4"/>
-          </a:fillRef>
-          <a:effectRef idx="0">
-            <a:schemeClr val="accent4"/>
-          </a:effectRef>
-          <a:fontRef idx="minor">
-            <a:schemeClr val="lt1"/>
-          </a:fontRef>
-        </p:style>
-        <p:txBody>
-          <a:bodyPr rtlCol="0" anchor="ctr"/>
-          <a:lstStyle/>
-          <a:p>
-            <a:pPr algn="ctr"/>
-            <a:r>
-              <a:rPr lang="en-US" dirty="0">
-                <a:solidFill>
-                  <a:schemeClr val="tx1"/>
-                </a:solidFill>
-              </a:rPr>
-              <a:t>shake</a:t>
-            </a:r>
-          </a:p>
-        </p:txBody>
-      </p:sp>
-      <p:sp>
-        <p:nvSpPr>
-          <p:cNvPr id="9" name="Rectangle 8">
-            <a:extLst>
-              <a:ext uri="{FF2B5EF4-FFF2-40B4-BE49-F238E27FC236}">
-                <a16:creationId xmlns:a16="http://schemas.microsoft.com/office/drawing/2014/main" id="{00FFE81A-A289-403E-845C-F4E8B19848E6}"/>
-              </a:ext>
-            </a:extLst>
-          </p:cNvPr>
-          <p:cNvSpPr/>
-          <p:nvPr/>
-        </p:nvSpPr>
-        <p:spPr>
-          <a:xfrm>
-            <a:off x="3325922" y="511195"/>
-            <a:ext cx="1261669" cy="273738"/>
-          </a:xfrm>
-          <a:prstGeom prst="rect">
-            <a:avLst/>
-          </a:prstGeom>
-          <a:solidFill>
-            <a:schemeClr val="accent6"/>
-          </a:solidFill>
-        </p:spPr>
-        <p:style>
-          <a:lnRef idx="2">
-            <a:schemeClr val="accent4">
-              <a:shade val="50000"/>
-            </a:schemeClr>
-          </a:lnRef>
-          <a:fillRef idx="1">
-            <a:schemeClr val="accent4"/>
-          </a:fillRef>
-          <a:effectRef idx="0">
-            <a:schemeClr val="accent4"/>
-          </a:effectRef>
-          <a:fontRef idx="minor">
-            <a:schemeClr val="lt1"/>
-          </a:fontRef>
-        </p:style>
-        <p:txBody>
-          <a:bodyPr rtlCol="0" anchor="ctr"/>
-          <a:lstStyle/>
-          <a:p>
-            <a:pPr algn="ctr"/>
-            <a:r>
-              <a:rPr lang="en-US" dirty="0">
-                <a:solidFill>
-                  <a:schemeClr val="tx1"/>
-                </a:solidFill>
-              </a:rPr>
-              <a:t>washing</a:t>
-            </a:r>
-          </a:p>
-        </p:txBody>
-      </p:sp>
-      <p:sp>
-        <p:nvSpPr>
-          <p:cNvPr id="10" name="Rectangle 9">
-            <a:extLst>
-              <a:ext uri="{FF2B5EF4-FFF2-40B4-BE49-F238E27FC236}">
-                <a16:creationId xmlns:a16="http://schemas.microsoft.com/office/drawing/2014/main" id="{E83EBC90-B2B9-42CE-A532-D1269D54233F}"/>
-              </a:ext>
-            </a:extLst>
-          </p:cNvPr>
-          <p:cNvSpPr/>
-          <p:nvPr/>
-        </p:nvSpPr>
-        <p:spPr>
-          <a:xfrm>
-            <a:off x="4908338" y="511195"/>
-            <a:ext cx="1261669" cy="273738"/>
-          </a:xfrm>
-          <a:prstGeom prst="rect">
-            <a:avLst/>
-          </a:prstGeom>
-          <a:noFill/>
-        </p:spPr>
-        <p:style>
-          <a:lnRef idx="2">
-            <a:schemeClr val="accent4">
-              <a:shade val="50000"/>
-            </a:schemeClr>
-          </a:lnRef>
-          <a:fillRef idx="1">
-            <a:schemeClr val="accent4"/>
-          </a:fillRef>
-          <a:effectRef idx="0">
-            <a:schemeClr val="accent4"/>
-          </a:effectRef>
-          <a:fontRef idx="minor">
-            <a:schemeClr val="lt1"/>
-          </a:fontRef>
-        </p:style>
-        <p:txBody>
-          <a:bodyPr rtlCol="0" anchor="ctr"/>
-          <a:lstStyle/>
-          <a:p>
-            <a:pPr algn="ctr"/>
-            <a:r>
-              <a:rPr lang="en-US" sz="1600" dirty="0">
-                <a:solidFill>
-                  <a:schemeClr val="tx1"/>
-                </a:solidFill>
-              </a:rPr>
-              <a:t>Drying</a:t>
-            </a:r>
-          </a:p>
-        </p:txBody>
-      </p:sp>
-      <p:sp>
-        <p:nvSpPr>
-          <p:cNvPr id="11" name="Rectangle 10">
-            <a:extLst>
-              <a:ext uri="{FF2B5EF4-FFF2-40B4-BE49-F238E27FC236}">
-                <a16:creationId xmlns:a16="http://schemas.microsoft.com/office/drawing/2014/main" id="{36B50A35-EABF-45E2-B98F-E274DD7542BC}"/>
-              </a:ext>
-            </a:extLst>
-          </p:cNvPr>
-          <p:cNvSpPr/>
-          <p:nvPr/>
-        </p:nvSpPr>
-        <p:spPr>
-          <a:xfrm>
-            <a:off x="2214033" y="70479"/>
-            <a:ext cx="2373557" cy="273738"/>
-          </a:xfrm>
-          <a:prstGeom prst="rect">
-            <a:avLst/>
-          </a:prstGeom>
-          <a:noFill/>
-        </p:spPr>
-        <p:style>
-          <a:lnRef idx="2">
-            <a:schemeClr val="accent4">
-              <a:shade val="50000"/>
-            </a:schemeClr>
-          </a:lnRef>
-          <a:fillRef idx="1">
-            <a:schemeClr val="accent4"/>
-          </a:fillRef>
-          <a:effectRef idx="0">
-            <a:schemeClr val="accent4"/>
-          </a:effectRef>
-          <a:fontRef idx="minor">
-            <a:schemeClr val="lt1"/>
-          </a:fontRef>
-        </p:style>
-        <p:txBody>
-          <a:bodyPr rtlCol="0" anchor="ctr"/>
-          <a:lstStyle/>
-          <a:p>
-            <a:r>
-              <a:rPr lang="en-US" dirty="0">
-                <a:solidFill>
-                  <a:schemeClr val="tx1"/>
-                </a:solidFill>
-              </a:rPr>
-              <a:t>Step Number</a:t>
-            </a:r>
-          </a:p>
-        </p:txBody>
-      </p:sp>
-      <p:sp>
-        <p:nvSpPr>
           <p:cNvPr id="12" name="Rectangle 11">
             <a:extLst>
               <a:ext uri="{FF2B5EF4-FFF2-40B4-BE49-F238E27FC236}">
@@ -10909,6 +10642,384 @@
                 </a:solidFill>
               </a:rPr>
               <a:t>&gt;&gt;</a:t>
+            </a:r>
+          </a:p>
+        </p:txBody>
+      </p:sp>
+      <p:sp>
+        <p:nvSpPr>
+          <p:cNvPr id="72" name="Rectangle 71">
+            <a:extLst>
+              <a:ext uri="{FF2B5EF4-FFF2-40B4-BE49-F238E27FC236}">
+                <a16:creationId xmlns:a16="http://schemas.microsoft.com/office/drawing/2014/main" id="{07149D72-9FD6-4B17-9D61-BD147F44836F}"/>
+              </a:ext>
+            </a:extLst>
+          </p:cNvPr>
+          <p:cNvSpPr/>
+          <p:nvPr/>
+        </p:nvSpPr>
+        <p:spPr>
+          <a:xfrm>
+            <a:off x="282340" y="70479"/>
+            <a:ext cx="1409273" cy="273738"/>
+          </a:xfrm>
+          <a:prstGeom prst="rect">
+            <a:avLst/>
+          </a:prstGeom>
+          <a:noFill/>
+        </p:spPr>
+        <p:style>
+          <a:lnRef idx="2">
+            <a:schemeClr val="accent4">
+              <a:shade val="50000"/>
+            </a:schemeClr>
+          </a:lnRef>
+          <a:fillRef idx="1">
+            <a:schemeClr val="accent4"/>
+          </a:fillRef>
+          <a:effectRef idx="0">
+            <a:schemeClr val="accent4"/>
+          </a:effectRef>
+          <a:fontRef idx="minor">
+            <a:schemeClr val="lt1"/>
+          </a:fontRef>
+        </p:style>
+        <p:txBody>
+          <a:bodyPr rtlCol="0" anchor="ctr"/>
+          <a:lstStyle/>
+          <a:p>
+            <a:r>
+              <a:rPr lang="en-US" dirty="0">
+                <a:solidFill>
+                  <a:schemeClr val="tx1"/>
+                </a:solidFill>
+              </a:rPr>
+              <a:t>Program   </a:t>
+            </a:r>
+          </a:p>
+        </p:txBody>
+      </p:sp>
+      <p:sp>
+        <p:nvSpPr>
+          <p:cNvPr id="73" name="Rectangle 72">
+            <a:extLst>
+              <a:ext uri="{FF2B5EF4-FFF2-40B4-BE49-F238E27FC236}">
+                <a16:creationId xmlns:a16="http://schemas.microsoft.com/office/drawing/2014/main" id="{4BEC2F87-A408-4D4E-9E98-9DF5194D4762}"/>
+              </a:ext>
+            </a:extLst>
+          </p:cNvPr>
+          <p:cNvSpPr/>
+          <p:nvPr/>
+        </p:nvSpPr>
+        <p:spPr>
+          <a:xfrm>
+            <a:off x="677192" y="511195"/>
+            <a:ext cx="683616" cy="273738"/>
+          </a:xfrm>
+          <a:prstGeom prst="rect">
+            <a:avLst/>
+          </a:prstGeom>
+          <a:noFill/>
+        </p:spPr>
+        <p:style>
+          <a:lnRef idx="2">
+            <a:schemeClr val="accent4">
+              <a:shade val="50000"/>
+            </a:schemeClr>
+          </a:lnRef>
+          <a:fillRef idx="1">
+            <a:schemeClr val="accent4"/>
+          </a:fillRef>
+          <a:effectRef idx="0">
+            <a:schemeClr val="accent4"/>
+          </a:effectRef>
+          <a:fontRef idx="minor">
+            <a:schemeClr val="lt1"/>
+          </a:fontRef>
+        </p:style>
+        <p:txBody>
+          <a:bodyPr rtlCol="0" anchor="ctr"/>
+          <a:lstStyle/>
+          <a:p>
+            <a:pPr algn="ctr"/>
+            <a:r>
+              <a:rPr lang="en-US" dirty="0">
+                <a:solidFill>
+                  <a:schemeClr val="tx1"/>
+                </a:solidFill>
+              </a:rPr>
+              <a:t>Type</a:t>
+            </a:r>
+          </a:p>
+        </p:txBody>
+      </p:sp>
+      <p:sp>
+        <p:nvSpPr>
+          <p:cNvPr id="74" name="Rectangle 73">
+            <a:extLst>
+              <a:ext uri="{FF2B5EF4-FFF2-40B4-BE49-F238E27FC236}">
+                <a16:creationId xmlns:a16="http://schemas.microsoft.com/office/drawing/2014/main" id="{7997B74F-41BB-4C0A-9AB4-8F7C82E0C6F6}"/>
+              </a:ext>
+            </a:extLst>
+          </p:cNvPr>
+          <p:cNvSpPr/>
+          <p:nvPr/>
+        </p:nvSpPr>
+        <p:spPr>
+          <a:xfrm>
+            <a:off x="1691613" y="511195"/>
+            <a:ext cx="987515" cy="273738"/>
+          </a:xfrm>
+          <a:prstGeom prst="rect">
+            <a:avLst/>
+          </a:prstGeom>
+          <a:noFill/>
+        </p:spPr>
+        <p:style>
+          <a:lnRef idx="2">
+            <a:schemeClr val="accent4">
+              <a:shade val="50000"/>
+            </a:schemeClr>
+          </a:lnRef>
+          <a:fillRef idx="1">
+            <a:schemeClr val="accent4"/>
+          </a:fillRef>
+          <a:effectRef idx="0">
+            <a:schemeClr val="accent4"/>
+          </a:effectRef>
+          <a:fontRef idx="minor">
+            <a:schemeClr val="lt1"/>
+          </a:fontRef>
+        </p:style>
+        <p:txBody>
+          <a:bodyPr rtlCol="0" anchor="ctr"/>
+          <a:lstStyle/>
+          <a:p>
+            <a:pPr algn="ctr"/>
+            <a:r>
+              <a:rPr lang="en-US" sz="1600" dirty="0">
+                <a:solidFill>
+                  <a:schemeClr val="tx1"/>
+                </a:solidFill>
+              </a:rPr>
+              <a:t>shake</a:t>
+            </a:r>
+          </a:p>
+        </p:txBody>
+      </p:sp>
+      <p:sp>
+        <p:nvSpPr>
+          <p:cNvPr id="75" name="Rectangle 74">
+            <a:extLst>
+              <a:ext uri="{FF2B5EF4-FFF2-40B4-BE49-F238E27FC236}">
+                <a16:creationId xmlns:a16="http://schemas.microsoft.com/office/drawing/2014/main" id="{C7622B50-A25D-4498-8855-2E89E19FBD98}"/>
+              </a:ext>
+            </a:extLst>
+          </p:cNvPr>
+          <p:cNvSpPr/>
+          <p:nvPr/>
+        </p:nvSpPr>
+        <p:spPr>
+          <a:xfrm>
+            <a:off x="2979128" y="527554"/>
+            <a:ext cx="987515" cy="273738"/>
+          </a:xfrm>
+          <a:prstGeom prst="rect">
+            <a:avLst/>
+          </a:prstGeom>
+          <a:solidFill>
+            <a:schemeClr val="accent6"/>
+          </a:solidFill>
+        </p:spPr>
+        <p:style>
+          <a:lnRef idx="2">
+            <a:schemeClr val="accent4">
+              <a:shade val="50000"/>
+            </a:schemeClr>
+          </a:lnRef>
+          <a:fillRef idx="1">
+            <a:schemeClr val="accent4"/>
+          </a:fillRef>
+          <a:effectRef idx="0">
+            <a:schemeClr val="accent4"/>
+          </a:effectRef>
+          <a:fontRef idx="minor">
+            <a:schemeClr val="lt1"/>
+          </a:fontRef>
+        </p:style>
+        <p:txBody>
+          <a:bodyPr rtlCol="0" anchor="ctr"/>
+          <a:lstStyle/>
+          <a:p>
+            <a:pPr algn="ctr"/>
+            <a:r>
+              <a:rPr lang="en-US" dirty="0">
+                <a:solidFill>
+                  <a:schemeClr val="tx1"/>
+                </a:solidFill>
+              </a:rPr>
+              <a:t>washing</a:t>
+            </a:r>
+          </a:p>
+        </p:txBody>
+      </p:sp>
+      <p:sp>
+        <p:nvSpPr>
+          <p:cNvPr id="76" name="Rectangle 75">
+            <a:extLst>
+              <a:ext uri="{FF2B5EF4-FFF2-40B4-BE49-F238E27FC236}">
+                <a16:creationId xmlns:a16="http://schemas.microsoft.com/office/drawing/2014/main" id="{D1232766-EF49-48C4-A880-DA5028BED028}"/>
+              </a:ext>
+            </a:extLst>
+          </p:cNvPr>
+          <p:cNvSpPr/>
+          <p:nvPr/>
+        </p:nvSpPr>
+        <p:spPr>
+          <a:xfrm>
+            <a:off x="4392443" y="527554"/>
+            <a:ext cx="1025401" cy="273738"/>
+          </a:xfrm>
+          <a:prstGeom prst="rect">
+            <a:avLst/>
+          </a:prstGeom>
+          <a:noFill/>
+        </p:spPr>
+        <p:style>
+          <a:lnRef idx="2">
+            <a:schemeClr val="accent4">
+              <a:shade val="50000"/>
+            </a:schemeClr>
+          </a:lnRef>
+          <a:fillRef idx="1">
+            <a:schemeClr val="accent4"/>
+          </a:fillRef>
+          <a:effectRef idx="0">
+            <a:schemeClr val="accent4"/>
+          </a:effectRef>
+          <a:fontRef idx="minor">
+            <a:schemeClr val="lt1"/>
+          </a:fontRef>
+        </p:style>
+        <p:txBody>
+          <a:bodyPr rtlCol="0" anchor="ctr"/>
+          <a:lstStyle/>
+          <a:p>
+            <a:pPr algn="ctr"/>
+            <a:r>
+              <a:rPr lang="en-US" sz="1600" dirty="0">
+                <a:solidFill>
+                  <a:schemeClr val="tx1"/>
+                </a:solidFill>
+              </a:rPr>
+              <a:t>Drying</a:t>
+            </a:r>
+          </a:p>
+        </p:txBody>
+      </p:sp>
+      <p:sp>
+        <p:nvSpPr>
+          <p:cNvPr id="77" name="Rectangle 76">
+            <a:extLst>
+              <a:ext uri="{FF2B5EF4-FFF2-40B4-BE49-F238E27FC236}">
+                <a16:creationId xmlns:a16="http://schemas.microsoft.com/office/drawing/2014/main" id="{56C81CE0-BD38-4A12-9104-A08011493663}"/>
+              </a:ext>
+            </a:extLst>
+          </p:cNvPr>
+          <p:cNvSpPr/>
+          <p:nvPr/>
+        </p:nvSpPr>
+        <p:spPr>
+          <a:xfrm>
+            <a:off x="2214033" y="70479"/>
+            <a:ext cx="2373557" cy="273738"/>
+          </a:xfrm>
+          <a:prstGeom prst="rect">
+            <a:avLst/>
+          </a:prstGeom>
+          <a:noFill/>
+        </p:spPr>
+        <p:style>
+          <a:lnRef idx="2">
+            <a:schemeClr val="accent4">
+              <a:shade val="50000"/>
+            </a:schemeClr>
+          </a:lnRef>
+          <a:fillRef idx="1">
+            <a:schemeClr val="accent4"/>
+          </a:fillRef>
+          <a:effectRef idx="0">
+            <a:schemeClr val="accent4"/>
+          </a:effectRef>
+          <a:fontRef idx="minor">
+            <a:schemeClr val="lt1"/>
+          </a:fontRef>
+        </p:style>
+        <p:txBody>
+          <a:bodyPr rtlCol="0" anchor="ctr"/>
+          <a:lstStyle/>
+          <a:p>
+            <a:r>
+              <a:rPr lang="en-US" dirty="0">
+                <a:solidFill>
+                  <a:schemeClr val="tx1"/>
+                </a:solidFill>
+              </a:rPr>
+              <a:t>Step Number</a:t>
+            </a:r>
+          </a:p>
+        </p:txBody>
+      </p:sp>
+      <p:sp>
+        <p:nvSpPr>
+          <p:cNvPr id="78" name="Rectangle 77">
+            <a:extLst>
+              <a:ext uri="{FF2B5EF4-FFF2-40B4-BE49-F238E27FC236}">
+                <a16:creationId xmlns:a16="http://schemas.microsoft.com/office/drawing/2014/main" id="{A4A893C6-B039-4A43-AC76-868D0BC35E61}"/>
+              </a:ext>
+            </a:extLst>
+          </p:cNvPr>
+          <p:cNvSpPr/>
+          <p:nvPr/>
+        </p:nvSpPr>
+        <p:spPr>
+          <a:xfrm>
+            <a:off x="6004611" y="511195"/>
+            <a:ext cx="1025401" cy="273738"/>
+          </a:xfrm>
+          <a:prstGeom prst="rect">
+            <a:avLst/>
+          </a:prstGeom>
+          <a:noFill/>
+        </p:spPr>
+        <p:style>
+          <a:lnRef idx="2">
+            <a:schemeClr val="accent4">
+              <a:shade val="50000"/>
+            </a:schemeClr>
+          </a:lnRef>
+          <a:fillRef idx="1">
+            <a:schemeClr val="accent4"/>
+          </a:fillRef>
+          <a:effectRef idx="0">
+            <a:schemeClr val="accent4"/>
+          </a:effectRef>
+          <a:fontRef idx="minor">
+            <a:schemeClr val="lt1"/>
+          </a:fontRef>
+        </p:style>
+        <p:txBody>
+          <a:bodyPr rtlCol="0" anchor="ctr"/>
+          <a:lstStyle/>
+          <a:p>
+            <a:pPr algn="ctr"/>
+            <a:r>
+              <a:rPr lang="en-US" sz="1600" dirty="0">
+                <a:solidFill>
+                  <a:schemeClr val="tx1"/>
+                </a:solidFill>
+              </a:rPr>
+              <a:t>ENABLE</a:t>
             </a:r>
           </a:p>
         </p:txBody>
@@ -10945,330 +11056,6 @@
       </p:grpSpPr>
       <p:sp>
         <p:nvSpPr>
-          <p:cNvPr id="6" name="Rectangle 5">
-            <a:extLst>
-              <a:ext uri="{FF2B5EF4-FFF2-40B4-BE49-F238E27FC236}">
-                <a16:creationId xmlns:a16="http://schemas.microsoft.com/office/drawing/2014/main" id="{443C37C1-CB50-46ED-95A3-27628BF66220}"/>
-              </a:ext>
-            </a:extLst>
-          </p:cNvPr>
-          <p:cNvSpPr/>
-          <p:nvPr/>
-        </p:nvSpPr>
-        <p:spPr>
-          <a:xfrm>
-            <a:off x="278355" y="138992"/>
-            <a:ext cx="1409273" cy="273738"/>
-          </a:xfrm>
-          <a:prstGeom prst="rect">
-            <a:avLst/>
-          </a:prstGeom>
-          <a:noFill/>
-        </p:spPr>
-        <p:style>
-          <a:lnRef idx="2">
-            <a:schemeClr val="accent4">
-              <a:shade val="50000"/>
-            </a:schemeClr>
-          </a:lnRef>
-          <a:fillRef idx="1">
-            <a:schemeClr val="accent4"/>
-          </a:fillRef>
-          <a:effectRef idx="0">
-            <a:schemeClr val="accent4"/>
-          </a:effectRef>
-          <a:fontRef idx="minor">
-            <a:schemeClr val="lt1"/>
-          </a:fontRef>
-        </p:style>
-        <p:txBody>
-          <a:bodyPr rtlCol="0" anchor="ctr"/>
-          <a:lstStyle/>
-          <a:p>
-            <a:r>
-              <a:rPr lang="en-US" dirty="0">
-                <a:solidFill>
-                  <a:schemeClr val="tx1"/>
-                </a:solidFill>
-              </a:rPr>
-              <a:t>Program   </a:t>
-            </a:r>
-          </a:p>
-        </p:txBody>
-      </p:sp>
-      <p:sp>
-        <p:nvSpPr>
-          <p:cNvPr id="7" name="Rectangle 6">
-            <a:extLst>
-              <a:ext uri="{FF2B5EF4-FFF2-40B4-BE49-F238E27FC236}">
-                <a16:creationId xmlns:a16="http://schemas.microsoft.com/office/drawing/2014/main" id="{78E6CD1E-3FCD-4AD2-8838-98A3EED27834}"/>
-              </a:ext>
-            </a:extLst>
-          </p:cNvPr>
-          <p:cNvSpPr/>
-          <p:nvPr/>
-        </p:nvSpPr>
-        <p:spPr>
-          <a:xfrm>
-            <a:off x="673207" y="579708"/>
-            <a:ext cx="683616" cy="273738"/>
-          </a:xfrm>
-          <a:prstGeom prst="rect">
-            <a:avLst/>
-          </a:prstGeom>
-          <a:noFill/>
-        </p:spPr>
-        <p:style>
-          <a:lnRef idx="2">
-            <a:schemeClr val="accent4">
-              <a:shade val="50000"/>
-            </a:schemeClr>
-          </a:lnRef>
-          <a:fillRef idx="1">
-            <a:schemeClr val="accent4"/>
-          </a:fillRef>
-          <a:effectRef idx="0">
-            <a:schemeClr val="accent4"/>
-          </a:effectRef>
-          <a:fontRef idx="minor">
-            <a:schemeClr val="lt1"/>
-          </a:fontRef>
-        </p:style>
-        <p:txBody>
-          <a:bodyPr rtlCol="0" anchor="ctr"/>
-          <a:lstStyle/>
-          <a:p>
-            <a:pPr algn="ctr"/>
-            <a:r>
-              <a:rPr lang="en-US" dirty="0">
-                <a:solidFill>
-                  <a:schemeClr val="tx1"/>
-                </a:solidFill>
-              </a:rPr>
-              <a:t>Type</a:t>
-            </a:r>
-          </a:p>
-        </p:txBody>
-      </p:sp>
-      <p:sp>
-        <p:nvSpPr>
-          <p:cNvPr id="8" name="Rectangle 7">
-            <a:extLst>
-              <a:ext uri="{FF2B5EF4-FFF2-40B4-BE49-F238E27FC236}">
-                <a16:creationId xmlns:a16="http://schemas.microsoft.com/office/drawing/2014/main" id="{4662F0E8-AC92-47D6-92FC-BA53CBDB686C}"/>
-              </a:ext>
-            </a:extLst>
-          </p:cNvPr>
-          <p:cNvSpPr/>
-          <p:nvPr/>
-        </p:nvSpPr>
-        <p:spPr>
-          <a:xfrm>
-            <a:off x="1687628" y="579708"/>
-            <a:ext cx="1261669" cy="273738"/>
-          </a:xfrm>
-          <a:prstGeom prst="rect">
-            <a:avLst/>
-          </a:prstGeom>
-          <a:noFill/>
-        </p:spPr>
-        <p:style>
-          <a:lnRef idx="2">
-            <a:schemeClr val="accent4">
-              <a:shade val="50000"/>
-            </a:schemeClr>
-          </a:lnRef>
-          <a:fillRef idx="1">
-            <a:schemeClr val="accent4"/>
-          </a:fillRef>
-          <a:effectRef idx="0">
-            <a:schemeClr val="accent4"/>
-          </a:effectRef>
-          <a:fontRef idx="minor">
-            <a:schemeClr val="lt1"/>
-          </a:fontRef>
-        </p:style>
-        <p:txBody>
-          <a:bodyPr rtlCol="0" anchor="ctr"/>
-          <a:lstStyle/>
-          <a:p>
-            <a:pPr algn="ctr"/>
-            <a:r>
-              <a:rPr lang="en-US" dirty="0">
-                <a:solidFill>
-                  <a:schemeClr val="tx1"/>
-                </a:solidFill>
-              </a:rPr>
-              <a:t>shake</a:t>
-            </a:r>
-          </a:p>
-        </p:txBody>
-      </p:sp>
-      <p:sp>
-        <p:nvSpPr>
-          <p:cNvPr id="9" name="Rectangle 8">
-            <a:extLst>
-              <a:ext uri="{FF2B5EF4-FFF2-40B4-BE49-F238E27FC236}">
-                <a16:creationId xmlns:a16="http://schemas.microsoft.com/office/drawing/2014/main" id="{00FFE81A-A289-403E-845C-F4E8B19848E6}"/>
-              </a:ext>
-            </a:extLst>
-          </p:cNvPr>
-          <p:cNvSpPr/>
-          <p:nvPr/>
-        </p:nvSpPr>
-        <p:spPr>
-          <a:xfrm>
-            <a:off x="3321937" y="579708"/>
-            <a:ext cx="1261669" cy="273738"/>
-          </a:xfrm>
-          <a:prstGeom prst="rect">
-            <a:avLst/>
-          </a:prstGeom>
-          <a:noFill/>
-        </p:spPr>
-        <p:style>
-          <a:lnRef idx="2">
-            <a:schemeClr val="accent4">
-              <a:shade val="50000"/>
-            </a:schemeClr>
-          </a:lnRef>
-          <a:fillRef idx="1">
-            <a:schemeClr val="accent4"/>
-          </a:fillRef>
-          <a:effectRef idx="0">
-            <a:schemeClr val="accent4"/>
-          </a:effectRef>
-          <a:fontRef idx="minor">
-            <a:schemeClr val="lt1"/>
-          </a:fontRef>
-        </p:style>
-        <p:txBody>
-          <a:bodyPr rtlCol="0" anchor="ctr"/>
-          <a:lstStyle/>
-          <a:p>
-            <a:pPr algn="ctr"/>
-            <a:r>
-              <a:rPr lang="en-US" dirty="0">
-                <a:solidFill>
-                  <a:schemeClr val="tx1"/>
-                </a:solidFill>
-              </a:rPr>
-              <a:t>washing</a:t>
-            </a:r>
-          </a:p>
-        </p:txBody>
-      </p:sp>
-      <p:sp>
-        <p:nvSpPr>
-          <p:cNvPr id="10" name="Rectangle 9">
-            <a:extLst>
-              <a:ext uri="{FF2B5EF4-FFF2-40B4-BE49-F238E27FC236}">
-                <a16:creationId xmlns:a16="http://schemas.microsoft.com/office/drawing/2014/main" id="{E83EBC90-B2B9-42CE-A532-D1269D54233F}"/>
-              </a:ext>
-            </a:extLst>
-          </p:cNvPr>
-          <p:cNvSpPr/>
-          <p:nvPr/>
-        </p:nvSpPr>
-        <p:spPr>
-          <a:xfrm>
-            <a:off x="4904353" y="579708"/>
-            <a:ext cx="1261669" cy="273738"/>
-          </a:xfrm>
-          <a:prstGeom prst="rect">
-            <a:avLst/>
-          </a:prstGeom>
-          <a:solidFill>
-            <a:schemeClr val="accent6"/>
-          </a:solidFill>
-        </p:spPr>
-        <p:style>
-          <a:lnRef idx="2">
-            <a:schemeClr val="accent4">
-              <a:shade val="50000"/>
-            </a:schemeClr>
-          </a:lnRef>
-          <a:fillRef idx="1">
-            <a:schemeClr val="accent4"/>
-          </a:fillRef>
-          <a:effectRef idx="0">
-            <a:schemeClr val="accent4"/>
-          </a:effectRef>
-          <a:fontRef idx="minor">
-            <a:schemeClr val="lt1"/>
-          </a:fontRef>
-        </p:style>
-        <p:txBody>
-          <a:bodyPr rtlCol="0" anchor="ctr"/>
-          <a:lstStyle/>
-          <a:p>
-            <a:pPr algn="ctr"/>
-            <a:r>
-              <a:rPr lang="en-US" sz="1600" dirty="0">
-                <a:solidFill>
-                  <a:schemeClr val="tx1"/>
-                </a:solidFill>
-              </a:rPr>
-              <a:t>Drying</a:t>
-            </a:r>
-          </a:p>
-        </p:txBody>
-      </p:sp>
-      <p:sp>
-        <p:nvSpPr>
-          <p:cNvPr id="11" name="Rectangle 10">
-            <a:extLst>
-              <a:ext uri="{FF2B5EF4-FFF2-40B4-BE49-F238E27FC236}">
-                <a16:creationId xmlns:a16="http://schemas.microsoft.com/office/drawing/2014/main" id="{36B50A35-EABF-45E2-B98F-E274DD7542BC}"/>
-              </a:ext>
-            </a:extLst>
-          </p:cNvPr>
-          <p:cNvSpPr/>
-          <p:nvPr/>
-        </p:nvSpPr>
-        <p:spPr>
-          <a:xfrm>
-            <a:off x="2210048" y="138992"/>
-            <a:ext cx="2373557" cy="273738"/>
-          </a:xfrm>
-          <a:prstGeom prst="rect">
-            <a:avLst/>
-          </a:prstGeom>
-          <a:noFill/>
-        </p:spPr>
-        <p:style>
-          <a:lnRef idx="2">
-            <a:schemeClr val="accent4">
-              <a:shade val="50000"/>
-            </a:schemeClr>
-          </a:lnRef>
-          <a:fillRef idx="1">
-            <a:schemeClr val="accent4"/>
-          </a:fillRef>
-          <a:effectRef idx="0">
-            <a:schemeClr val="accent4"/>
-          </a:effectRef>
-          <a:fontRef idx="minor">
-            <a:schemeClr val="lt1"/>
-          </a:fontRef>
-        </p:style>
-        <p:txBody>
-          <a:bodyPr rtlCol="0" anchor="ctr"/>
-          <a:lstStyle/>
-          <a:p>
-            <a:r>
-              <a:rPr lang="en-US" dirty="0">
-                <a:solidFill>
-                  <a:schemeClr val="tx1"/>
-                </a:solidFill>
-              </a:rPr>
-              <a:t>Step Number</a:t>
-            </a:r>
-          </a:p>
-        </p:txBody>
-      </p:sp>
-      <p:sp>
-        <p:nvSpPr>
           <p:cNvPr id="12" name="Rectangle 11">
             <a:extLst>
               <a:ext uri="{FF2B5EF4-FFF2-40B4-BE49-F238E27FC236}">
@@ -12441,10 +12228,1640 @@
           </a:p>
         </p:txBody>
       </p:sp>
+      <p:sp>
+        <p:nvSpPr>
+          <p:cNvPr id="36" name="Rectangle 35">
+            <a:extLst>
+              <a:ext uri="{FF2B5EF4-FFF2-40B4-BE49-F238E27FC236}">
+                <a16:creationId xmlns:a16="http://schemas.microsoft.com/office/drawing/2014/main" id="{C701330C-0895-492B-84D2-E8313944CD79}"/>
+              </a:ext>
+            </a:extLst>
+          </p:cNvPr>
+          <p:cNvSpPr/>
+          <p:nvPr/>
+        </p:nvSpPr>
+        <p:spPr>
+          <a:xfrm>
+            <a:off x="282340" y="70479"/>
+            <a:ext cx="1409273" cy="273738"/>
+          </a:xfrm>
+          <a:prstGeom prst="rect">
+            <a:avLst/>
+          </a:prstGeom>
+          <a:noFill/>
+        </p:spPr>
+        <p:style>
+          <a:lnRef idx="2">
+            <a:schemeClr val="accent4">
+              <a:shade val="50000"/>
+            </a:schemeClr>
+          </a:lnRef>
+          <a:fillRef idx="1">
+            <a:schemeClr val="accent4"/>
+          </a:fillRef>
+          <a:effectRef idx="0">
+            <a:schemeClr val="accent4"/>
+          </a:effectRef>
+          <a:fontRef idx="minor">
+            <a:schemeClr val="lt1"/>
+          </a:fontRef>
+        </p:style>
+        <p:txBody>
+          <a:bodyPr rtlCol="0" anchor="ctr"/>
+          <a:lstStyle/>
+          <a:p>
+            <a:r>
+              <a:rPr lang="en-US" dirty="0">
+                <a:solidFill>
+                  <a:schemeClr val="tx1"/>
+                </a:solidFill>
+              </a:rPr>
+              <a:t>Program   </a:t>
+            </a:r>
+          </a:p>
+        </p:txBody>
+      </p:sp>
+      <p:sp>
+        <p:nvSpPr>
+          <p:cNvPr id="38" name="Rectangle 37">
+            <a:extLst>
+              <a:ext uri="{FF2B5EF4-FFF2-40B4-BE49-F238E27FC236}">
+                <a16:creationId xmlns:a16="http://schemas.microsoft.com/office/drawing/2014/main" id="{B0FEAD55-3473-4188-9053-2B1C735FF529}"/>
+              </a:ext>
+            </a:extLst>
+          </p:cNvPr>
+          <p:cNvSpPr/>
+          <p:nvPr/>
+        </p:nvSpPr>
+        <p:spPr>
+          <a:xfrm>
+            <a:off x="677192" y="511195"/>
+            <a:ext cx="683616" cy="273738"/>
+          </a:xfrm>
+          <a:prstGeom prst="rect">
+            <a:avLst/>
+          </a:prstGeom>
+          <a:noFill/>
+        </p:spPr>
+        <p:style>
+          <a:lnRef idx="2">
+            <a:schemeClr val="accent4">
+              <a:shade val="50000"/>
+            </a:schemeClr>
+          </a:lnRef>
+          <a:fillRef idx="1">
+            <a:schemeClr val="accent4"/>
+          </a:fillRef>
+          <a:effectRef idx="0">
+            <a:schemeClr val="accent4"/>
+          </a:effectRef>
+          <a:fontRef idx="minor">
+            <a:schemeClr val="lt1"/>
+          </a:fontRef>
+        </p:style>
+        <p:txBody>
+          <a:bodyPr rtlCol="0" anchor="ctr"/>
+          <a:lstStyle/>
+          <a:p>
+            <a:pPr algn="ctr"/>
+            <a:r>
+              <a:rPr lang="en-US" dirty="0">
+                <a:solidFill>
+                  <a:schemeClr val="tx1"/>
+                </a:solidFill>
+              </a:rPr>
+              <a:t>Type</a:t>
+            </a:r>
+          </a:p>
+        </p:txBody>
+      </p:sp>
+      <p:sp>
+        <p:nvSpPr>
+          <p:cNvPr id="39" name="Rectangle 38">
+            <a:extLst>
+              <a:ext uri="{FF2B5EF4-FFF2-40B4-BE49-F238E27FC236}">
+                <a16:creationId xmlns:a16="http://schemas.microsoft.com/office/drawing/2014/main" id="{02B7E59C-B225-4202-9D73-7F4C56E0A9C9}"/>
+              </a:ext>
+            </a:extLst>
+          </p:cNvPr>
+          <p:cNvSpPr/>
+          <p:nvPr/>
+        </p:nvSpPr>
+        <p:spPr>
+          <a:xfrm>
+            <a:off x="1691613" y="511195"/>
+            <a:ext cx="987515" cy="273738"/>
+          </a:xfrm>
+          <a:prstGeom prst="rect">
+            <a:avLst/>
+          </a:prstGeom>
+          <a:noFill/>
+        </p:spPr>
+        <p:style>
+          <a:lnRef idx="2">
+            <a:schemeClr val="accent4">
+              <a:shade val="50000"/>
+            </a:schemeClr>
+          </a:lnRef>
+          <a:fillRef idx="1">
+            <a:schemeClr val="accent4"/>
+          </a:fillRef>
+          <a:effectRef idx="0">
+            <a:schemeClr val="accent4"/>
+          </a:effectRef>
+          <a:fontRef idx="minor">
+            <a:schemeClr val="lt1"/>
+          </a:fontRef>
+        </p:style>
+        <p:txBody>
+          <a:bodyPr rtlCol="0" anchor="ctr"/>
+          <a:lstStyle/>
+          <a:p>
+            <a:pPr algn="ctr"/>
+            <a:r>
+              <a:rPr lang="en-US" dirty="0">
+                <a:solidFill>
+                  <a:schemeClr val="tx1"/>
+                </a:solidFill>
+              </a:rPr>
+              <a:t>shake</a:t>
+            </a:r>
+          </a:p>
+        </p:txBody>
+      </p:sp>
+      <p:sp>
+        <p:nvSpPr>
+          <p:cNvPr id="40" name="Rectangle 39">
+            <a:extLst>
+              <a:ext uri="{FF2B5EF4-FFF2-40B4-BE49-F238E27FC236}">
+                <a16:creationId xmlns:a16="http://schemas.microsoft.com/office/drawing/2014/main" id="{AD87E65B-84B9-43F4-9AAF-80624A320F8B}"/>
+              </a:ext>
+            </a:extLst>
+          </p:cNvPr>
+          <p:cNvSpPr/>
+          <p:nvPr/>
+        </p:nvSpPr>
+        <p:spPr>
+          <a:xfrm>
+            <a:off x="2979128" y="527554"/>
+            <a:ext cx="987515" cy="273738"/>
+          </a:xfrm>
+          <a:prstGeom prst="rect">
+            <a:avLst/>
+          </a:prstGeom>
+          <a:noFill/>
+        </p:spPr>
+        <p:style>
+          <a:lnRef idx="2">
+            <a:schemeClr val="accent4">
+              <a:shade val="50000"/>
+            </a:schemeClr>
+          </a:lnRef>
+          <a:fillRef idx="1">
+            <a:schemeClr val="accent4"/>
+          </a:fillRef>
+          <a:effectRef idx="0">
+            <a:schemeClr val="accent4"/>
+          </a:effectRef>
+          <a:fontRef idx="minor">
+            <a:schemeClr val="lt1"/>
+          </a:fontRef>
+        </p:style>
+        <p:txBody>
+          <a:bodyPr rtlCol="0" anchor="ctr"/>
+          <a:lstStyle/>
+          <a:p>
+            <a:pPr algn="ctr"/>
+            <a:r>
+              <a:rPr lang="en-US" dirty="0">
+                <a:solidFill>
+                  <a:schemeClr val="tx1"/>
+                </a:solidFill>
+              </a:rPr>
+              <a:t>washing</a:t>
+            </a:r>
+          </a:p>
+        </p:txBody>
+      </p:sp>
+      <p:sp>
+        <p:nvSpPr>
+          <p:cNvPr id="41" name="Rectangle 40">
+            <a:extLst>
+              <a:ext uri="{FF2B5EF4-FFF2-40B4-BE49-F238E27FC236}">
+                <a16:creationId xmlns:a16="http://schemas.microsoft.com/office/drawing/2014/main" id="{F4FE7171-C30A-4AD0-9048-55D44E928BF4}"/>
+              </a:ext>
+            </a:extLst>
+          </p:cNvPr>
+          <p:cNvSpPr/>
+          <p:nvPr/>
+        </p:nvSpPr>
+        <p:spPr>
+          <a:xfrm>
+            <a:off x="4392443" y="527554"/>
+            <a:ext cx="1025401" cy="273738"/>
+          </a:xfrm>
+          <a:prstGeom prst="rect">
+            <a:avLst/>
+          </a:prstGeom>
+          <a:solidFill>
+            <a:schemeClr val="accent6"/>
+          </a:solidFill>
+        </p:spPr>
+        <p:style>
+          <a:lnRef idx="2">
+            <a:schemeClr val="accent4">
+              <a:shade val="50000"/>
+            </a:schemeClr>
+          </a:lnRef>
+          <a:fillRef idx="1">
+            <a:schemeClr val="accent4"/>
+          </a:fillRef>
+          <a:effectRef idx="0">
+            <a:schemeClr val="accent4"/>
+          </a:effectRef>
+          <a:fontRef idx="minor">
+            <a:schemeClr val="lt1"/>
+          </a:fontRef>
+        </p:style>
+        <p:txBody>
+          <a:bodyPr rtlCol="0" anchor="ctr"/>
+          <a:lstStyle/>
+          <a:p>
+            <a:pPr algn="ctr"/>
+            <a:r>
+              <a:rPr lang="en-US" dirty="0">
+                <a:solidFill>
+                  <a:schemeClr val="tx1"/>
+                </a:solidFill>
+              </a:rPr>
+              <a:t>Drying</a:t>
+            </a:r>
+          </a:p>
+        </p:txBody>
+      </p:sp>
+      <p:sp>
+        <p:nvSpPr>
+          <p:cNvPr id="42" name="Rectangle 41">
+            <a:extLst>
+              <a:ext uri="{FF2B5EF4-FFF2-40B4-BE49-F238E27FC236}">
+                <a16:creationId xmlns:a16="http://schemas.microsoft.com/office/drawing/2014/main" id="{848C185B-9AEF-485B-A470-B330DBA5A273}"/>
+              </a:ext>
+            </a:extLst>
+          </p:cNvPr>
+          <p:cNvSpPr/>
+          <p:nvPr/>
+        </p:nvSpPr>
+        <p:spPr>
+          <a:xfrm>
+            <a:off x="2214033" y="70479"/>
+            <a:ext cx="2373557" cy="273738"/>
+          </a:xfrm>
+          <a:prstGeom prst="rect">
+            <a:avLst/>
+          </a:prstGeom>
+          <a:noFill/>
+        </p:spPr>
+        <p:style>
+          <a:lnRef idx="2">
+            <a:schemeClr val="accent4">
+              <a:shade val="50000"/>
+            </a:schemeClr>
+          </a:lnRef>
+          <a:fillRef idx="1">
+            <a:schemeClr val="accent4"/>
+          </a:fillRef>
+          <a:effectRef idx="0">
+            <a:schemeClr val="accent4"/>
+          </a:effectRef>
+          <a:fontRef idx="minor">
+            <a:schemeClr val="lt1"/>
+          </a:fontRef>
+        </p:style>
+        <p:txBody>
+          <a:bodyPr rtlCol="0" anchor="ctr"/>
+          <a:lstStyle/>
+          <a:p>
+            <a:r>
+              <a:rPr lang="en-US" dirty="0">
+                <a:solidFill>
+                  <a:schemeClr val="tx1"/>
+                </a:solidFill>
+              </a:rPr>
+              <a:t>Step Number</a:t>
+            </a:r>
+          </a:p>
+        </p:txBody>
+      </p:sp>
+      <p:sp>
+        <p:nvSpPr>
+          <p:cNvPr id="43" name="Rectangle 42">
+            <a:extLst>
+              <a:ext uri="{FF2B5EF4-FFF2-40B4-BE49-F238E27FC236}">
+                <a16:creationId xmlns:a16="http://schemas.microsoft.com/office/drawing/2014/main" id="{C2835E18-A9B0-4958-9252-E5AB32118E31}"/>
+              </a:ext>
+            </a:extLst>
+          </p:cNvPr>
+          <p:cNvSpPr/>
+          <p:nvPr/>
+        </p:nvSpPr>
+        <p:spPr>
+          <a:xfrm>
+            <a:off x="5931511" y="534710"/>
+            <a:ext cx="1025401" cy="273738"/>
+          </a:xfrm>
+          <a:prstGeom prst="rect">
+            <a:avLst/>
+          </a:prstGeom>
+          <a:noFill/>
+        </p:spPr>
+        <p:style>
+          <a:lnRef idx="2">
+            <a:schemeClr val="accent4">
+              <a:shade val="50000"/>
+            </a:schemeClr>
+          </a:lnRef>
+          <a:fillRef idx="1">
+            <a:schemeClr val="accent4"/>
+          </a:fillRef>
+          <a:effectRef idx="0">
+            <a:schemeClr val="accent4"/>
+          </a:effectRef>
+          <a:fontRef idx="minor">
+            <a:schemeClr val="lt1"/>
+          </a:fontRef>
+        </p:style>
+        <p:txBody>
+          <a:bodyPr rtlCol="0" anchor="ctr"/>
+          <a:lstStyle/>
+          <a:p>
+            <a:pPr algn="ctr"/>
+            <a:r>
+              <a:rPr lang="en-US" sz="1600" dirty="0">
+                <a:solidFill>
+                  <a:schemeClr val="tx1"/>
+                </a:solidFill>
+              </a:rPr>
+              <a:t>ENABLE</a:t>
+            </a:r>
+          </a:p>
+        </p:txBody>
+      </p:sp>
     </p:spTree>
     <p:extLst>
       <p:ext uri="{BB962C8B-B14F-4D97-AF65-F5344CB8AC3E}">
         <p14:creationId xmlns:p14="http://schemas.microsoft.com/office/powerpoint/2010/main" val="3170927110"/>
+      </p:ext>
+    </p:extLst>
+  </p:cSld>
+  <p:clrMapOvr>
+    <a:masterClrMapping/>
+  </p:clrMapOvr>
+</p:sld>
+</file>
+
+<file path=ppt/slides/slide6.xml><?xml version="1.0" encoding="utf-8"?>
+<p:sld xmlns:a="http://schemas.openxmlformats.org/drawingml/2006/main" xmlns:r="http://schemas.openxmlformats.org/officeDocument/2006/relationships" xmlns:p="http://schemas.openxmlformats.org/presentationml/2006/main">
+  <p:cSld>
+    <p:spTree>
+      <p:nvGrpSpPr>
+        <p:cNvPr id="1" name=""/>
+        <p:cNvGrpSpPr/>
+        <p:nvPr/>
+      </p:nvGrpSpPr>
+      <p:grpSpPr>
+        <a:xfrm>
+          <a:off x="0" y="0"/>
+          <a:ext cx="0" cy="0"/>
+          <a:chOff x="0" y="0"/>
+          <a:chExt cx="0" cy="0"/>
+        </a:xfrm>
+      </p:grpSpPr>
+      <p:sp>
+        <p:nvSpPr>
+          <p:cNvPr id="6" name="Rectangle 5">
+            <a:extLst>
+              <a:ext uri="{FF2B5EF4-FFF2-40B4-BE49-F238E27FC236}">
+                <a16:creationId xmlns:a16="http://schemas.microsoft.com/office/drawing/2014/main" id="{443C37C1-CB50-46ED-95A3-27628BF66220}"/>
+              </a:ext>
+            </a:extLst>
+          </p:cNvPr>
+          <p:cNvSpPr/>
+          <p:nvPr/>
+        </p:nvSpPr>
+        <p:spPr>
+          <a:xfrm>
+            <a:off x="453615" y="618557"/>
+            <a:ext cx="1567369" cy="273738"/>
+          </a:xfrm>
+          <a:prstGeom prst="rect">
+            <a:avLst/>
+          </a:prstGeom>
+          <a:noFill/>
+        </p:spPr>
+        <p:style>
+          <a:lnRef idx="2">
+            <a:schemeClr val="accent4">
+              <a:shade val="50000"/>
+            </a:schemeClr>
+          </a:lnRef>
+          <a:fillRef idx="1">
+            <a:schemeClr val="accent4"/>
+          </a:fillRef>
+          <a:effectRef idx="0">
+            <a:schemeClr val="accent4"/>
+          </a:effectRef>
+          <a:fontRef idx="minor">
+            <a:schemeClr val="lt1"/>
+          </a:fontRef>
+        </p:style>
+        <p:txBody>
+          <a:bodyPr rtlCol="0" anchor="ctr"/>
+          <a:lstStyle/>
+          <a:p>
+            <a:r>
+              <a:rPr lang="en-US" dirty="0">
+                <a:solidFill>
+                  <a:schemeClr val="tx1"/>
+                </a:solidFill>
+              </a:rPr>
+              <a:t>X  :</a:t>
+            </a:r>
+          </a:p>
+        </p:txBody>
+      </p:sp>
+      <p:sp>
+        <p:nvSpPr>
+          <p:cNvPr id="11" name="Rectangle 10">
+            <a:extLst>
+              <a:ext uri="{FF2B5EF4-FFF2-40B4-BE49-F238E27FC236}">
+                <a16:creationId xmlns:a16="http://schemas.microsoft.com/office/drawing/2014/main" id="{36B50A35-EABF-45E2-B98F-E274DD7542BC}"/>
+              </a:ext>
+            </a:extLst>
+          </p:cNvPr>
+          <p:cNvSpPr/>
+          <p:nvPr/>
+        </p:nvSpPr>
+        <p:spPr>
+          <a:xfrm>
+            <a:off x="3162301" y="618557"/>
+            <a:ext cx="778236" cy="273738"/>
+          </a:xfrm>
+          <a:prstGeom prst="rect">
+            <a:avLst/>
+          </a:prstGeom>
+          <a:noFill/>
+        </p:spPr>
+        <p:style>
+          <a:lnRef idx="2">
+            <a:schemeClr val="accent4">
+              <a:shade val="50000"/>
+            </a:schemeClr>
+          </a:lnRef>
+          <a:fillRef idx="1">
+            <a:schemeClr val="accent4"/>
+          </a:fillRef>
+          <a:effectRef idx="0">
+            <a:schemeClr val="accent4"/>
+          </a:effectRef>
+          <a:fontRef idx="minor">
+            <a:schemeClr val="lt1"/>
+          </a:fontRef>
+        </p:style>
+        <p:txBody>
+          <a:bodyPr rtlCol="0" anchor="ctr"/>
+          <a:lstStyle/>
+          <a:p>
+            <a:pPr algn="ctr"/>
+            <a:r>
+              <a:rPr lang="en-US" dirty="0">
+                <a:solidFill>
+                  <a:schemeClr val="tx1"/>
+                </a:solidFill>
+              </a:rPr>
+              <a:t>&lt;&lt;</a:t>
+            </a:r>
+          </a:p>
+        </p:txBody>
+      </p:sp>
+      <p:sp>
+        <p:nvSpPr>
+          <p:cNvPr id="36" name="Rectangle 35">
+            <a:extLst>
+              <a:ext uri="{FF2B5EF4-FFF2-40B4-BE49-F238E27FC236}">
+                <a16:creationId xmlns:a16="http://schemas.microsoft.com/office/drawing/2014/main" id="{5B3FA937-90B3-4156-9739-9C4658ED398E}"/>
+              </a:ext>
+            </a:extLst>
+          </p:cNvPr>
+          <p:cNvSpPr/>
+          <p:nvPr/>
+        </p:nvSpPr>
+        <p:spPr>
+          <a:xfrm>
+            <a:off x="464219" y="964726"/>
+            <a:ext cx="1567369" cy="273738"/>
+          </a:xfrm>
+          <a:prstGeom prst="rect">
+            <a:avLst/>
+          </a:prstGeom>
+          <a:noFill/>
+        </p:spPr>
+        <p:style>
+          <a:lnRef idx="2">
+            <a:schemeClr val="accent4">
+              <a:shade val="50000"/>
+            </a:schemeClr>
+          </a:lnRef>
+          <a:fillRef idx="1">
+            <a:schemeClr val="accent4"/>
+          </a:fillRef>
+          <a:effectRef idx="0">
+            <a:schemeClr val="accent4"/>
+          </a:effectRef>
+          <a:fontRef idx="minor">
+            <a:schemeClr val="lt1"/>
+          </a:fontRef>
+        </p:style>
+        <p:txBody>
+          <a:bodyPr rtlCol="0" anchor="ctr"/>
+          <a:lstStyle/>
+          <a:p>
+            <a:r>
+              <a:rPr lang="en-US" dirty="0">
+                <a:solidFill>
+                  <a:schemeClr val="tx1"/>
+                </a:solidFill>
+              </a:rPr>
+              <a:t>Z  :</a:t>
+            </a:r>
+          </a:p>
+        </p:txBody>
+      </p:sp>
+      <p:sp>
+        <p:nvSpPr>
+          <p:cNvPr id="38" name="Rectangle 37">
+            <a:extLst>
+              <a:ext uri="{FF2B5EF4-FFF2-40B4-BE49-F238E27FC236}">
+                <a16:creationId xmlns:a16="http://schemas.microsoft.com/office/drawing/2014/main" id="{FA595D9D-8924-498A-BD01-B9F3A0B29921}"/>
+              </a:ext>
+            </a:extLst>
+          </p:cNvPr>
+          <p:cNvSpPr/>
+          <p:nvPr/>
+        </p:nvSpPr>
+        <p:spPr>
+          <a:xfrm>
+            <a:off x="3162301" y="964727"/>
+            <a:ext cx="778235" cy="273738"/>
+          </a:xfrm>
+          <a:prstGeom prst="rect">
+            <a:avLst/>
+          </a:prstGeom>
+          <a:noFill/>
+        </p:spPr>
+        <p:style>
+          <a:lnRef idx="2">
+            <a:schemeClr val="accent4">
+              <a:shade val="50000"/>
+            </a:schemeClr>
+          </a:lnRef>
+          <a:fillRef idx="1">
+            <a:schemeClr val="accent4"/>
+          </a:fillRef>
+          <a:effectRef idx="0">
+            <a:schemeClr val="accent4"/>
+          </a:effectRef>
+          <a:fontRef idx="minor">
+            <a:schemeClr val="lt1"/>
+          </a:fontRef>
+        </p:style>
+        <p:txBody>
+          <a:bodyPr rtlCol="0" anchor="ctr"/>
+          <a:lstStyle/>
+          <a:p>
+            <a:pPr algn="ctr"/>
+            <a:r>
+              <a:rPr lang="en-US" dirty="0">
+                <a:solidFill>
+                  <a:schemeClr val="tx1"/>
+                </a:solidFill>
+              </a:rPr>
+              <a:t>&lt;&lt;</a:t>
+            </a:r>
+          </a:p>
+        </p:txBody>
+      </p:sp>
+      <p:sp>
+        <p:nvSpPr>
+          <p:cNvPr id="39" name="Rectangle 38">
+            <a:extLst>
+              <a:ext uri="{FF2B5EF4-FFF2-40B4-BE49-F238E27FC236}">
+                <a16:creationId xmlns:a16="http://schemas.microsoft.com/office/drawing/2014/main" id="{9028908A-F473-4D32-A350-ACE187BB977D}"/>
+              </a:ext>
+            </a:extLst>
+          </p:cNvPr>
+          <p:cNvSpPr/>
+          <p:nvPr/>
+        </p:nvSpPr>
+        <p:spPr>
+          <a:xfrm>
+            <a:off x="4187229" y="618557"/>
+            <a:ext cx="778236" cy="273738"/>
+          </a:xfrm>
+          <a:prstGeom prst="rect">
+            <a:avLst/>
+          </a:prstGeom>
+          <a:noFill/>
+        </p:spPr>
+        <p:style>
+          <a:lnRef idx="2">
+            <a:schemeClr val="accent4">
+              <a:shade val="50000"/>
+            </a:schemeClr>
+          </a:lnRef>
+          <a:fillRef idx="1">
+            <a:schemeClr val="accent4"/>
+          </a:fillRef>
+          <a:effectRef idx="0">
+            <a:schemeClr val="accent4"/>
+          </a:effectRef>
+          <a:fontRef idx="minor">
+            <a:schemeClr val="lt1"/>
+          </a:fontRef>
+        </p:style>
+        <p:txBody>
+          <a:bodyPr rtlCol="0" anchor="ctr"/>
+          <a:lstStyle/>
+          <a:p>
+            <a:pPr algn="ctr"/>
+            <a:r>
+              <a:rPr lang="en-US" dirty="0">
+                <a:solidFill>
+                  <a:schemeClr val="tx1"/>
+                </a:solidFill>
+              </a:rPr>
+              <a:t>&gt;&gt;</a:t>
+            </a:r>
+          </a:p>
+        </p:txBody>
+      </p:sp>
+      <p:sp>
+        <p:nvSpPr>
+          <p:cNvPr id="40" name="Rectangle 39">
+            <a:extLst>
+              <a:ext uri="{FF2B5EF4-FFF2-40B4-BE49-F238E27FC236}">
+                <a16:creationId xmlns:a16="http://schemas.microsoft.com/office/drawing/2014/main" id="{A6B5F8E5-7B31-4915-AD3B-D712C6C50596}"/>
+              </a:ext>
+            </a:extLst>
+          </p:cNvPr>
+          <p:cNvSpPr/>
+          <p:nvPr/>
+        </p:nvSpPr>
+        <p:spPr>
+          <a:xfrm>
+            <a:off x="4187229" y="964727"/>
+            <a:ext cx="778235" cy="273738"/>
+          </a:xfrm>
+          <a:prstGeom prst="rect">
+            <a:avLst/>
+          </a:prstGeom>
+          <a:noFill/>
+        </p:spPr>
+        <p:style>
+          <a:lnRef idx="2">
+            <a:schemeClr val="accent4">
+              <a:shade val="50000"/>
+            </a:schemeClr>
+          </a:lnRef>
+          <a:fillRef idx="1">
+            <a:schemeClr val="accent4"/>
+          </a:fillRef>
+          <a:effectRef idx="0">
+            <a:schemeClr val="accent4"/>
+          </a:effectRef>
+          <a:fontRef idx="minor">
+            <a:schemeClr val="lt1"/>
+          </a:fontRef>
+        </p:style>
+        <p:txBody>
+          <a:bodyPr rtlCol="0" anchor="ctr"/>
+          <a:lstStyle/>
+          <a:p>
+            <a:pPr algn="ctr"/>
+            <a:r>
+              <a:rPr lang="en-US" dirty="0">
+                <a:solidFill>
+                  <a:schemeClr val="tx1"/>
+                </a:solidFill>
+              </a:rPr>
+              <a:t>&gt;&gt;</a:t>
+            </a:r>
+          </a:p>
+        </p:txBody>
+      </p:sp>
+      <p:pic>
+        <p:nvPicPr>
+          <p:cNvPr id="41" name="Picture 2" descr="Plus - Free signs icons">
+            <a:extLst>
+              <a:ext uri="{FF2B5EF4-FFF2-40B4-BE49-F238E27FC236}">
+                <a16:creationId xmlns:a16="http://schemas.microsoft.com/office/drawing/2014/main" id="{6963B90D-D2FA-4748-9748-07917CB236E9}"/>
+              </a:ext>
+            </a:extLst>
+          </p:cNvPr>
+          <p:cNvPicPr>
+            <a:picLocks noChangeAspect="1" noChangeArrowheads="1"/>
+          </p:cNvPicPr>
+          <p:nvPr/>
+        </p:nvPicPr>
+        <p:blipFill>
+          <a:blip r:embed="rId2">
+            <a:extLst>
+              <a:ext uri="{28A0092B-C50C-407E-A947-70E740481C1C}">
+                <a14:useLocalDpi xmlns:a14="http://schemas.microsoft.com/office/drawing/2010/main" val="0"/>
+              </a:ext>
+            </a:extLst>
+          </a:blip>
+          <a:srcRect/>
+          <a:stretch>
+            <a:fillRect/>
+          </a:stretch>
+        </p:blipFill>
+        <p:spPr bwMode="auto">
+          <a:xfrm>
+            <a:off x="6343840" y="618557"/>
+            <a:ext cx="243344" cy="243344"/>
+          </a:xfrm>
+          <a:prstGeom prst="rect">
+            <a:avLst/>
+          </a:prstGeom>
+          <a:noFill/>
+          <a:extLst>
+            <a:ext uri="{909E8E84-426E-40DD-AFC4-6F175D3DCCD1}">
+              <a14:hiddenFill xmlns:a14="http://schemas.microsoft.com/office/drawing/2010/main">
+                <a:solidFill>
+                  <a:srgbClr val="FFFFFF"/>
+                </a:solidFill>
+              </a14:hiddenFill>
+            </a:ext>
+          </a:extLst>
+        </p:spPr>
+      </p:pic>
+      <p:pic>
+        <p:nvPicPr>
+          <p:cNvPr id="42" name="Picture 4" descr="Minus - Free interface icons">
+            <a:extLst>
+              <a:ext uri="{FF2B5EF4-FFF2-40B4-BE49-F238E27FC236}">
+                <a16:creationId xmlns:a16="http://schemas.microsoft.com/office/drawing/2014/main" id="{1B986DD1-B21E-4DA0-A28B-183B002B1DF5}"/>
+              </a:ext>
+            </a:extLst>
+          </p:cNvPr>
+          <p:cNvPicPr>
+            <a:picLocks noChangeAspect="1" noChangeArrowheads="1"/>
+          </p:cNvPicPr>
+          <p:nvPr/>
+        </p:nvPicPr>
+        <p:blipFill>
+          <a:blip r:embed="rId3">
+            <a:extLst>
+              <a:ext uri="{28A0092B-C50C-407E-A947-70E740481C1C}">
+                <a14:useLocalDpi xmlns:a14="http://schemas.microsoft.com/office/drawing/2010/main" val="0"/>
+              </a:ext>
+            </a:extLst>
+          </a:blip>
+          <a:srcRect/>
+          <a:stretch>
+            <a:fillRect/>
+          </a:stretch>
+        </p:blipFill>
+        <p:spPr bwMode="auto">
+          <a:xfrm>
+            <a:off x="6897197" y="630008"/>
+            <a:ext cx="243344" cy="243344"/>
+          </a:xfrm>
+          <a:prstGeom prst="rect">
+            <a:avLst/>
+          </a:prstGeom>
+          <a:noFill/>
+          <a:extLst>
+            <a:ext uri="{909E8E84-426E-40DD-AFC4-6F175D3DCCD1}">
+              <a14:hiddenFill xmlns:a14="http://schemas.microsoft.com/office/drawing/2010/main">
+                <a:solidFill>
+                  <a:srgbClr val="FFFFFF"/>
+                </a:solidFill>
+              </a14:hiddenFill>
+            </a:ext>
+          </a:extLst>
+        </p:spPr>
+      </p:pic>
+      <p:sp>
+        <p:nvSpPr>
+          <p:cNvPr id="43" name="Rectangle 42">
+            <a:extLst>
+              <a:ext uri="{FF2B5EF4-FFF2-40B4-BE49-F238E27FC236}">
+                <a16:creationId xmlns:a16="http://schemas.microsoft.com/office/drawing/2014/main" id="{9297C68A-8E69-41AB-9DA1-99E847159FAD}"/>
+              </a:ext>
+            </a:extLst>
+          </p:cNvPr>
+          <p:cNvSpPr/>
+          <p:nvPr/>
+        </p:nvSpPr>
+        <p:spPr>
+          <a:xfrm>
+            <a:off x="5142988" y="618557"/>
+            <a:ext cx="869191" cy="273738"/>
+          </a:xfrm>
+          <a:prstGeom prst="rect">
+            <a:avLst/>
+          </a:prstGeom>
+          <a:noFill/>
+          <a:ln>
+            <a:solidFill>
+              <a:schemeClr val="accent6">
+                <a:lumMod val="50000"/>
+              </a:schemeClr>
+            </a:solidFill>
+          </a:ln>
+        </p:spPr>
+        <p:style>
+          <a:lnRef idx="2">
+            <a:schemeClr val="accent4">
+              <a:shade val="50000"/>
+            </a:schemeClr>
+          </a:lnRef>
+          <a:fillRef idx="1">
+            <a:schemeClr val="accent4"/>
+          </a:fillRef>
+          <a:effectRef idx="0">
+            <a:schemeClr val="accent4"/>
+          </a:effectRef>
+          <a:fontRef idx="minor">
+            <a:schemeClr val="lt1"/>
+          </a:fontRef>
+        </p:style>
+        <p:txBody>
+          <a:bodyPr rtlCol="0" anchor="ctr"/>
+          <a:lstStyle/>
+          <a:p>
+            <a:pPr algn="ctr"/>
+            <a:r>
+              <a:rPr lang="en-US" sz="1600" dirty="0">
+                <a:solidFill>
+                  <a:schemeClr val="tx1"/>
+                </a:solidFill>
+              </a:rPr>
+              <a:t>  </a:t>
+            </a:r>
+          </a:p>
+        </p:txBody>
+      </p:sp>
+      <p:pic>
+        <p:nvPicPr>
+          <p:cNvPr id="44" name="Picture 2" descr="Plus - Free signs icons">
+            <a:extLst>
+              <a:ext uri="{FF2B5EF4-FFF2-40B4-BE49-F238E27FC236}">
+                <a16:creationId xmlns:a16="http://schemas.microsoft.com/office/drawing/2014/main" id="{B5A30B02-72A7-4EA6-AC4A-61C33481EB7F}"/>
+              </a:ext>
+            </a:extLst>
+          </p:cNvPr>
+          <p:cNvPicPr>
+            <a:picLocks noChangeAspect="1" noChangeArrowheads="1"/>
+          </p:cNvPicPr>
+          <p:nvPr/>
+        </p:nvPicPr>
+        <p:blipFill>
+          <a:blip r:embed="rId2">
+            <a:extLst>
+              <a:ext uri="{28A0092B-C50C-407E-A947-70E740481C1C}">
+                <a14:useLocalDpi xmlns:a14="http://schemas.microsoft.com/office/drawing/2010/main" val="0"/>
+              </a:ext>
+            </a:extLst>
+          </a:blip>
+          <a:srcRect/>
+          <a:stretch>
+            <a:fillRect/>
+          </a:stretch>
+        </p:blipFill>
+        <p:spPr bwMode="auto">
+          <a:xfrm>
+            <a:off x="6343840" y="1007993"/>
+            <a:ext cx="243344" cy="243344"/>
+          </a:xfrm>
+          <a:prstGeom prst="rect">
+            <a:avLst/>
+          </a:prstGeom>
+          <a:noFill/>
+          <a:extLst>
+            <a:ext uri="{909E8E84-426E-40DD-AFC4-6F175D3DCCD1}">
+              <a14:hiddenFill xmlns:a14="http://schemas.microsoft.com/office/drawing/2010/main">
+                <a:solidFill>
+                  <a:srgbClr val="FFFFFF"/>
+                </a:solidFill>
+              </a14:hiddenFill>
+            </a:ext>
+          </a:extLst>
+        </p:spPr>
+      </p:pic>
+      <p:pic>
+        <p:nvPicPr>
+          <p:cNvPr id="45" name="Picture 4" descr="Minus - Free interface icons">
+            <a:extLst>
+              <a:ext uri="{FF2B5EF4-FFF2-40B4-BE49-F238E27FC236}">
+                <a16:creationId xmlns:a16="http://schemas.microsoft.com/office/drawing/2014/main" id="{4A0C5649-26EC-41AA-823B-4BBD9C1E05EA}"/>
+              </a:ext>
+            </a:extLst>
+          </p:cNvPr>
+          <p:cNvPicPr>
+            <a:picLocks noChangeAspect="1" noChangeArrowheads="1"/>
+          </p:cNvPicPr>
+          <p:nvPr/>
+        </p:nvPicPr>
+        <p:blipFill>
+          <a:blip r:embed="rId3">
+            <a:extLst>
+              <a:ext uri="{28A0092B-C50C-407E-A947-70E740481C1C}">
+                <a14:useLocalDpi xmlns:a14="http://schemas.microsoft.com/office/drawing/2010/main" val="0"/>
+              </a:ext>
+            </a:extLst>
+          </a:blip>
+          <a:srcRect/>
+          <a:stretch>
+            <a:fillRect/>
+          </a:stretch>
+        </p:blipFill>
+        <p:spPr bwMode="auto">
+          <a:xfrm>
+            <a:off x="6897197" y="1019444"/>
+            <a:ext cx="243344" cy="243344"/>
+          </a:xfrm>
+          <a:prstGeom prst="rect">
+            <a:avLst/>
+          </a:prstGeom>
+          <a:noFill/>
+          <a:extLst>
+            <a:ext uri="{909E8E84-426E-40DD-AFC4-6F175D3DCCD1}">
+              <a14:hiddenFill xmlns:a14="http://schemas.microsoft.com/office/drawing/2010/main">
+                <a:solidFill>
+                  <a:srgbClr val="FFFFFF"/>
+                </a:solidFill>
+              </a14:hiddenFill>
+            </a:ext>
+          </a:extLst>
+        </p:spPr>
+      </p:pic>
+      <p:sp>
+        <p:nvSpPr>
+          <p:cNvPr id="46" name="Rectangle 45">
+            <a:extLst>
+              <a:ext uri="{FF2B5EF4-FFF2-40B4-BE49-F238E27FC236}">
+                <a16:creationId xmlns:a16="http://schemas.microsoft.com/office/drawing/2014/main" id="{16F39D2C-94F7-410E-966E-DD64DA7D6B76}"/>
+              </a:ext>
+            </a:extLst>
+          </p:cNvPr>
+          <p:cNvSpPr/>
+          <p:nvPr/>
+        </p:nvSpPr>
+        <p:spPr>
+          <a:xfrm>
+            <a:off x="5142989" y="1007993"/>
+            <a:ext cx="869190" cy="273738"/>
+          </a:xfrm>
+          <a:prstGeom prst="rect">
+            <a:avLst/>
+          </a:prstGeom>
+          <a:noFill/>
+          <a:ln>
+            <a:solidFill>
+              <a:schemeClr val="accent6">
+                <a:lumMod val="50000"/>
+              </a:schemeClr>
+            </a:solidFill>
+          </a:ln>
+        </p:spPr>
+        <p:style>
+          <a:lnRef idx="2">
+            <a:schemeClr val="accent4">
+              <a:shade val="50000"/>
+            </a:schemeClr>
+          </a:lnRef>
+          <a:fillRef idx="1">
+            <a:schemeClr val="accent4"/>
+          </a:fillRef>
+          <a:effectRef idx="0">
+            <a:schemeClr val="accent4"/>
+          </a:effectRef>
+          <a:fontRef idx="minor">
+            <a:schemeClr val="lt1"/>
+          </a:fontRef>
+        </p:style>
+        <p:txBody>
+          <a:bodyPr rtlCol="0" anchor="ctr"/>
+          <a:lstStyle/>
+          <a:p>
+            <a:pPr algn="ctr"/>
+            <a:r>
+              <a:rPr lang="en-US" sz="1600" dirty="0">
+                <a:solidFill>
+                  <a:schemeClr val="tx1"/>
+                </a:solidFill>
+              </a:rPr>
+              <a:t>  </a:t>
+            </a:r>
+          </a:p>
+        </p:txBody>
+      </p:sp>
+      <p:sp>
+        <p:nvSpPr>
+          <p:cNvPr id="48" name="Rectangle 47">
+            <a:extLst>
+              <a:ext uri="{FF2B5EF4-FFF2-40B4-BE49-F238E27FC236}">
+                <a16:creationId xmlns:a16="http://schemas.microsoft.com/office/drawing/2014/main" id="{0042DDE5-D329-47B3-8A43-9E250441EE95}"/>
+              </a:ext>
+            </a:extLst>
+          </p:cNvPr>
+          <p:cNvSpPr/>
+          <p:nvPr/>
+        </p:nvSpPr>
+        <p:spPr>
+          <a:xfrm>
+            <a:off x="3162301" y="1686694"/>
+            <a:ext cx="1007041" cy="273738"/>
+          </a:xfrm>
+          <a:prstGeom prst="rect">
+            <a:avLst/>
+          </a:prstGeom>
+          <a:noFill/>
+        </p:spPr>
+        <p:style>
+          <a:lnRef idx="2">
+            <a:schemeClr val="accent4">
+              <a:shade val="50000"/>
+            </a:schemeClr>
+          </a:lnRef>
+          <a:fillRef idx="1">
+            <a:schemeClr val="accent4"/>
+          </a:fillRef>
+          <a:effectRef idx="0">
+            <a:schemeClr val="accent4"/>
+          </a:effectRef>
+          <a:fontRef idx="minor">
+            <a:schemeClr val="lt1"/>
+          </a:fontRef>
+        </p:style>
+        <p:txBody>
+          <a:bodyPr rtlCol="0" anchor="ctr"/>
+          <a:lstStyle/>
+          <a:p>
+            <a:r>
+              <a:rPr lang="en-US" dirty="0">
+                <a:solidFill>
+                  <a:schemeClr val="tx1"/>
+                </a:solidFill>
+              </a:rPr>
+              <a:t>HOME X</a:t>
+            </a:r>
+          </a:p>
+        </p:txBody>
+      </p:sp>
+      <p:sp>
+        <p:nvSpPr>
+          <p:cNvPr id="53" name="Rectangle 52">
+            <a:extLst>
+              <a:ext uri="{FF2B5EF4-FFF2-40B4-BE49-F238E27FC236}">
+                <a16:creationId xmlns:a16="http://schemas.microsoft.com/office/drawing/2014/main" id="{8744FA2C-7970-49B1-8B28-2E2C45CD5BA0}"/>
+              </a:ext>
+            </a:extLst>
+          </p:cNvPr>
+          <p:cNvSpPr/>
+          <p:nvPr/>
+        </p:nvSpPr>
+        <p:spPr>
+          <a:xfrm>
+            <a:off x="4461943" y="1686694"/>
+            <a:ext cx="1007041" cy="273738"/>
+          </a:xfrm>
+          <a:prstGeom prst="rect">
+            <a:avLst/>
+          </a:prstGeom>
+          <a:noFill/>
+        </p:spPr>
+        <p:style>
+          <a:lnRef idx="2">
+            <a:schemeClr val="accent4">
+              <a:shade val="50000"/>
+            </a:schemeClr>
+          </a:lnRef>
+          <a:fillRef idx="1">
+            <a:schemeClr val="accent4"/>
+          </a:fillRef>
+          <a:effectRef idx="0">
+            <a:schemeClr val="accent4"/>
+          </a:effectRef>
+          <a:fontRef idx="minor">
+            <a:schemeClr val="lt1"/>
+          </a:fontRef>
+        </p:style>
+        <p:txBody>
+          <a:bodyPr rtlCol="0" anchor="ctr"/>
+          <a:lstStyle/>
+          <a:p>
+            <a:r>
+              <a:rPr lang="en-US" dirty="0">
+                <a:solidFill>
+                  <a:schemeClr val="tx1"/>
+                </a:solidFill>
+              </a:rPr>
+              <a:t>HOME Z</a:t>
+            </a:r>
+          </a:p>
+        </p:txBody>
+      </p:sp>
+      <p:sp>
+        <p:nvSpPr>
+          <p:cNvPr id="57" name="Rectangle 56">
+            <a:extLst>
+              <a:ext uri="{FF2B5EF4-FFF2-40B4-BE49-F238E27FC236}">
+                <a16:creationId xmlns:a16="http://schemas.microsoft.com/office/drawing/2014/main" id="{E5AACD3F-8F71-4105-BD50-9CD594352C25}"/>
+              </a:ext>
+            </a:extLst>
+          </p:cNvPr>
+          <p:cNvSpPr/>
+          <p:nvPr/>
+        </p:nvSpPr>
+        <p:spPr>
+          <a:xfrm>
+            <a:off x="4965464" y="193235"/>
+            <a:ext cx="1120139" cy="273738"/>
+          </a:xfrm>
+          <a:prstGeom prst="rect">
+            <a:avLst/>
+          </a:prstGeom>
+          <a:noFill/>
+        </p:spPr>
+        <p:style>
+          <a:lnRef idx="2">
+            <a:schemeClr val="accent4">
+              <a:shade val="50000"/>
+            </a:schemeClr>
+          </a:lnRef>
+          <a:fillRef idx="1">
+            <a:schemeClr val="accent4"/>
+          </a:fillRef>
+          <a:effectRef idx="0">
+            <a:schemeClr val="accent4"/>
+          </a:effectRef>
+          <a:fontRef idx="minor">
+            <a:schemeClr val="lt1"/>
+          </a:fontRef>
+        </p:style>
+        <p:txBody>
+          <a:bodyPr rtlCol="0" anchor="ctr"/>
+          <a:lstStyle/>
+          <a:p>
+            <a:r>
+              <a:rPr lang="en-US" dirty="0" err="1">
+                <a:solidFill>
+                  <a:schemeClr val="tx1"/>
+                </a:solidFill>
+              </a:rPr>
+              <a:t>NBs_STEP</a:t>
+            </a:r>
+            <a:endParaRPr lang="en-US" dirty="0">
+              <a:solidFill>
+                <a:schemeClr val="tx1"/>
+              </a:solidFill>
+            </a:endParaRPr>
+          </a:p>
+        </p:txBody>
+      </p:sp>
+      <p:sp>
+        <p:nvSpPr>
+          <p:cNvPr id="58" name="Rectangle 57">
+            <a:extLst>
+              <a:ext uri="{FF2B5EF4-FFF2-40B4-BE49-F238E27FC236}">
+                <a16:creationId xmlns:a16="http://schemas.microsoft.com/office/drawing/2014/main" id="{32CA65DC-28C0-46A8-9B63-46FDF9AAEF86}"/>
+              </a:ext>
+            </a:extLst>
+          </p:cNvPr>
+          <p:cNvSpPr/>
+          <p:nvPr/>
+        </p:nvSpPr>
+        <p:spPr>
+          <a:xfrm>
+            <a:off x="158321" y="56366"/>
+            <a:ext cx="1647619" cy="273738"/>
+          </a:xfrm>
+          <a:prstGeom prst="rect">
+            <a:avLst/>
+          </a:prstGeom>
+          <a:noFill/>
+        </p:spPr>
+        <p:style>
+          <a:lnRef idx="2">
+            <a:schemeClr val="accent4">
+              <a:shade val="50000"/>
+            </a:schemeClr>
+          </a:lnRef>
+          <a:fillRef idx="1">
+            <a:schemeClr val="accent4"/>
+          </a:fillRef>
+          <a:effectRef idx="0">
+            <a:schemeClr val="accent4"/>
+          </a:effectRef>
+          <a:fontRef idx="minor">
+            <a:schemeClr val="lt1"/>
+          </a:fontRef>
+        </p:style>
+        <p:txBody>
+          <a:bodyPr rtlCol="0" anchor="ctr"/>
+          <a:lstStyle/>
+          <a:p>
+            <a:r>
+              <a:rPr lang="en-US" dirty="0">
+                <a:solidFill>
+                  <a:schemeClr val="tx1"/>
+                </a:solidFill>
+              </a:rPr>
+              <a:t>Manual Control</a:t>
+            </a:r>
+          </a:p>
+        </p:txBody>
+      </p:sp>
+    </p:spTree>
+    <p:extLst>
+      <p:ext uri="{BB962C8B-B14F-4D97-AF65-F5344CB8AC3E}">
+        <p14:creationId xmlns:p14="http://schemas.microsoft.com/office/powerpoint/2010/main" val="786036607"/>
+      </p:ext>
+    </p:extLst>
+  </p:cSld>
+  <p:clrMapOvr>
+    <a:masterClrMapping/>
+  </p:clrMapOvr>
+</p:sld>
+</file>
+
+<file path=ppt/slides/slide7.xml><?xml version="1.0" encoding="utf-8"?>
+<p:sld xmlns:a="http://schemas.openxmlformats.org/drawingml/2006/main" xmlns:r="http://schemas.openxmlformats.org/officeDocument/2006/relationships" xmlns:p="http://schemas.openxmlformats.org/presentationml/2006/main">
+  <p:cSld>
+    <p:spTree>
+      <p:nvGrpSpPr>
+        <p:cNvPr id="1" name=""/>
+        <p:cNvGrpSpPr/>
+        <p:nvPr/>
+      </p:nvGrpSpPr>
+      <p:grpSpPr>
+        <a:xfrm>
+          <a:off x="0" y="0"/>
+          <a:ext cx="0" cy="0"/>
+          <a:chOff x="0" y="0"/>
+          <a:chExt cx="0" cy="0"/>
+        </a:xfrm>
+      </p:grpSpPr>
+      <p:sp>
+        <p:nvSpPr>
+          <p:cNvPr id="6" name="Rectangle 5">
+            <a:extLst>
+              <a:ext uri="{FF2B5EF4-FFF2-40B4-BE49-F238E27FC236}">
+                <a16:creationId xmlns:a16="http://schemas.microsoft.com/office/drawing/2014/main" id="{443C37C1-CB50-46ED-95A3-27628BF66220}"/>
+              </a:ext>
+            </a:extLst>
+          </p:cNvPr>
+          <p:cNvSpPr/>
+          <p:nvPr/>
+        </p:nvSpPr>
+        <p:spPr>
+          <a:xfrm>
+            <a:off x="160019" y="260417"/>
+            <a:ext cx="1567369" cy="273738"/>
+          </a:xfrm>
+          <a:prstGeom prst="rect">
+            <a:avLst/>
+          </a:prstGeom>
+          <a:noFill/>
+        </p:spPr>
+        <p:style>
+          <a:lnRef idx="2">
+            <a:schemeClr val="accent4">
+              <a:shade val="50000"/>
+            </a:schemeClr>
+          </a:lnRef>
+          <a:fillRef idx="1">
+            <a:schemeClr val="accent4"/>
+          </a:fillRef>
+          <a:effectRef idx="0">
+            <a:schemeClr val="accent4"/>
+          </a:effectRef>
+          <a:fontRef idx="minor">
+            <a:schemeClr val="lt1"/>
+          </a:fontRef>
+        </p:style>
+        <p:txBody>
+          <a:bodyPr rtlCol="0" anchor="ctr"/>
+          <a:lstStyle/>
+          <a:p>
+            <a:r>
+              <a:rPr lang="en-US" dirty="0">
+                <a:solidFill>
+                  <a:schemeClr val="tx1"/>
+                </a:solidFill>
+              </a:rPr>
+              <a:t>X  :</a:t>
+            </a:r>
+          </a:p>
+        </p:txBody>
+      </p:sp>
+      <p:sp>
+        <p:nvSpPr>
+          <p:cNvPr id="36" name="Rectangle 35">
+            <a:extLst>
+              <a:ext uri="{FF2B5EF4-FFF2-40B4-BE49-F238E27FC236}">
+                <a16:creationId xmlns:a16="http://schemas.microsoft.com/office/drawing/2014/main" id="{5B3FA937-90B3-4156-9739-9C4658ED398E}"/>
+              </a:ext>
+            </a:extLst>
+          </p:cNvPr>
+          <p:cNvSpPr/>
+          <p:nvPr/>
+        </p:nvSpPr>
+        <p:spPr>
+          <a:xfrm>
+            <a:off x="1899731" y="260417"/>
+            <a:ext cx="1491169" cy="273738"/>
+          </a:xfrm>
+          <a:prstGeom prst="rect">
+            <a:avLst/>
+          </a:prstGeom>
+          <a:noFill/>
+        </p:spPr>
+        <p:style>
+          <a:lnRef idx="2">
+            <a:schemeClr val="accent4">
+              <a:shade val="50000"/>
+            </a:schemeClr>
+          </a:lnRef>
+          <a:fillRef idx="1">
+            <a:schemeClr val="accent4"/>
+          </a:fillRef>
+          <a:effectRef idx="0">
+            <a:schemeClr val="accent4"/>
+          </a:effectRef>
+          <a:fontRef idx="minor">
+            <a:schemeClr val="lt1"/>
+          </a:fontRef>
+        </p:style>
+        <p:txBody>
+          <a:bodyPr rtlCol="0" anchor="ctr"/>
+          <a:lstStyle/>
+          <a:p>
+            <a:r>
+              <a:rPr lang="en-US" dirty="0">
+                <a:solidFill>
+                  <a:schemeClr val="tx1"/>
+                </a:solidFill>
+              </a:rPr>
+              <a:t>Z  :</a:t>
+            </a:r>
+          </a:p>
+        </p:txBody>
+      </p:sp>
+      <p:sp>
+        <p:nvSpPr>
+          <p:cNvPr id="14" name="Rectangle 13">
+            <a:extLst>
+              <a:ext uri="{FF2B5EF4-FFF2-40B4-BE49-F238E27FC236}">
+                <a16:creationId xmlns:a16="http://schemas.microsoft.com/office/drawing/2014/main" id="{B6C581EB-8464-4A28-A935-EDAF533D83A9}"/>
+              </a:ext>
+            </a:extLst>
+          </p:cNvPr>
+          <p:cNvSpPr/>
+          <p:nvPr/>
+        </p:nvSpPr>
+        <p:spPr>
+          <a:xfrm>
+            <a:off x="160020" y="674629"/>
+            <a:ext cx="1567369" cy="273738"/>
+          </a:xfrm>
+          <a:prstGeom prst="rect">
+            <a:avLst/>
+          </a:prstGeom>
+          <a:noFill/>
+        </p:spPr>
+        <p:style>
+          <a:lnRef idx="2">
+            <a:schemeClr val="accent4">
+              <a:shade val="50000"/>
+            </a:schemeClr>
+          </a:lnRef>
+          <a:fillRef idx="1">
+            <a:schemeClr val="accent4"/>
+          </a:fillRef>
+          <a:effectRef idx="0">
+            <a:schemeClr val="accent4"/>
+          </a:effectRef>
+          <a:fontRef idx="minor">
+            <a:schemeClr val="lt1"/>
+          </a:fontRef>
+        </p:style>
+        <p:txBody>
+          <a:bodyPr rtlCol="0" anchor="ctr"/>
+          <a:lstStyle/>
+          <a:p>
+            <a:r>
+              <a:rPr lang="en-US" dirty="0">
+                <a:solidFill>
+                  <a:schemeClr val="tx1"/>
+                </a:solidFill>
+              </a:rPr>
+              <a:t>Program: </a:t>
+            </a:r>
+          </a:p>
+        </p:txBody>
+      </p:sp>
+      <p:sp>
+        <p:nvSpPr>
+          <p:cNvPr id="15" name="Rectangle 14">
+            <a:extLst>
+              <a:ext uri="{FF2B5EF4-FFF2-40B4-BE49-F238E27FC236}">
+                <a16:creationId xmlns:a16="http://schemas.microsoft.com/office/drawing/2014/main" id="{0EF99408-817F-4F05-B37D-F89DB7A2EE7F}"/>
+              </a:ext>
+            </a:extLst>
+          </p:cNvPr>
+          <p:cNvSpPr/>
+          <p:nvPr/>
+        </p:nvSpPr>
+        <p:spPr>
+          <a:xfrm>
+            <a:off x="1899731" y="674629"/>
+            <a:ext cx="1011109" cy="273738"/>
+          </a:xfrm>
+          <a:prstGeom prst="rect">
+            <a:avLst/>
+          </a:prstGeom>
+          <a:noFill/>
+        </p:spPr>
+        <p:style>
+          <a:lnRef idx="2">
+            <a:schemeClr val="accent4">
+              <a:shade val="50000"/>
+            </a:schemeClr>
+          </a:lnRef>
+          <a:fillRef idx="1">
+            <a:schemeClr val="accent4"/>
+          </a:fillRef>
+          <a:effectRef idx="0">
+            <a:schemeClr val="accent4"/>
+          </a:effectRef>
+          <a:fontRef idx="minor">
+            <a:schemeClr val="lt1"/>
+          </a:fontRef>
+        </p:style>
+        <p:txBody>
+          <a:bodyPr rtlCol="0" anchor="ctr"/>
+          <a:lstStyle/>
+          <a:p>
+            <a:r>
+              <a:rPr lang="en-US" dirty="0">
+                <a:solidFill>
+                  <a:schemeClr val="tx1"/>
+                </a:solidFill>
+              </a:rPr>
+              <a:t>step: </a:t>
+            </a:r>
+          </a:p>
+        </p:txBody>
+      </p:sp>
+      <p:sp>
+        <p:nvSpPr>
+          <p:cNvPr id="2" name="Rectangle 1">
+            <a:extLst>
+              <a:ext uri="{FF2B5EF4-FFF2-40B4-BE49-F238E27FC236}">
+                <a16:creationId xmlns:a16="http://schemas.microsoft.com/office/drawing/2014/main" id="{03E5E3F1-1A23-4810-A1E5-AC34704D0CCE}"/>
+              </a:ext>
+            </a:extLst>
+          </p:cNvPr>
+          <p:cNvSpPr/>
+          <p:nvPr/>
+        </p:nvSpPr>
+        <p:spPr>
+          <a:xfrm>
+            <a:off x="160020" y="1088841"/>
+            <a:ext cx="7231380" cy="3391719"/>
+          </a:xfrm>
+          <a:prstGeom prst="rect">
+            <a:avLst/>
+          </a:prstGeom>
+          <a:noFill/>
+        </p:spPr>
+        <p:style>
+          <a:lnRef idx="2">
+            <a:schemeClr val="accent1">
+              <a:shade val="50000"/>
+            </a:schemeClr>
+          </a:lnRef>
+          <a:fillRef idx="1">
+            <a:schemeClr val="accent1"/>
+          </a:fillRef>
+          <a:effectRef idx="0">
+            <a:schemeClr val="accent1"/>
+          </a:effectRef>
+          <a:fontRef idx="minor">
+            <a:schemeClr val="lt1"/>
+          </a:fontRef>
+        </p:style>
+        <p:txBody>
+          <a:bodyPr rtlCol="0" anchor="ctr"/>
+          <a:lstStyle/>
+          <a:p>
+            <a:pPr algn="ctr"/>
+            <a:endParaRPr lang="en-US"/>
+          </a:p>
+        </p:txBody>
+      </p:sp>
+    </p:spTree>
+    <p:extLst>
+      <p:ext uri="{BB962C8B-B14F-4D97-AF65-F5344CB8AC3E}">
+        <p14:creationId xmlns:p14="http://schemas.microsoft.com/office/powerpoint/2010/main" val="697925151"/>
+      </p:ext>
+    </p:extLst>
+  </p:cSld>
+  <p:clrMapOvr>
+    <a:masterClrMapping/>
+  </p:clrMapOvr>
+</p:sld>
+</file>
+
+<file path=ppt/slides/slide8.xml><?xml version="1.0" encoding="utf-8"?>
+<p:sld xmlns:a="http://schemas.openxmlformats.org/drawingml/2006/main" xmlns:r="http://schemas.openxmlformats.org/officeDocument/2006/relationships" xmlns:p="http://schemas.openxmlformats.org/presentationml/2006/main">
+  <p:cSld>
+    <p:spTree>
+      <p:nvGrpSpPr>
+        <p:cNvPr id="1" name=""/>
+        <p:cNvGrpSpPr/>
+        <p:nvPr/>
+      </p:nvGrpSpPr>
+      <p:grpSpPr>
+        <a:xfrm>
+          <a:off x="0" y="0"/>
+          <a:ext cx="0" cy="0"/>
+          <a:chOff x="0" y="0"/>
+          <a:chExt cx="0" cy="0"/>
+        </a:xfrm>
+      </p:grpSpPr>
+      <p:sp>
+        <p:nvSpPr>
+          <p:cNvPr id="2" name="Title 1">
+            <a:extLst>
+              <a:ext uri="{FF2B5EF4-FFF2-40B4-BE49-F238E27FC236}">
+                <a16:creationId xmlns:a16="http://schemas.microsoft.com/office/drawing/2014/main" id="{D65ABE23-41D0-4AD4-AEBF-8A64121931EA}"/>
+              </a:ext>
+            </a:extLst>
+          </p:cNvPr>
+          <p:cNvSpPr>
+            <a:spLocks noGrp="1"/>
+          </p:cNvSpPr>
+          <p:nvPr>
+            <p:ph type="title"/>
+          </p:nvPr>
+        </p:nvSpPr>
+        <p:spPr/>
+        <p:txBody>
+          <a:bodyPr/>
+          <a:lstStyle/>
+          <a:p>
+            <a:endParaRPr lang="en-US"/>
+          </a:p>
+        </p:txBody>
+      </p:sp>
+      <p:pic>
+        <p:nvPicPr>
+          <p:cNvPr id="9" name="Content Placeholder 8">
+            <a:extLst>
+              <a:ext uri="{FF2B5EF4-FFF2-40B4-BE49-F238E27FC236}">
+                <a16:creationId xmlns:a16="http://schemas.microsoft.com/office/drawing/2014/main" id="{B96CC200-4178-497B-82B6-719A99E8B477}"/>
+              </a:ext>
+            </a:extLst>
+          </p:cNvPr>
+          <p:cNvPicPr>
+            <a:picLocks noGrp="1" noChangeAspect="1"/>
+          </p:cNvPicPr>
+          <p:nvPr>
+            <p:ph idx="1"/>
+          </p:nvPr>
+        </p:nvPicPr>
+        <p:blipFill>
+          <a:blip r:embed="rId2"/>
+          <a:stretch>
+            <a:fillRect/>
+          </a:stretch>
+        </p:blipFill>
+        <p:spPr>
+          <a:xfrm>
+            <a:off x="1093234" y="1376092"/>
+            <a:ext cx="5433531" cy="2583404"/>
+          </a:xfrm>
+        </p:spPr>
+      </p:pic>
+    </p:spTree>
+    <p:extLst>
+      <p:ext uri="{BB962C8B-B14F-4D97-AF65-F5344CB8AC3E}">
+        <p14:creationId xmlns:p14="http://schemas.microsoft.com/office/powerpoint/2010/main" val="3524335434"/>
       </p:ext>
     </p:extLst>
   </p:cSld>

--- a/HMI/GUI.pptx
+++ b/HMI/GUI.pptx
@@ -12,7 +12,6 @@
     <p:sldId id="260" r:id="rId6"/>
     <p:sldId id="262" r:id="rId7"/>
     <p:sldId id="263" r:id="rId8"/>
-    <p:sldId id="261" r:id="rId9"/>
   </p:sldIdLst>
   <p:sldSz cx="7620000" cy="4572000"/>
   <p:notesSz cx="6858000" cy="9144000"/>
@@ -13774,94 +13773,506 @@
           </a:p>
         </p:txBody>
       </p:sp>
+      <p:sp>
+        <p:nvSpPr>
+          <p:cNvPr id="19" name="Rectangle 18">
+            <a:extLst>
+              <a:ext uri="{FF2B5EF4-FFF2-40B4-BE49-F238E27FC236}">
+                <a16:creationId xmlns:a16="http://schemas.microsoft.com/office/drawing/2014/main" id="{B4644473-5374-42B7-B1F5-1527AC1D11D9}"/>
+              </a:ext>
+            </a:extLst>
+          </p:cNvPr>
+          <p:cNvSpPr/>
+          <p:nvPr/>
+        </p:nvSpPr>
+        <p:spPr>
+          <a:xfrm>
+            <a:off x="3611853" y="674629"/>
+            <a:ext cx="987515" cy="273738"/>
+          </a:xfrm>
+          <a:prstGeom prst="rect">
+            <a:avLst/>
+          </a:prstGeom>
+          <a:solidFill>
+            <a:schemeClr val="accent6"/>
+          </a:solidFill>
+        </p:spPr>
+        <p:style>
+          <a:lnRef idx="2">
+            <a:schemeClr val="accent4">
+              <a:shade val="50000"/>
+            </a:schemeClr>
+          </a:lnRef>
+          <a:fillRef idx="1">
+            <a:schemeClr val="accent4"/>
+          </a:fillRef>
+          <a:effectRef idx="0">
+            <a:schemeClr val="accent4"/>
+          </a:effectRef>
+          <a:fontRef idx="minor">
+            <a:schemeClr val="lt1"/>
+          </a:fontRef>
+        </p:style>
+        <p:txBody>
+          <a:bodyPr rtlCol="0" anchor="ctr"/>
+          <a:lstStyle/>
+          <a:p>
+            <a:pPr algn="ctr"/>
+            <a:r>
+              <a:rPr lang="en-US" dirty="0">
+                <a:solidFill>
+                  <a:schemeClr val="tx1"/>
+                </a:solidFill>
+              </a:rPr>
+              <a:t>shake</a:t>
+            </a:r>
+          </a:p>
+        </p:txBody>
+      </p:sp>
+      <p:sp>
+        <p:nvSpPr>
+          <p:cNvPr id="20" name="Rectangle 19">
+            <a:extLst>
+              <a:ext uri="{FF2B5EF4-FFF2-40B4-BE49-F238E27FC236}">
+                <a16:creationId xmlns:a16="http://schemas.microsoft.com/office/drawing/2014/main" id="{6AA78F08-818B-41B3-A67C-C3DC9E38AE77}"/>
+              </a:ext>
+            </a:extLst>
+          </p:cNvPr>
+          <p:cNvSpPr/>
+          <p:nvPr/>
+        </p:nvSpPr>
+        <p:spPr>
+          <a:xfrm>
+            <a:off x="1310613" y="1229315"/>
+            <a:ext cx="2171727" cy="273738"/>
+          </a:xfrm>
+          <a:prstGeom prst="rect">
+            <a:avLst/>
+          </a:prstGeom>
+          <a:solidFill>
+            <a:schemeClr val="accent6"/>
+          </a:solidFill>
+        </p:spPr>
+        <p:style>
+          <a:lnRef idx="2">
+            <a:schemeClr val="accent4">
+              <a:shade val="50000"/>
+            </a:schemeClr>
+          </a:lnRef>
+          <a:fillRef idx="1">
+            <a:schemeClr val="accent4"/>
+          </a:fillRef>
+          <a:effectRef idx="0">
+            <a:schemeClr val="accent4"/>
+          </a:effectRef>
+          <a:fontRef idx="minor">
+            <a:schemeClr val="lt1"/>
+          </a:fontRef>
+        </p:style>
+        <p:txBody>
+          <a:bodyPr rtlCol="0" anchor="ctr"/>
+          <a:lstStyle/>
+          <a:p>
+            <a:r>
+              <a:rPr lang="en-US" dirty="0">
+                <a:solidFill>
+                  <a:schemeClr val="tx1"/>
+                </a:solidFill>
+              </a:rPr>
+              <a:t>Move to wells  :</a:t>
+            </a:r>
+          </a:p>
+        </p:txBody>
+      </p:sp>
+      <p:sp>
+        <p:nvSpPr>
+          <p:cNvPr id="21" name="Rectangle 20">
+            <a:extLst>
+              <a:ext uri="{FF2B5EF4-FFF2-40B4-BE49-F238E27FC236}">
+                <a16:creationId xmlns:a16="http://schemas.microsoft.com/office/drawing/2014/main" id="{BA47EED5-7C08-4921-B73B-0FD06388B1CF}"/>
+              </a:ext>
+            </a:extLst>
+          </p:cNvPr>
+          <p:cNvSpPr/>
+          <p:nvPr/>
+        </p:nvSpPr>
+        <p:spPr>
+          <a:xfrm>
+            <a:off x="1310605" y="1580500"/>
+            <a:ext cx="2171727" cy="273738"/>
+          </a:xfrm>
+          <a:prstGeom prst="rect">
+            <a:avLst/>
+          </a:prstGeom>
+          <a:solidFill>
+            <a:schemeClr val="accent6"/>
+          </a:solidFill>
+        </p:spPr>
+        <p:style>
+          <a:lnRef idx="2">
+            <a:schemeClr val="accent4">
+              <a:shade val="50000"/>
+            </a:schemeClr>
+          </a:lnRef>
+          <a:fillRef idx="1">
+            <a:schemeClr val="accent4"/>
+          </a:fillRef>
+          <a:effectRef idx="0">
+            <a:schemeClr val="accent4"/>
+          </a:effectRef>
+          <a:fontRef idx="minor">
+            <a:schemeClr val="lt1"/>
+          </a:fontRef>
+        </p:style>
+        <p:txBody>
+          <a:bodyPr rtlCol="0" anchor="ctr"/>
+          <a:lstStyle/>
+          <a:p>
+            <a:r>
+              <a:rPr lang="en-US" dirty="0">
+                <a:solidFill>
+                  <a:schemeClr val="tx1"/>
+                </a:solidFill>
+              </a:rPr>
+              <a:t>Wait(s)		 :</a:t>
+            </a:r>
+          </a:p>
+        </p:txBody>
+      </p:sp>
+      <p:sp>
+        <p:nvSpPr>
+          <p:cNvPr id="22" name="Rectangle 21">
+            <a:extLst>
+              <a:ext uri="{FF2B5EF4-FFF2-40B4-BE49-F238E27FC236}">
+                <a16:creationId xmlns:a16="http://schemas.microsoft.com/office/drawing/2014/main" id="{6F49BDA9-CE52-4B0D-A6B0-20D8CABD574E}"/>
+              </a:ext>
+            </a:extLst>
+          </p:cNvPr>
+          <p:cNvSpPr/>
+          <p:nvPr/>
+        </p:nvSpPr>
+        <p:spPr>
+          <a:xfrm>
+            <a:off x="1310609" y="2612425"/>
+            <a:ext cx="2171727" cy="273738"/>
+          </a:xfrm>
+          <a:prstGeom prst="rect">
+            <a:avLst/>
+          </a:prstGeom>
+          <a:solidFill>
+            <a:schemeClr val="accent6"/>
+          </a:solidFill>
+        </p:spPr>
+        <p:style>
+          <a:lnRef idx="2">
+            <a:schemeClr val="accent4">
+              <a:shade val="50000"/>
+            </a:schemeClr>
+          </a:lnRef>
+          <a:fillRef idx="1">
+            <a:schemeClr val="accent4"/>
+          </a:fillRef>
+          <a:effectRef idx="0">
+            <a:schemeClr val="accent4"/>
+          </a:effectRef>
+          <a:fontRef idx="minor">
+            <a:schemeClr val="lt1"/>
+          </a:fontRef>
+        </p:style>
+        <p:txBody>
+          <a:bodyPr rtlCol="0" anchor="ctr"/>
+          <a:lstStyle/>
+          <a:p>
+            <a:r>
+              <a:rPr lang="en-US" dirty="0">
+                <a:solidFill>
+                  <a:schemeClr val="tx1"/>
+                </a:solidFill>
+              </a:rPr>
+              <a:t>Shake(s)		 :</a:t>
+            </a:r>
+          </a:p>
+        </p:txBody>
+      </p:sp>
+      <p:sp>
+        <p:nvSpPr>
+          <p:cNvPr id="23" name="Rectangle 22">
+            <a:extLst>
+              <a:ext uri="{FF2B5EF4-FFF2-40B4-BE49-F238E27FC236}">
+                <a16:creationId xmlns:a16="http://schemas.microsoft.com/office/drawing/2014/main" id="{E407FC82-BA91-4B1E-9C84-8AC969705D92}"/>
+              </a:ext>
+            </a:extLst>
+          </p:cNvPr>
+          <p:cNvSpPr/>
+          <p:nvPr/>
+        </p:nvSpPr>
+        <p:spPr>
+          <a:xfrm>
+            <a:off x="1310606" y="3680277"/>
+            <a:ext cx="2171727" cy="273738"/>
+          </a:xfrm>
+          <a:prstGeom prst="rect">
+            <a:avLst/>
+          </a:prstGeom>
+          <a:solidFill>
+            <a:schemeClr val="accent6"/>
+          </a:solidFill>
+        </p:spPr>
+        <p:style>
+          <a:lnRef idx="2">
+            <a:schemeClr val="accent4">
+              <a:shade val="50000"/>
+            </a:schemeClr>
+          </a:lnRef>
+          <a:fillRef idx="1">
+            <a:schemeClr val="accent4"/>
+          </a:fillRef>
+          <a:effectRef idx="0">
+            <a:schemeClr val="accent4"/>
+          </a:effectRef>
+          <a:fontRef idx="minor">
+            <a:schemeClr val="lt1"/>
+          </a:fontRef>
+        </p:style>
+        <p:txBody>
+          <a:bodyPr rtlCol="0" anchor="ctr"/>
+          <a:lstStyle/>
+          <a:p>
+            <a:r>
+              <a:rPr lang="en-US" dirty="0">
+                <a:solidFill>
+                  <a:schemeClr val="tx1"/>
+                </a:solidFill>
+              </a:rPr>
+              <a:t>Wait(s) 		 :</a:t>
+            </a:r>
+          </a:p>
+        </p:txBody>
+      </p:sp>
+      <p:sp>
+        <p:nvSpPr>
+          <p:cNvPr id="26" name="Rectangle 25">
+            <a:extLst>
+              <a:ext uri="{FF2B5EF4-FFF2-40B4-BE49-F238E27FC236}">
+                <a16:creationId xmlns:a16="http://schemas.microsoft.com/office/drawing/2014/main" id="{20E7428C-901B-4C09-BAAB-1CCA4AFA40D9}"/>
+              </a:ext>
+            </a:extLst>
+          </p:cNvPr>
+          <p:cNvSpPr/>
+          <p:nvPr/>
+        </p:nvSpPr>
+        <p:spPr>
+          <a:xfrm>
+            <a:off x="1310611" y="1920870"/>
+            <a:ext cx="2171727" cy="273738"/>
+          </a:xfrm>
+          <a:prstGeom prst="rect">
+            <a:avLst/>
+          </a:prstGeom>
+          <a:solidFill>
+            <a:schemeClr val="accent6"/>
+          </a:solidFill>
+        </p:spPr>
+        <p:style>
+          <a:lnRef idx="2">
+            <a:schemeClr val="accent4">
+              <a:shade val="50000"/>
+            </a:schemeClr>
+          </a:lnRef>
+          <a:fillRef idx="1">
+            <a:schemeClr val="accent4"/>
+          </a:fillRef>
+          <a:effectRef idx="0">
+            <a:schemeClr val="accent4"/>
+          </a:effectRef>
+          <a:fontRef idx="minor">
+            <a:schemeClr val="lt1"/>
+          </a:fontRef>
+        </p:style>
+        <p:txBody>
+          <a:bodyPr rtlCol="0" anchor="ctr"/>
+          <a:lstStyle/>
+          <a:p>
+            <a:r>
+              <a:rPr lang="en-US" dirty="0">
+                <a:solidFill>
+                  <a:schemeClr val="tx1"/>
+                </a:solidFill>
+              </a:rPr>
+              <a:t>Bottom Z 		 :</a:t>
+            </a:r>
+          </a:p>
+        </p:txBody>
+      </p:sp>
+      <p:sp>
+        <p:nvSpPr>
+          <p:cNvPr id="27" name="Rectangle 26">
+            <a:extLst>
+              <a:ext uri="{FF2B5EF4-FFF2-40B4-BE49-F238E27FC236}">
+                <a16:creationId xmlns:a16="http://schemas.microsoft.com/office/drawing/2014/main" id="{4A63AB51-C717-400D-8AA0-6A88CD02E371}"/>
+              </a:ext>
+            </a:extLst>
+          </p:cNvPr>
+          <p:cNvSpPr/>
+          <p:nvPr/>
+        </p:nvSpPr>
+        <p:spPr>
+          <a:xfrm>
+            <a:off x="1310603" y="3315021"/>
+            <a:ext cx="2171727" cy="273738"/>
+          </a:xfrm>
+          <a:prstGeom prst="rect">
+            <a:avLst/>
+          </a:prstGeom>
+          <a:solidFill>
+            <a:schemeClr val="accent6"/>
+          </a:solidFill>
+        </p:spPr>
+        <p:style>
+          <a:lnRef idx="2">
+            <a:schemeClr val="accent4">
+              <a:shade val="50000"/>
+            </a:schemeClr>
+          </a:lnRef>
+          <a:fillRef idx="1">
+            <a:schemeClr val="accent4"/>
+          </a:fillRef>
+          <a:effectRef idx="0">
+            <a:schemeClr val="accent4"/>
+          </a:effectRef>
+          <a:fontRef idx="minor">
+            <a:schemeClr val="lt1"/>
+          </a:fontRef>
+        </p:style>
+        <p:txBody>
+          <a:bodyPr rtlCol="0" anchor="ctr"/>
+          <a:lstStyle/>
+          <a:p>
+            <a:r>
+              <a:rPr lang="en-US" dirty="0">
+                <a:solidFill>
+                  <a:schemeClr val="tx1"/>
+                </a:solidFill>
+              </a:rPr>
+              <a:t>Top Z 		 :</a:t>
+            </a:r>
+          </a:p>
+        </p:txBody>
+      </p:sp>
+      <p:sp>
+        <p:nvSpPr>
+          <p:cNvPr id="28" name="Rectangle 27">
+            <a:extLst>
+              <a:ext uri="{FF2B5EF4-FFF2-40B4-BE49-F238E27FC236}">
+                <a16:creationId xmlns:a16="http://schemas.microsoft.com/office/drawing/2014/main" id="{B384FBB9-3B89-46A3-A97A-F3F597F9F9D1}"/>
+              </a:ext>
+            </a:extLst>
+          </p:cNvPr>
+          <p:cNvSpPr/>
+          <p:nvPr/>
+        </p:nvSpPr>
+        <p:spPr>
+          <a:xfrm>
+            <a:off x="1310604" y="2253690"/>
+            <a:ext cx="2171727" cy="273738"/>
+          </a:xfrm>
+          <a:prstGeom prst="rect">
+            <a:avLst/>
+          </a:prstGeom>
+          <a:solidFill>
+            <a:schemeClr val="accent6"/>
+          </a:solidFill>
+        </p:spPr>
+        <p:style>
+          <a:lnRef idx="2">
+            <a:schemeClr val="accent4">
+              <a:shade val="50000"/>
+            </a:schemeClr>
+          </a:lnRef>
+          <a:fillRef idx="1">
+            <a:schemeClr val="accent4"/>
+          </a:fillRef>
+          <a:effectRef idx="0">
+            <a:schemeClr val="accent4"/>
+          </a:effectRef>
+          <a:fontRef idx="minor">
+            <a:schemeClr val="lt1"/>
+          </a:fontRef>
+        </p:style>
+        <p:txBody>
+          <a:bodyPr rtlCol="0" anchor="ctr"/>
+          <a:lstStyle/>
+          <a:p>
+            <a:r>
+              <a:rPr lang="en-US" dirty="0">
+                <a:solidFill>
+                  <a:schemeClr val="tx1"/>
+                </a:solidFill>
+              </a:rPr>
+              <a:t>Wait(s) 		 :</a:t>
+            </a:r>
+          </a:p>
+        </p:txBody>
+      </p:sp>
+      <p:sp>
+        <p:nvSpPr>
+          <p:cNvPr id="29" name="Rectangle 28">
+            <a:extLst>
+              <a:ext uri="{FF2B5EF4-FFF2-40B4-BE49-F238E27FC236}">
+                <a16:creationId xmlns:a16="http://schemas.microsoft.com/office/drawing/2014/main" id="{104313E3-B6B8-4762-9BE8-D969E5818AC7}"/>
+              </a:ext>
+            </a:extLst>
+          </p:cNvPr>
+          <p:cNvSpPr/>
+          <p:nvPr/>
+        </p:nvSpPr>
+        <p:spPr>
+          <a:xfrm>
+            <a:off x="1310608" y="2952980"/>
+            <a:ext cx="2171727" cy="273738"/>
+          </a:xfrm>
+          <a:prstGeom prst="rect">
+            <a:avLst/>
+          </a:prstGeom>
+          <a:solidFill>
+            <a:schemeClr val="accent6"/>
+          </a:solidFill>
+        </p:spPr>
+        <p:style>
+          <a:lnRef idx="2">
+            <a:schemeClr val="accent4">
+              <a:shade val="50000"/>
+            </a:schemeClr>
+          </a:lnRef>
+          <a:fillRef idx="1">
+            <a:schemeClr val="accent4"/>
+          </a:fillRef>
+          <a:effectRef idx="0">
+            <a:schemeClr val="accent4"/>
+          </a:effectRef>
+          <a:fontRef idx="minor">
+            <a:schemeClr val="lt1"/>
+          </a:fontRef>
+        </p:style>
+        <p:txBody>
+          <a:bodyPr rtlCol="0" anchor="ctr"/>
+          <a:lstStyle/>
+          <a:p>
+            <a:r>
+              <a:rPr lang="en-US" dirty="0">
+                <a:solidFill>
+                  <a:schemeClr val="tx1"/>
+                </a:solidFill>
+              </a:rPr>
+              <a:t>Wait(s) 		 :</a:t>
+            </a:r>
+          </a:p>
+        </p:txBody>
+      </p:sp>
     </p:spTree>
     <p:extLst>
       <p:ext uri="{BB962C8B-B14F-4D97-AF65-F5344CB8AC3E}">
         <p14:creationId xmlns:p14="http://schemas.microsoft.com/office/powerpoint/2010/main" val="697925151"/>
-      </p:ext>
-    </p:extLst>
-  </p:cSld>
-  <p:clrMapOvr>
-    <a:masterClrMapping/>
-  </p:clrMapOvr>
-</p:sld>
-</file>
-
-<file path=ppt/slides/slide8.xml><?xml version="1.0" encoding="utf-8"?>
-<p:sld xmlns:a="http://schemas.openxmlformats.org/drawingml/2006/main" xmlns:r="http://schemas.openxmlformats.org/officeDocument/2006/relationships" xmlns:p="http://schemas.openxmlformats.org/presentationml/2006/main">
-  <p:cSld>
-    <p:spTree>
-      <p:nvGrpSpPr>
-        <p:cNvPr id="1" name=""/>
-        <p:cNvGrpSpPr/>
-        <p:nvPr/>
-      </p:nvGrpSpPr>
-      <p:grpSpPr>
-        <a:xfrm>
-          <a:off x="0" y="0"/>
-          <a:ext cx="0" cy="0"/>
-          <a:chOff x="0" y="0"/>
-          <a:chExt cx="0" cy="0"/>
-        </a:xfrm>
-      </p:grpSpPr>
-      <p:sp>
-        <p:nvSpPr>
-          <p:cNvPr id="2" name="Title 1">
-            <a:extLst>
-              <a:ext uri="{FF2B5EF4-FFF2-40B4-BE49-F238E27FC236}">
-                <a16:creationId xmlns:a16="http://schemas.microsoft.com/office/drawing/2014/main" id="{D65ABE23-41D0-4AD4-AEBF-8A64121931EA}"/>
-              </a:ext>
-            </a:extLst>
-          </p:cNvPr>
-          <p:cNvSpPr>
-            <a:spLocks noGrp="1"/>
-          </p:cNvSpPr>
-          <p:nvPr>
-            <p:ph type="title"/>
-          </p:nvPr>
-        </p:nvSpPr>
-        <p:spPr/>
-        <p:txBody>
-          <a:bodyPr/>
-          <a:lstStyle/>
-          <a:p>
-            <a:endParaRPr lang="en-US"/>
-          </a:p>
-        </p:txBody>
-      </p:sp>
-      <p:pic>
-        <p:nvPicPr>
-          <p:cNvPr id="9" name="Content Placeholder 8">
-            <a:extLst>
-              <a:ext uri="{FF2B5EF4-FFF2-40B4-BE49-F238E27FC236}">
-                <a16:creationId xmlns:a16="http://schemas.microsoft.com/office/drawing/2014/main" id="{B96CC200-4178-497B-82B6-719A99E8B477}"/>
-              </a:ext>
-            </a:extLst>
-          </p:cNvPr>
-          <p:cNvPicPr>
-            <a:picLocks noGrp="1" noChangeAspect="1"/>
-          </p:cNvPicPr>
-          <p:nvPr>
-            <p:ph idx="1"/>
-          </p:nvPr>
-        </p:nvPicPr>
-        <p:blipFill>
-          <a:blip r:embed="rId2"/>
-          <a:stretch>
-            <a:fillRect/>
-          </a:stretch>
-        </p:blipFill>
-        <p:spPr>
-          <a:xfrm>
-            <a:off x="1093234" y="1376092"/>
-            <a:ext cx="5433531" cy="2583404"/>
-          </a:xfrm>
-        </p:spPr>
-      </p:pic>
-    </p:spTree>
-    <p:extLst>
-      <p:ext uri="{BB962C8B-B14F-4D97-AF65-F5344CB8AC3E}">
-        <p14:creationId xmlns:p14="http://schemas.microsoft.com/office/powerpoint/2010/main" val="3524335434"/>
       </p:ext>
     </p:extLst>
   </p:cSld>
